--- a/paper_preparation/vnfmotion.pptx
+++ b/paper_preparation/vnfmotion.pptx
@@ -204,7 +204,7 @@
           <a:p>
             <a:fld id="{F175722C-BF99-4493-98EA-13A228BFBCAC}" type="datetimeFigureOut">
               <a:rPr lang="zh-CN" altLang="en-US" smtClean="0"/>
-              <a:t>2018/5/2</a:t>
+              <a:t>2018/5/3</a:t>
             </a:fld>
             <a:endParaRPr lang="zh-CN" altLang="en-US"/>
           </a:p>
@@ -727,7 +727,7 @@
           <a:p>
             <a:fld id="{96FCE966-66A7-4CE8-A05C-A547B05877E6}" type="datetimeFigureOut">
               <a:rPr lang="zh-CN" altLang="en-US" smtClean="0"/>
-              <a:t>2018/5/2</a:t>
+              <a:t>2018/5/3</a:t>
             </a:fld>
             <a:endParaRPr lang="zh-CN" altLang="en-US"/>
           </a:p>
@@ -897,7 +897,7 @@
           <a:p>
             <a:fld id="{96FCE966-66A7-4CE8-A05C-A547B05877E6}" type="datetimeFigureOut">
               <a:rPr lang="zh-CN" altLang="en-US" smtClean="0"/>
-              <a:t>2018/5/2</a:t>
+              <a:t>2018/5/3</a:t>
             </a:fld>
             <a:endParaRPr lang="zh-CN" altLang="en-US"/>
           </a:p>
@@ -1077,7 +1077,7 @@
           <a:p>
             <a:fld id="{96FCE966-66A7-4CE8-A05C-A547B05877E6}" type="datetimeFigureOut">
               <a:rPr lang="zh-CN" altLang="en-US" smtClean="0"/>
-              <a:t>2018/5/2</a:t>
+              <a:t>2018/5/3</a:t>
             </a:fld>
             <a:endParaRPr lang="zh-CN" altLang="en-US"/>
           </a:p>
@@ -1247,7 +1247,7 @@
           <a:p>
             <a:fld id="{96FCE966-66A7-4CE8-A05C-A547B05877E6}" type="datetimeFigureOut">
               <a:rPr lang="zh-CN" altLang="en-US" smtClean="0"/>
-              <a:t>2018/5/2</a:t>
+              <a:t>2018/5/3</a:t>
             </a:fld>
             <a:endParaRPr lang="zh-CN" altLang="en-US"/>
           </a:p>
@@ -1493,7 +1493,7 @@
           <a:p>
             <a:fld id="{96FCE966-66A7-4CE8-A05C-A547B05877E6}" type="datetimeFigureOut">
               <a:rPr lang="zh-CN" altLang="en-US" smtClean="0"/>
-              <a:t>2018/5/2</a:t>
+              <a:t>2018/5/3</a:t>
             </a:fld>
             <a:endParaRPr lang="zh-CN" altLang="en-US"/>
           </a:p>
@@ -1725,7 +1725,7 @@
           <a:p>
             <a:fld id="{96FCE966-66A7-4CE8-A05C-A547B05877E6}" type="datetimeFigureOut">
               <a:rPr lang="zh-CN" altLang="en-US" smtClean="0"/>
-              <a:t>2018/5/2</a:t>
+              <a:t>2018/5/3</a:t>
             </a:fld>
             <a:endParaRPr lang="zh-CN" altLang="en-US"/>
           </a:p>
@@ -2092,7 +2092,7 @@
           <a:p>
             <a:fld id="{96FCE966-66A7-4CE8-A05C-A547B05877E6}" type="datetimeFigureOut">
               <a:rPr lang="zh-CN" altLang="en-US" smtClean="0"/>
-              <a:t>2018/5/2</a:t>
+              <a:t>2018/5/3</a:t>
             </a:fld>
             <a:endParaRPr lang="zh-CN" altLang="en-US"/>
           </a:p>
@@ -2210,7 +2210,7 @@
           <a:p>
             <a:fld id="{96FCE966-66A7-4CE8-A05C-A547B05877E6}" type="datetimeFigureOut">
               <a:rPr lang="zh-CN" altLang="en-US" smtClean="0"/>
-              <a:t>2018/5/2</a:t>
+              <a:t>2018/5/3</a:t>
             </a:fld>
             <a:endParaRPr lang="zh-CN" altLang="en-US"/>
           </a:p>
@@ -2305,7 +2305,7 @@
           <a:p>
             <a:fld id="{96FCE966-66A7-4CE8-A05C-A547B05877E6}" type="datetimeFigureOut">
               <a:rPr lang="zh-CN" altLang="en-US" smtClean="0"/>
-              <a:t>2018/5/2</a:t>
+              <a:t>2018/5/3</a:t>
             </a:fld>
             <a:endParaRPr lang="zh-CN" altLang="en-US"/>
           </a:p>
@@ -2582,7 +2582,7 @@
           <a:p>
             <a:fld id="{96FCE966-66A7-4CE8-A05C-A547B05877E6}" type="datetimeFigureOut">
               <a:rPr lang="zh-CN" altLang="en-US" smtClean="0"/>
-              <a:t>2018/5/2</a:t>
+              <a:t>2018/5/3</a:t>
             </a:fld>
             <a:endParaRPr lang="zh-CN" altLang="en-US"/>
           </a:p>
@@ -2835,7 +2835,7 @@
           <a:p>
             <a:fld id="{96FCE966-66A7-4CE8-A05C-A547B05877E6}" type="datetimeFigureOut">
               <a:rPr lang="zh-CN" altLang="en-US" smtClean="0"/>
-              <a:t>2018/5/2</a:t>
+              <a:t>2018/5/3</a:t>
             </a:fld>
             <a:endParaRPr lang="zh-CN" altLang="en-US"/>
           </a:p>
@@ -3048,7 +3048,7 @@
           <a:p>
             <a:fld id="{96FCE966-66A7-4CE8-A05C-A547B05877E6}" type="datetimeFigureOut">
               <a:rPr lang="zh-CN" altLang="en-US" smtClean="0"/>
-              <a:t>2018/5/2</a:t>
+              <a:t>2018/5/3</a:t>
             </a:fld>
             <a:endParaRPr lang="zh-CN" altLang="en-US"/>
           </a:p>
@@ -4450,15 +4450,7 @@
                   <a:srgbClr val="FF0000"/>
                 </a:solidFill>
               </a:rPr>
-              <a:t>核</a:t>
-            </a:r>
-            <a:r>
-              <a:rPr lang="zh-CN" altLang="en-US" dirty="0" smtClean="0">
-                <a:solidFill>
-                  <a:srgbClr val="FF0000"/>
-                </a:solidFill>
-              </a:rPr>
-              <a:t>间 </a:t>
+              <a:t>核间 </a:t>
             </a:r>
             <a:r>
               <a:rPr lang="zh-CN" altLang="en-US" dirty="0">
@@ -4602,15 +4594,7 @@
                   <a:srgbClr val="FF0000"/>
                 </a:solidFill>
               </a:rPr>
-              <a:t>或同一个核</a:t>
-            </a:r>
-            <a:r>
-              <a:rPr lang="zh-CN" altLang="en-US" dirty="0" smtClean="0">
-                <a:solidFill>
-                  <a:srgbClr val="FF0000"/>
-                </a:solidFill>
-              </a:rPr>
-              <a:t>上</a:t>
+              <a:t>或同一个核上</a:t>
             </a:r>
             <a:r>
               <a:rPr lang="zh-CN" altLang="en-US" dirty="0" smtClean="0"/>
@@ -4711,11 +4695,7 @@
           <a:p>
             <a:r>
               <a:rPr lang="zh-CN" altLang="en-US" dirty="0" smtClean="0"/>
-              <a:t>算法</a:t>
-            </a:r>
-            <a:r>
-              <a:rPr lang="zh-CN" altLang="en-US" dirty="0" smtClean="0"/>
-              <a:t>评估</a:t>
+              <a:t>算法评估</a:t>
             </a:r>
             <a:endParaRPr lang="en-US" altLang="zh-CN" dirty="0"/>
           </a:p>
@@ -4787,7 +4767,6 @@
               <a:rPr lang="en-US" altLang="zh-CN" dirty="0"/>
               <a:t>	</a:t>
             </a:r>
-            <a:endParaRPr lang="en-US" altLang="zh-CN" dirty="0"/>
           </a:p>
         </p:txBody>
       </p:sp>
@@ -4861,15 +4840,7 @@
           <a:p>
             <a:r>
               <a:rPr lang="zh-CN" altLang="en-US" dirty="0" smtClean="0"/>
-              <a:t>省</a:t>
-            </a:r>
-            <a:r>
-              <a:rPr lang="zh-CN" altLang="en-US" dirty="0" smtClean="0"/>
-              <a:t>电</a:t>
-            </a:r>
-            <a:r>
-              <a:rPr lang="zh-CN" altLang="en-US" dirty="0" smtClean="0"/>
-              <a:t>效果</a:t>
+              <a:t>省电效果</a:t>
             </a:r>
             <a:endParaRPr lang="en-US" altLang="zh-CN" dirty="0" smtClean="0"/>
           </a:p>
@@ -4887,9 +4858,29 @@
             </a:r>
             <a:r>
               <a:rPr lang="zh-CN" altLang="en-US" dirty="0"/>
-              <a:t>合并图</a:t>
-            </a:r>
-            <a:endParaRPr lang="en-US" altLang="zh-CN" dirty="0"/>
+              <a:t>合并</a:t>
+            </a:r>
+            <a:r>
+              <a:rPr lang="zh-CN" altLang="en-US" dirty="0" smtClean="0"/>
+              <a:t>图（那么</a:t>
+            </a:r>
+            <a:r>
+              <a:rPr lang="zh-CN" altLang="en-US" dirty="0"/>
+              <a:t>需不需要</a:t>
+            </a:r>
+            <a:r>
+              <a:rPr lang="en-US" altLang="zh-CN" dirty="0" err="1"/>
+              <a:t>cpu</a:t>
+            </a:r>
+            <a:r>
+              <a:rPr lang="zh-CN" altLang="en-US" dirty="0"/>
+              <a:t>分裂的图呢</a:t>
+            </a:r>
+            <a:r>
+              <a:rPr lang="zh-CN" altLang="en-US" dirty="0" smtClean="0"/>
+              <a:t>？）</a:t>
+            </a:r>
+            <a:endParaRPr lang="en-US" altLang="zh-CN" dirty="0" smtClean="0"/>
           </a:p>
           <a:p>
             <a:pPr marL="0" indent="0">
@@ -4900,20 +4891,40 @@
               <a:t>	</a:t>
             </a:r>
             <a:r>
-              <a:rPr lang="zh-CN" altLang="en-US" dirty="0"/>
-              <a:t>那么需不需要</a:t>
-            </a:r>
-            <a:r>
-              <a:rPr lang="en-US" altLang="zh-CN" dirty="0" err="1"/>
+              <a:rPr lang="en-US" altLang="zh-CN" dirty="0" err="1" smtClean="0"/>
               <a:t>cpu</a:t>
             </a:r>
             <a:r>
-              <a:rPr lang="zh-CN" altLang="en-US" dirty="0"/>
-              <a:t>分裂的图呢</a:t>
-            </a:r>
-            <a:r>
               <a:rPr lang="zh-CN" altLang="en-US" dirty="0" smtClean="0"/>
-              <a:t>？</a:t>
+              <a:t>的个数随着发包速率的变化而变化 图（这个可能可以更新一下）</a:t>
+            </a:r>
+            <a:endParaRPr lang="en-US" altLang="zh-CN" dirty="0" smtClean="0"/>
+          </a:p>
+          <a:p>
+            <a:pPr marL="0" indent="0">
+              <a:buNone/>
+            </a:pPr>
+            <a:r>
+              <a:rPr lang="en-US" altLang="zh-CN" dirty="0"/>
+              <a:t>	</a:t>
+            </a:r>
+            <a:r>
+              <a:rPr lang="zh-CN" altLang="en-US" dirty="0" smtClean="0"/>
+              <a:t>我们的算法与原始不做处理的进行对比，节能效果</a:t>
+            </a:r>
+            <a:endParaRPr lang="en-US" altLang="zh-CN" dirty="0" smtClean="0"/>
+          </a:p>
+          <a:p>
+            <a:pPr marL="0" indent="0">
+              <a:buNone/>
+            </a:pPr>
+            <a:r>
+              <a:rPr lang="en-US" altLang="zh-CN" dirty="0"/>
+              <a:t>	</a:t>
+            </a:r>
+            <a:r>
+              <a:rPr lang="zh-CN" altLang="en-US" dirty="0" smtClean="0"/>
+              <a:t>我们的算法与原始不做处理的进行对比，性能效果</a:t>
             </a:r>
             <a:endParaRPr lang="en-US" altLang="zh-CN" dirty="0"/>
           </a:p>

--- a/paper_preparation/vnfmotion.pptx
+++ b/paper_preparation/vnfmotion.pptx
@@ -1,30 +1,417 @@
 
 <file path=ppt/presentation.xml><?xml version="1.0" encoding="utf-8"?>
-<p:presentation xmlns:a="http://schemas.openxmlformats.org/drawingml/2006/main" xmlns:p="http://schemas.openxmlformats.org/presentationml/2006/main" xmlns:r="http://schemas.openxmlformats.org/officeDocument/2006/relationships">
+<p:presentation xmlns:a="http://schemas.openxmlformats.org/drawingml/2006/main" xmlns:r="http://schemas.openxmlformats.org/officeDocument/2006/relationships" xmlns:p="http://schemas.openxmlformats.org/presentationml/2006/main">
   <p:sldMasterIdLst>
-    <p:sldMasterId id="2147483648" r:id="rId2"/>
-    <p:sldMasterId id="2147483661" r:id="rId3"/>
+    <p:sldMasterId id="2147483648" r:id="rId1"/>
+    <p:sldMasterId id="2147483661" r:id="rId2"/>
   </p:sldMasterIdLst>
   <p:notesMasterIdLst>
-    <p:notesMasterId r:id="rId4"/>
+    <p:notesMasterId r:id="rId11"/>
   </p:notesMasterIdLst>
   <p:sldIdLst>
-    <p:sldId id="256" r:id="rId5"/>
-    <p:sldId id="257" r:id="rId6"/>
-    <p:sldId id="258" r:id="rId7"/>
-    <p:sldId id="259" r:id="rId8"/>
-    <p:sldId id="260" r:id="rId9"/>
-    <p:sldId id="261" r:id="rId10"/>
-    <p:sldId id="262" r:id="rId11"/>
-    <p:sldId id="263" r:id="rId12"/>
+    <p:sldId id="256" r:id="rId3"/>
+    <p:sldId id="257" r:id="rId4"/>
+    <p:sldId id="258" r:id="rId5"/>
+    <p:sldId id="259" r:id="rId6"/>
+    <p:sldId id="260" r:id="rId7"/>
+    <p:sldId id="261" r:id="rId8"/>
+    <p:sldId id="262" r:id="rId9"/>
+    <p:sldId id="263" r:id="rId10"/>
   </p:sldIdLst>
   <p:sldSz cx="12192000" cy="6858000"/>
   <p:notesSz cx="6858000" cy="9144000"/>
+  <p:defaultTextStyle>
+    <a:defPPr>
+      <a:defRPr lang="zh-CN"/>
+    </a:defPPr>
+    <a:lvl1pPr marL="0" algn="l" defTabSz="914400" rtl="0" eaLnBrk="1" latinLnBrk="0" hangingPunct="1">
+      <a:defRPr sz="1800" kern="1200">
+        <a:solidFill>
+          <a:schemeClr val="tx1"/>
+        </a:solidFill>
+        <a:latin typeface="+mn-lt"/>
+        <a:ea typeface="+mn-ea"/>
+        <a:cs typeface="+mn-cs"/>
+      </a:defRPr>
+    </a:lvl1pPr>
+    <a:lvl2pPr marL="457200" algn="l" defTabSz="914400" rtl="0" eaLnBrk="1" latinLnBrk="0" hangingPunct="1">
+      <a:defRPr sz="1800" kern="1200">
+        <a:solidFill>
+          <a:schemeClr val="tx1"/>
+        </a:solidFill>
+        <a:latin typeface="+mn-lt"/>
+        <a:ea typeface="+mn-ea"/>
+        <a:cs typeface="+mn-cs"/>
+      </a:defRPr>
+    </a:lvl2pPr>
+    <a:lvl3pPr marL="914400" algn="l" defTabSz="914400" rtl="0" eaLnBrk="1" latinLnBrk="0" hangingPunct="1">
+      <a:defRPr sz="1800" kern="1200">
+        <a:solidFill>
+          <a:schemeClr val="tx1"/>
+        </a:solidFill>
+        <a:latin typeface="+mn-lt"/>
+        <a:ea typeface="+mn-ea"/>
+        <a:cs typeface="+mn-cs"/>
+      </a:defRPr>
+    </a:lvl3pPr>
+    <a:lvl4pPr marL="1371600" algn="l" defTabSz="914400" rtl="0" eaLnBrk="1" latinLnBrk="0" hangingPunct="1">
+      <a:defRPr sz="1800" kern="1200">
+        <a:solidFill>
+          <a:schemeClr val="tx1"/>
+        </a:solidFill>
+        <a:latin typeface="+mn-lt"/>
+        <a:ea typeface="+mn-ea"/>
+        <a:cs typeface="+mn-cs"/>
+      </a:defRPr>
+    </a:lvl4pPr>
+    <a:lvl5pPr marL="1828800" algn="l" defTabSz="914400" rtl="0" eaLnBrk="1" latinLnBrk="0" hangingPunct="1">
+      <a:defRPr sz="1800" kern="1200">
+        <a:solidFill>
+          <a:schemeClr val="tx1"/>
+        </a:solidFill>
+        <a:latin typeface="+mn-lt"/>
+        <a:ea typeface="+mn-ea"/>
+        <a:cs typeface="+mn-cs"/>
+      </a:defRPr>
+    </a:lvl5pPr>
+    <a:lvl6pPr marL="2286000" algn="l" defTabSz="914400" rtl="0" eaLnBrk="1" latinLnBrk="0" hangingPunct="1">
+      <a:defRPr sz="1800" kern="1200">
+        <a:solidFill>
+          <a:schemeClr val="tx1"/>
+        </a:solidFill>
+        <a:latin typeface="+mn-lt"/>
+        <a:ea typeface="+mn-ea"/>
+        <a:cs typeface="+mn-cs"/>
+      </a:defRPr>
+    </a:lvl6pPr>
+    <a:lvl7pPr marL="2743200" algn="l" defTabSz="914400" rtl="0" eaLnBrk="1" latinLnBrk="0" hangingPunct="1">
+      <a:defRPr sz="1800" kern="1200">
+        <a:solidFill>
+          <a:schemeClr val="tx1"/>
+        </a:solidFill>
+        <a:latin typeface="+mn-lt"/>
+        <a:ea typeface="+mn-ea"/>
+        <a:cs typeface="+mn-cs"/>
+      </a:defRPr>
+    </a:lvl7pPr>
+    <a:lvl8pPr marL="3200400" algn="l" defTabSz="914400" rtl="0" eaLnBrk="1" latinLnBrk="0" hangingPunct="1">
+      <a:defRPr sz="1800" kern="1200">
+        <a:solidFill>
+          <a:schemeClr val="tx1"/>
+        </a:solidFill>
+        <a:latin typeface="+mn-lt"/>
+        <a:ea typeface="+mn-ea"/>
+        <a:cs typeface="+mn-cs"/>
+      </a:defRPr>
+    </a:lvl8pPr>
+    <a:lvl9pPr marL="3657600" algn="l" defTabSz="914400" rtl="0" eaLnBrk="1" latinLnBrk="0" hangingPunct="1">
+      <a:defRPr sz="1800" kern="1200">
+        <a:solidFill>
+          <a:schemeClr val="tx1"/>
+        </a:solidFill>
+        <a:latin typeface="+mn-lt"/>
+        <a:ea typeface="+mn-ea"/>
+        <a:cs typeface="+mn-cs"/>
+      </a:defRPr>
+    </a:lvl9pPr>
+  </p:defaultTextStyle>
 </p:presentation>
 </file>
 
 <file path=ppt/notesMasters/notesMaster1.xml><?xml version="1.0" encoding="utf-8"?>
-<p:notesMaster xmlns:a="http://schemas.openxmlformats.org/drawingml/2006/main" xmlns:p="http://schemas.openxmlformats.org/presentationml/2006/main" xmlns:r="http://schemas.openxmlformats.org/officeDocument/2006/relationships">
+<p:notesMaster xmlns:a="http://schemas.openxmlformats.org/drawingml/2006/main" xmlns:r="http://schemas.openxmlformats.org/officeDocument/2006/relationships" xmlns:p="http://schemas.openxmlformats.org/presentationml/2006/main">
+  <p:cSld>
+    <p:bg>
+      <p:bgRef idx="1001">
+        <a:schemeClr val="bg1"/>
+      </p:bgRef>
+    </p:bg>
+    <p:spTree>
+      <p:nvGrpSpPr>
+        <p:cNvPr id="1" name=""/>
+        <p:cNvGrpSpPr/>
+        <p:nvPr/>
+      </p:nvGrpSpPr>
+      <p:grpSpPr>
+        <a:xfrm>
+          <a:off x="0" y="0"/>
+          <a:ext cx="0" cy="0"/>
+          <a:chOff x="0" y="0"/>
+          <a:chExt cx="0" cy="0"/>
+        </a:xfrm>
+      </p:grpSpPr>
+      <p:sp>
+        <p:nvSpPr>
+          <p:cNvPr id="78" name="PlaceHolder 1"/>
+          <p:cNvSpPr>
+            <a:spLocks noGrp="1"/>
+          </p:cNvSpPr>
+          <p:nvPr>
+            <p:ph type="body"/>
+          </p:nvPr>
+        </p:nvSpPr>
+        <p:spPr>
+          <a:xfrm>
+            <a:off x="756000" y="5078520"/>
+            <a:ext cx="6047640" cy="4811040"/>
+          </a:xfrm>
+          <a:prstGeom prst="rect">
+            <a:avLst/>
+          </a:prstGeom>
+        </p:spPr>
+        <p:txBody>
+          <a:bodyPr lIns="0" tIns="0" rIns="0" bIns="0"/>
+          <a:lstStyle/>
+          <a:p>
+            <a:r>
+              <a:rPr lang="en-US" sz="2000">
+                <a:latin typeface="Arial"/>
+              </a:rPr>
+              <a:t>单击编辑备注格式</a:t>
+            </a:r>
+            <a:endParaRPr/>
+          </a:p>
+        </p:txBody>
+      </p:sp>
+      <p:sp>
+        <p:nvSpPr>
+          <p:cNvPr id="79" name="PlaceHolder 2"/>
+          <p:cNvSpPr>
+            <a:spLocks noGrp="1"/>
+          </p:cNvSpPr>
+          <p:nvPr>
+            <p:ph type="hdr"/>
+          </p:nvPr>
+        </p:nvSpPr>
+        <p:spPr>
+          <a:xfrm>
+            <a:off x="0" y="0"/>
+            <a:ext cx="3280680" cy="534240"/>
+          </a:xfrm>
+          <a:prstGeom prst="rect">
+            <a:avLst/>
+          </a:prstGeom>
+        </p:spPr>
+        <p:txBody>
+          <a:bodyPr lIns="0" tIns="0" rIns="0" bIns="0"/>
+          <a:lstStyle/>
+          <a:p>
+            <a:r>
+              <a:rPr lang="en-US" sz="1400">
+                <a:latin typeface="Times New Roman"/>
+              </a:rPr>
+              <a:t>&lt;页眉&gt;</a:t>
+            </a:r>
+            <a:endParaRPr/>
+          </a:p>
+        </p:txBody>
+      </p:sp>
+      <p:sp>
+        <p:nvSpPr>
+          <p:cNvPr id="80" name="PlaceHolder 3"/>
+          <p:cNvSpPr>
+            <a:spLocks noGrp="1"/>
+          </p:cNvSpPr>
+          <p:nvPr>
+            <p:ph type="dt"/>
+          </p:nvPr>
+        </p:nvSpPr>
+        <p:spPr>
+          <a:xfrm>
+            <a:off x="4278960" y="0"/>
+            <a:ext cx="3280680" cy="534240"/>
+          </a:xfrm>
+          <a:prstGeom prst="rect">
+            <a:avLst/>
+          </a:prstGeom>
+        </p:spPr>
+        <p:txBody>
+          <a:bodyPr lIns="0" tIns="0" rIns="0" bIns="0"/>
+          <a:lstStyle/>
+          <a:p>
+            <a:pPr algn="r"/>
+            <a:r>
+              <a:rPr lang="en-US" sz="1400">
+                <a:latin typeface="Times New Roman"/>
+              </a:rPr>
+              <a:t>&lt;日期/时间&gt;</a:t>
+            </a:r>
+            <a:endParaRPr/>
+          </a:p>
+        </p:txBody>
+      </p:sp>
+      <p:sp>
+        <p:nvSpPr>
+          <p:cNvPr id="81" name="PlaceHolder 4"/>
+          <p:cNvSpPr>
+            <a:spLocks noGrp="1"/>
+          </p:cNvSpPr>
+          <p:nvPr>
+            <p:ph type="ftr"/>
+          </p:nvPr>
+        </p:nvSpPr>
+        <p:spPr>
+          <a:xfrm>
+            <a:off x="0" y="10157400"/>
+            <a:ext cx="3280680" cy="534240"/>
+          </a:xfrm>
+          <a:prstGeom prst="rect">
+            <a:avLst/>
+          </a:prstGeom>
+        </p:spPr>
+        <p:txBody>
+          <a:bodyPr lIns="0" tIns="0" rIns="0" bIns="0" anchor="b"/>
+          <a:lstStyle/>
+          <a:p>
+            <a:r>
+              <a:rPr lang="en-US" sz="1400">
+                <a:latin typeface="Times New Roman"/>
+              </a:rPr>
+              <a:t>&lt;页脚&gt;</a:t>
+            </a:r>
+            <a:endParaRPr/>
+          </a:p>
+        </p:txBody>
+      </p:sp>
+      <p:sp>
+        <p:nvSpPr>
+          <p:cNvPr id="82" name="PlaceHolder 5"/>
+          <p:cNvSpPr>
+            <a:spLocks noGrp="1"/>
+          </p:cNvSpPr>
+          <p:nvPr>
+            <p:ph type="sldNum"/>
+          </p:nvPr>
+        </p:nvSpPr>
+        <p:spPr>
+          <a:xfrm>
+            <a:off x="4278960" y="10157400"/>
+            <a:ext cx="3280680" cy="534240"/>
+          </a:xfrm>
+          <a:prstGeom prst="rect">
+            <a:avLst/>
+          </a:prstGeom>
+        </p:spPr>
+        <p:txBody>
+          <a:bodyPr lIns="0" tIns="0" rIns="0" bIns="0" anchor="b"/>
+          <a:lstStyle/>
+          <a:p>
+            <a:pPr algn="r"/>
+            <a:fld id="{25EDC277-2940-4B7C-90E4-8ADD847C610C}" type="slidenum">
+              <a:rPr lang="en-US" sz="1400">
+                <a:latin typeface="Times New Roman"/>
+              </a:rPr>
+              <a:t>‹#›</a:t>
+            </a:fld>
+            <a:endParaRPr/>
+          </a:p>
+        </p:txBody>
+      </p:sp>
+    </p:spTree>
+    <p:extLst>
+      <p:ext uri="{BB962C8B-B14F-4D97-AF65-F5344CB8AC3E}">
+        <p14:creationId xmlns:p14="http://schemas.microsoft.com/office/powerpoint/2010/main" val="1135647343"/>
+      </p:ext>
+    </p:extLst>
+  </p:cSld>
+  <p:clrMap bg1="lt1" tx1="dk1" bg2="lt2" tx2="dk2" accent1="accent1" accent2="accent2" accent3="accent3" accent4="accent4" accent5="accent5" accent6="accent6" hlink="hlink" folHlink="folHlink"/>
+  <p:notesStyle>
+    <a:lvl1pPr marL="0" algn="l" defTabSz="914400" rtl="0" eaLnBrk="1" latinLnBrk="0" hangingPunct="1">
+      <a:defRPr sz="1200" kern="1200">
+        <a:solidFill>
+          <a:schemeClr val="tx1"/>
+        </a:solidFill>
+        <a:latin typeface="+mn-lt"/>
+        <a:ea typeface="+mn-ea"/>
+        <a:cs typeface="+mn-cs"/>
+      </a:defRPr>
+    </a:lvl1pPr>
+    <a:lvl2pPr marL="457200" algn="l" defTabSz="914400" rtl="0" eaLnBrk="1" latinLnBrk="0" hangingPunct="1">
+      <a:defRPr sz="1200" kern="1200">
+        <a:solidFill>
+          <a:schemeClr val="tx1"/>
+        </a:solidFill>
+        <a:latin typeface="+mn-lt"/>
+        <a:ea typeface="+mn-ea"/>
+        <a:cs typeface="+mn-cs"/>
+      </a:defRPr>
+    </a:lvl2pPr>
+    <a:lvl3pPr marL="914400" algn="l" defTabSz="914400" rtl="0" eaLnBrk="1" latinLnBrk="0" hangingPunct="1">
+      <a:defRPr sz="1200" kern="1200">
+        <a:solidFill>
+          <a:schemeClr val="tx1"/>
+        </a:solidFill>
+        <a:latin typeface="+mn-lt"/>
+        <a:ea typeface="+mn-ea"/>
+        <a:cs typeface="+mn-cs"/>
+      </a:defRPr>
+    </a:lvl3pPr>
+    <a:lvl4pPr marL="1371600" algn="l" defTabSz="914400" rtl="0" eaLnBrk="1" latinLnBrk="0" hangingPunct="1">
+      <a:defRPr sz="1200" kern="1200">
+        <a:solidFill>
+          <a:schemeClr val="tx1"/>
+        </a:solidFill>
+        <a:latin typeface="+mn-lt"/>
+        <a:ea typeface="+mn-ea"/>
+        <a:cs typeface="+mn-cs"/>
+      </a:defRPr>
+    </a:lvl4pPr>
+    <a:lvl5pPr marL="1828800" algn="l" defTabSz="914400" rtl="0" eaLnBrk="1" latinLnBrk="0" hangingPunct="1">
+      <a:defRPr sz="1200" kern="1200">
+        <a:solidFill>
+          <a:schemeClr val="tx1"/>
+        </a:solidFill>
+        <a:latin typeface="+mn-lt"/>
+        <a:ea typeface="+mn-ea"/>
+        <a:cs typeface="+mn-cs"/>
+      </a:defRPr>
+    </a:lvl5pPr>
+    <a:lvl6pPr marL="2286000" algn="l" defTabSz="914400" rtl="0" eaLnBrk="1" latinLnBrk="0" hangingPunct="1">
+      <a:defRPr sz="1200" kern="1200">
+        <a:solidFill>
+          <a:schemeClr val="tx1"/>
+        </a:solidFill>
+        <a:latin typeface="+mn-lt"/>
+        <a:ea typeface="+mn-ea"/>
+        <a:cs typeface="+mn-cs"/>
+      </a:defRPr>
+    </a:lvl6pPr>
+    <a:lvl7pPr marL="2743200" algn="l" defTabSz="914400" rtl="0" eaLnBrk="1" latinLnBrk="0" hangingPunct="1">
+      <a:defRPr sz="1200" kern="1200">
+        <a:solidFill>
+          <a:schemeClr val="tx1"/>
+        </a:solidFill>
+        <a:latin typeface="+mn-lt"/>
+        <a:ea typeface="+mn-ea"/>
+        <a:cs typeface="+mn-cs"/>
+      </a:defRPr>
+    </a:lvl7pPr>
+    <a:lvl8pPr marL="3200400" algn="l" defTabSz="914400" rtl="0" eaLnBrk="1" latinLnBrk="0" hangingPunct="1">
+      <a:defRPr sz="1200" kern="1200">
+        <a:solidFill>
+          <a:schemeClr val="tx1"/>
+        </a:solidFill>
+        <a:latin typeface="+mn-lt"/>
+        <a:ea typeface="+mn-ea"/>
+        <a:cs typeface="+mn-cs"/>
+      </a:defRPr>
+    </a:lvl8pPr>
+    <a:lvl9pPr marL="3657600" algn="l" defTabSz="914400" rtl="0" eaLnBrk="1" latinLnBrk="0" hangingPunct="1">
+      <a:defRPr sz="1200" kern="1200">
+        <a:solidFill>
+          <a:schemeClr val="tx1"/>
+        </a:solidFill>
+        <a:latin typeface="+mn-lt"/>
+        <a:ea typeface="+mn-ea"/>
+        <a:cs typeface="+mn-cs"/>
+      </a:defRPr>
+    </a:lvl9pPr>
+  </p:notesStyle>
+</p:notesMaster>
+</file>
+
+<file path=ppt/notesSlides/notesSlide1.xml><?xml version="1.0" encoding="utf-8"?>
+<p:notes xmlns:a="http://schemas.openxmlformats.org/drawingml/2006/main" xmlns:r="http://schemas.openxmlformats.org/officeDocument/2006/relationships" xmlns:p="http://schemas.openxmlformats.org/presentationml/2006/main">
   <p:cSld>
     <p:spTree>
       <p:nvGrpSpPr>
@@ -42,7 +429,7 @@
       </p:grpSpPr>
       <p:sp>
         <p:nvSpPr>
-          <p:cNvPr id="78" name="PlaceHolder 1"/>
+          <p:cNvPr id="99" name="PlaceHolder 1"/>
           <p:cNvSpPr>
             <a:spLocks noGrp="1"/>
           </p:cNvSpPr>
@@ -52,205 +439,21 @@
         </p:nvSpPr>
         <p:spPr>
           <a:xfrm>
-            <a:off x="756000" y="5078520"/>
-            <a:ext cx="6047640" cy="4811040"/>
-          </a:xfrm>
-          <a:prstGeom prst="rect">
-            <a:avLst/>
-          </a:prstGeom>
-        </p:spPr>
-        <p:txBody>
-          <a:bodyPr lIns="0" rIns="0" tIns="0" bIns="0"/>
+            <a:off x="685800" y="4400640"/>
+            <a:ext cx="5486040" cy="3600000"/>
+          </a:xfrm>
+          <a:prstGeom prst="rect">
+            <a:avLst/>
+          </a:prstGeom>
+        </p:spPr>
+        <p:txBody>
+          <a:bodyPr/>
+          <a:lstStyle/>
           <a:p>
             <a:r>
               <a:rPr lang="en-US" sz="2000">
                 <a:latin typeface="Arial"/>
               </a:rPr>
-              <a:t>单击编辑备注格式</a:t>
-            </a:r>
-            <a:endParaRPr/>
-          </a:p>
-        </p:txBody>
-      </p:sp>
-      <p:sp>
-        <p:nvSpPr>
-          <p:cNvPr id="79" name="PlaceHolder 2"/>
-          <p:cNvSpPr>
-            <a:spLocks noGrp="1"/>
-          </p:cNvSpPr>
-          <p:nvPr>
-            <p:ph type="hdr"/>
-          </p:nvPr>
-        </p:nvSpPr>
-        <p:spPr>
-          <a:xfrm>
-            <a:off x="0" y="0"/>
-            <a:ext cx="3280680" cy="534240"/>
-          </a:xfrm>
-          <a:prstGeom prst="rect">
-            <a:avLst/>
-          </a:prstGeom>
-        </p:spPr>
-        <p:txBody>
-          <a:bodyPr lIns="0" rIns="0" tIns="0" bIns="0"/>
-          <a:p>
-            <a:r>
-              <a:rPr lang="en-US" sz="1400">
-                <a:latin typeface="Times New Roman"/>
-              </a:rPr>
-              <a:t>&lt;页眉&gt;</a:t>
-            </a:r>
-            <a:endParaRPr/>
-          </a:p>
-        </p:txBody>
-      </p:sp>
-      <p:sp>
-        <p:nvSpPr>
-          <p:cNvPr id="80" name="PlaceHolder 3"/>
-          <p:cNvSpPr>
-            <a:spLocks noGrp="1"/>
-          </p:cNvSpPr>
-          <p:nvPr>
-            <p:ph type="dt"/>
-          </p:nvPr>
-        </p:nvSpPr>
-        <p:spPr>
-          <a:xfrm>
-            <a:off x="4278960" y="0"/>
-            <a:ext cx="3280680" cy="534240"/>
-          </a:xfrm>
-          <a:prstGeom prst="rect">
-            <a:avLst/>
-          </a:prstGeom>
-        </p:spPr>
-        <p:txBody>
-          <a:bodyPr lIns="0" rIns="0" tIns="0" bIns="0"/>
-          <a:p>
-            <a:pPr algn="r"/>
-            <a:r>
-              <a:rPr lang="en-US" sz="1400">
-                <a:latin typeface="Times New Roman"/>
-              </a:rPr>
-              <a:t>&lt;日期/时间&gt;</a:t>
-            </a:r>
-            <a:endParaRPr/>
-          </a:p>
-        </p:txBody>
-      </p:sp>
-      <p:sp>
-        <p:nvSpPr>
-          <p:cNvPr id="81" name="PlaceHolder 4"/>
-          <p:cNvSpPr>
-            <a:spLocks noGrp="1"/>
-          </p:cNvSpPr>
-          <p:nvPr>
-            <p:ph type="ftr"/>
-          </p:nvPr>
-        </p:nvSpPr>
-        <p:spPr>
-          <a:xfrm>
-            <a:off x="0" y="10157400"/>
-            <a:ext cx="3280680" cy="534240"/>
-          </a:xfrm>
-          <a:prstGeom prst="rect">
-            <a:avLst/>
-          </a:prstGeom>
-        </p:spPr>
-        <p:txBody>
-          <a:bodyPr lIns="0" rIns="0" tIns="0" bIns="0" anchor="b"/>
-          <a:p>
-            <a:r>
-              <a:rPr lang="en-US" sz="1400">
-                <a:latin typeface="Times New Roman"/>
-              </a:rPr>
-              <a:t>&lt;页脚&gt;</a:t>
-            </a:r>
-            <a:endParaRPr/>
-          </a:p>
-        </p:txBody>
-      </p:sp>
-      <p:sp>
-        <p:nvSpPr>
-          <p:cNvPr id="82" name="PlaceHolder 5"/>
-          <p:cNvSpPr>
-            <a:spLocks noGrp="1"/>
-          </p:cNvSpPr>
-          <p:nvPr>
-            <p:ph type="sldNum"/>
-          </p:nvPr>
-        </p:nvSpPr>
-        <p:spPr>
-          <a:xfrm>
-            <a:off x="4278960" y="10157400"/>
-            <a:ext cx="3280680" cy="534240"/>
-          </a:xfrm>
-          <a:prstGeom prst="rect">
-            <a:avLst/>
-          </a:prstGeom>
-        </p:spPr>
-        <p:txBody>
-          <a:bodyPr lIns="0" rIns="0" tIns="0" bIns="0" anchor="b"/>
-          <a:p>
-            <a:pPr algn="r"/>
-            <a:fld id="{25EDC277-2940-4B7C-90E4-8ADD847C610C}" type="slidenum">
-              <a:rPr lang="en-US" sz="1400">
-                <a:latin typeface="Times New Roman"/>
-              </a:rPr>
-              <a:t>&lt;编号&gt;</a:t>
-            </a:fld>
-            <a:endParaRPr/>
-          </a:p>
-        </p:txBody>
-      </p:sp>
-    </p:spTree>
-  </p:cSld>
-  <p:clrMap bg1="lt1" bg2="lt2" tx1="dk1" tx2="dk2" accent1="accent1" accent2="accent2" accent3="accent3" accent4="accent4" accent5="accent5" accent6="accent6" hlink="hlink" folHlink="folHlink"/>
-</p:notesMaster>
-</file>
-
-<file path=ppt/notesSlides/notesSlide6.xml><?xml version="1.0" encoding="utf-8"?>
-<p:notes xmlns:a="http://schemas.openxmlformats.org/drawingml/2006/main" xmlns:p="http://schemas.openxmlformats.org/presentationml/2006/main" xmlns:r="http://schemas.openxmlformats.org/officeDocument/2006/relationships">
-  <p:cSld>
-    <p:spTree>
-      <p:nvGrpSpPr>
-        <p:cNvPr id="1" name=""/>
-        <p:cNvGrpSpPr/>
-        <p:nvPr/>
-      </p:nvGrpSpPr>
-      <p:grpSpPr>
-        <a:xfrm>
-          <a:off x="0" y="0"/>
-          <a:ext cx="0" cy="0"/>
-          <a:chOff x="0" y="0"/>
-          <a:chExt cx="0" cy="0"/>
-        </a:xfrm>
-      </p:grpSpPr>
-      <p:sp>
-        <p:nvSpPr>
-          <p:cNvPr id="99" name="PlaceHolder 1"/>
-          <p:cNvSpPr>
-            <a:spLocks noGrp="1"/>
-          </p:cNvSpPr>
-          <p:nvPr>
-            <p:ph type="body"/>
-          </p:nvPr>
-        </p:nvSpPr>
-        <p:spPr>
-          <a:xfrm>
-            <a:off x="685800" y="4400640"/>
-            <a:ext cx="5486040" cy="3600000"/>
-          </a:xfrm>
-          <a:prstGeom prst="rect">
-            <a:avLst/>
-          </a:prstGeom>
-        </p:spPr>
-        <p:txBody>
-          <a:bodyPr/>
-          <a:p>
-            <a:r>
-              <a:rPr lang="en-US" sz="2000">
-                <a:latin typeface="Arial"/>
-              </a:rPr>
               <a:t>DVFS:</a:t>
             </a:r>
             <a:r>
@@ -261,17 +464,7 @@
                 <a:latin typeface="+mn-lt"/>
                 <a:ea typeface="+mn-ea"/>
               </a:rPr>
-              <a:t>Dynamic voltage and frequency scaling</a:t>
-            </a:r>
-            <a:r>
-              <a:rPr lang="en-US" sz="1200">
-                <a:solidFill>
-                  <a:srgbClr val="000000"/>
-                </a:solidFill>
-                <a:latin typeface="+mn-lt"/>
-                <a:ea typeface="+mn-ea"/>
-              </a:rPr>
-              <a:t>动态电压频率调整</a:t>
+              <a:t>Dynamic voltage and frequency scaling动态电压频率调整</a:t>
             </a:r>
             <a:endParaRPr/>
           </a:p>
@@ -294,6 +487,7 @@
         </p:spPr>
         <p:txBody>
           <a:bodyPr anchor="b"/>
+          <a:lstStyle/>
           <a:p>
             <a:pPr algn="r">
               <a:lnSpc>
@@ -308,19 +502,27 @@
                 <a:latin typeface="+mn-lt"/>
                 <a:ea typeface="+mn-ea"/>
               </a:rPr>
-              <a:t>&lt;编号&gt;</a:t>
+              <a:t>6</a:t>
             </a:fld>
             <a:endParaRPr/>
           </a:p>
         </p:txBody>
       </p:sp>
     </p:spTree>
+    <p:extLst>
+      <p:ext uri="{BB962C8B-B14F-4D97-AF65-F5344CB8AC3E}">
+        <p14:creationId xmlns:p14="http://schemas.microsoft.com/office/powerpoint/2010/main" val="405520608"/>
+      </p:ext>
+    </p:extLst>
   </p:cSld>
+  <p:clrMapOvr>
+    <a:masterClrMapping/>
+  </p:clrMapOvr>
 </p:notes>
 </file>
 
 <file path=ppt/slideLayouts/slideLayout1.xml><?xml version="1.0" encoding="utf-8"?>
-<p:sldLayout xmlns:a="http://schemas.openxmlformats.org/drawingml/2006/main" xmlns:p="http://schemas.openxmlformats.org/presentationml/2006/main" xmlns:r="http://schemas.openxmlformats.org/officeDocument/2006/relationships" type="blank" preserve="1">
+<p:sldLayout xmlns:a="http://schemas.openxmlformats.org/drawingml/2006/main" xmlns:r="http://schemas.openxmlformats.org/officeDocument/2006/relationships" xmlns:p="http://schemas.openxmlformats.org/presentationml/2006/main" type="blank" preserve="1">
   <p:cSld name="Blank Slide">
     <p:spTree>
       <p:nvGrpSpPr>
@@ -338,11 +540,14 @@
       </p:grpSpPr>
     </p:spTree>
   </p:cSld>
+  <p:clrMapOvr>
+    <a:masterClrMapping/>
+  </p:clrMapOvr>
 </p:sldLayout>
 </file>
 
 <file path=ppt/slideLayouts/slideLayout10.xml><?xml version="1.0" encoding="utf-8"?>
-<p:sldLayout xmlns:a="http://schemas.openxmlformats.org/drawingml/2006/main" xmlns:p="http://schemas.openxmlformats.org/presentationml/2006/main" xmlns:r="http://schemas.openxmlformats.org/officeDocument/2006/relationships" type="objOverTx" preserve="1">
+<p:sldLayout xmlns:a="http://schemas.openxmlformats.org/drawingml/2006/main" xmlns:r="http://schemas.openxmlformats.org/officeDocument/2006/relationships" xmlns:p="http://schemas.openxmlformats.org/presentationml/2006/main" type="objOverTx" preserve="1">
   <p:cSld name="Title, Content over Content">
     <p:spTree>
       <p:nvGrpSpPr>
@@ -378,7 +583,8 @@
           </a:prstGeom>
         </p:spPr>
         <p:txBody>
-          <a:bodyPr lIns="0" rIns="0" tIns="0" bIns="0" anchor="ctr"/>
+          <a:bodyPr lIns="0" tIns="0" rIns="0" bIns="0" anchor="ctr"/>
+          <a:lstStyle/>
           <a:p>
             <a:endParaRPr/>
           </a:p>
@@ -404,7 +610,8 @@
           </a:prstGeom>
         </p:spPr>
         <p:txBody>
-          <a:bodyPr lIns="0" rIns="0" tIns="0" bIns="0"/>
+          <a:bodyPr lIns="0" tIns="0" rIns="0" bIns="0"/>
+          <a:lstStyle/>
           <a:p>
             <a:endParaRPr/>
           </a:p>
@@ -430,7 +637,8 @@
           </a:prstGeom>
         </p:spPr>
         <p:txBody>
-          <a:bodyPr lIns="0" rIns="0" tIns="0" bIns="0"/>
+          <a:bodyPr lIns="0" tIns="0" rIns="0" bIns="0"/>
+          <a:lstStyle/>
           <a:p>
             <a:endParaRPr/>
           </a:p>
@@ -438,11 +646,14 @@
       </p:sp>
     </p:spTree>
   </p:cSld>
+  <p:clrMapOvr>
+    <a:masterClrMapping/>
+  </p:clrMapOvr>
 </p:sldLayout>
 </file>
 
 <file path=ppt/slideLayouts/slideLayout11.xml><?xml version="1.0" encoding="utf-8"?>
-<p:sldLayout xmlns:a="http://schemas.openxmlformats.org/drawingml/2006/main" xmlns:p="http://schemas.openxmlformats.org/presentationml/2006/main" xmlns:r="http://schemas.openxmlformats.org/officeDocument/2006/relationships" type="fourObj" preserve="1">
+<p:sldLayout xmlns:a="http://schemas.openxmlformats.org/drawingml/2006/main" xmlns:r="http://schemas.openxmlformats.org/officeDocument/2006/relationships" xmlns:p="http://schemas.openxmlformats.org/presentationml/2006/main" type="fourObj" preserve="1">
   <p:cSld name="Title, 4 Content">
     <p:spTree>
       <p:nvGrpSpPr>
@@ -478,7 +689,8 @@
           </a:prstGeom>
         </p:spPr>
         <p:txBody>
-          <a:bodyPr lIns="0" rIns="0" tIns="0" bIns="0" anchor="ctr"/>
+          <a:bodyPr lIns="0" tIns="0" rIns="0" bIns="0" anchor="ctr"/>
+          <a:lstStyle/>
           <a:p>
             <a:endParaRPr/>
           </a:p>
@@ -504,7 +716,8 @@
           </a:prstGeom>
         </p:spPr>
         <p:txBody>
-          <a:bodyPr lIns="0" rIns="0" tIns="0" bIns="0"/>
+          <a:bodyPr lIns="0" tIns="0" rIns="0" bIns="0"/>
+          <a:lstStyle/>
           <a:p>
             <a:endParaRPr/>
           </a:p>
@@ -530,7 +743,8 @@
           </a:prstGeom>
         </p:spPr>
         <p:txBody>
-          <a:bodyPr lIns="0" rIns="0" tIns="0" bIns="0"/>
+          <a:bodyPr lIns="0" tIns="0" rIns="0" bIns="0"/>
+          <a:lstStyle/>
           <a:p>
             <a:endParaRPr/>
           </a:p>
@@ -556,7 +770,8 @@
           </a:prstGeom>
         </p:spPr>
         <p:txBody>
-          <a:bodyPr lIns="0" rIns="0" tIns="0" bIns="0"/>
+          <a:bodyPr lIns="0" tIns="0" rIns="0" bIns="0"/>
+          <a:lstStyle/>
           <a:p>
             <a:endParaRPr/>
           </a:p>
@@ -582,7 +797,8 @@
           </a:prstGeom>
         </p:spPr>
         <p:txBody>
-          <a:bodyPr lIns="0" rIns="0" tIns="0" bIns="0"/>
+          <a:bodyPr lIns="0" tIns="0" rIns="0" bIns="0"/>
+          <a:lstStyle/>
           <a:p>
             <a:endParaRPr/>
           </a:p>
@@ -590,11 +806,14 @@
       </p:sp>
     </p:spTree>
   </p:cSld>
+  <p:clrMapOvr>
+    <a:masterClrMapping/>
+  </p:clrMapOvr>
 </p:sldLayout>
 </file>
 
 <file path=ppt/slideLayouts/slideLayout12.xml><?xml version="1.0" encoding="utf-8"?>
-<p:sldLayout xmlns:a="http://schemas.openxmlformats.org/drawingml/2006/main" xmlns:p="http://schemas.openxmlformats.org/presentationml/2006/main" xmlns:r="http://schemas.openxmlformats.org/officeDocument/2006/relationships" type="blank" preserve="1">
+<p:sldLayout xmlns:a="http://schemas.openxmlformats.org/drawingml/2006/main" xmlns:r="http://schemas.openxmlformats.org/officeDocument/2006/relationships" xmlns:p="http://schemas.openxmlformats.org/presentationml/2006/main" type="blank" preserve="1">
   <p:cSld name="Title, 6 Content">
     <p:spTree>
       <p:nvGrpSpPr>
@@ -630,7 +849,8 @@
           </a:prstGeom>
         </p:spPr>
         <p:txBody>
-          <a:bodyPr lIns="0" rIns="0" tIns="0" bIns="0" anchor="ctr"/>
+          <a:bodyPr lIns="0" tIns="0" rIns="0" bIns="0" anchor="ctr"/>
+          <a:lstStyle/>
           <a:p>
             <a:endParaRPr/>
           </a:p>
@@ -656,7 +876,8 @@
           </a:prstGeom>
         </p:spPr>
         <p:txBody>
-          <a:bodyPr lIns="0" rIns="0" tIns="0" bIns="0"/>
+          <a:bodyPr lIns="0" tIns="0" rIns="0" bIns="0"/>
+          <a:lstStyle/>
           <a:p>
             <a:endParaRPr/>
           </a:p>
@@ -682,7 +903,8 @@
           </a:prstGeom>
         </p:spPr>
         <p:txBody>
-          <a:bodyPr lIns="0" rIns="0" tIns="0" bIns="0"/>
+          <a:bodyPr lIns="0" tIns="0" rIns="0" bIns="0"/>
+          <a:lstStyle/>
           <a:p>
             <a:endParaRPr/>
           </a:p>
@@ -690,7 +912,7 @@
       </p:sp>
       <p:pic>
         <p:nvPicPr>
-          <p:cNvPr id="37" name="" descr=""/>
+          <p:cNvPr id="37" name="图片 36"/>
           <p:cNvPicPr/>
           <p:nvPr/>
         </p:nvPicPr>
@@ -715,12 +937,12 @@
       </p:pic>
       <p:pic>
         <p:nvPicPr>
-          <p:cNvPr id="38" name="" descr=""/>
+          <p:cNvPr id="38" name="图片 37"/>
           <p:cNvPicPr/>
           <p:nvPr/>
         </p:nvPicPr>
         <p:blipFill>
-          <a:blip r:embed="rId3"/>
+          <a:blip r:embed="rId2"/>
           <a:stretch>
             <a:fillRect/>
           </a:stretch>
@@ -740,11 +962,14 @@
       </p:pic>
     </p:spTree>
   </p:cSld>
+  <p:clrMapOvr>
+    <a:masterClrMapping/>
+  </p:clrMapOvr>
 </p:sldLayout>
 </file>
 
 <file path=ppt/slideLayouts/slideLayout13.xml><?xml version="1.0" encoding="utf-8"?>
-<p:sldLayout xmlns:a="http://schemas.openxmlformats.org/drawingml/2006/main" xmlns:p="http://schemas.openxmlformats.org/presentationml/2006/main" xmlns:r="http://schemas.openxmlformats.org/officeDocument/2006/relationships" type="blank" preserve="1">
+<p:sldLayout xmlns:a="http://schemas.openxmlformats.org/drawingml/2006/main" xmlns:r="http://schemas.openxmlformats.org/officeDocument/2006/relationships" xmlns:p="http://schemas.openxmlformats.org/presentationml/2006/main" type="blank" preserve="1">
   <p:cSld name="Blank Slide">
     <p:spTree>
       <p:nvGrpSpPr>
@@ -762,11 +987,14 @@
       </p:grpSpPr>
     </p:spTree>
   </p:cSld>
+  <p:clrMapOvr>
+    <a:masterClrMapping/>
+  </p:clrMapOvr>
 </p:sldLayout>
 </file>
 
 <file path=ppt/slideLayouts/slideLayout14.xml><?xml version="1.0" encoding="utf-8"?>
-<p:sldLayout xmlns:a="http://schemas.openxmlformats.org/drawingml/2006/main" xmlns:p="http://schemas.openxmlformats.org/presentationml/2006/main" xmlns:r="http://schemas.openxmlformats.org/officeDocument/2006/relationships" type="tx" preserve="1">
+<p:sldLayout xmlns:a="http://schemas.openxmlformats.org/drawingml/2006/main" xmlns:r="http://schemas.openxmlformats.org/officeDocument/2006/relationships" xmlns:p="http://schemas.openxmlformats.org/presentationml/2006/main" type="tx" preserve="1">
   <p:cSld name="Title Slide">
     <p:spTree>
       <p:nvGrpSpPr>
@@ -802,7 +1030,8 @@
           </a:prstGeom>
         </p:spPr>
         <p:txBody>
-          <a:bodyPr lIns="0" rIns="0" tIns="0" bIns="0" anchor="ctr"/>
+          <a:bodyPr lIns="0" tIns="0" rIns="0" bIns="0" anchor="ctr"/>
+          <a:lstStyle/>
           <a:p>
             <a:endParaRPr/>
           </a:p>
@@ -828,7 +1057,8 @@
           </a:prstGeom>
         </p:spPr>
         <p:txBody>
-          <a:bodyPr lIns="0" rIns="0" tIns="0" bIns="0" anchor="ctr"/>
+          <a:bodyPr lIns="0" tIns="0" rIns="0" bIns="0" anchor="ctr"/>
+          <a:lstStyle/>
           <a:p>
             <a:pPr algn="ctr"/>
             <a:endParaRPr/>
@@ -837,11 +1067,14 @@
       </p:sp>
     </p:spTree>
   </p:cSld>
+  <p:clrMapOvr>
+    <a:masterClrMapping/>
+  </p:clrMapOvr>
 </p:sldLayout>
 </file>
 
 <file path=ppt/slideLayouts/slideLayout15.xml><?xml version="1.0" encoding="utf-8"?>
-<p:sldLayout xmlns:a="http://schemas.openxmlformats.org/drawingml/2006/main" xmlns:p="http://schemas.openxmlformats.org/presentationml/2006/main" xmlns:r="http://schemas.openxmlformats.org/officeDocument/2006/relationships" type="obj" preserve="1">
+<p:sldLayout xmlns:a="http://schemas.openxmlformats.org/drawingml/2006/main" xmlns:r="http://schemas.openxmlformats.org/officeDocument/2006/relationships" xmlns:p="http://schemas.openxmlformats.org/presentationml/2006/main" type="obj" preserve="1">
   <p:cSld name="Title, Content">
     <p:spTree>
       <p:nvGrpSpPr>
@@ -877,7 +1110,8 @@
           </a:prstGeom>
         </p:spPr>
         <p:txBody>
-          <a:bodyPr lIns="0" rIns="0" tIns="0" bIns="0" anchor="ctr"/>
+          <a:bodyPr lIns="0" tIns="0" rIns="0" bIns="0" anchor="ctr"/>
+          <a:lstStyle/>
           <a:p>
             <a:endParaRPr/>
           </a:p>
@@ -903,7 +1137,8 @@
           </a:prstGeom>
         </p:spPr>
         <p:txBody>
-          <a:bodyPr lIns="0" rIns="0" tIns="0" bIns="0"/>
+          <a:bodyPr lIns="0" tIns="0" rIns="0" bIns="0"/>
+          <a:lstStyle/>
           <a:p>
             <a:endParaRPr/>
           </a:p>
@@ -911,11 +1146,14 @@
       </p:sp>
     </p:spTree>
   </p:cSld>
+  <p:clrMapOvr>
+    <a:masterClrMapping/>
+  </p:clrMapOvr>
 </p:sldLayout>
 </file>
 
 <file path=ppt/slideLayouts/slideLayout16.xml><?xml version="1.0" encoding="utf-8"?>
-<p:sldLayout xmlns:a="http://schemas.openxmlformats.org/drawingml/2006/main" xmlns:p="http://schemas.openxmlformats.org/presentationml/2006/main" xmlns:r="http://schemas.openxmlformats.org/officeDocument/2006/relationships" type="twoObj" preserve="1">
+<p:sldLayout xmlns:a="http://schemas.openxmlformats.org/drawingml/2006/main" xmlns:r="http://schemas.openxmlformats.org/officeDocument/2006/relationships" xmlns:p="http://schemas.openxmlformats.org/presentationml/2006/main" type="twoObj" preserve="1">
   <p:cSld name="Title, 2 Content">
     <p:spTree>
       <p:nvGrpSpPr>
@@ -951,7 +1189,8 @@
           </a:prstGeom>
         </p:spPr>
         <p:txBody>
-          <a:bodyPr lIns="0" rIns="0" tIns="0" bIns="0" anchor="ctr"/>
+          <a:bodyPr lIns="0" tIns="0" rIns="0" bIns="0" anchor="ctr"/>
+          <a:lstStyle/>
           <a:p>
             <a:endParaRPr/>
           </a:p>
@@ -977,7 +1216,8 @@
           </a:prstGeom>
         </p:spPr>
         <p:txBody>
-          <a:bodyPr lIns="0" rIns="0" tIns="0" bIns="0"/>
+          <a:bodyPr lIns="0" tIns="0" rIns="0" bIns="0"/>
+          <a:lstStyle/>
           <a:p>
             <a:endParaRPr/>
           </a:p>
@@ -1003,7 +1243,8 @@
           </a:prstGeom>
         </p:spPr>
         <p:txBody>
-          <a:bodyPr lIns="0" rIns="0" tIns="0" bIns="0"/>
+          <a:bodyPr lIns="0" tIns="0" rIns="0" bIns="0"/>
+          <a:lstStyle/>
           <a:p>
             <a:endParaRPr/>
           </a:p>
@@ -1011,11 +1252,14 @@
       </p:sp>
     </p:spTree>
   </p:cSld>
+  <p:clrMapOvr>
+    <a:masterClrMapping/>
+  </p:clrMapOvr>
 </p:sldLayout>
 </file>
 
 <file path=ppt/slideLayouts/slideLayout17.xml><?xml version="1.0" encoding="utf-8"?>
-<p:sldLayout xmlns:a="http://schemas.openxmlformats.org/drawingml/2006/main" xmlns:p="http://schemas.openxmlformats.org/presentationml/2006/main" xmlns:r="http://schemas.openxmlformats.org/officeDocument/2006/relationships" type="titleOnly" preserve="1">
+<p:sldLayout xmlns:a="http://schemas.openxmlformats.org/drawingml/2006/main" xmlns:r="http://schemas.openxmlformats.org/officeDocument/2006/relationships" xmlns:p="http://schemas.openxmlformats.org/presentationml/2006/main" type="titleOnly" preserve="1">
   <p:cSld name="Title Only">
     <p:spTree>
       <p:nvGrpSpPr>
@@ -1051,7 +1295,8 @@
           </a:prstGeom>
         </p:spPr>
         <p:txBody>
-          <a:bodyPr lIns="0" rIns="0" tIns="0" bIns="0" anchor="ctr"/>
+          <a:bodyPr lIns="0" tIns="0" rIns="0" bIns="0" anchor="ctr"/>
+          <a:lstStyle/>
           <a:p>
             <a:endParaRPr/>
           </a:p>
@@ -1059,11 +1304,14 @@
       </p:sp>
     </p:spTree>
   </p:cSld>
+  <p:clrMapOvr>
+    <a:masterClrMapping/>
+  </p:clrMapOvr>
 </p:sldLayout>
 </file>
 
 <file path=ppt/slideLayouts/slideLayout18.xml><?xml version="1.0" encoding="utf-8"?>
-<p:sldLayout xmlns:a="http://schemas.openxmlformats.org/drawingml/2006/main" xmlns:p="http://schemas.openxmlformats.org/presentationml/2006/main" xmlns:r="http://schemas.openxmlformats.org/officeDocument/2006/relationships" type="objOnly" preserve="1">
+<p:sldLayout xmlns:a="http://schemas.openxmlformats.org/drawingml/2006/main" xmlns:r="http://schemas.openxmlformats.org/officeDocument/2006/relationships" xmlns:p="http://schemas.openxmlformats.org/presentationml/2006/main" type="objOnly" preserve="1">
   <p:cSld name="Centered Text">
     <p:spTree>
       <p:nvGrpSpPr>
@@ -1099,7 +1347,8 @@
           </a:prstGeom>
         </p:spPr>
         <p:txBody>
-          <a:bodyPr lIns="0" rIns="0" tIns="0" bIns="0" anchor="ctr"/>
+          <a:bodyPr lIns="0" tIns="0" rIns="0" bIns="0" anchor="ctr"/>
+          <a:lstStyle/>
           <a:p>
             <a:pPr algn="ctr"/>
             <a:endParaRPr/>
@@ -1108,11 +1357,14 @@
       </p:sp>
     </p:spTree>
   </p:cSld>
+  <p:clrMapOvr>
+    <a:masterClrMapping/>
+  </p:clrMapOvr>
 </p:sldLayout>
 </file>
 
 <file path=ppt/slideLayouts/slideLayout19.xml><?xml version="1.0" encoding="utf-8"?>
-<p:sldLayout xmlns:a="http://schemas.openxmlformats.org/drawingml/2006/main" xmlns:p="http://schemas.openxmlformats.org/presentationml/2006/main" xmlns:r="http://schemas.openxmlformats.org/officeDocument/2006/relationships" type="twoObjAndObj" preserve="1">
+<p:sldLayout xmlns:a="http://schemas.openxmlformats.org/drawingml/2006/main" xmlns:r="http://schemas.openxmlformats.org/officeDocument/2006/relationships" xmlns:p="http://schemas.openxmlformats.org/presentationml/2006/main" type="twoObjAndObj" preserve="1">
   <p:cSld name="Title, 2 Content and Content">
     <p:spTree>
       <p:nvGrpSpPr>
@@ -1148,7 +1400,8 @@
           </a:prstGeom>
         </p:spPr>
         <p:txBody>
-          <a:bodyPr lIns="0" rIns="0" tIns="0" bIns="0" anchor="ctr"/>
+          <a:bodyPr lIns="0" tIns="0" rIns="0" bIns="0" anchor="ctr"/>
+          <a:lstStyle/>
           <a:p>
             <a:endParaRPr/>
           </a:p>
@@ -1174,7 +1427,8 @@
           </a:prstGeom>
         </p:spPr>
         <p:txBody>
-          <a:bodyPr lIns="0" rIns="0" tIns="0" bIns="0"/>
+          <a:bodyPr lIns="0" tIns="0" rIns="0" bIns="0"/>
+          <a:lstStyle/>
           <a:p>
             <a:endParaRPr/>
           </a:p>
@@ -1200,7 +1454,8 @@
           </a:prstGeom>
         </p:spPr>
         <p:txBody>
-          <a:bodyPr lIns="0" rIns="0" tIns="0" bIns="0"/>
+          <a:bodyPr lIns="0" tIns="0" rIns="0" bIns="0"/>
+          <a:lstStyle/>
           <a:p>
             <a:endParaRPr/>
           </a:p>
@@ -1226,7 +1481,8 @@
           </a:prstGeom>
         </p:spPr>
         <p:txBody>
-          <a:bodyPr lIns="0" rIns="0" tIns="0" bIns="0"/>
+          <a:bodyPr lIns="0" tIns="0" rIns="0" bIns="0"/>
+          <a:lstStyle/>
           <a:p>
             <a:endParaRPr/>
           </a:p>
@@ -1234,11 +1490,14 @@
       </p:sp>
     </p:spTree>
   </p:cSld>
+  <p:clrMapOvr>
+    <a:masterClrMapping/>
+  </p:clrMapOvr>
 </p:sldLayout>
 </file>
 
 <file path=ppt/slideLayouts/slideLayout2.xml><?xml version="1.0" encoding="utf-8"?>
-<p:sldLayout xmlns:a="http://schemas.openxmlformats.org/drawingml/2006/main" xmlns:p="http://schemas.openxmlformats.org/presentationml/2006/main" xmlns:r="http://schemas.openxmlformats.org/officeDocument/2006/relationships" type="tx" preserve="1">
+<p:sldLayout xmlns:a="http://schemas.openxmlformats.org/drawingml/2006/main" xmlns:r="http://schemas.openxmlformats.org/officeDocument/2006/relationships" xmlns:p="http://schemas.openxmlformats.org/presentationml/2006/main" type="tx" preserve="1">
   <p:cSld name="Title Slide">
     <p:spTree>
       <p:nvGrpSpPr>
@@ -1274,7 +1533,8 @@
           </a:prstGeom>
         </p:spPr>
         <p:txBody>
-          <a:bodyPr lIns="0" rIns="0" tIns="0" bIns="0" anchor="ctr"/>
+          <a:bodyPr lIns="0" tIns="0" rIns="0" bIns="0" anchor="ctr"/>
+          <a:lstStyle/>
           <a:p>
             <a:endParaRPr/>
           </a:p>
@@ -1300,7 +1560,8 @@
           </a:prstGeom>
         </p:spPr>
         <p:txBody>
-          <a:bodyPr lIns="0" rIns="0" tIns="0" bIns="0" anchor="ctr"/>
+          <a:bodyPr lIns="0" tIns="0" rIns="0" bIns="0" anchor="ctr"/>
+          <a:lstStyle/>
           <a:p>
             <a:pPr algn="ctr"/>
             <a:endParaRPr/>
@@ -1309,11 +1570,14 @@
       </p:sp>
     </p:spTree>
   </p:cSld>
+  <p:clrMapOvr>
+    <a:masterClrMapping/>
+  </p:clrMapOvr>
 </p:sldLayout>
 </file>
 
 <file path=ppt/slideLayouts/slideLayout20.xml><?xml version="1.0" encoding="utf-8"?>
-<p:sldLayout xmlns:a="http://schemas.openxmlformats.org/drawingml/2006/main" xmlns:p="http://schemas.openxmlformats.org/presentationml/2006/main" xmlns:r="http://schemas.openxmlformats.org/officeDocument/2006/relationships" type="objAndTwoObj" preserve="1">
+<p:sldLayout xmlns:a="http://schemas.openxmlformats.org/drawingml/2006/main" xmlns:r="http://schemas.openxmlformats.org/officeDocument/2006/relationships" xmlns:p="http://schemas.openxmlformats.org/presentationml/2006/main" type="objAndTwoObj" preserve="1">
   <p:cSld name="Title Content and 2 Content">
     <p:spTree>
       <p:nvGrpSpPr>
@@ -1349,7 +1613,8 @@
           </a:prstGeom>
         </p:spPr>
         <p:txBody>
-          <a:bodyPr lIns="0" rIns="0" tIns="0" bIns="0" anchor="ctr"/>
+          <a:bodyPr lIns="0" tIns="0" rIns="0" bIns="0" anchor="ctr"/>
+          <a:lstStyle/>
           <a:p>
             <a:endParaRPr/>
           </a:p>
@@ -1375,7 +1640,8 @@
           </a:prstGeom>
         </p:spPr>
         <p:txBody>
-          <a:bodyPr lIns="0" rIns="0" tIns="0" bIns="0"/>
+          <a:bodyPr lIns="0" tIns="0" rIns="0" bIns="0"/>
+          <a:lstStyle/>
           <a:p>
             <a:endParaRPr/>
           </a:p>
@@ -1401,7 +1667,8 @@
           </a:prstGeom>
         </p:spPr>
         <p:txBody>
-          <a:bodyPr lIns="0" rIns="0" tIns="0" bIns="0"/>
+          <a:bodyPr lIns="0" tIns="0" rIns="0" bIns="0"/>
+          <a:lstStyle/>
           <a:p>
             <a:endParaRPr/>
           </a:p>
@@ -1427,7 +1694,8 @@
           </a:prstGeom>
         </p:spPr>
         <p:txBody>
-          <a:bodyPr lIns="0" rIns="0" tIns="0" bIns="0"/>
+          <a:bodyPr lIns="0" tIns="0" rIns="0" bIns="0"/>
+          <a:lstStyle/>
           <a:p>
             <a:endParaRPr/>
           </a:p>
@@ -1435,11 +1703,14 @@
       </p:sp>
     </p:spTree>
   </p:cSld>
+  <p:clrMapOvr>
+    <a:masterClrMapping/>
+  </p:clrMapOvr>
 </p:sldLayout>
 </file>
 
 <file path=ppt/slideLayouts/slideLayout21.xml><?xml version="1.0" encoding="utf-8"?>
-<p:sldLayout xmlns:a="http://schemas.openxmlformats.org/drawingml/2006/main" xmlns:p="http://schemas.openxmlformats.org/presentationml/2006/main" xmlns:r="http://schemas.openxmlformats.org/officeDocument/2006/relationships" type="twoObjOverTx" preserve="1">
+<p:sldLayout xmlns:a="http://schemas.openxmlformats.org/drawingml/2006/main" xmlns:r="http://schemas.openxmlformats.org/officeDocument/2006/relationships" xmlns:p="http://schemas.openxmlformats.org/presentationml/2006/main" type="twoObjOverTx" preserve="1">
   <p:cSld name="Title, 2 Content over Content">
     <p:spTree>
       <p:nvGrpSpPr>
@@ -1475,7 +1746,8 @@
           </a:prstGeom>
         </p:spPr>
         <p:txBody>
-          <a:bodyPr lIns="0" rIns="0" tIns="0" bIns="0" anchor="ctr"/>
+          <a:bodyPr lIns="0" tIns="0" rIns="0" bIns="0" anchor="ctr"/>
+          <a:lstStyle/>
           <a:p>
             <a:endParaRPr/>
           </a:p>
@@ -1501,7 +1773,8 @@
           </a:prstGeom>
         </p:spPr>
         <p:txBody>
-          <a:bodyPr lIns="0" rIns="0" tIns="0" bIns="0"/>
+          <a:bodyPr lIns="0" tIns="0" rIns="0" bIns="0"/>
+          <a:lstStyle/>
           <a:p>
             <a:endParaRPr/>
           </a:p>
@@ -1527,7 +1800,8 @@
           </a:prstGeom>
         </p:spPr>
         <p:txBody>
-          <a:bodyPr lIns="0" rIns="0" tIns="0" bIns="0"/>
+          <a:bodyPr lIns="0" tIns="0" rIns="0" bIns="0"/>
+          <a:lstStyle/>
           <a:p>
             <a:endParaRPr/>
           </a:p>
@@ -1553,7 +1827,8 @@
           </a:prstGeom>
         </p:spPr>
         <p:txBody>
-          <a:bodyPr lIns="0" rIns="0" tIns="0" bIns="0"/>
+          <a:bodyPr lIns="0" tIns="0" rIns="0" bIns="0"/>
+          <a:lstStyle/>
           <a:p>
             <a:endParaRPr/>
           </a:p>
@@ -1561,11 +1836,14 @@
       </p:sp>
     </p:spTree>
   </p:cSld>
+  <p:clrMapOvr>
+    <a:masterClrMapping/>
+  </p:clrMapOvr>
 </p:sldLayout>
 </file>
 
 <file path=ppt/slideLayouts/slideLayout22.xml><?xml version="1.0" encoding="utf-8"?>
-<p:sldLayout xmlns:a="http://schemas.openxmlformats.org/drawingml/2006/main" xmlns:p="http://schemas.openxmlformats.org/presentationml/2006/main" xmlns:r="http://schemas.openxmlformats.org/officeDocument/2006/relationships" type="objOverTx" preserve="1">
+<p:sldLayout xmlns:a="http://schemas.openxmlformats.org/drawingml/2006/main" xmlns:r="http://schemas.openxmlformats.org/officeDocument/2006/relationships" xmlns:p="http://schemas.openxmlformats.org/presentationml/2006/main" type="objOverTx" preserve="1">
   <p:cSld name="Title, Content over Content">
     <p:spTree>
       <p:nvGrpSpPr>
@@ -1601,7 +1879,8 @@
           </a:prstGeom>
         </p:spPr>
         <p:txBody>
-          <a:bodyPr lIns="0" rIns="0" tIns="0" bIns="0" anchor="ctr"/>
+          <a:bodyPr lIns="0" tIns="0" rIns="0" bIns="0" anchor="ctr"/>
+          <a:lstStyle/>
           <a:p>
             <a:endParaRPr/>
           </a:p>
@@ -1627,7 +1906,8 @@
           </a:prstGeom>
         </p:spPr>
         <p:txBody>
-          <a:bodyPr lIns="0" rIns="0" tIns="0" bIns="0"/>
+          <a:bodyPr lIns="0" tIns="0" rIns="0" bIns="0"/>
+          <a:lstStyle/>
           <a:p>
             <a:endParaRPr/>
           </a:p>
@@ -1653,7 +1933,8 @@
           </a:prstGeom>
         </p:spPr>
         <p:txBody>
-          <a:bodyPr lIns="0" rIns="0" tIns="0" bIns="0"/>
+          <a:bodyPr lIns="0" tIns="0" rIns="0" bIns="0"/>
+          <a:lstStyle/>
           <a:p>
             <a:endParaRPr/>
           </a:p>
@@ -1661,11 +1942,14 @@
       </p:sp>
     </p:spTree>
   </p:cSld>
+  <p:clrMapOvr>
+    <a:masterClrMapping/>
+  </p:clrMapOvr>
 </p:sldLayout>
 </file>
 
 <file path=ppt/slideLayouts/slideLayout23.xml><?xml version="1.0" encoding="utf-8"?>
-<p:sldLayout xmlns:a="http://schemas.openxmlformats.org/drawingml/2006/main" xmlns:p="http://schemas.openxmlformats.org/presentationml/2006/main" xmlns:r="http://schemas.openxmlformats.org/officeDocument/2006/relationships" type="fourObj" preserve="1">
+<p:sldLayout xmlns:a="http://schemas.openxmlformats.org/drawingml/2006/main" xmlns:r="http://schemas.openxmlformats.org/officeDocument/2006/relationships" xmlns:p="http://schemas.openxmlformats.org/presentationml/2006/main" type="fourObj" preserve="1">
   <p:cSld name="Title, 4 Content">
     <p:spTree>
       <p:nvGrpSpPr>
@@ -1701,7 +1985,8 @@
           </a:prstGeom>
         </p:spPr>
         <p:txBody>
-          <a:bodyPr lIns="0" rIns="0" tIns="0" bIns="0" anchor="ctr"/>
+          <a:bodyPr lIns="0" tIns="0" rIns="0" bIns="0" anchor="ctr"/>
+          <a:lstStyle/>
           <a:p>
             <a:endParaRPr/>
           </a:p>
@@ -1727,7 +2012,8 @@
           </a:prstGeom>
         </p:spPr>
         <p:txBody>
-          <a:bodyPr lIns="0" rIns="0" tIns="0" bIns="0"/>
+          <a:bodyPr lIns="0" tIns="0" rIns="0" bIns="0"/>
+          <a:lstStyle/>
           <a:p>
             <a:endParaRPr/>
           </a:p>
@@ -1753,7 +2039,8 @@
           </a:prstGeom>
         </p:spPr>
         <p:txBody>
-          <a:bodyPr lIns="0" rIns="0" tIns="0" bIns="0"/>
+          <a:bodyPr lIns="0" tIns="0" rIns="0" bIns="0"/>
+          <a:lstStyle/>
           <a:p>
             <a:endParaRPr/>
           </a:p>
@@ -1779,7 +2066,8 @@
           </a:prstGeom>
         </p:spPr>
         <p:txBody>
-          <a:bodyPr lIns="0" rIns="0" tIns="0" bIns="0"/>
+          <a:bodyPr lIns="0" tIns="0" rIns="0" bIns="0"/>
+          <a:lstStyle/>
           <a:p>
             <a:endParaRPr/>
           </a:p>
@@ -1805,7 +2093,8 @@
           </a:prstGeom>
         </p:spPr>
         <p:txBody>
-          <a:bodyPr lIns="0" rIns="0" tIns="0" bIns="0"/>
+          <a:bodyPr lIns="0" tIns="0" rIns="0" bIns="0"/>
+          <a:lstStyle/>
           <a:p>
             <a:endParaRPr/>
           </a:p>
@@ -1813,11 +2102,14 @@
       </p:sp>
     </p:spTree>
   </p:cSld>
+  <p:clrMapOvr>
+    <a:masterClrMapping/>
+  </p:clrMapOvr>
 </p:sldLayout>
 </file>
 
 <file path=ppt/slideLayouts/slideLayout24.xml><?xml version="1.0" encoding="utf-8"?>
-<p:sldLayout xmlns:a="http://schemas.openxmlformats.org/drawingml/2006/main" xmlns:p="http://schemas.openxmlformats.org/presentationml/2006/main" xmlns:r="http://schemas.openxmlformats.org/officeDocument/2006/relationships" type="blank" preserve="1">
+<p:sldLayout xmlns:a="http://schemas.openxmlformats.org/drawingml/2006/main" xmlns:r="http://schemas.openxmlformats.org/officeDocument/2006/relationships" xmlns:p="http://schemas.openxmlformats.org/presentationml/2006/main" type="blank" preserve="1">
   <p:cSld name="Title, 6 Content">
     <p:spTree>
       <p:nvGrpSpPr>
@@ -1853,7 +2145,8 @@
           </a:prstGeom>
         </p:spPr>
         <p:txBody>
-          <a:bodyPr lIns="0" rIns="0" tIns="0" bIns="0" anchor="ctr"/>
+          <a:bodyPr lIns="0" tIns="0" rIns="0" bIns="0" anchor="ctr"/>
+          <a:lstStyle/>
           <a:p>
             <a:endParaRPr/>
           </a:p>
@@ -1879,7 +2172,8 @@
           </a:prstGeom>
         </p:spPr>
         <p:txBody>
-          <a:bodyPr lIns="0" rIns="0" tIns="0" bIns="0"/>
+          <a:bodyPr lIns="0" tIns="0" rIns="0" bIns="0"/>
+          <a:lstStyle/>
           <a:p>
             <a:endParaRPr/>
           </a:p>
@@ -1905,7 +2199,8 @@
           </a:prstGeom>
         </p:spPr>
         <p:txBody>
-          <a:bodyPr lIns="0" rIns="0" tIns="0" bIns="0"/>
+          <a:bodyPr lIns="0" tIns="0" rIns="0" bIns="0"/>
+          <a:lstStyle/>
           <a:p>
             <a:endParaRPr/>
           </a:p>
@@ -1913,7 +2208,7 @@
       </p:sp>
       <p:pic>
         <p:nvPicPr>
-          <p:cNvPr id="76" name="" descr=""/>
+          <p:cNvPr id="76" name="图片 75"/>
           <p:cNvPicPr/>
           <p:nvPr/>
         </p:nvPicPr>
@@ -1938,12 +2233,12 @@
       </p:pic>
       <p:pic>
         <p:nvPicPr>
-          <p:cNvPr id="77" name="" descr=""/>
+          <p:cNvPr id="77" name="图片 76"/>
           <p:cNvPicPr/>
           <p:nvPr/>
         </p:nvPicPr>
         <p:blipFill>
-          <a:blip r:embed="rId3"/>
+          <a:blip r:embed="rId2"/>
           <a:stretch>
             <a:fillRect/>
           </a:stretch>
@@ -1963,11 +2258,14 @@
       </p:pic>
     </p:spTree>
   </p:cSld>
+  <p:clrMapOvr>
+    <a:masterClrMapping/>
+  </p:clrMapOvr>
 </p:sldLayout>
 </file>
 
 <file path=ppt/slideLayouts/slideLayout3.xml><?xml version="1.0" encoding="utf-8"?>
-<p:sldLayout xmlns:a="http://schemas.openxmlformats.org/drawingml/2006/main" xmlns:p="http://schemas.openxmlformats.org/presentationml/2006/main" xmlns:r="http://schemas.openxmlformats.org/officeDocument/2006/relationships" type="obj" preserve="1">
+<p:sldLayout xmlns:a="http://schemas.openxmlformats.org/drawingml/2006/main" xmlns:r="http://schemas.openxmlformats.org/officeDocument/2006/relationships" xmlns:p="http://schemas.openxmlformats.org/presentationml/2006/main" type="obj" preserve="1">
   <p:cSld name="Title, Content">
     <p:spTree>
       <p:nvGrpSpPr>
@@ -2003,7 +2301,8 @@
           </a:prstGeom>
         </p:spPr>
         <p:txBody>
-          <a:bodyPr lIns="0" rIns="0" tIns="0" bIns="0" anchor="ctr"/>
+          <a:bodyPr lIns="0" tIns="0" rIns="0" bIns="0" anchor="ctr"/>
+          <a:lstStyle/>
           <a:p>
             <a:endParaRPr/>
           </a:p>
@@ -2029,7 +2328,8 @@
           </a:prstGeom>
         </p:spPr>
         <p:txBody>
-          <a:bodyPr lIns="0" rIns="0" tIns="0" bIns="0"/>
+          <a:bodyPr lIns="0" tIns="0" rIns="0" bIns="0"/>
+          <a:lstStyle/>
           <a:p>
             <a:endParaRPr/>
           </a:p>
@@ -2037,11 +2337,14 @@
       </p:sp>
     </p:spTree>
   </p:cSld>
+  <p:clrMapOvr>
+    <a:masterClrMapping/>
+  </p:clrMapOvr>
 </p:sldLayout>
 </file>
 
 <file path=ppt/slideLayouts/slideLayout4.xml><?xml version="1.0" encoding="utf-8"?>
-<p:sldLayout xmlns:a="http://schemas.openxmlformats.org/drawingml/2006/main" xmlns:p="http://schemas.openxmlformats.org/presentationml/2006/main" xmlns:r="http://schemas.openxmlformats.org/officeDocument/2006/relationships" type="twoObj" preserve="1">
+<p:sldLayout xmlns:a="http://schemas.openxmlformats.org/drawingml/2006/main" xmlns:r="http://schemas.openxmlformats.org/officeDocument/2006/relationships" xmlns:p="http://schemas.openxmlformats.org/presentationml/2006/main" type="twoObj" preserve="1">
   <p:cSld name="Title, 2 Content">
     <p:spTree>
       <p:nvGrpSpPr>
@@ -2077,7 +2380,8 @@
           </a:prstGeom>
         </p:spPr>
         <p:txBody>
-          <a:bodyPr lIns="0" rIns="0" tIns="0" bIns="0" anchor="ctr"/>
+          <a:bodyPr lIns="0" tIns="0" rIns="0" bIns="0" anchor="ctr"/>
+          <a:lstStyle/>
           <a:p>
             <a:endParaRPr/>
           </a:p>
@@ -2103,7 +2407,8 @@
           </a:prstGeom>
         </p:spPr>
         <p:txBody>
-          <a:bodyPr lIns="0" rIns="0" tIns="0" bIns="0"/>
+          <a:bodyPr lIns="0" tIns="0" rIns="0" bIns="0"/>
+          <a:lstStyle/>
           <a:p>
             <a:endParaRPr/>
           </a:p>
@@ -2129,7 +2434,8 @@
           </a:prstGeom>
         </p:spPr>
         <p:txBody>
-          <a:bodyPr lIns="0" rIns="0" tIns="0" bIns="0"/>
+          <a:bodyPr lIns="0" tIns="0" rIns="0" bIns="0"/>
+          <a:lstStyle/>
           <a:p>
             <a:endParaRPr/>
           </a:p>
@@ -2137,11 +2443,14 @@
       </p:sp>
     </p:spTree>
   </p:cSld>
+  <p:clrMapOvr>
+    <a:masterClrMapping/>
+  </p:clrMapOvr>
 </p:sldLayout>
 </file>
 
 <file path=ppt/slideLayouts/slideLayout5.xml><?xml version="1.0" encoding="utf-8"?>
-<p:sldLayout xmlns:a="http://schemas.openxmlformats.org/drawingml/2006/main" xmlns:p="http://schemas.openxmlformats.org/presentationml/2006/main" xmlns:r="http://schemas.openxmlformats.org/officeDocument/2006/relationships" type="titleOnly" preserve="1">
+<p:sldLayout xmlns:a="http://schemas.openxmlformats.org/drawingml/2006/main" xmlns:r="http://schemas.openxmlformats.org/officeDocument/2006/relationships" xmlns:p="http://schemas.openxmlformats.org/presentationml/2006/main" type="titleOnly" preserve="1">
   <p:cSld name="Title Only">
     <p:spTree>
       <p:nvGrpSpPr>
@@ -2177,7 +2486,8 @@
           </a:prstGeom>
         </p:spPr>
         <p:txBody>
-          <a:bodyPr lIns="0" rIns="0" tIns="0" bIns="0" anchor="ctr"/>
+          <a:bodyPr lIns="0" tIns="0" rIns="0" bIns="0" anchor="ctr"/>
+          <a:lstStyle/>
           <a:p>
             <a:endParaRPr/>
           </a:p>
@@ -2185,11 +2495,14 @@
       </p:sp>
     </p:spTree>
   </p:cSld>
+  <p:clrMapOvr>
+    <a:masterClrMapping/>
+  </p:clrMapOvr>
 </p:sldLayout>
 </file>
 
 <file path=ppt/slideLayouts/slideLayout6.xml><?xml version="1.0" encoding="utf-8"?>
-<p:sldLayout xmlns:a="http://schemas.openxmlformats.org/drawingml/2006/main" xmlns:p="http://schemas.openxmlformats.org/presentationml/2006/main" xmlns:r="http://schemas.openxmlformats.org/officeDocument/2006/relationships" type="objOnly" preserve="1">
+<p:sldLayout xmlns:a="http://schemas.openxmlformats.org/drawingml/2006/main" xmlns:r="http://schemas.openxmlformats.org/officeDocument/2006/relationships" xmlns:p="http://schemas.openxmlformats.org/presentationml/2006/main" type="objOnly" preserve="1">
   <p:cSld name="Centered Text">
     <p:spTree>
       <p:nvGrpSpPr>
@@ -2225,7 +2538,8 @@
           </a:prstGeom>
         </p:spPr>
         <p:txBody>
-          <a:bodyPr lIns="0" rIns="0" tIns="0" bIns="0" anchor="ctr"/>
+          <a:bodyPr lIns="0" tIns="0" rIns="0" bIns="0" anchor="ctr"/>
+          <a:lstStyle/>
           <a:p>
             <a:pPr algn="ctr"/>
             <a:endParaRPr/>
@@ -2234,11 +2548,14 @@
       </p:sp>
     </p:spTree>
   </p:cSld>
+  <p:clrMapOvr>
+    <a:masterClrMapping/>
+  </p:clrMapOvr>
 </p:sldLayout>
 </file>
 
 <file path=ppt/slideLayouts/slideLayout7.xml><?xml version="1.0" encoding="utf-8"?>
-<p:sldLayout xmlns:a="http://schemas.openxmlformats.org/drawingml/2006/main" xmlns:p="http://schemas.openxmlformats.org/presentationml/2006/main" xmlns:r="http://schemas.openxmlformats.org/officeDocument/2006/relationships" type="twoObjAndObj" preserve="1">
+<p:sldLayout xmlns:a="http://schemas.openxmlformats.org/drawingml/2006/main" xmlns:r="http://schemas.openxmlformats.org/officeDocument/2006/relationships" xmlns:p="http://schemas.openxmlformats.org/presentationml/2006/main" type="twoObjAndObj" preserve="1">
   <p:cSld name="Title, 2 Content and Content">
     <p:spTree>
       <p:nvGrpSpPr>
@@ -2274,7 +2591,8 @@
           </a:prstGeom>
         </p:spPr>
         <p:txBody>
-          <a:bodyPr lIns="0" rIns="0" tIns="0" bIns="0" anchor="ctr"/>
+          <a:bodyPr lIns="0" tIns="0" rIns="0" bIns="0" anchor="ctr"/>
+          <a:lstStyle/>
           <a:p>
             <a:endParaRPr/>
           </a:p>
@@ -2300,7 +2618,8 @@
           </a:prstGeom>
         </p:spPr>
         <p:txBody>
-          <a:bodyPr lIns="0" rIns="0" tIns="0" bIns="0"/>
+          <a:bodyPr lIns="0" tIns="0" rIns="0" bIns="0"/>
+          <a:lstStyle/>
           <a:p>
             <a:endParaRPr/>
           </a:p>
@@ -2326,7 +2645,8 @@
           </a:prstGeom>
         </p:spPr>
         <p:txBody>
-          <a:bodyPr lIns="0" rIns="0" tIns="0" bIns="0"/>
+          <a:bodyPr lIns="0" tIns="0" rIns="0" bIns="0"/>
+          <a:lstStyle/>
           <a:p>
             <a:endParaRPr/>
           </a:p>
@@ -2352,7 +2672,8 @@
           </a:prstGeom>
         </p:spPr>
         <p:txBody>
-          <a:bodyPr lIns="0" rIns="0" tIns="0" bIns="0"/>
+          <a:bodyPr lIns="0" tIns="0" rIns="0" bIns="0"/>
+          <a:lstStyle/>
           <a:p>
             <a:endParaRPr/>
           </a:p>
@@ -2360,11 +2681,14 @@
       </p:sp>
     </p:spTree>
   </p:cSld>
+  <p:clrMapOvr>
+    <a:masterClrMapping/>
+  </p:clrMapOvr>
 </p:sldLayout>
 </file>
 
 <file path=ppt/slideLayouts/slideLayout8.xml><?xml version="1.0" encoding="utf-8"?>
-<p:sldLayout xmlns:a="http://schemas.openxmlformats.org/drawingml/2006/main" xmlns:p="http://schemas.openxmlformats.org/presentationml/2006/main" xmlns:r="http://schemas.openxmlformats.org/officeDocument/2006/relationships" type="objAndTwoObj" preserve="1">
+<p:sldLayout xmlns:a="http://schemas.openxmlformats.org/drawingml/2006/main" xmlns:r="http://schemas.openxmlformats.org/officeDocument/2006/relationships" xmlns:p="http://schemas.openxmlformats.org/presentationml/2006/main" type="objAndTwoObj" preserve="1">
   <p:cSld name="Title Content and 2 Content">
     <p:spTree>
       <p:nvGrpSpPr>
@@ -2400,7 +2724,8 @@
           </a:prstGeom>
         </p:spPr>
         <p:txBody>
-          <a:bodyPr lIns="0" rIns="0" tIns="0" bIns="0" anchor="ctr"/>
+          <a:bodyPr lIns="0" tIns="0" rIns="0" bIns="0" anchor="ctr"/>
+          <a:lstStyle/>
           <a:p>
             <a:endParaRPr/>
           </a:p>
@@ -2426,7 +2751,8 @@
           </a:prstGeom>
         </p:spPr>
         <p:txBody>
-          <a:bodyPr lIns="0" rIns="0" tIns="0" bIns="0"/>
+          <a:bodyPr lIns="0" tIns="0" rIns="0" bIns="0"/>
+          <a:lstStyle/>
           <a:p>
             <a:endParaRPr/>
           </a:p>
@@ -2452,7 +2778,8 @@
           </a:prstGeom>
         </p:spPr>
         <p:txBody>
-          <a:bodyPr lIns="0" rIns="0" tIns="0" bIns="0"/>
+          <a:bodyPr lIns="0" tIns="0" rIns="0" bIns="0"/>
+          <a:lstStyle/>
           <a:p>
             <a:endParaRPr/>
           </a:p>
@@ -2478,7 +2805,8 @@
           </a:prstGeom>
         </p:spPr>
         <p:txBody>
-          <a:bodyPr lIns="0" rIns="0" tIns="0" bIns="0"/>
+          <a:bodyPr lIns="0" tIns="0" rIns="0" bIns="0"/>
+          <a:lstStyle/>
           <a:p>
             <a:endParaRPr/>
           </a:p>
@@ -2486,11 +2814,14 @@
       </p:sp>
     </p:spTree>
   </p:cSld>
+  <p:clrMapOvr>
+    <a:masterClrMapping/>
+  </p:clrMapOvr>
 </p:sldLayout>
 </file>
 
 <file path=ppt/slideLayouts/slideLayout9.xml><?xml version="1.0" encoding="utf-8"?>
-<p:sldLayout xmlns:a="http://schemas.openxmlformats.org/drawingml/2006/main" xmlns:p="http://schemas.openxmlformats.org/presentationml/2006/main" xmlns:r="http://schemas.openxmlformats.org/officeDocument/2006/relationships" type="twoObjOverTx" preserve="1">
+<p:sldLayout xmlns:a="http://schemas.openxmlformats.org/drawingml/2006/main" xmlns:r="http://schemas.openxmlformats.org/officeDocument/2006/relationships" xmlns:p="http://schemas.openxmlformats.org/presentationml/2006/main" type="twoObjOverTx" preserve="1">
   <p:cSld name="Title, 2 Content over Content">
     <p:spTree>
       <p:nvGrpSpPr>
@@ -2526,7 +2857,8 @@
           </a:prstGeom>
         </p:spPr>
         <p:txBody>
-          <a:bodyPr lIns="0" rIns="0" tIns="0" bIns="0" anchor="ctr"/>
+          <a:bodyPr lIns="0" tIns="0" rIns="0" bIns="0" anchor="ctr"/>
+          <a:lstStyle/>
           <a:p>
             <a:endParaRPr/>
           </a:p>
@@ -2552,7 +2884,8 @@
           </a:prstGeom>
         </p:spPr>
         <p:txBody>
-          <a:bodyPr lIns="0" rIns="0" tIns="0" bIns="0"/>
+          <a:bodyPr lIns="0" tIns="0" rIns="0" bIns="0"/>
+          <a:lstStyle/>
           <a:p>
             <a:endParaRPr/>
           </a:p>
@@ -2578,7 +2911,8 @@
           </a:prstGeom>
         </p:spPr>
         <p:txBody>
-          <a:bodyPr lIns="0" rIns="0" tIns="0" bIns="0"/>
+          <a:bodyPr lIns="0" tIns="0" rIns="0" bIns="0"/>
+          <a:lstStyle/>
           <a:p>
             <a:endParaRPr/>
           </a:p>
@@ -2604,7 +2938,8 @@
           </a:prstGeom>
         </p:spPr>
         <p:txBody>
-          <a:bodyPr lIns="0" rIns="0" tIns="0" bIns="0"/>
+          <a:bodyPr lIns="0" tIns="0" rIns="0" bIns="0"/>
+          <a:lstStyle/>
           <a:p>
             <a:endParaRPr/>
           </a:p>
@@ -2612,17 +2947,21 @@
       </p:sp>
     </p:spTree>
   </p:cSld>
+  <p:clrMapOvr>
+    <a:masterClrMapping/>
+  </p:clrMapOvr>
 </p:sldLayout>
 </file>
 
 <file path=ppt/slideMasters/slideMaster1.xml><?xml version="1.0" encoding="utf-8"?>
-<p:sldMaster xmlns:a="http://schemas.openxmlformats.org/drawingml/2006/main" xmlns:p="http://schemas.openxmlformats.org/presentationml/2006/main" xmlns:r="http://schemas.openxmlformats.org/officeDocument/2006/relationships">
+<p:sldMaster xmlns:a="http://schemas.openxmlformats.org/drawingml/2006/main" xmlns:r="http://schemas.openxmlformats.org/officeDocument/2006/relationships" xmlns:p="http://schemas.openxmlformats.org/presentationml/2006/main">
   <p:cSld>
     <p:bg>
       <p:bgPr>
         <a:solidFill>
-          <a:srgbClr val="ffffff"/>
+          <a:srgbClr val="FFFFFF"/>
         </a:solidFill>
+        <a:effectLst/>
       </p:bgPr>
     </p:bg>
     <p:spTree>
@@ -2641,7 +2980,7 @@
       </p:grpSpPr>
       <p:sp>
         <p:nvSpPr>
-          <p:cNvPr id="0" name="PlaceHolder 1"/>
+          <p:cNvPr id="5" name="PlaceHolder 1"/>
           <p:cNvSpPr>
             <a:spLocks noGrp="1"/>
           </p:cNvSpPr>
@@ -2660,6 +2999,7 @@
         </p:spPr>
         <p:txBody>
           <a:bodyPr anchor="b"/>
+          <a:lstStyle/>
           <a:p>
             <a:pPr algn="ctr">
               <a:lnSpc>
@@ -2681,7 +3021,7 @@
       </p:sp>
       <p:sp>
         <p:nvSpPr>
-          <p:cNvPr id="1" name="PlaceHolder 2"/>
+          <p:cNvPr id="6" name="PlaceHolder 2"/>
           <p:cNvSpPr>
             <a:spLocks noGrp="1"/>
           </p:cNvSpPr>
@@ -2700,6 +3040,7 @@
         </p:spPr>
         <p:txBody>
           <a:bodyPr anchor="ctr"/>
+          <a:lstStyle/>
           <a:p>
             <a:pPr>
               <a:lnSpc>
@@ -2709,7 +3050,7 @@
             <a:r>
               <a:rPr lang="en-US" sz="1200">
                 <a:solidFill>
-                  <a:srgbClr val="8b8b8b"/>
+                  <a:srgbClr val="8B8B8B"/>
                 </a:solidFill>
                 <a:latin typeface="Calibri"/>
               </a:rPr>
@@ -2740,6 +3081,7 @@
         </p:spPr>
         <p:txBody>
           <a:bodyPr anchor="ctr"/>
+          <a:lstStyle/>
           <a:p>
             <a:endParaRPr/>
           </a:p>
@@ -2766,6 +3108,7 @@
         </p:spPr>
         <p:txBody>
           <a:bodyPr anchor="ctr"/>
+          <a:lstStyle/>
           <a:p>
             <a:pPr algn="r">
               <a:lnSpc>
@@ -2775,11 +3118,11 @@
             <a:fld id="{E2083C3D-6E38-49D1-B5DD-58CFFC16D312}" type="slidenum">
               <a:rPr lang="en-US" sz="1200">
                 <a:solidFill>
-                  <a:srgbClr val="8b8b8b"/>
+                  <a:srgbClr val="8B8B8B"/>
                 </a:solidFill>
                 <a:latin typeface="Calibri"/>
               </a:rPr>
-              <a:t>&lt;编号&gt;</a:t>
+              <a:t>‹#›</a:t>
             </a:fld>
             <a:endParaRPr/>
           </a:p>
@@ -2805,7 +3148,8 @@
           </a:prstGeom>
         </p:spPr>
         <p:txBody>
-          <a:bodyPr lIns="0" rIns="0" tIns="0" bIns="0"/>
+          <a:bodyPr lIns="0" tIns="0" rIns="0" bIns="0"/>
+          <a:lstStyle/>
           <a:p>
             <a:pPr>
               <a:buSzPct val="45000"/>
@@ -2908,32 +3252,313 @@
       </p:sp>
     </p:spTree>
   </p:cSld>
-  <p:clrMap bg1="lt1" bg2="lt2" tx1="dk1" tx2="dk2" accent1="accent1" accent2="accent2" accent3="accent3" accent4="accent4" accent5="accent5" accent6="accent6" hlink="hlink" folHlink="folHlink"/>
+  <p:clrMap bg1="lt1" tx1="dk1" bg2="lt2" tx2="dk2" accent1="accent1" accent2="accent2" accent3="accent3" accent4="accent4" accent5="accent5" accent6="accent6" hlink="hlink" folHlink="folHlink"/>
   <p:sldLayoutIdLst>
-    <p:sldLayoutId id="2147483649" r:id="rId2"/>
-    <p:sldLayoutId id="2147483650" r:id="rId3"/>
-    <p:sldLayoutId id="2147483651" r:id="rId4"/>
-    <p:sldLayoutId id="2147483652" r:id="rId5"/>
-    <p:sldLayoutId id="2147483653" r:id="rId6"/>
-    <p:sldLayoutId id="2147483654" r:id="rId7"/>
-    <p:sldLayoutId id="2147483655" r:id="rId8"/>
-    <p:sldLayoutId id="2147483656" r:id="rId9"/>
-    <p:sldLayoutId id="2147483657" r:id="rId10"/>
-    <p:sldLayoutId id="2147483658" r:id="rId11"/>
-    <p:sldLayoutId id="2147483659" r:id="rId12"/>
-    <p:sldLayoutId id="2147483660" r:id="rId13"/>
+    <p:sldLayoutId id="2147483649" r:id="rId1"/>
+    <p:sldLayoutId id="2147483650" r:id="rId2"/>
+    <p:sldLayoutId id="2147483651" r:id="rId3"/>
+    <p:sldLayoutId id="2147483652" r:id="rId4"/>
+    <p:sldLayoutId id="2147483653" r:id="rId5"/>
+    <p:sldLayoutId id="2147483654" r:id="rId6"/>
+    <p:sldLayoutId id="2147483655" r:id="rId7"/>
+    <p:sldLayoutId id="2147483656" r:id="rId8"/>
+    <p:sldLayoutId id="2147483657" r:id="rId9"/>
+    <p:sldLayoutId id="2147483658" r:id="rId10"/>
+    <p:sldLayoutId id="2147483659" r:id="rId11"/>
+    <p:sldLayoutId id="2147483660" r:id="rId12"/>
   </p:sldLayoutIdLst>
+  <p:txStyles>
+    <p:titleStyle>
+      <a:lvl1pPr algn="l" defTabSz="914400" rtl="0" eaLnBrk="1" latinLnBrk="0" hangingPunct="1">
+        <a:lnSpc>
+          <a:spcPct val="90000"/>
+        </a:lnSpc>
+        <a:spcBef>
+          <a:spcPct val="0"/>
+        </a:spcBef>
+        <a:buNone/>
+        <a:defRPr sz="4400" kern="1200">
+          <a:solidFill>
+            <a:schemeClr val="tx1"/>
+          </a:solidFill>
+          <a:latin typeface="+mj-lt"/>
+          <a:ea typeface="+mj-ea"/>
+          <a:cs typeface="+mj-cs"/>
+        </a:defRPr>
+      </a:lvl1pPr>
+    </p:titleStyle>
+    <p:bodyStyle>
+      <a:lvl1pPr marL="228600" indent="-228600" algn="l" defTabSz="914400" rtl="0" eaLnBrk="1" latinLnBrk="0" hangingPunct="1">
+        <a:lnSpc>
+          <a:spcPct val="90000"/>
+        </a:lnSpc>
+        <a:spcBef>
+          <a:spcPts val="1000"/>
+        </a:spcBef>
+        <a:buFont typeface="Arial" panose="020B0604020202020204" pitchFamily="34" charset="0"/>
+        <a:buChar char="•"/>
+        <a:defRPr sz="2800" kern="1200">
+          <a:solidFill>
+            <a:schemeClr val="tx1"/>
+          </a:solidFill>
+          <a:latin typeface="+mn-lt"/>
+          <a:ea typeface="+mn-ea"/>
+          <a:cs typeface="+mn-cs"/>
+        </a:defRPr>
+      </a:lvl1pPr>
+      <a:lvl2pPr marL="685800" indent="-228600" algn="l" defTabSz="914400" rtl="0" eaLnBrk="1" latinLnBrk="0" hangingPunct="1">
+        <a:lnSpc>
+          <a:spcPct val="90000"/>
+        </a:lnSpc>
+        <a:spcBef>
+          <a:spcPts val="500"/>
+        </a:spcBef>
+        <a:buFont typeface="Arial" panose="020B0604020202020204" pitchFamily="34" charset="0"/>
+        <a:buChar char="•"/>
+        <a:defRPr sz="2400" kern="1200">
+          <a:solidFill>
+            <a:schemeClr val="tx1"/>
+          </a:solidFill>
+          <a:latin typeface="+mn-lt"/>
+          <a:ea typeface="+mn-ea"/>
+          <a:cs typeface="+mn-cs"/>
+        </a:defRPr>
+      </a:lvl2pPr>
+      <a:lvl3pPr marL="1143000" indent="-228600" algn="l" defTabSz="914400" rtl="0" eaLnBrk="1" latinLnBrk="0" hangingPunct="1">
+        <a:lnSpc>
+          <a:spcPct val="90000"/>
+        </a:lnSpc>
+        <a:spcBef>
+          <a:spcPts val="500"/>
+        </a:spcBef>
+        <a:buFont typeface="Arial" panose="020B0604020202020204" pitchFamily="34" charset="0"/>
+        <a:buChar char="•"/>
+        <a:defRPr sz="2000" kern="1200">
+          <a:solidFill>
+            <a:schemeClr val="tx1"/>
+          </a:solidFill>
+          <a:latin typeface="+mn-lt"/>
+          <a:ea typeface="+mn-ea"/>
+          <a:cs typeface="+mn-cs"/>
+        </a:defRPr>
+      </a:lvl3pPr>
+      <a:lvl4pPr marL="1600200" indent="-228600" algn="l" defTabSz="914400" rtl="0" eaLnBrk="1" latinLnBrk="0" hangingPunct="1">
+        <a:lnSpc>
+          <a:spcPct val="90000"/>
+        </a:lnSpc>
+        <a:spcBef>
+          <a:spcPts val="500"/>
+        </a:spcBef>
+        <a:buFont typeface="Arial" panose="020B0604020202020204" pitchFamily="34" charset="0"/>
+        <a:buChar char="•"/>
+        <a:defRPr sz="1800" kern="1200">
+          <a:solidFill>
+            <a:schemeClr val="tx1"/>
+          </a:solidFill>
+          <a:latin typeface="+mn-lt"/>
+          <a:ea typeface="+mn-ea"/>
+          <a:cs typeface="+mn-cs"/>
+        </a:defRPr>
+      </a:lvl4pPr>
+      <a:lvl5pPr marL="2057400" indent="-228600" algn="l" defTabSz="914400" rtl="0" eaLnBrk="1" latinLnBrk="0" hangingPunct="1">
+        <a:lnSpc>
+          <a:spcPct val="90000"/>
+        </a:lnSpc>
+        <a:spcBef>
+          <a:spcPts val="500"/>
+        </a:spcBef>
+        <a:buFont typeface="Arial" panose="020B0604020202020204" pitchFamily="34" charset="0"/>
+        <a:buChar char="•"/>
+        <a:defRPr sz="1800" kern="1200">
+          <a:solidFill>
+            <a:schemeClr val="tx1"/>
+          </a:solidFill>
+          <a:latin typeface="+mn-lt"/>
+          <a:ea typeface="+mn-ea"/>
+          <a:cs typeface="+mn-cs"/>
+        </a:defRPr>
+      </a:lvl5pPr>
+      <a:lvl6pPr marL="2514600" indent="-228600" algn="l" defTabSz="914400" rtl="0" eaLnBrk="1" latinLnBrk="0" hangingPunct="1">
+        <a:lnSpc>
+          <a:spcPct val="90000"/>
+        </a:lnSpc>
+        <a:spcBef>
+          <a:spcPts val="500"/>
+        </a:spcBef>
+        <a:buFont typeface="Arial" panose="020B0604020202020204" pitchFamily="34" charset="0"/>
+        <a:buChar char="•"/>
+        <a:defRPr sz="1800" kern="1200">
+          <a:solidFill>
+            <a:schemeClr val="tx1"/>
+          </a:solidFill>
+          <a:latin typeface="+mn-lt"/>
+          <a:ea typeface="+mn-ea"/>
+          <a:cs typeface="+mn-cs"/>
+        </a:defRPr>
+      </a:lvl6pPr>
+      <a:lvl7pPr marL="2971800" indent="-228600" algn="l" defTabSz="914400" rtl="0" eaLnBrk="1" latinLnBrk="0" hangingPunct="1">
+        <a:lnSpc>
+          <a:spcPct val="90000"/>
+        </a:lnSpc>
+        <a:spcBef>
+          <a:spcPts val="500"/>
+        </a:spcBef>
+        <a:buFont typeface="Arial" panose="020B0604020202020204" pitchFamily="34" charset="0"/>
+        <a:buChar char="•"/>
+        <a:defRPr sz="1800" kern="1200">
+          <a:solidFill>
+            <a:schemeClr val="tx1"/>
+          </a:solidFill>
+          <a:latin typeface="+mn-lt"/>
+          <a:ea typeface="+mn-ea"/>
+          <a:cs typeface="+mn-cs"/>
+        </a:defRPr>
+      </a:lvl7pPr>
+      <a:lvl8pPr marL="3429000" indent="-228600" algn="l" defTabSz="914400" rtl="0" eaLnBrk="1" latinLnBrk="0" hangingPunct="1">
+        <a:lnSpc>
+          <a:spcPct val="90000"/>
+        </a:lnSpc>
+        <a:spcBef>
+          <a:spcPts val="500"/>
+        </a:spcBef>
+        <a:buFont typeface="Arial" panose="020B0604020202020204" pitchFamily="34" charset="0"/>
+        <a:buChar char="•"/>
+        <a:defRPr sz="1800" kern="1200">
+          <a:solidFill>
+            <a:schemeClr val="tx1"/>
+          </a:solidFill>
+          <a:latin typeface="+mn-lt"/>
+          <a:ea typeface="+mn-ea"/>
+          <a:cs typeface="+mn-cs"/>
+        </a:defRPr>
+      </a:lvl8pPr>
+      <a:lvl9pPr marL="3886200" indent="-228600" algn="l" defTabSz="914400" rtl="0" eaLnBrk="1" latinLnBrk="0" hangingPunct="1">
+        <a:lnSpc>
+          <a:spcPct val="90000"/>
+        </a:lnSpc>
+        <a:spcBef>
+          <a:spcPts val="500"/>
+        </a:spcBef>
+        <a:buFont typeface="Arial" panose="020B0604020202020204" pitchFamily="34" charset="0"/>
+        <a:buChar char="•"/>
+        <a:defRPr sz="1800" kern="1200">
+          <a:solidFill>
+            <a:schemeClr val="tx1"/>
+          </a:solidFill>
+          <a:latin typeface="+mn-lt"/>
+          <a:ea typeface="+mn-ea"/>
+          <a:cs typeface="+mn-cs"/>
+        </a:defRPr>
+      </a:lvl9pPr>
+    </p:bodyStyle>
+    <p:otherStyle>
+      <a:defPPr>
+        <a:defRPr lang="zh-CN"/>
+      </a:defPPr>
+      <a:lvl1pPr marL="0" algn="l" defTabSz="914400" rtl="0" eaLnBrk="1" latinLnBrk="0" hangingPunct="1">
+        <a:defRPr sz="1800" kern="1200">
+          <a:solidFill>
+            <a:schemeClr val="tx1"/>
+          </a:solidFill>
+          <a:latin typeface="+mn-lt"/>
+          <a:ea typeface="+mn-ea"/>
+          <a:cs typeface="+mn-cs"/>
+        </a:defRPr>
+      </a:lvl1pPr>
+      <a:lvl2pPr marL="457200" algn="l" defTabSz="914400" rtl="0" eaLnBrk="1" latinLnBrk="0" hangingPunct="1">
+        <a:defRPr sz="1800" kern="1200">
+          <a:solidFill>
+            <a:schemeClr val="tx1"/>
+          </a:solidFill>
+          <a:latin typeface="+mn-lt"/>
+          <a:ea typeface="+mn-ea"/>
+          <a:cs typeface="+mn-cs"/>
+        </a:defRPr>
+      </a:lvl2pPr>
+      <a:lvl3pPr marL="914400" algn="l" defTabSz="914400" rtl="0" eaLnBrk="1" latinLnBrk="0" hangingPunct="1">
+        <a:defRPr sz="1800" kern="1200">
+          <a:solidFill>
+            <a:schemeClr val="tx1"/>
+          </a:solidFill>
+          <a:latin typeface="+mn-lt"/>
+          <a:ea typeface="+mn-ea"/>
+          <a:cs typeface="+mn-cs"/>
+        </a:defRPr>
+      </a:lvl3pPr>
+      <a:lvl4pPr marL="1371600" algn="l" defTabSz="914400" rtl="0" eaLnBrk="1" latinLnBrk="0" hangingPunct="1">
+        <a:defRPr sz="1800" kern="1200">
+          <a:solidFill>
+            <a:schemeClr val="tx1"/>
+          </a:solidFill>
+          <a:latin typeface="+mn-lt"/>
+          <a:ea typeface="+mn-ea"/>
+          <a:cs typeface="+mn-cs"/>
+        </a:defRPr>
+      </a:lvl4pPr>
+      <a:lvl5pPr marL="1828800" algn="l" defTabSz="914400" rtl="0" eaLnBrk="1" latinLnBrk="0" hangingPunct="1">
+        <a:defRPr sz="1800" kern="1200">
+          <a:solidFill>
+            <a:schemeClr val="tx1"/>
+          </a:solidFill>
+          <a:latin typeface="+mn-lt"/>
+          <a:ea typeface="+mn-ea"/>
+          <a:cs typeface="+mn-cs"/>
+        </a:defRPr>
+      </a:lvl5pPr>
+      <a:lvl6pPr marL="2286000" algn="l" defTabSz="914400" rtl="0" eaLnBrk="1" latinLnBrk="0" hangingPunct="1">
+        <a:defRPr sz="1800" kern="1200">
+          <a:solidFill>
+            <a:schemeClr val="tx1"/>
+          </a:solidFill>
+          <a:latin typeface="+mn-lt"/>
+          <a:ea typeface="+mn-ea"/>
+          <a:cs typeface="+mn-cs"/>
+        </a:defRPr>
+      </a:lvl6pPr>
+      <a:lvl7pPr marL="2743200" algn="l" defTabSz="914400" rtl="0" eaLnBrk="1" latinLnBrk="0" hangingPunct="1">
+        <a:defRPr sz="1800" kern="1200">
+          <a:solidFill>
+            <a:schemeClr val="tx1"/>
+          </a:solidFill>
+          <a:latin typeface="+mn-lt"/>
+          <a:ea typeface="+mn-ea"/>
+          <a:cs typeface="+mn-cs"/>
+        </a:defRPr>
+      </a:lvl7pPr>
+      <a:lvl8pPr marL="3200400" algn="l" defTabSz="914400" rtl="0" eaLnBrk="1" latinLnBrk="0" hangingPunct="1">
+        <a:defRPr sz="1800" kern="1200">
+          <a:solidFill>
+            <a:schemeClr val="tx1"/>
+          </a:solidFill>
+          <a:latin typeface="+mn-lt"/>
+          <a:ea typeface="+mn-ea"/>
+          <a:cs typeface="+mn-cs"/>
+        </a:defRPr>
+      </a:lvl8pPr>
+      <a:lvl9pPr marL="3657600" algn="l" defTabSz="914400" rtl="0" eaLnBrk="1" latinLnBrk="0" hangingPunct="1">
+        <a:defRPr sz="1800" kern="1200">
+          <a:solidFill>
+            <a:schemeClr val="tx1"/>
+          </a:solidFill>
+          <a:latin typeface="+mn-lt"/>
+          <a:ea typeface="+mn-ea"/>
+          <a:cs typeface="+mn-cs"/>
+        </a:defRPr>
+      </a:lvl9pPr>
+    </p:otherStyle>
+  </p:txStyles>
 </p:sldMaster>
 </file>
 
 <file path=ppt/slideMasters/slideMaster2.xml><?xml version="1.0" encoding="utf-8"?>
-<p:sldMaster xmlns:a="http://schemas.openxmlformats.org/drawingml/2006/main" xmlns:p="http://schemas.openxmlformats.org/presentationml/2006/main" xmlns:r="http://schemas.openxmlformats.org/officeDocument/2006/relationships">
+<p:sldMaster xmlns:a="http://schemas.openxmlformats.org/drawingml/2006/main" xmlns:r="http://schemas.openxmlformats.org/officeDocument/2006/relationships" xmlns:p="http://schemas.openxmlformats.org/presentationml/2006/main">
   <p:cSld>
     <p:bg>
       <p:bgPr>
         <a:solidFill>
-          <a:srgbClr val="ffffff"/>
+          <a:srgbClr val="FFFFFF"/>
         </a:solidFill>
+        <a:effectLst/>
       </p:bgPr>
     </p:bg>
     <p:spTree>
@@ -2971,6 +3596,7 @@
         </p:spPr>
         <p:txBody>
           <a:bodyPr anchor="ctr"/>
+          <a:lstStyle/>
           <a:p>
             <a:pPr>
               <a:lnSpc>
@@ -3011,6 +3637,7 @@
         </p:spPr>
         <p:txBody>
           <a:bodyPr/>
+          <a:lstStyle/>
           <a:p>
             <a:pPr>
               <a:buSzPct val="45000"/>
@@ -3231,6 +3858,7 @@
         </p:spPr>
         <p:txBody>
           <a:bodyPr anchor="ctr"/>
+          <a:lstStyle/>
           <a:p>
             <a:pPr>
               <a:lnSpc>
@@ -3240,7 +3868,7 @@
             <a:r>
               <a:rPr lang="en-US" sz="1200">
                 <a:solidFill>
-                  <a:srgbClr val="8b8b8b"/>
+                  <a:srgbClr val="8B8B8B"/>
                 </a:solidFill>
                 <a:latin typeface="Calibri"/>
               </a:rPr>
@@ -3271,6 +3899,7 @@
         </p:spPr>
         <p:txBody>
           <a:bodyPr anchor="ctr"/>
+          <a:lstStyle/>
           <a:p>
             <a:endParaRPr/>
           </a:p>
@@ -3297,6 +3926,7 @@
         </p:spPr>
         <p:txBody>
           <a:bodyPr anchor="ctr"/>
+          <a:lstStyle/>
           <a:p>
             <a:pPr algn="r">
               <a:lnSpc>
@@ -3306,11 +3936,11 @@
             <a:fld id="{48A96540-33BF-4429-BAE5-6036059DB375}" type="slidenum">
               <a:rPr lang="en-US" sz="1200">
                 <a:solidFill>
-                  <a:srgbClr val="8b8b8b"/>
+                  <a:srgbClr val="8B8B8B"/>
                 </a:solidFill>
                 <a:latin typeface="Calibri"/>
               </a:rPr>
-              <a:t>&lt;编号&gt;</a:t>
+              <a:t>‹#›</a:t>
             </a:fld>
             <a:endParaRPr/>
           </a:p>
@@ -3318,26 +3948,306 @@
       </p:sp>
     </p:spTree>
   </p:cSld>
-  <p:clrMap bg1="lt1" bg2="lt2" tx1="dk1" tx2="dk2" accent1="accent1" accent2="accent2" accent3="accent3" accent4="accent4" accent5="accent5" accent6="accent6" hlink="hlink" folHlink="folHlink"/>
+  <p:clrMap bg1="lt1" tx1="dk1" bg2="lt2" tx2="dk2" accent1="accent1" accent2="accent2" accent3="accent3" accent4="accent4" accent5="accent5" accent6="accent6" hlink="hlink" folHlink="folHlink"/>
   <p:sldLayoutIdLst>
-    <p:sldLayoutId id="2147483662" r:id="rId2"/>
-    <p:sldLayoutId id="2147483663" r:id="rId3"/>
-    <p:sldLayoutId id="2147483664" r:id="rId4"/>
-    <p:sldLayoutId id="2147483665" r:id="rId5"/>
-    <p:sldLayoutId id="2147483666" r:id="rId6"/>
-    <p:sldLayoutId id="2147483667" r:id="rId7"/>
-    <p:sldLayoutId id="2147483668" r:id="rId8"/>
-    <p:sldLayoutId id="2147483669" r:id="rId9"/>
-    <p:sldLayoutId id="2147483670" r:id="rId10"/>
-    <p:sldLayoutId id="2147483671" r:id="rId11"/>
-    <p:sldLayoutId id="2147483672" r:id="rId12"/>
-    <p:sldLayoutId id="2147483673" r:id="rId13"/>
+    <p:sldLayoutId id="2147483662" r:id="rId1"/>
+    <p:sldLayoutId id="2147483663" r:id="rId2"/>
+    <p:sldLayoutId id="2147483664" r:id="rId3"/>
+    <p:sldLayoutId id="2147483665" r:id="rId4"/>
+    <p:sldLayoutId id="2147483666" r:id="rId5"/>
+    <p:sldLayoutId id="2147483667" r:id="rId6"/>
+    <p:sldLayoutId id="2147483668" r:id="rId7"/>
+    <p:sldLayoutId id="2147483669" r:id="rId8"/>
+    <p:sldLayoutId id="2147483670" r:id="rId9"/>
+    <p:sldLayoutId id="2147483671" r:id="rId10"/>
+    <p:sldLayoutId id="2147483672" r:id="rId11"/>
+    <p:sldLayoutId id="2147483673" r:id="rId12"/>
   </p:sldLayoutIdLst>
+  <p:txStyles>
+    <p:titleStyle>
+      <a:lvl1pPr algn="l" defTabSz="914400" rtl="0" eaLnBrk="1" latinLnBrk="0" hangingPunct="1">
+        <a:lnSpc>
+          <a:spcPct val="90000"/>
+        </a:lnSpc>
+        <a:spcBef>
+          <a:spcPct val="0"/>
+        </a:spcBef>
+        <a:buNone/>
+        <a:defRPr sz="4400" kern="1200">
+          <a:solidFill>
+            <a:schemeClr val="tx1"/>
+          </a:solidFill>
+          <a:latin typeface="+mj-lt"/>
+          <a:ea typeface="+mj-ea"/>
+          <a:cs typeface="+mj-cs"/>
+        </a:defRPr>
+      </a:lvl1pPr>
+    </p:titleStyle>
+    <p:bodyStyle>
+      <a:lvl1pPr marL="228600" indent="-228600" algn="l" defTabSz="914400" rtl="0" eaLnBrk="1" latinLnBrk="0" hangingPunct="1">
+        <a:lnSpc>
+          <a:spcPct val="90000"/>
+        </a:lnSpc>
+        <a:spcBef>
+          <a:spcPts val="1000"/>
+        </a:spcBef>
+        <a:buFont typeface="Arial" panose="020B0604020202020204" pitchFamily="34" charset="0"/>
+        <a:buChar char="•"/>
+        <a:defRPr sz="2800" kern="1200">
+          <a:solidFill>
+            <a:schemeClr val="tx1"/>
+          </a:solidFill>
+          <a:latin typeface="+mn-lt"/>
+          <a:ea typeface="+mn-ea"/>
+          <a:cs typeface="+mn-cs"/>
+        </a:defRPr>
+      </a:lvl1pPr>
+      <a:lvl2pPr marL="685800" indent="-228600" algn="l" defTabSz="914400" rtl="0" eaLnBrk="1" latinLnBrk="0" hangingPunct="1">
+        <a:lnSpc>
+          <a:spcPct val="90000"/>
+        </a:lnSpc>
+        <a:spcBef>
+          <a:spcPts val="500"/>
+        </a:spcBef>
+        <a:buFont typeface="Arial" panose="020B0604020202020204" pitchFamily="34" charset="0"/>
+        <a:buChar char="•"/>
+        <a:defRPr sz="2400" kern="1200">
+          <a:solidFill>
+            <a:schemeClr val="tx1"/>
+          </a:solidFill>
+          <a:latin typeface="+mn-lt"/>
+          <a:ea typeface="+mn-ea"/>
+          <a:cs typeface="+mn-cs"/>
+        </a:defRPr>
+      </a:lvl2pPr>
+      <a:lvl3pPr marL="1143000" indent="-228600" algn="l" defTabSz="914400" rtl="0" eaLnBrk="1" latinLnBrk="0" hangingPunct="1">
+        <a:lnSpc>
+          <a:spcPct val="90000"/>
+        </a:lnSpc>
+        <a:spcBef>
+          <a:spcPts val="500"/>
+        </a:spcBef>
+        <a:buFont typeface="Arial" panose="020B0604020202020204" pitchFamily="34" charset="0"/>
+        <a:buChar char="•"/>
+        <a:defRPr sz="2000" kern="1200">
+          <a:solidFill>
+            <a:schemeClr val="tx1"/>
+          </a:solidFill>
+          <a:latin typeface="+mn-lt"/>
+          <a:ea typeface="+mn-ea"/>
+          <a:cs typeface="+mn-cs"/>
+        </a:defRPr>
+      </a:lvl3pPr>
+      <a:lvl4pPr marL="1600200" indent="-228600" algn="l" defTabSz="914400" rtl="0" eaLnBrk="1" latinLnBrk="0" hangingPunct="1">
+        <a:lnSpc>
+          <a:spcPct val="90000"/>
+        </a:lnSpc>
+        <a:spcBef>
+          <a:spcPts val="500"/>
+        </a:spcBef>
+        <a:buFont typeface="Arial" panose="020B0604020202020204" pitchFamily="34" charset="0"/>
+        <a:buChar char="•"/>
+        <a:defRPr sz="1800" kern="1200">
+          <a:solidFill>
+            <a:schemeClr val="tx1"/>
+          </a:solidFill>
+          <a:latin typeface="+mn-lt"/>
+          <a:ea typeface="+mn-ea"/>
+          <a:cs typeface="+mn-cs"/>
+        </a:defRPr>
+      </a:lvl4pPr>
+      <a:lvl5pPr marL="2057400" indent="-228600" algn="l" defTabSz="914400" rtl="0" eaLnBrk="1" latinLnBrk="0" hangingPunct="1">
+        <a:lnSpc>
+          <a:spcPct val="90000"/>
+        </a:lnSpc>
+        <a:spcBef>
+          <a:spcPts val="500"/>
+        </a:spcBef>
+        <a:buFont typeface="Arial" panose="020B0604020202020204" pitchFamily="34" charset="0"/>
+        <a:buChar char="•"/>
+        <a:defRPr sz="1800" kern="1200">
+          <a:solidFill>
+            <a:schemeClr val="tx1"/>
+          </a:solidFill>
+          <a:latin typeface="+mn-lt"/>
+          <a:ea typeface="+mn-ea"/>
+          <a:cs typeface="+mn-cs"/>
+        </a:defRPr>
+      </a:lvl5pPr>
+      <a:lvl6pPr marL="2514600" indent="-228600" algn="l" defTabSz="914400" rtl="0" eaLnBrk="1" latinLnBrk="0" hangingPunct="1">
+        <a:lnSpc>
+          <a:spcPct val="90000"/>
+        </a:lnSpc>
+        <a:spcBef>
+          <a:spcPts val="500"/>
+        </a:spcBef>
+        <a:buFont typeface="Arial" panose="020B0604020202020204" pitchFamily="34" charset="0"/>
+        <a:buChar char="•"/>
+        <a:defRPr sz="1800" kern="1200">
+          <a:solidFill>
+            <a:schemeClr val="tx1"/>
+          </a:solidFill>
+          <a:latin typeface="+mn-lt"/>
+          <a:ea typeface="+mn-ea"/>
+          <a:cs typeface="+mn-cs"/>
+        </a:defRPr>
+      </a:lvl6pPr>
+      <a:lvl7pPr marL="2971800" indent="-228600" algn="l" defTabSz="914400" rtl="0" eaLnBrk="1" latinLnBrk="0" hangingPunct="1">
+        <a:lnSpc>
+          <a:spcPct val="90000"/>
+        </a:lnSpc>
+        <a:spcBef>
+          <a:spcPts val="500"/>
+        </a:spcBef>
+        <a:buFont typeface="Arial" panose="020B0604020202020204" pitchFamily="34" charset="0"/>
+        <a:buChar char="•"/>
+        <a:defRPr sz="1800" kern="1200">
+          <a:solidFill>
+            <a:schemeClr val="tx1"/>
+          </a:solidFill>
+          <a:latin typeface="+mn-lt"/>
+          <a:ea typeface="+mn-ea"/>
+          <a:cs typeface="+mn-cs"/>
+        </a:defRPr>
+      </a:lvl7pPr>
+      <a:lvl8pPr marL="3429000" indent="-228600" algn="l" defTabSz="914400" rtl="0" eaLnBrk="1" latinLnBrk="0" hangingPunct="1">
+        <a:lnSpc>
+          <a:spcPct val="90000"/>
+        </a:lnSpc>
+        <a:spcBef>
+          <a:spcPts val="500"/>
+        </a:spcBef>
+        <a:buFont typeface="Arial" panose="020B0604020202020204" pitchFamily="34" charset="0"/>
+        <a:buChar char="•"/>
+        <a:defRPr sz="1800" kern="1200">
+          <a:solidFill>
+            <a:schemeClr val="tx1"/>
+          </a:solidFill>
+          <a:latin typeface="+mn-lt"/>
+          <a:ea typeface="+mn-ea"/>
+          <a:cs typeface="+mn-cs"/>
+        </a:defRPr>
+      </a:lvl8pPr>
+      <a:lvl9pPr marL="3886200" indent="-228600" algn="l" defTabSz="914400" rtl="0" eaLnBrk="1" latinLnBrk="0" hangingPunct="1">
+        <a:lnSpc>
+          <a:spcPct val="90000"/>
+        </a:lnSpc>
+        <a:spcBef>
+          <a:spcPts val="500"/>
+        </a:spcBef>
+        <a:buFont typeface="Arial" panose="020B0604020202020204" pitchFamily="34" charset="0"/>
+        <a:buChar char="•"/>
+        <a:defRPr sz="1800" kern="1200">
+          <a:solidFill>
+            <a:schemeClr val="tx1"/>
+          </a:solidFill>
+          <a:latin typeface="+mn-lt"/>
+          <a:ea typeface="+mn-ea"/>
+          <a:cs typeface="+mn-cs"/>
+        </a:defRPr>
+      </a:lvl9pPr>
+    </p:bodyStyle>
+    <p:otherStyle>
+      <a:defPPr>
+        <a:defRPr lang="zh-CN"/>
+      </a:defPPr>
+      <a:lvl1pPr marL="0" algn="l" defTabSz="914400" rtl="0" eaLnBrk="1" latinLnBrk="0" hangingPunct="1">
+        <a:defRPr sz="1800" kern="1200">
+          <a:solidFill>
+            <a:schemeClr val="tx1"/>
+          </a:solidFill>
+          <a:latin typeface="+mn-lt"/>
+          <a:ea typeface="+mn-ea"/>
+          <a:cs typeface="+mn-cs"/>
+        </a:defRPr>
+      </a:lvl1pPr>
+      <a:lvl2pPr marL="457200" algn="l" defTabSz="914400" rtl="0" eaLnBrk="1" latinLnBrk="0" hangingPunct="1">
+        <a:defRPr sz="1800" kern="1200">
+          <a:solidFill>
+            <a:schemeClr val="tx1"/>
+          </a:solidFill>
+          <a:latin typeface="+mn-lt"/>
+          <a:ea typeface="+mn-ea"/>
+          <a:cs typeface="+mn-cs"/>
+        </a:defRPr>
+      </a:lvl2pPr>
+      <a:lvl3pPr marL="914400" algn="l" defTabSz="914400" rtl="0" eaLnBrk="1" latinLnBrk="0" hangingPunct="1">
+        <a:defRPr sz="1800" kern="1200">
+          <a:solidFill>
+            <a:schemeClr val="tx1"/>
+          </a:solidFill>
+          <a:latin typeface="+mn-lt"/>
+          <a:ea typeface="+mn-ea"/>
+          <a:cs typeface="+mn-cs"/>
+        </a:defRPr>
+      </a:lvl3pPr>
+      <a:lvl4pPr marL="1371600" algn="l" defTabSz="914400" rtl="0" eaLnBrk="1" latinLnBrk="0" hangingPunct="1">
+        <a:defRPr sz="1800" kern="1200">
+          <a:solidFill>
+            <a:schemeClr val="tx1"/>
+          </a:solidFill>
+          <a:latin typeface="+mn-lt"/>
+          <a:ea typeface="+mn-ea"/>
+          <a:cs typeface="+mn-cs"/>
+        </a:defRPr>
+      </a:lvl4pPr>
+      <a:lvl5pPr marL="1828800" algn="l" defTabSz="914400" rtl="0" eaLnBrk="1" latinLnBrk="0" hangingPunct="1">
+        <a:defRPr sz="1800" kern="1200">
+          <a:solidFill>
+            <a:schemeClr val="tx1"/>
+          </a:solidFill>
+          <a:latin typeface="+mn-lt"/>
+          <a:ea typeface="+mn-ea"/>
+          <a:cs typeface="+mn-cs"/>
+        </a:defRPr>
+      </a:lvl5pPr>
+      <a:lvl6pPr marL="2286000" algn="l" defTabSz="914400" rtl="0" eaLnBrk="1" latinLnBrk="0" hangingPunct="1">
+        <a:defRPr sz="1800" kern="1200">
+          <a:solidFill>
+            <a:schemeClr val="tx1"/>
+          </a:solidFill>
+          <a:latin typeface="+mn-lt"/>
+          <a:ea typeface="+mn-ea"/>
+          <a:cs typeface="+mn-cs"/>
+        </a:defRPr>
+      </a:lvl6pPr>
+      <a:lvl7pPr marL="2743200" algn="l" defTabSz="914400" rtl="0" eaLnBrk="1" latinLnBrk="0" hangingPunct="1">
+        <a:defRPr sz="1800" kern="1200">
+          <a:solidFill>
+            <a:schemeClr val="tx1"/>
+          </a:solidFill>
+          <a:latin typeface="+mn-lt"/>
+          <a:ea typeface="+mn-ea"/>
+          <a:cs typeface="+mn-cs"/>
+        </a:defRPr>
+      </a:lvl7pPr>
+      <a:lvl8pPr marL="3200400" algn="l" defTabSz="914400" rtl="0" eaLnBrk="1" latinLnBrk="0" hangingPunct="1">
+        <a:defRPr sz="1800" kern="1200">
+          <a:solidFill>
+            <a:schemeClr val="tx1"/>
+          </a:solidFill>
+          <a:latin typeface="+mn-lt"/>
+          <a:ea typeface="+mn-ea"/>
+          <a:cs typeface="+mn-cs"/>
+        </a:defRPr>
+      </a:lvl8pPr>
+      <a:lvl9pPr marL="3657600" algn="l" defTabSz="914400" rtl="0" eaLnBrk="1" latinLnBrk="0" hangingPunct="1">
+        <a:defRPr sz="1800" kern="1200">
+          <a:solidFill>
+            <a:schemeClr val="tx1"/>
+          </a:solidFill>
+          <a:latin typeface="+mn-lt"/>
+          <a:ea typeface="+mn-ea"/>
+          <a:cs typeface="+mn-cs"/>
+        </a:defRPr>
+      </a:lvl9pPr>
+    </p:otherStyle>
+  </p:txStyles>
 </p:sldMaster>
 </file>
 
 <file path=ppt/slides/slide1.xml><?xml version="1.0" encoding="utf-8"?>
-<p:sld xmlns:a="http://schemas.openxmlformats.org/drawingml/2006/main" xmlns:p="http://schemas.openxmlformats.org/presentationml/2006/main" xmlns:r="http://schemas.openxmlformats.org/officeDocument/2006/relationships">
+<p:sld xmlns:a="http://schemas.openxmlformats.org/drawingml/2006/main" xmlns:r="http://schemas.openxmlformats.org/officeDocument/2006/relationships" xmlns:p="http://schemas.openxmlformats.org/presentationml/2006/main">
   <p:cSld>
     <p:spTree>
       <p:nvGrpSpPr>
@@ -3370,6 +4280,7 @@
         </p:spPr>
         <p:txBody>
           <a:bodyPr anchor="b"/>
+          <a:lstStyle/>
           <a:p>
             <a:pPr algn="ctr">
               <a:lnSpc>
@@ -3406,6 +4317,7 @@
         </p:spPr>
         <p:txBody>
           <a:bodyPr/>
+          <a:lstStyle/>
           <a:p>
             <a:pPr algn="ctr"/>
             <a:endParaRPr/>
@@ -3414,6 +4326,9 @@
       </p:sp>
     </p:spTree>
   </p:cSld>
+  <p:clrMapOvr>
+    <a:masterClrMapping/>
+  </p:clrMapOvr>
   <p:timing>
     <p:tnLst>
       <p:par>
@@ -3422,14 +4337,14 @@
             <p:seq>
               <p:cTn id="2" nodeType="mainSeq"/>
               <p:prevCondLst>
-                <p:cond delay="0" evt="onPrev">
+                <p:cond evt="onPrev" delay="0">
                   <p:tgtEl>
                     <p:sldTgt/>
                   </p:tgtEl>
                 </p:cond>
               </p:prevCondLst>
               <p:nextCondLst>
-                <p:cond delay="0" evt="onNext">
+                <p:cond evt="onNext" delay="0">
                   <p:tgtEl>
                     <p:sldTgt/>
                   </p:tgtEl>
@@ -3445,7 +4360,7 @@
 </file>
 
 <file path=ppt/slides/slide2.xml><?xml version="1.0" encoding="utf-8"?>
-<p:sld xmlns:a="http://schemas.openxmlformats.org/drawingml/2006/main" xmlns:p="http://schemas.openxmlformats.org/presentationml/2006/main" xmlns:r="http://schemas.openxmlformats.org/officeDocument/2006/relationships">
+<p:sld xmlns:a="http://schemas.openxmlformats.org/drawingml/2006/main" xmlns:r="http://schemas.openxmlformats.org/officeDocument/2006/relationships" xmlns:p="http://schemas.openxmlformats.org/presentationml/2006/main">
   <p:cSld>
     <p:spTree>
       <p:nvGrpSpPr>
@@ -3478,6 +4393,7 @@
         </p:spPr>
         <p:txBody>
           <a:bodyPr anchor="ctr"/>
+          <a:lstStyle/>
           <a:p>
             <a:pPr>
               <a:lnSpc>
@@ -3514,6 +4430,7 @@
         </p:spPr>
         <p:txBody>
           <a:bodyPr/>
+          <a:lstStyle/>
           <a:p>
             <a:pPr>
               <a:lnSpc>
@@ -3582,7 +4499,7 @@
             <a:r>
               <a:rPr lang="zh-CN" sz="2800">
                 <a:solidFill>
-                  <a:srgbClr val="ff0000"/>
+                  <a:srgbClr val="FF0000"/>
                 </a:solidFill>
                 <a:latin typeface="Calibri"/>
               </a:rPr>
@@ -3601,7 +4518,7 @@
             <a:r>
               <a:rPr lang="zh-CN" sz="2800">
                 <a:solidFill>
-                  <a:srgbClr val="ff0000"/>
+                  <a:srgbClr val="FF0000"/>
                 </a:solidFill>
                 <a:latin typeface="Calibri"/>
               </a:rPr>
@@ -3620,7 +4537,7 @@
             <a:r>
               <a:rPr lang="zh-CN" sz="2800">
                 <a:solidFill>
-                  <a:srgbClr val="ff0000"/>
+                  <a:srgbClr val="FF0000"/>
                 </a:solidFill>
                 <a:latin typeface="Calibri"/>
               </a:rPr>
@@ -3639,7 +4556,7 @@
             <a:r>
               <a:rPr lang="zh-CN" sz="2800">
                 <a:solidFill>
-                  <a:srgbClr val="ff0000"/>
+                  <a:srgbClr val="FF0000"/>
                 </a:solidFill>
                 <a:latin typeface="Calibri"/>
               </a:rPr>
@@ -3689,22 +4606,25 @@
       </p:sp>
     </p:spTree>
   </p:cSld>
+  <p:clrMapOvr>
+    <a:masterClrMapping/>
+  </p:clrMapOvr>
   <p:timing>
     <p:tnLst>
       <p:par>
-        <p:cTn id="3" dur="indefinite" restart="never" nodeType="tmRoot">
+        <p:cTn id="1" dur="indefinite" restart="never" nodeType="tmRoot">
           <p:childTnLst>
             <p:seq>
-              <p:cTn id="4" nodeType="mainSeq"/>
+              <p:cTn id="2" nodeType="mainSeq"/>
               <p:prevCondLst>
-                <p:cond delay="0" evt="onPrev">
+                <p:cond evt="onPrev" delay="0">
                   <p:tgtEl>
                     <p:sldTgt/>
                   </p:tgtEl>
                 </p:cond>
               </p:prevCondLst>
               <p:nextCondLst>
-                <p:cond delay="0" evt="onNext">
+                <p:cond evt="onNext" delay="0">
                   <p:tgtEl>
                     <p:sldTgt/>
                   </p:tgtEl>
@@ -3720,7 +4640,7 @@
 </file>
 
 <file path=ppt/slides/slide3.xml><?xml version="1.0" encoding="utf-8"?>
-<p:sld xmlns:a="http://schemas.openxmlformats.org/drawingml/2006/main" xmlns:p="http://schemas.openxmlformats.org/presentationml/2006/main" xmlns:r="http://schemas.openxmlformats.org/officeDocument/2006/relationships">
+<p:sld xmlns:a="http://schemas.openxmlformats.org/drawingml/2006/main" xmlns:r="http://schemas.openxmlformats.org/officeDocument/2006/relationships" xmlns:p="http://schemas.openxmlformats.org/presentationml/2006/main">
   <p:cSld>
     <p:spTree>
       <p:nvGrpSpPr>
@@ -3753,6 +4673,7 @@
         </p:spPr>
         <p:txBody>
           <a:bodyPr anchor="ctr"/>
+          <a:lstStyle/>
           <a:p>
             <a:pPr>
               <a:lnSpc>
@@ -3789,6 +4710,7 @@
         </p:spPr>
         <p:txBody>
           <a:bodyPr/>
+          <a:lstStyle/>
           <a:p>
             <a:pPr>
               <a:lnSpc>
@@ -3823,25 +4745,7 @@
                 </a:solidFill>
                 <a:latin typeface="Calibri"/>
               </a:rPr>
-              <a:t>架构图（控制</a:t>
-            </a:r>
-            <a:r>
-              <a:rPr lang="zh-CN" sz="2400">
-                <a:solidFill>
-                  <a:srgbClr val="000000"/>
-                </a:solidFill>
-                <a:latin typeface="Calibri"/>
-              </a:rPr>
-              <a:t>/</a:t>
-            </a:r>
-            <a:r>
-              <a:rPr lang="zh-CN" sz="2400">
-                <a:solidFill>
-                  <a:srgbClr val="000000"/>
-                </a:solidFill>
-                <a:latin typeface="Calibri"/>
-              </a:rPr>
-              <a:t>数据分离）</a:t>
+              <a:t>架构图（控制/数据分离）</a:t>
             </a:r>
             <a:endParaRPr/>
           </a:p>
@@ -3897,7 +4801,7 @@
             <a:r>
               <a:rPr lang="zh-CN" sz="2800">
                 <a:solidFill>
-                  <a:srgbClr val="ff0000"/>
+                  <a:srgbClr val="FF0000"/>
                 </a:solidFill>
                 <a:latin typeface="Calibri"/>
               </a:rPr>
@@ -3918,22 +4822,25 @@
       </p:sp>
     </p:spTree>
   </p:cSld>
+  <p:clrMapOvr>
+    <a:masterClrMapping/>
+  </p:clrMapOvr>
   <p:timing>
     <p:tnLst>
       <p:par>
-        <p:cTn id="5" dur="indefinite" restart="never" nodeType="tmRoot">
+        <p:cTn id="1" dur="indefinite" restart="never" nodeType="tmRoot">
           <p:childTnLst>
             <p:seq>
-              <p:cTn id="6" nodeType="mainSeq"/>
+              <p:cTn id="2" nodeType="mainSeq"/>
               <p:prevCondLst>
-                <p:cond delay="0" evt="onPrev">
+                <p:cond evt="onPrev" delay="0">
                   <p:tgtEl>
                     <p:sldTgt/>
                   </p:tgtEl>
                 </p:cond>
               </p:prevCondLst>
               <p:nextCondLst>
-                <p:cond delay="0" evt="onNext">
+                <p:cond evt="onNext" delay="0">
                   <p:tgtEl>
                     <p:sldTgt/>
                   </p:tgtEl>
@@ -3949,7 +4856,7 @@
 </file>
 
 <file path=ppt/slides/slide4.xml><?xml version="1.0" encoding="utf-8"?>
-<p:sld xmlns:a="http://schemas.openxmlformats.org/drawingml/2006/main" xmlns:p="http://schemas.openxmlformats.org/presentationml/2006/main" xmlns:r="http://schemas.openxmlformats.org/officeDocument/2006/relationships">
+<p:sld xmlns:a="http://schemas.openxmlformats.org/drawingml/2006/main" xmlns:r="http://schemas.openxmlformats.org/officeDocument/2006/relationships" xmlns:p="http://schemas.openxmlformats.org/presentationml/2006/main">
   <p:cSld>
     <p:spTree>
       <p:nvGrpSpPr>
@@ -3982,6 +4889,7 @@
         </p:spPr>
         <p:txBody>
           <a:bodyPr anchor="ctr"/>
+          <a:lstStyle/>
           <a:p>
             <a:pPr>
               <a:lnSpc>
@@ -4018,6 +4926,7 @@
         </p:spPr>
         <p:txBody>
           <a:bodyPr/>
+          <a:lstStyle/>
           <a:p>
             <a:pPr>
               <a:lnSpc>
@@ -4027,7 +4936,7 @@
               <a:buChar char="•"/>
             </a:pPr>
             <a:r>
-              <a:rPr lang="zh-CN" sz="2800">
+              <a:rPr lang="zh-CN" sz="2800" dirty="0" smtClean="0">
                 <a:solidFill>
                   <a:srgbClr val="000000"/>
                 </a:solidFill>
@@ -4035,7 +4944,28 @@
               </a:rPr>
               <a:t>Problem formulation</a:t>
             </a:r>
-            <a:endParaRPr/>
+            <a:r>
+              <a:rPr lang="en-US" altLang="zh-CN" sz="2800" smtClean="0">
+                <a:solidFill>
+                  <a:srgbClr val="000000"/>
+                </a:solidFill>
+                <a:latin typeface="Calibri"/>
+              </a:rPr>
+              <a:t> </a:t>
+            </a:r>
+            <a:r>
+              <a:rPr lang="zh-CN" altLang="en-US" sz="2800" smtClean="0"/>
+              <a:t>把</a:t>
+            </a:r>
+            <a:r>
+              <a:rPr lang="zh-CN" altLang="en-US" sz="2800" dirty="0" smtClean="0"/>
+              <a:t>问题抽象成</a:t>
+            </a:r>
+            <a:r>
+              <a:rPr lang="zh-CN" altLang="en-US" sz="2800" smtClean="0"/>
+              <a:t>数学问题</a:t>
+            </a:r>
+            <a:endParaRPr dirty="0" smtClean="0"/>
           </a:p>
           <a:p>
             <a:pPr>
@@ -4043,7 +4973,7 @@
                 <a:spcPct val="90000"/>
               </a:lnSpc>
             </a:pPr>
-            <a:endParaRPr/>
+            <a:endParaRPr dirty="0"/>
           </a:p>
           <a:p>
             <a:pPr>
@@ -4054,24 +4984,15 @@
               <a:buChar char="•"/>
             </a:pPr>
             <a:r>
-              <a:rPr lang="zh-CN" sz="2800">
-                <a:solidFill>
-                  <a:srgbClr val="ff0000"/>
+              <a:rPr lang="zh-CN" sz="2800" dirty="0">
+                <a:solidFill>
+                  <a:srgbClr val="FF0000"/>
                 </a:solidFill>
                 <a:latin typeface="Calibri"/>
               </a:rPr>
-              <a:t>NP-Hardness</a:t>
-            </a:r>
-            <a:r>
-              <a:rPr lang="zh-CN" sz="2800">
-                <a:solidFill>
-                  <a:srgbClr val="ff0000"/>
-                </a:solidFill>
-                <a:latin typeface="Calibri"/>
-              </a:rPr>
-              <a:t>（宋博）</a:t>
-            </a:r>
-            <a:endParaRPr/>
+              <a:t>NP-Hardness（宋博）</a:t>
+            </a:r>
+            <a:endParaRPr dirty="0"/>
           </a:p>
           <a:p>
             <a:pPr>
@@ -4079,7 +5000,7 @@
                 <a:spcPct val="90000"/>
               </a:lnSpc>
             </a:pPr>
-            <a:endParaRPr/>
+            <a:endParaRPr dirty="0"/>
           </a:p>
           <a:p>
             <a:pPr>
@@ -4090,24 +5011,15 @@
               <a:buChar char="•"/>
             </a:pPr>
             <a:r>
-              <a:rPr lang="zh-CN" sz="2800">
+              <a:rPr lang="zh-CN" sz="2800" dirty="0">
                 <a:solidFill>
                   <a:srgbClr val="000000"/>
                 </a:solidFill>
                 <a:latin typeface="Calibri"/>
               </a:rPr>
-              <a:t>KL</a:t>
-            </a:r>
-            <a:r>
-              <a:rPr lang="zh-CN" sz="2800">
-                <a:solidFill>
-                  <a:srgbClr val="000000"/>
-                </a:solidFill>
-                <a:latin typeface="Calibri"/>
-              </a:rPr>
-              <a:t>原理</a:t>
-            </a:r>
-            <a:endParaRPr/>
+              <a:t>KL原理</a:t>
+            </a:r>
+            <a:endParaRPr dirty="0"/>
           </a:p>
           <a:p>
             <a:pPr>
@@ -4115,7 +5027,7 @@
                 <a:spcPct val="90000"/>
               </a:lnSpc>
             </a:pPr>
-            <a:endParaRPr/>
+            <a:endParaRPr dirty="0"/>
           </a:p>
           <a:p>
             <a:pPr>
@@ -4126,7 +5038,7 @@
               <a:buChar char="•"/>
             </a:pPr>
             <a:r>
-              <a:rPr lang="zh-CN" sz="2800">
+              <a:rPr lang="zh-CN" sz="2800" dirty="0">
                 <a:solidFill>
                   <a:srgbClr val="000000"/>
                 </a:solidFill>
@@ -4134,28 +5046,31 @@
               </a:rPr>
               <a:t>Extended KL</a:t>
             </a:r>
-            <a:endParaRPr/>
+            <a:endParaRPr dirty="0"/>
           </a:p>
         </p:txBody>
       </p:sp>
     </p:spTree>
   </p:cSld>
+  <p:clrMapOvr>
+    <a:masterClrMapping/>
+  </p:clrMapOvr>
   <p:timing>
     <p:tnLst>
       <p:par>
-        <p:cTn id="7" dur="indefinite" restart="never" nodeType="tmRoot">
+        <p:cTn id="1" dur="indefinite" restart="never" nodeType="tmRoot">
           <p:childTnLst>
             <p:seq>
-              <p:cTn id="8" nodeType="mainSeq"/>
+              <p:cTn id="2" nodeType="mainSeq"/>
               <p:prevCondLst>
-                <p:cond delay="0" evt="onPrev">
+                <p:cond evt="onPrev" delay="0">
                   <p:tgtEl>
                     <p:sldTgt/>
                   </p:tgtEl>
                 </p:cond>
               </p:prevCondLst>
               <p:nextCondLst>
-                <p:cond delay="0" evt="onNext">
+                <p:cond evt="onNext" delay="0">
                   <p:tgtEl>
                     <p:sldTgt/>
                   </p:tgtEl>
@@ -4171,7 +5086,7 @@
 </file>
 
 <file path=ppt/slides/slide5.xml><?xml version="1.0" encoding="utf-8"?>
-<p:sld xmlns:a="http://schemas.openxmlformats.org/drawingml/2006/main" xmlns:p="http://schemas.openxmlformats.org/presentationml/2006/main" xmlns:r="http://schemas.openxmlformats.org/officeDocument/2006/relationships">
+<p:sld xmlns:a="http://schemas.openxmlformats.org/drawingml/2006/main" xmlns:r="http://schemas.openxmlformats.org/officeDocument/2006/relationships" xmlns:p="http://schemas.openxmlformats.org/presentationml/2006/main">
   <p:cSld>
     <p:spTree>
       <p:nvGrpSpPr>
@@ -4204,6 +5119,7 @@
         </p:spPr>
         <p:txBody>
           <a:bodyPr anchor="ctr"/>
+          <a:lstStyle/>
           <a:p>
             <a:pPr>
               <a:lnSpc>
@@ -4240,6 +5156,7 @@
         </p:spPr>
         <p:txBody>
           <a:bodyPr/>
+          <a:lstStyle/>
           <a:p>
             <a:pPr>
               <a:lnSpc>
@@ -4255,16 +5172,7 @@
                 </a:solidFill>
                 <a:latin typeface="Calibri"/>
               </a:rPr>
-              <a:t>A. Process-Based VNF Implementation</a:t>
-            </a:r>
-            <a:r>
-              <a:rPr lang="zh-CN" sz="2800">
-                <a:solidFill>
-                  <a:srgbClr val="000000"/>
-                </a:solidFill>
-                <a:latin typeface="Calibri"/>
-              </a:rPr>
-              <a:t>（杨凡）</a:t>
+              <a:t>A. Process-Based VNF Implementation（杨凡）</a:t>
             </a:r>
             <a:endParaRPr/>
           </a:p>
@@ -4283,16 +5191,7 @@
                 </a:solidFill>
                 <a:latin typeface="Calibri"/>
               </a:rPr>
-              <a:t>B. Packet Queue on the Data Path</a:t>
-            </a:r>
-            <a:r>
-              <a:rPr lang="zh-CN" sz="2800">
-                <a:solidFill>
-                  <a:srgbClr val="000000"/>
-                </a:solidFill>
-                <a:latin typeface="Calibri"/>
-              </a:rPr>
-              <a:t>（同步队列，数据平面）</a:t>
+              <a:t>B. Packet Queue on the Data Path（同步队列，数据平面）</a:t>
             </a:r>
             <a:endParaRPr/>
           </a:p>
@@ -4311,34 +5210,7 @@
                 </a:solidFill>
                 <a:latin typeface="Calibri"/>
               </a:rPr>
-              <a:t>C. Message Queue Between the Controller and the Data Path</a:t>
-            </a:r>
-            <a:r>
-              <a:rPr lang="zh-CN" sz="2800">
-                <a:solidFill>
-                  <a:srgbClr val="000000"/>
-                </a:solidFill>
-                <a:latin typeface="Calibri"/>
-              </a:rPr>
-              <a:t>（异步队列，控制平面，</a:t>
-            </a:r>
-            <a:r>
-              <a:rPr lang="zh-CN" sz="2800">
-                <a:solidFill>
-                  <a:srgbClr val="000000"/>
-                </a:solidFill>
-                <a:latin typeface="Calibri"/>
-              </a:rPr>
-              <a:t>mq_notify</a:t>
-            </a:r>
-            <a:r>
-              <a:rPr lang="zh-CN" sz="2800">
-                <a:solidFill>
-                  <a:srgbClr val="000000"/>
-                </a:solidFill>
-                <a:latin typeface="Calibri"/>
-              </a:rPr>
-              <a:t>教科书）</a:t>
+              <a:t>C. Message Queue Between the Controller and the Data Path（异步队列，控制平面，mq_notify教科书）</a:t>
             </a:r>
             <a:endParaRPr/>
           </a:p>
@@ -4357,52 +5229,7 @@
                 </a:solidFill>
                 <a:latin typeface="Calibri"/>
               </a:rPr>
-              <a:t>D. CPU Core Assignment and Sleeping Mechanism</a:t>
-            </a:r>
-            <a:r>
-              <a:rPr lang="zh-CN" sz="2800">
-                <a:solidFill>
-                  <a:srgbClr val="000000"/>
-                </a:solidFill>
-                <a:latin typeface="Calibri"/>
-              </a:rPr>
-              <a:t>（</a:t>
-            </a:r>
-            <a:r>
-              <a:rPr lang="zh-CN" sz="2800">
-                <a:solidFill>
-                  <a:srgbClr val="000000"/>
-                </a:solidFill>
-                <a:latin typeface="Calibri"/>
-              </a:rPr>
-              <a:t>cpu</a:t>
-            </a:r>
-            <a:r>
-              <a:rPr lang="zh-CN" sz="2800">
-                <a:solidFill>
-                  <a:srgbClr val="000000"/>
-                </a:solidFill>
-                <a:latin typeface="Calibri"/>
-              </a:rPr>
-              <a:t>亲和、</a:t>
-            </a:r>
-            <a:r>
-              <a:rPr lang="zh-CN" sz="2800">
-                <a:solidFill>
-                  <a:srgbClr val="000000"/>
-                </a:solidFill>
-                <a:latin typeface="Calibri"/>
-              </a:rPr>
-              <a:t>poll mode</a:t>
-            </a:r>
-            <a:r>
-              <a:rPr lang="zh-CN" sz="2800">
-                <a:solidFill>
-                  <a:srgbClr val="000000"/>
-                </a:solidFill>
-                <a:latin typeface="Calibri"/>
-              </a:rPr>
-              <a:t>）</a:t>
+              <a:t>D. CPU Core Assignment and Sleeping Mechanism（cpu亲和、poll mode）</a:t>
             </a:r>
             <a:endParaRPr/>
           </a:p>
@@ -4421,43 +5248,7 @@
                 </a:solidFill>
                 <a:latin typeface="Calibri"/>
               </a:rPr>
-              <a:t>获取</a:t>
-            </a:r>
-            <a:r>
-              <a:rPr lang="zh-CN" sz="2800">
-                <a:solidFill>
-                  <a:srgbClr val="000000"/>
-                </a:solidFill>
-                <a:latin typeface="Calibri"/>
-              </a:rPr>
-              <a:t>cpu</a:t>
-            </a:r>
-            <a:r>
-              <a:rPr lang="zh-CN" sz="2800">
-                <a:solidFill>
-                  <a:srgbClr val="000000"/>
-                </a:solidFill>
-                <a:latin typeface="Calibri"/>
-              </a:rPr>
-              <a:t>利用率，</a:t>
-            </a:r>
-            <a:r>
-              <a:rPr lang="zh-CN" sz="2800">
-                <a:solidFill>
-                  <a:srgbClr val="000000"/>
-                </a:solidFill>
-                <a:latin typeface="Calibri"/>
-              </a:rPr>
-              <a:t>top</a:t>
-            </a:r>
-            <a:r>
-              <a:rPr lang="zh-CN" sz="2800">
-                <a:solidFill>
-                  <a:srgbClr val="000000"/>
-                </a:solidFill>
-                <a:latin typeface="Calibri"/>
-              </a:rPr>
-              <a:t>命令。。。</a:t>
+              <a:t>获取cpu利用率，top命令。。。</a:t>
             </a:r>
             <a:endParaRPr/>
           </a:p>
@@ -4476,34 +5267,7 @@
                 </a:solidFill>
                 <a:latin typeface="Calibri"/>
               </a:rPr>
-              <a:t>E. VNFMotion Controller Implementation</a:t>
-            </a:r>
-            <a:r>
-              <a:rPr lang="zh-CN" sz="2800">
-                <a:solidFill>
-                  <a:srgbClr val="000000"/>
-                </a:solidFill>
-                <a:latin typeface="Calibri"/>
-              </a:rPr>
-              <a:t>（</a:t>
-            </a:r>
-            <a:r>
-              <a:rPr lang="zh-CN" sz="2800">
-                <a:solidFill>
-                  <a:srgbClr val="000000"/>
-                </a:solidFill>
-                <a:latin typeface="Calibri"/>
-              </a:rPr>
-              <a:t>lock-free</a:t>
-            </a:r>
-            <a:r>
-              <a:rPr lang="zh-CN" sz="2800">
-                <a:solidFill>
-                  <a:srgbClr val="000000"/>
-                </a:solidFill>
-                <a:latin typeface="Calibri"/>
-              </a:rPr>
-              <a:t>，不需要加锁）</a:t>
+              <a:t>E. VNFMotion Controller Implementation（lock-free，不需要加锁）</a:t>
             </a:r>
             <a:endParaRPr/>
           </a:p>
@@ -4546,22 +5310,25 @@
       </p:sp>
     </p:spTree>
   </p:cSld>
+  <p:clrMapOvr>
+    <a:masterClrMapping/>
+  </p:clrMapOvr>
   <p:timing>
     <p:tnLst>
       <p:par>
-        <p:cTn id="9" dur="indefinite" restart="never" nodeType="tmRoot">
+        <p:cTn id="1" dur="indefinite" restart="never" nodeType="tmRoot">
           <p:childTnLst>
             <p:seq>
-              <p:cTn id="10" nodeType="mainSeq"/>
+              <p:cTn id="2" nodeType="mainSeq"/>
               <p:prevCondLst>
-                <p:cond delay="0" evt="onPrev">
+                <p:cond evt="onPrev" delay="0">
                   <p:tgtEl>
                     <p:sldTgt/>
                   </p:tgtEl>
                 </p:cond>
               </p:prevCondLst>
               <p:nextCondLst>
-                <p:cond delay="0" evt="onNext">
+                <p:cond evt="onNext" delay="0">
                   <p:tgtEl>
                     <p:sldTgt/>
                   </p:tgtEl>
@@ -4577,7 +5344,7 @@
 </file>
 
 <file path=ppt/slides/slide6.xml><?xml version="1.0" encoding="utf-8"?>
-<p:sld xmlns:a="http://schemas.openxmlformats.org/drawingml/2006/main" xmlns:p="http://schemas.openxmlformats.org/presentationml/2006/main" xmlns:r="http://schemas.openxmlformats.org/officeDocument/2006/relationships">
+<p:sld xmlns:a="http://schemas.openxmlformats.org/drawingml/2006/main" xmlns:r="http://schemas.openxmlformats.org/officeDocument/2006/relationships" xmlns:p="http://schemas.openxmlformats.org/presentationml/2006/main">
   <p:cSld>
     <p:spTree>
       <p:nvGrpSpPr>
@@ -4610,6 +5377,7 @@
         </p:spPr>
         <p:txBody>
           <a:bodyPr anchor="ctr"/>
+          <a:lstStyle/>
           <a:p>
             <a:pPr>
               <a:lnSpc>
@@ -4623,16 +5391,7 @@
                 </a:solidFill>
                 <a:latin typeface="Calibri Light"/>
               </a:rPr>
-              <a:t>measurement </a:t>
-            </a:r>
-            <a:r>
-              <a:rPr lang="zh-CN" sz="4400">
-                <a:solidFill>
-                  <a:srgbClr val="000000"/>
-                </a:solidFill>
-                <a:latin typeface="Calibri Light"/>
-              </a:rPr>
-              <a:t>都在服务器上测一遍还是在我台式机上测就行？</a:t>
+              <a:t>measurement 都在服务器上测一遍还是在我台式机上测就行？</a:t>
             </a:r>
             <a:endParaRPr/>
           </a:p>
@@ -4655,6 +5414,7 @@
         </p:spPr>
         <p:txBody>
           <a:bodyPr/>
+          <a:lstStyle/>
           <a:p>
             <a:pPr>
               <a:lnSpc>
@@ -4666,92 +5426,20 @@
             <a:r>
               <a:rPr lang="zh-CN" sz="2800">
                 <a:solidFill>
-                  <a:srgbClr val="ff0000"/>
+                  <a:srgbClr val="FF0000"/>
                 </a:solidFill>
                 <a:latin typeface="Calibri"/>
               </a:rPr>
-              <a:t>Cpu state 1.C-state 2.P-state 3.sys/system/cpu/cpu_id/online=&gt; CPU</a:t>
+              <a:t>Cpu state 1.C-state 2.P-state 3.sys/system/cpu/cpu_id/online=&gt; CPU不同的省电方法及其效果=&gt;</a:t>
             </a:r>
             <a:r>
               <a:rPr lang="zh-CN" sz="2800">
                 <a:solidFill>
-                  <a:srgbClr val="ff0000"/>
+                  <a:srgbClr val="000000"/>
                 </a:solidFill>
                 <a:latin typeface="Calibri"/>
               </a:rPr>
-              <a:t>不同的省电方法及其效果</a:t>
-            </a:r>
-            <a:r>
-              <a:rPr lang="zh-CN" sz="2800">
-                <a:solidFill>
-                  <a:srgbClr val="ff0000"/>
-                </a:solidFill>
-                <a:latin typeface="Calibri"/>
-              </a:rPr>
-              <a:t>=&gt;</a:t>
-            </a:r>
-            <a:r>
-              <a:rPr lang="zh-CN" sz="2800">
-                <a:solidFill>
-                  <a:srgbClr val="000000"/>
-                </a:solidFill>
-                <a:latin typeface="Calibri"/>
-              </a:rPr>
-              <a:t>每种方法都有不同程度的省电效果，但是</a:t>
-            </a:r>
-            <a:r>
-              <a:rPr lang="zh-CN" sz="2800">
-                <a:solidFill>
-                  <a:srgbClr val="000000"/>
-                </a:solidFill>
-                <a:latin typeface="Calibri"/>
-              </a:rPr>
-              <a:t>2</a:t>
-            </a:r>
-            <a:r>
-              <a:rPr lang="zh-CN" sz="2800">
-                <a:solidFill>
-                  <a:srgbClr val="000000"/>
-                </a:solidFill>
-                <a:latin typeface="Calibri"/>
-              </a:rPr>
-              <a:t>的问题出在</a:t>
-            </a:r>
-            <a:r>
-              <a:rPr lang="zh-CN" sz="2800">
-                <a:solidFill>
-                  <a:srgbClr val="000000"/>
-                </a:solidFill>
-                <a:latin typeface="Calibri"/>
-              </a:rPr>
-              <a:t>blabla</a:t>
-            </a:r>
-            <a:r>
-              <a:rPr lang="zh-CN" sz="2800">
-                <a:solidFill>
-                  <a:srgbClr val="000000"/>
-                </a:solidFill>
-                <a:latin typeface="Calibri"/>
-              </a:rPr>
-              <a:t>（下一条） 关于这一种的测试，具体测量时要跑什么代码么？还是什么都不跑？还是跑循环跑满</a:t>
-            </a:r>
-            <a:r>
-              <a:rPr lang="zh-CN" sz="2800">
-                <a:solidFill>
-                  <a:srgbClr val="000000"/>
-                </a:solidFill>
-                <a:latin typeface="Calibri"/>
-              </a:rPr>
-              <a:t>CPU</a:t>
-            </a:r>
-            <a:r>
-              <a:rPr lang="zh-CN" sz="2800">
-                <a:solidFill>
-                  <a:srgbClr val="000000"/>
-                </a:solidFill>
-                <a:latin typeface="Calibri"/>
-              </a:rPr>
-              <a:t>？</a:t>
+              <a:t>每种方法都有不同程度的省电效果，但是2的问题出在blabla（下一条） 关于这一种的测试，具体测量时要跑什么代码么？还是什么都不跑？还是跑循环跑满CPU？</a:t>
             </a:r>
             <a:endParaRPr/>
           </a:p>
@@ -4766,155 +5454,20 @@
             <a:r>
               <a:rPr lang="zh-CN" sz="2800">
                 <a:solidFill>
-                  <a:srgbClr val="ff0000"/>
+                  <a:srgbClr val="FF0000"/>
                 </a:solidFill>
                 <a:latin typeface="Calibri"/>
               </a:rPr>
-              <a:t>Cpu </a:t>
+              <a:t>Cpu 时延大 如果 dvfs （1. poll-performance 2. cpu自发降频省电；随着包间隔不同，效果可能不一样；包间隔较小没有区别）=&gt; 在高速nfv处理中，不能采用cpu自身的dvfs机制来省电，将增加包延时</a:t>
             </a:r>
             <a:r>
               <a:rPr lang="zh-CN" sz="2800">
                 <a:solidFill>
-                  <a:srgbClr val="ff0000"/>
+                  <a:srgbClr val="000000"/>
                 </a:solidFill>
                 <a:latin typeface="Calibri"/>
               </a:rPr>
-              <a:t>时延大 如果 </a:t>
-            </a:r>
-            <a:r>
-              <a:rPr lang="zh-CN" sz="2800">
-                <a:solidFill>
-                  <a:srgbClr val="ff0000"/>
-                </a:solidFill>
-                <a:latin typeface="Calibri"/>
-              </a:rPr>
-              <a:t>dvfs </a:t>
-            </a:r>
-            <a:r>
-              <a:rPr lang="zh-CN" sz="2800">
-                <a:solidFill>
-                  <a:srgbClr val="ff0000"/>
-                </a:solidFill>
-                <a:latin typeface="Calibri"/>
-              </a:rPr>
-              <a:t>（</a:t>
-            </a:r>
-            <a:r>
-              <a:rPr lang="zh-CN" sz="2800">
-                <a:solidFill>
-                  <a:srgbClr val="ff0000"/>
-                </a:solidFill>
-                <a:latin typeface="Calibri"/>
-              </a:rPr>
-              <a:t>1. poll-performance 2. cpu</a:t>
-            </a:r>
-            <a:r>
-              <a:rPr lang="zh-CN" sz="2800">
-                <a:solidFill>
-                  <a:srgbClr val="ff0000"/>
-                </a:solidFill>
-                <a:latin typeface="Calibri"/>
-              </a:rPr>
-              <a:t>自发降频省电；随着包间隔不同，效果可能不一样；包间隔较小没有区别）</a:t>
-            </a:r>
-            <a:r>
-              <a:rPr lang="zh-CN" sz="2800">
-                <a:solidFill>
-                  <a:srgbClr val="ff0000"/>
-                </a:solidFill>
-                <a:latin typeface="Calibri"/>
-              </a:rPr>
-              <a:t>=&gt; </a:t>
-            </a:r>
-            <a:r>
-              <a:rPr lang="zh-CN" sz="2800">
-                <a:solidFill>
-                  <a:srgbClr val="ff0000"/>
-                </a:solidFill>
-                <a:latin typeface="Calibri"/>
-              </a:rPr>
-              <a:t>在高速</a:t>
-            </a:r>
-            <a:r>
-              <a:rPr lang="zh-CN" sz="2800">
-                <a:solidFill>
-                  <a:srgbClr val="ff0000"/>
-                </a:solidFill>
-                <a:latin typeface="Calibri"/>
-              </a:rPr>
-              <a:t>nfv</a:t>
-            </a:r>
-            <a:r>
-              <a:rPr lang="zh-CN" sz="2800">
-                <a:solidFill>
-                  <a:srgbClr val="ff0000"/>
-                </a:solidFill>
-                <a:latin typeface="Calibri"/>
-              </a:rPr>
-              <a:t>处理中，不能采用</a:t>
-            </a:r>
-            <a:r>
-              <a:rPr lang="zh-CN" sz="2800">
-                <a:solidFill>
-                  <a:srgbClr val="ff0000"/>
-                </a:solidFill>
-                <a:latin typeface="Calibri"/>
-              </a:rPr>
-              <a:t>cpu</a:t>
-            </a:r>
-            <a:r>
-              <a:rPr lang="zh-CN" sz="2800">
-                <a:solidFill>
-                  <a:srgbClr val="ff0000"/>
-                </a:solidFill>
-                <a:latin typeface="Calibri"/>
-              </a:rPr>
-              <a:t>自身的</a:t>
-            </a:r>
-            <a:r>
-              <a:rPr lang="zh-CN" sz="2800">
-                <a:solidFill>
-                  <a:srgbClr val="ff0000"/>
-                </a:solidFill>
-                <a:latin typeface="Calibri"/>
-              </a:rPr>
-              <a:t>dvfs</a:t>
-            </a:r>
-            <a:r>
-              <a:rPr lang="zh-CN" sz="2800">
-                <a:solidFill>
-                  <a:srgbClr val="ff0000"/>
-                </a:solidFill>
-                <a:latin typeface="Calibri"/>
-              </a:rPr>
-              <a:t>机制来省电，将增加包延时</a:t>
-            </a:r>
-            <a:r>
-              <a:rPr lang="zh-CN" sz="2800">
-                <a:solidFill>
-                  <a:srgbClr val="000000"/>
-                </a:solidFill>
-                <a:latin typeface="Calibri"/>
-              </a:rPr>
-              <a:t>这个实验是在不同的</a:t>
-            </a:r>
-            <a:r>
-              <a:rPr lang="zh-CN" sz="2800">
-                <a:solidFill>
-                  <a:srgbClr val="000000"/>
-                </a:solidFill>
-                <a:latin typeface="Calibri"/>
-              </a:rPr>
-              <a:t>P-state</a:t>
-            </a:r>
-            <a:r>
-              <a:rPr lang="zh-CN" sz="2800">
-                <a:solidFill>
-                  <a:srgbClr val="000000"/>
-                </a:solidFill>
-                <a:latin typeface="Calibri"/>
-              </a:rPr>
-              <a:t>下，测试不同的发包间隔（一发一转发一收），报文到达的时延是多少</a:t>
+              <a:t>这个实验是在不同的P-state下，测试不同的发包间隔（一发一转发一收），报文到达的时延是多少</a:t>
             </a:r>
             <a:endParaRPr/>
           </a:p>
@@ -4929,191 +5482,20 @@
             <a:r>
               <a:rPr lang="zh-CN" sz="2800">
                 <a:solidFill>
-                  <a:srgbClr val="ff0000"/>
+                  <a:srgbClr val="FF0000"/>
                 </a:solidFill>
                 <a:latin typeface="Calibri"/>
               </a:rPr>
-              <a:t>核间 同一个物理核心</a:t>
+              <a:t>核间 同一个物理核心/物理核心之间（同一个cpu）/不同cpu间 （performance， poll-mode）=&gt;  考虑边权重，尽量让协作多的任务放到同一个cpu或同一个核上</a:t>
             </a:r>
             <a:r>
               <a:rPr lang="zh-CN" sz="2800">
                 <a:solidFill>
-                  <a:srgbClr val="ff0000"/>
+                  <a:srgbClr val="000000"/>
                 </a:solidFill>
                 <a:latin typeface="Calibri"/>
               </a:rPr>
-              <a:t>/</a:t>
-            </a:r>
-            <a:r>
-              <a:rPr lang="zh-CN" sz="2800">
-                <a:solidFill>
-                  <a:srgbClr val="ff0000"/>
-                </a:solidFill>
-                <a:latin typeface="Calibri"/>
-              </a:rPr>
-              <a:t>物理核心之间（同一个</a:t>
-            </a:r>
-            <a:r>
-              <a:rPr lang="zh-CN" sz="2800">
-                <a:solidFill>
-                  <a:srgbClr val="ff0000"/>
-                </a:solidFill>
-                <a:latin typeface="Calibri"/>
-              </a:rPr>
-              <a:t>cpu</a:t>
-            </a:r>
-            <a:r>
-              <a:rPr lang="zh-CN" sz="2800">
-                <a:solidFill>
-                  <a:srgbClr val="ff0000"/>
-                </a:solidFill>
-                <a:latin typeface="Calibri"/>
-              </a:rPr>
-              <a:t>）</a:t>
-            </a:r>
-            <a:r>
-              <a:rPr lang="zh-CN" sz="2800">
-                <a:solidFill>
-                  <a:srgbClr val="ff0000"/>
-                </a:solidFill>
-                <a:latin typeface="Calibri"/>
-              </a:rPr>
-              <a:t>/</a:t>
-            </a:r>
-            <a:r>
-              <a:rPr lang="zh-CN" sz="2800">
-                <a:solidFill>
-                  <a:srgbClr val="ff0000"/>
-                </a:solidFill>
-                <a:latin typeface="Calibri"/>
-              </a:rPr>
-              <a:t>不同</a:t>
-            </a:r>
-            <a:r>
-              <a:rPr lang="zh-CN" sz="2800">
-                <a:solidFill>
-                  <a:srgbClr val="ff0000"/>
-                </a:solidFill>
-                <a:latin typeface="Calibri"/>
-              </a:rPr>
-              <a:t>cpu</a:t>
-            </a:r>
-            <a:r>
-              <a:rPr lang="zh-CN" sz="2800">
-                <a:solidFill>
-                  <a:srgbClr val="ff0000"/>
-                </a:solidFill>
-                <a:latin typeface="Calibri"/>
-              </a:rPr>
-              <a:t>间 （</a:t>
-            </a:r>
-            <a:r>
-              <a:rPr lang="zh-CN" sz="2800">
-                <a:solidFill>
-                  <a:srgbClr val="ff0000"/>
-                </a:solidFill>
-                <a:latin typeface="Calibri"/>
-              </a:rPr>
-              <a:t>performance</a:t>
-            </a:r>
-            <a:r>
-              <a:rPr lang="zh-CN" sz="2800">
-                <a:solidFill>
-                  <a:srgbClr val="ff0000"/>
-                </a:solidFill>
-                <a:latin typeface="Calibri"/>
-              </a:rPr>
-              <a:t>， </a:t>
-            </a:r>
-            <a:r>
-              <a:rPr lang="zh-CN" sz="2800">
-                <a:solidFill>
-                  <a:srgbClr val="ff0000"/>
-                </a:solidFill>
-                <a:latin typeface="Calibri"/>
-              </a:rPr>
-              <a:t>poll-mode</a:t>
-            </a:r>
-            <a:r>
-              <a:rPr lang="zh-CN" sz="2800">
-                <a:solidFill>
-                  <a:srgbClr val="ff0000"/>
-                </a:solidFill>
-                <a:latin typeface="Calibri"/>
-              </a:rPr>
-              <a:t>）</a:t>
-            </a:r>
-            <a:r>
-              <a:rPr lang="zh-CN" sz="2800">
-                <a:solidFill>
-                  <a:srgbClr val="ff0000"/>
-                </a:solidFill>
-                <a:latin typeface="Calibri"/>
-              </a:rPr>
-              <a:t>=&gt;  </a:t>
-            </a:r>
-            <a:r>
-              <a:rPr lang="zh-CN" sz="2800">
-                <a:solidFill>
-                  <a:srgbClr val="ff0000"/>
-                </a:solidFill>
-                <a:latin typeface="Calibri"/>
-              </a:rPr>
-              <a:t>考虑边权重，尽量让协作多的任务放到同一个</a:t>
-            </a:r>
-            <a:r>
-              <a:rPr lang="zh-CN" sz="2800">
-                <a:solidFill>
-                  <a:srgbClr val="ff0000"/>
-                </a:solidFill>
-                <a:latin typeface="Calibri"/>
-              </a:rPr>
-              <a:t>cpu</a:t>
-            </a:r>
-            <a:r>
-              <a:rPr lang="zh-CN" sz="2800">
-                <a:solidFill>
-                  <a:srgbClr val="ff0000"/>
-                </a:solidFill>
-                <a:latin typeface="Calibri"/>
-              </a:rPr>
-              <a:t>或同一个核上</a:t>
-            </a:r>
-            <a:r>
-              <a:rPr lang="zh-CN" sz="2800">
-                <a:solidFill>
-                  <a:srgbClr val="000000"/>
-                </a:solidFill>
-                <a:latin typeface="Calibri"/>
-              </a:rPr>
-              <a:t>这个实验是一发一收，</a:t>
-            </a:r>
-            <a:r>
-              <a:rPr lang="zh-CN" sz="2800">
-                <a:solidFill>
-                  <a:srgbClr val="000000"/>
-                </a:solidFill>
-                <a:latin typeface="Calibri"/>
-              </a:rPr>
-              <a:t>setcpu</a:t>
-            </a:r>
-            <a:r>
-              <a:rPr lang="zh-CN" sz="2800">
-                <a:solidFill>
-                  <a:srgbClr val="000000"/>
-                </a:solidFill>
-                <a:latin typeface="Calibri"/>
-              </a:rPr>
-              <a:t>在不同的核上就行了，注意这里的核仅仅是物理核，还得是逻辑核，物理核，</a:t>
-            </a:r>
-            <a:r>
-              <a:rPr lang="zh-CN" sz="2800">
-                <a:solidFill>
-                  <a:srgbClr val="000000"/>
-                </a:solidFill>
-                <a:latin typeface="Calibri"/>
-              </a:rPr>
-              <a:t>packet</a:t>
+              <a:t>这个实验是一发一收，setcpu在不同的核上就行了，注意这里的核仅仅是物理核，还得是逻辑核，物理核，packet</a:t>
             </a:r>
             <a:endParaRPr/>
           </a:p>
@@ -5129,22 +5511,25 @@
       </p:sp>
     </p:spTree>
   </p:cSld>
+  <p:clrMapOvr>
+    <a:masterClrMapping/>
+  </p:clrMapOvr>
   <p:timing>
     <p:tnLst>
       <p:par>
-        <p:cTn id="11" dur="indefinite" restart="never" nodeType="tmRoot">
+        <p:cTn id="1" dur="indefinite" restart="never" nodeType="tmRoot">
           <p:childTnLst>
             <p:seq>
-              <p:cTn id="12" nodeType="mainSeq"/>
+              <p:cTn id="2" nodeType="mainSeq"/>
               <p:prevCondLst>
-                <p:cond delay="0" evt="onPrev">
+                <p:cond evt="onPrev" delay="0">
                   <p:tgtEl>
                     <p:sldTgt/>
                   </p:tgtEl>
                 </p:cond>
               </p:prevCondLst>
               <p:nextCondLst>
-                <p:cond delay="0" evt="onNext">
+                <p:cond evt="onNext" delay="0">
                   <p:tgtEl>
                     <p:sldTgt/>
                   </p:tgtEl>
@@ -5160,7 +5545,7 @@
 </file>
 
 <file path=ppt/slides/slide7.xml><?xml version="1.0" encoding="utf-8"?>
-<p:sld xmlns:a="http://schemas.openxmlformats.org/drawingml/2006/main" xmlns:p="http://schemas.openxmlformats.org/presentationml/2006/main" xmlns:r="http://schemas.openxmlformats.org/officeDocument/2006/relationships">
+<p:sld xmlns:a="http://schemas.openxmlformats.org/drawingml/2006/main" xmlns:r="http://schemas.openxmlformats.org/officeDocument/2006/relationships" xmlns:p="http://schemas.openxmlformats.org/presentationml/2006/main">
   <p:cSld>
     <p:spTree>
       <p:nvGrpSpPr>
@@ -5193,6 +5578,7 @@
         </p:spPr>
         <p:txBody>
           <a:bodyPr anchor="ctr"/>
+          <a:lstStyle/>
           <a:p>
             <a:pPr>
               <a:lnSpc>
@@ -5229,6 +5615,7 @@
         </p:spPr>
         <p:txBody>
           <a:bodyPr/>
+          <a:lstStyle/>
           <a:p>
             <a:pPr>
               <a:lnSpc>
@@ -5261,16 +5648,7 @@
                 </a:solidFill>
                 <a:latin typeface="Calibri"/>
               </a:rPr>
-              <a:t>	</a:t>
-            </a:r>
-            <a:r>
-              <a:rPr lang="zh-CN" sz="2800">
-                <a:solidFill>
-                  <a:srgbClr val="000000"/>
-                </a:solidFill>
-                <a:latin typeface="Calibri"/>
-              </a:rPr>
-              <a:t>拓扑从小到大，我们的算法产生的结果在所有可能里的排名</a:t>
+              <a:t>	拓扑从小到大，我们的算法产生的结果在所有可能里的排名</a:t>
             </a:r>
             <a:endParaRPr/>
           </a:p>
@@ -5287,16 +5665,7 @@
                 </a:solidFill>
                 <a:latin typeface="Calibri"/>
               </a:rPr>
-              <a:t>	</a:t>
-            </a:r>
-            <a:r>
-              <a:rPr lang="zh-CN" sz="2800">
-                <a:solidFill>
-                  <a:srgbClr val="000000"/>
-                </a:solidFill>
-                <a:latin typeface="Calibri"/>
-              </a:rPr>
-              <a:t>拓扑从小到大，算法耗时</a:t>
+              <a:t>	拓扑从小到大，算法耗时</a:t>
             </a:r>
             <a:endParaRPr/>
           </a:p>
@@ -5313,16 +5682,7 @@
                 </a:solidFill>
                 <a:latin typeface="Calibri"/>
               </a:rPr>
-              <a:t>	</a:t>
-            </a:r>
-            <a:r>
-              <a:rPr lang="zh-CN" sz="2800">
-                <a:solidFill>
-                  <a:srgbClr val="000000"/>
-                </a:solidFill>
-                <a:latin typeface="Calibri"/>
-              </a:rPr>
-              <a:t>拓扑从小到大，需要交换的实际次数（平均）</a:t>
+              <a:t>	拓扑从小到大，需要交换的实际次数（平均）</a:t>
             </a:r>
             <a:endParaRPr/>
           </a:p>
@@ -5339,16 +5699,7 @@
                 </a:solidFill>
                 <a:latin typeface="Calibri"/>
               </a:rPr>
-              <a:t>	</a:t>
-            </a:r>
-            <a:r>
-              <a:rPr lang="zh-CN" sz="2800">
-                <a:solidFill>
-                  <a:srgbClr val="000000"/>
-                </a:solidFill>
-                <a:latin typeface="Calibri"/>
-              </a:rPr>
-              <a:t>拓扑从小到大，限制交换次数时（实际进行的交换次数）</a:t>
+              <a:t>	拓扑从小到大，限制交换次数时（实际进行的交换次数）</a:t>
             </a:r>
             <a:endParaRPr/>
           </a:p>
@@ -5373,22 +5724,25 @@
       </p:sp>
     </p:spTree>
   </p:cSld>
+  <p:clrMapOvr>
+    <a:masterClrMapping/>
+  </p:clrMapOvr>
   <p:timing>
     <p:tnLst>
       <p:par>
-        <p:cTn id="13" dur="indefinite" restart="never" nodeType="tmRoot">
+        <p:cTn id="1" dur="indefinite" restart="never" nodeType="tmRoot">
           <p:childTnLst>
             <p:seq>
-              <p:cTn id="14" nodeType="mainSeq"/>
+              <p:cTn id="2" nodeType="mainSeq"/>
               <p:prevCondLst>
-                <p:cond delay="0" evt="onPrev">
+                <p:cond evt="onPrev" delay="0">
                   <p:tgtEl>
                     <p:sldTgt/>
                   </p:tgtEl>
                 </p:cond>
               </p:prevCondLst>
               <p:nextCondLst>
-                <p:cond delay="0" evt="onNext">
+                <p:cond evt="onNext" delay="0">
                   <p:tgtEl>
                     <p:sldTgt/>
                   </p:tgtEl>
@@ -5404,7 +5758,7 @@
 </file>
 
 <file path=ppt/slides/slide8.xml><?xml version="1.0" encoding="utf-8"?>
-<p:sld xmlns:a="http://schemas.openxmlformats.org/drawingml/2006/main" xmlns:p="http://schemas.openxmlformats.org/presentationml/2006/main" xmlns:r="http://schemas.openxmlformats.org/officeDocument/2006/relationships">
+<p:sld xmlns:a="http://schemas.openxmlformats.org/drawingml/2006/main" xmlns:r="http://schemas.openxmlformats.org/officeDocument/2006/relationships" xmlns:p="http://schemas.openxmlformats.org/presentationml/2006/main">
   <p:cSld>
     <p:spTree>
       <p:nvGrpSpPr>
@@ -5437,6 +5791,7 @@
         </p:spPr>
         <p:txBody>
           <a:bodyPr anchor="ctr"/>
+          <a:lstStyle/>
           <a:p>
             <a:pPr>
               <a:lnSpc>
@@ -5473,6 +5828,7 @@
         </p:spPr>
         <p:txBody>
           <a:bodyPr/>
+          <a:lstStyle/>
           <a:p>
             <a:pPr>
               <a:lnSpc>
@@ -5505,43 +5861,7 @@
                 </a:solidFill>
                 <a:latin typeface="Calibri"/>
               </a:rPr>
-              <a:t>	</a:t>
-            </a:r>
-            <a:r>
-              <a:rPr lang="zh-CN" sz="2800">
-                <a:solidFill>
-                  <a:srgbClr val="000000"/>
-                </a:solidFill>
-                <a:latin typeface="Calibri"/>
-              </a:rPr>
-              <a:t>cpu</a:t>
-            </a:r>
-            <a:r>
-              <a:rPr lang="zh-CN" sz="2800">
-                <a:solidFill>
-                  <a:srgbClr val="000000"/>
-                </a:solidFill>
-                <a:latin typeface="Calibri"/>
-              </a:rPr>
-              <a:t>合并图（那么需不需要</a:t>
-            </a:r>
-            <a:r>
-              <a:rPr lang="zh-CN" sz="2800">
-                <a:solidFill>
-                  <a:srgbClr val="000000"/>
-                </a:solidFill>
-                <a:latin typeface="Calibri"/>
-              </a:rPr>
-              <a:t>cpu</a:t>
-            </a:r>
-            <a:r>
-              <a:rPr lang="zh-CN" sz="2800">
-                <a:solidFill>
-                  <a:srgbClr val="000000"/>
-                </a:solidFill>
-                <a:latin typeface="Calibri"/>
-              </a:rPr>
-              <a:t>分裂的图呢？）</a:t>
+              <a:t>	cpu合并图（那么需不需要cpu分裂的图呢？）</a:t>
             </a:r>
             <a:endParaRPr/>
           </a:p>
@@ -5558,25 +5878,7 @@
                 </a:solidFill>
                 <a:latin typeface="Calibri"/>
               </a:rPr>
-              <a:t>	</a:t>
-            </a:r>
-            <a:r>
-              <a:rPr lang="zh-CN" sz="2800">
-                <a:solidFill>
-                  <a:srgbClr val="000000"/>
-                </a:solidFill>
-                <a:latin typeface="Calibri"/>
-              </a:rPr>
-              <a:t>cpu</a:t>
-            </a:r>
-            <a:r>
-              <a:rPr lang="zh-CN" sz="2800">
-                <a:solidFill>
-                  <a:srgbClr val="000000"/>
-                </a:solidFill>
-                <a:latin typeface="Calibri"/>
-              </a:rPr>
-              <a:t>的个数随着发包速率的变化而变化 图（这个可能可以更新一下）</a:t>
+              <a:t>	cpu的个数随着发包速率的变化而变化 图（这个可能可以更新一下）</a:t>
             </a:r>
             <a:endParaRPr/>
           </a:p>
@@ -5593,16 +5895,7 @@
                 </a:solidFill>
                 <a:latin typeface="Calibri"/>
               </a:rPr>
-              <a:t>	</a:t>
-            </a:r>
-            <a:r>
-              <a:rPr lang="zh-CN" sz="2800">
-                <a:solidFill>
-                  <a:srgbClr val="000000"/>
-                </a:solidFill>
-                <a:latin typeface="Calibri"/>
-              </a:rPr>
-              <a:t>我们的算法与原始不做处理的进行对比，节能效果</a:t>
+              <a:t>	我们的算法与原始不做处理的进行对比，节能效果</a:t>
             </a:r>
             <a:endParaRPr/>
           </a:p>
@@ -5619,16 +5912,7 @@
                 </a:solidFill>
                 <a:latin typeface="Calibri"/>
               </a:rPr>
-              <a:t>	</a:t>
-            </a:r>
-            <a:r>
-              <a:rPr lang="zh-CN" sz="2800">
-                <a:solidFill>
-                  <a:srgbClr val="000000"/>
-                </a:solidFill>
-                <a:latin typeface="Calibri"/>
-              </a:rPr>
-              <a:t>我们的算法与原始不做处理的进行对比，性能效果</a:t>
+              <a:t>	我们的算法与原始不做处理的进行对比，性能效果</a:t>
             </a:r>
             <a:endParaRPr/>
           </a:p>
@@ -5636,22 +5920,25 @@
       </p:sp>
     </p:spTree>
   </p:cSld>
+  <p:clrMapOvr>
+    <a:masterClrMapping/>
+  </p:clrMapOvr>
   <p:timing>
     <p:tnLst>
       <p:par>
-        <p:cTn id="15" dur="indefinite" restart="never" nodeType="tmRoot">
+        <p:cTn id="1" dur="indefinite" restart="never" nodeType="tmRoot">
           <p:childTnLst>
             <p:seq>
-              <p:cTn id="16" nodeType="mainSeq"/>
+              <p:cTn id="2" nodeType="mainSeq"/>
               <p:prevCondLst>
-                <p:cond delay="0" evt="onPrev">
+                <p:cond evt="onPrev" delay="0">
                   <p:tgtEl>
                     <p:sldTgt/>
                   </p:tgtEl>
                 </p:cond>
               </p:prevCondLst>
               <p:nextCondLst>
-                <p:cond delay="0" evt="onNext">
+                <p:cond evt="onNext" delay="0">
                   <p:tgtEl>
                     <p:sldTgt/>
                   </p:tgtEl>
@@ -5886,6 +6173,8 @@
       </a:bgFillStyleLst>
     </a:fmtScheme>
   </a:themeElements>
+  <a:objectDefaults/>
+  <a:extraClrSchemeLst/>
 </a:theme>
 </file>
 
@@ -6109,6 +6398,8 @@
       </a:bgFillStyleLst>
     </a:fmtScheme>
   </a:themeElements>
+  <a:objectDefaults/>
+  <a:extraClrSchemeLst/>
 </a:theme>
 </file>
 
@@ -6332,5 +6623,7 @@
       </a:bgFillStyleLst>
     </a:fmtScheme>
   </a:themeElements>
+  <a:objectDefaults/>
+  <a:extraClrSchemeLst/>
 </a:theme>
 </file>
--- a/paper_preparation/vnfmotion.pptx
+++ b/paper_preparation/vnfmotion.pptx
@@ -1,417 +1,30 @@
 
 <file path=ppt/presentation.xml><?xml version="1.0" encoding="utf-8"?>
-<p:presentation xmlns:a="http://schemas.openxmlformats.org/drawingml/2006/main" xmlns:r="http://schemas.openxmlformats.org/officeDocument/2006/relationships" xmlns:p="http://schemas.openxmlformats.org/presentationml/2006/main">
+<p:presentation xmlns:a="http://schemas.openxmlformats.org/drawingml/2006/main" xmlns:p="http://schemas.openxmlformats.org/presentationml/2006/main" xmlns:r="http://schemas.openxmlformats.org/officeDocument/2006/relationships">
   <p:sldMasterIdLst>
-    <p:sldMasterId id="2147483648" r:id="rId1"/>
-    <p:sldMasterId id="2147483661" r:id="rId2"/>
+    <p:sldMasterId id="2147483648" r:id="rId2"/>
+    <p:sldMasterId id="2147483661" r:id="rId3"/>
   </p:sldMasterIdLst>
   <p:notesMasterIdLst>
-    <p:notesMasterId r:id="rId11"/>
+    <p:notesMasterId r:id="rId4"/>
   </p:notesMasterIdLst>
   <p:sldIdLst>
-    <p:sldId id="256" r:id="rId3"/>
-    <p:sldId id="257" r:id="rId4"/>
-    <p:sldId id="258" r:id="rId5"/>
-    <p:sldId id="259" r:id="rId6"/>
-    <p:sldId id="260" r:id="rId7"/>
-    <p:sldId id="261" r:id="rId8"/>
-    <p:sldId id="262" r:id="rId9"/>
-    <p:sldId id="263" r:id="rId10"/>
+    <p:sldId id="256" r:id="rId5"/>
+    <p:sldId id="257" r:id="rId6"/>
+    <p:sldId id="258" r:id="rId7"/>
+    <p:sldId id="259" r:id="rId8"/>
+    <p:sldId id="260" r:id="rId9"/>
+    <p:sldId id="261" r:id="rId10"/>
+    <p:sldId id="262" r:id="rId11"/>
+    <p:sldId id="263" r:id="rId12"/>
   </p:sldIdLst>
   <p:sldSz cx="12192000" cy="6858000"/>
   <p:notesSz cx="6858000" cy="9144000"/>
-  <p:defaultTextStyle>
-    <a:defPPr>
-      <a:defRPr lang="zh-CN"/>
-    </a:defPPr>
-    <a:lvl1pPr marL="0" algn="l" defTabSz="914400" rtl="0" eaLnBrk="1" latinLnBrk="0" hangingPunct="1">
-      <a:defRPr sz="1800" kern="1200">
-        <a:solidFill>
-          <a:schemeClr val="tx1"/>
-        </a:solidFill>
-        <a:latin typeface="+mn-lt"/>
-        <a:ea typeface="+mn-ea"/>
-        <a:cs typeface="+mn-cs"/>
-      </a:defRPr>
-    </a:lvl1pPr>
-    <a:lvl2pPr marL="457200" algn="l" defTabSz="914400" rtl="0" eaLnBrk="1" latinLnBrk="0" hangingPunct="1">
-      <a:defRPr sz="1800" kern="1200">
-        <a:solidFill>
-          <a:schemeClr val="tx1"/>
-        </a:solidFill>
-        <a:latin typeface="+mn-lt"/>
-        <a:ea typeface="+mn-ea"/>
-        <a:cs typeface="+mn-cs"/>
-      </a:defRPr>
-    </a:lvl2pPr>
-    <a:lvl3pPr marL="914400" algn="l" defTabSz="914400" rtl="0" eaLnBrk="1" latinLnBrk="0" hangingPunct="1">
-      <a:defRPr sz="1800" kern="1200">
-        <a:solidFill>
-          <a:schemeClr val="tx1"/>
-        </a:solidFill>
-        <a:latin typeface="+mn-lt"/>
-        <a:ea typeface="+mn-ea"/>
-        <a:cs typeface="+mn-cs"/>
-      </a:defRPr>
-    </a:lvl3pPr>
-    <a:lvl4pPr marL="1371600" algn="l" defTabSz="914400" rtl="0" eaLnBrk="1" latinLnBrk="0" hangingPunct="1">
-      <a:defRPr sz="1800" kern="1200">
-        <a:solidFill>
-          <a:schemeClr val="tx1"/>
-        </a:solidFill>
-        <a:latin typeface="+mn-lt"/>
-        <a:ea typeface="+mn-ea"/>
-        <a:cs typeface="+mn-cs"/>
-      </a:defRPr>
-    </a:lvl4pPr>
-    <a:lvl5pPr marL="1828800" algn="l" defTabSz="914400" rtl="0" eaLnBrk="1" latinLnBrk="0" hangingPunct="1">
-      <a:defRPr sz="1800" kern="1200">
-        <a:solidFill>
-          <a:schemeClr val="tx1"/>
-        </a:solidFill>
-        <a:latin typeface="+mn-lt"/>
-        <a:ea typeface="+mn-ea"/>
-        <a:cs typeface="+mn-cs"/>
-      </a:defRPr>
-    </a:lvl5pPr>
-    <a:lvl6pPr marL="2286000" algn="l" defTabSz="914400" rtl="0" eaLnBrk="1" latinLnBrk="0" hangingPunct="1">
-      <a:defRPr sz="1800" kern="1200">
-        <a:solidFill>
-          <a:schemeClr val="tx1"/>
-        </a:solidFill>
-        <a:latin typeface="+mn-lt"/>
-        <a:ea typeface="+mn-ea"/>
-        <a:cs typeface="+mn-cs"/>
-      </a:defRPr>
-    </a:lvl6pPr>
-    <a:lvl7pPr marL="2743200" algn="l" defTabSz="914400" rtl="0" eaLnBrk="1" latinLnBrk="0" hangingPunct="1">
-      <a:defRPr sz="1800" kern="1200">
-        <a:solidFill>
-          <a:schemeClr val="tx1"/>
-        </a:solidFill>
-        <a:latin typeface="+mn-lt"/>
-        <a:ea typeface="+mn-ea"/>
-        <a:cs typeface="+mn-cs"/>
-      </a:defRPr>
-    </a:lvl7pPr>
-    <a:lvl8pPr marL="3200400" algn="l" defTabSz="914400" rtl="0" eaLnBrk="1" latinLnBrk="0" hangingPunct="1">
-      <a:defRPr sz="1800" kern="1200">
-        <a:solidFill>
-          <a:schemeClr val="tx1"/>
-        </a:solidFill>
-        <a:latin typeface="+mn-lt"/>
-        <a:ea typeface="+mn-ea"/>
-        <a:cs typeface="+mn-cs"/>
-      </a:defRPr>
-    </a:lvl8pPr>
-    <a:lvl9pPr marL="3657600" algn="l" defTabSz="914400" rtl="0" eaLnBrk="1" latinLnBrk="0" hangingPunct="1">
-      <a:defRPr sz="1800" kern="1200">
-        <a:solidFill>
-          <a:schemeClr val="tx1"/>
-        </a:solidFill>
-        <a:latin typeface="+mn-lt"/>
-        <a:ea typeface="+mn-ea"/>
-        <a:cs typeface="+mn-cs"/>
-      </a:defRPr>
-    </a:lvl9pPr>
-  </p:defaultTextStyle>
 </p:presentation>
 </file>
 
 <file path=ppt/notesMasters/notesMaster1.xml><?xml version="1.0" encoding="utf-8"?>
-<p:notesMaster xmlns:a="http://schemas.openxmlformats.org/drawingml/2006/main" xmlns:r="http://schemas.openxmlformats.org/officeDocument/2006/relationships" xmlns:p="http://schemas.openxmlformats.org/presentationml/2006/main">
-  <p:cSld>
-    <p:bg>
-      <p:bgRef idx="1001">
-        <a:schemeClr val="bg1"/>
-      </p:bgRef>
-    </p:bg>
-    <p:spTree>
-      <p:nvGrpSpPr>
-        <p:cNvPr id="1" name=""/>
-        <p:cNvGrpSpPr/>
-        <p:nvPr/>
-      </p:nvGrpSpPr>
-      <p:grpSpPr>
-        <a:xfrm>
-          <a:off x="0" y="0"/>
-          <a:ext cx="0" cy="0"/>
-          <a:chOff x="0" y="0"/>
-          <a:chExt cx="0" cy="0"/>
-        </a:xfrm>
-      </p:grpSpPr>
-      <p:sp>
-        <p:nvSpPr>
-          <p:cNvPr id="78" name="PlaceHolder 1"/>
-          <p:cNvSpPr>
-            <a:spLocks noGrp="1"/>
-          </p:cNvSpPr>
-          <p:nvPr>
-            <p:ph type="body"/>
-          </p:nvPr>
-        </p:nvSpPr>
-        <p:spPr>
-          <a:xfrm>
-            <a:off x="756000" y="5078520"/>
-            <a:ext cx="6047640" cy="4811040"/>
-          </a:xfrm>
-          <a:prstGeom prst="rect">
-            <a:avLst/>
-          </a:prstGeom>
-        </p:spPr>
-        <p:txBody>
-          <a:bodyPr lIns="0" tIns="0" rIns="0" bIns="0"/>
-          <a:lstStyle/>
-          <a:p>
-            <a:r>
-              <a:rPr lang="en-US" sz="2000">
-                <a:latin typeface="Arial"/>
-              </a:rPr>
-              <a:t>单击编辑备注格式</a:t>
-            </a:r>
-            <a:endParaRPr/>
-          </a:p>
-        </p:txBody>
-      </p:sp>
-      <p:sp>
-        <p:nvSpPr>
-          <p:cNvPr id="79" name="PlaceHolder 2"/>
-          <p:cNvSpPr>
-            <a:spLocks noGrp="1"/>
-          </p:cNvSpPr>
-          <p:nvPr>
-            <p:ph type="hdr"/>
-          </p:nvPr>
-        </p:nvSpPr>
-        <p:spPr>
-          <a:xfrm>
-            <a:off x="0" y="0"/>
-            <a:ext cx="3280680" cy="534240"/>
-          </a:xfrm>
-          <a:prstGeom prst="rect">
-            <a:avLst/>
-          </a:prstGeom>
-        </p:spPr>
-        <p:txBody>
-          <a:bodyPr lIns="0" tIns="0" rIns="0" bIns="0"/>
-          <a:lstStyle/>
-          <a:p>
-            <a:r>
-              <a:rPr lang="en-US" sz="1400">
-                <a:latin typeface="Times New Roman"/>
-              </a:rPr>
-              <a:t>&lt;页眉&gt;</a:t>
-            </a:r>
-            <a:endParaRPr/>
-          </a:p>
-        </p:txBody>
-      </p:sp>
-      <p:sp>
-        <p:nvSpPr>
-          <p:cNvPr id="80" name="PlaceHolder 3"/>
-          <p:cNvSpPr>
-            <a:spLocks noGrp="1"/>
-          </p:cNvSpPr>
-          <p:nvPr>
-            <p:ph type="dt"/>
-          </p:nvPr>
-        </p:nvSpPr>
-        <p:spPr>
-          <a:xfrm>
-            <a:off x="4278960" y="0"/>
-            <a:ext cx="3280680" cy="534240"/>
-          </a:xfrm>
-          <a:prstGeom prst="rect">
-            <a:avLst/>
-          </a:prstGeom>
-        </p:spPr>
-        <p:txBody>
-          <a:bodyPr lIns="0" tIns="0" rIns="0" bIns="0"/>
-          <a:lstStyle/>
-          <a:p>
-            <a:pPr algn="r"/>
-            <a:r>
-              <a:rPr lang="en-US" sz="1400">
-                <a:latin typeface="Times New Roman"/>
-              </a:rPr>
-              <a:t>&lt;日期/时间&gt;</a:t>
-            </a:r>
-            <a:endParaRPr/>
-          </a:p>
-        </p:txBody>
-      </p:sp>
-      <p:sp>
-        <p:nvSpPr>
-          <p:cNvPr id="81" name="PlaceHolder 4"/>
-          <p:cNvSpPr>
-            <a:spLocks noGrp="1"/>
-          </p:cNvSpPr>
-          <p:nvPr>
-            <p:ph type="ftr"/>
-          </p:nvPr>
-        </p:nvSpPr>
-        <p:spPr>
-          <a:xfrm>
-            <a:off x="0" y="10157400"/>
-            <a:ext cx="3280680" cy="534240"/>
-          </a:xfrm>
-          <a:prstGeom prst="rect">
-            <a:avLst/>
-          </a:prstGeom>
-        </p:spPr>
-        <p:txBody>
-          <a:bodyPr lIns="0" tIns="0" rIns="0" bIns="0" anchor="b"/>
-          <a:lstStyle/>
-          <a:p>
-            <a:r>
-              <a:rPr lang="en-US" sz="1400">
-                <a:latin typeface="Times New Roman"/>
-              </a:rPr>
-              <a:t>&lt;页脚&gt;</a:t>
-            </a:r>
-            <a:endParaRPr/>
-          </a:p>
-        </p:txBody>
-      </p:sp>
-      <p:sp>
-        <p:nvSpPr>
-          <p:cNvPr id="82" name="PlaceHolder 5"/>
-          <p:cNvSpPr>
-            <a:spLocks noGrp="1"/>
-          </p:cNvSpPr>
-          <p:nvPr>
-            <p:ph type="sldNum"/>
-          </p:nvPr>
-        </p:nvSpPr>
-        <p:spPr>
-          <a:xfrm>
-            <a:off x="4278960" y="10157400"/>
-            <a:ext cx="3280680" cy="534240"/>
-          </a:xfrm>
-          <a:prstGeom prst="rect">
-            <a:avLst/>
-          </a:prstGeom>
-        </p:spPr>
-        <p:txBody>
-          <a:bodyPr lIns="0" tIns="0" rIns="0" bIns="0" anchor="b"/>
-          <a:lstStyle/>
-          <a:p>
-            <a:pPr algn="r"/>
-            <a:fld id="{25EDC277-2940-4B7C-90E4-8ADD847C610C}" type="slidenum">
-              <a:rPr lang="en-US" sz="1400">
-                <a:latin typeface="Times New Roman"/>
-              </a:rPr>
-              <a:t>‹#›</a:t>
-            </a:fld>
-            <a:endParaRPr/>
-          </a:p>
-        </p:txBody>
-      </p:sp>
-    </p:spTree>
-    <p:extLst>
-      <p:ext uri="{BB962C8B-B14F-4D97-AF65-F5344CB8AC3E}">
-        <p14:creationId xmlns:p14="http://schemas.microsoft.com/office/powerpoint/2010/main" val="1135647343"/>
-      </p:ext>
-    </p:extLst>
-  </p:cSld>
-  <p:clrMap bg1="lt1" tx1="dk1" bg2="lt2" tx2="dk2" accent1="accent1" accent2="accent2" accent3="accent3" accent4="accent4" accent5="accent5" accent6="accent6" hlink="hlink" folHlink="folHlink"/>
-  <p:notesStyle>
-    <a:lvl1pPr marL="0" algn="l" defTabSz="914400" rtl="0" eaLnBrk="1" latinLnBrk="0" hangingPunct="1">
-      <a:defRPr sz="1200" kern="1200">
-        <a:solidFill>
-          <a:schemeClr val="tx1"/>
-        </a:solidFill>
-        <a:latin typeface="+mn-lt"/>
-        <a:ea typeface="+mn-ea"/>
-        <a:cs typeface="+mn-cs"/>
-      </a:defRPr>
-    </a:lvl1pPr>
-    <a:lvl2pPr marL="457200" algn="l" defTabSz="914400" rtl="0" eaLnBrk="1" latinLnBrk="0" hangingPunct="1">
-      <a:defRPr sz="1200" kern="1200">
-        <a:solidFill>
-          <a:schemeClr val="tx1"/>
-        </a:solidFill>
-        <a:latin typeface="+mn-lt"/>
-        <a:ea typeface="+mn-ea"/>
-        <a:cs typeface="+mn-cs"/>
-      </a:defRPr>
-    </a:lvl2pPr>
-    <a:lvl3pPr marL="914400" algn="l" defTabSz="914400" rtl="0" eaLnBrk="1" latinLnBrk="0" hangingPunct="1">
-      <a:defRPr sz="1200" kern="1200">
-        <a:solidFill>
-          <a:schemeClr val="tx1"/>
-        </a:solidFill>
-        <a:latin typeface="+mn-lt"/>
-        <a:ea typeface="+mn-ea"/>
-        <a:cs typeface="+mn-cs"/>
-      </a:defRPr>
-    </a:lvl3pPr>
-    <a:lvl4pPr marL="1371600" algn="l" defTabSz="914400" rtl="0" eaLnBrk="1" latinLnBrk="0" hangingPunct="1">
-      <a:defRPr sz="1200" kern="1200">
-        <a:solidFill>
-          <a:schemeClr val="tx1"/>
-        </a:solidFill>
-        <a:latin typeface="+mn-lt"/>
-        <a:ea typeface="+mn-ea"/>
-        <a:cs typeface="+mn-cs"/>
-      </a:defRPr>
-    </a:lvl4pPr>
-    <a:lvl5pPr marL="1828800" algn="l" defTabSz="914400" rtl="0" eaLnBrk="1" latinLnBrk="0" hangingPunct="1">
-      <a:defRPr sz="1200" kern="1200">
-        <a:solidFill>
-          <a:schemeClr val="tx1"/>
-        </a:solidFill>
-        <a:latin typeface="+mn-lt"/>
-        <a:ea typeface="+mn-ea"/>
-        <a:cs typeface="+mn-cs"/>
-      </a:defRPr>
-    </a:lvl5pPr>
-    <a:lvl6pPr marL="2286000" algn="l" defTabSz="914400" rtl="0" eaLnBrk="1" latinLnBrk="0" hangingPunct="1">
-      <a:defRPr sz="1200" kern="1200">
-        <a:solidFill>
-          <a:schemeClr val="tx1"/>
-        </a:solidFill>
-        <a:latin typeface="+mn-lt"/>
-        <a:ea typeface="+mn-ea"/>
-        <a:cs typeface="+mn-cs"/>
-      </a:defRPr>
-    </a:lvl6pPr>
-    <a:lvl7pPr marL="2743200" algn="l" defTabSz="914400" rtl="0" eaLnBrk="1" latinLnBrk="0" hangingPunct="1">
-      <a:defRPr sz="1200" kern="1200">
-        <a:solidFill>
-          <a:schemeClr val="tx1"/>
-        </a:solidFill>
-        <a:latin typeface="+mn-lt"/>
-        <a:ea typeface="+mn-ea"/>
-        <a:cs typeface="+mn-cs"/>
-      </a:defRPr>
-    </a:lvl7pPr>
-    <a:lvl8pPr marL="3200400" algn="l" defTabSz="914400" rtl="0" eaLnBrk="1" latinLnBrk="0" hangingPunct="1">
-      <a:defRPr sz="1200" kern="1200">
-        <a:solidFill>
-          <a:schemeClr val="tx1"/>
-        </a:solidFill>
-        <a:latin typeface="+mn-lt"/>
-        <a:ea typeface="+mn-ea"/>
-        <a:cs typeface="+mn-cs"/>
-      </a:defRPr>
-    </a:lvl8pPr>
-    <a:lvl9pPr marL="3657600" algn="l" defTabSz="914400" rtl="0" eaLnBrk="1" latinLnBrk="0" hangingPunct="1">
-      <a:defRPr sz="1200" kern="1200">
-        <a:solidFill>
-          <a:schemeClr val="tx1"/>
-        </a:solidFill>
-        <a:latin typeface="+mn-lt"/>
-        <a:ea typeface="+mn-ea"/>
-        <a:cs typeface="+mn-cs"/>
-      </a:defRPr>
-    </a:lvl9pPr>
-  </p:notesStyle>
-</p:notesMaster>
-</file>
-
-<file path=ppt/notesSlides/notesSlide1.xml><?xml version="1.0" encoding="utf-8"?>
-<p:notes xmlns:a="http://schemas.openxmlformats.org/drawingml/2006/main" xmlns:r="http://schemas.openxmlformats.org/officeDocument/2006/relationships" xmlns:p="http://schemas.openxmlformats.org/presentationml/2006/main">
+<p:notesMaster xmlns:a="http://schemas.openxmlformats.org/drawingml/2006/main" xmlns:p="http://schemas.openxmlformats.org/presentationml/2006/main" xmlns:r="http://schemas.openxmlformats.org/officeDocument/2006/relationships">
   <p:cSld>
     <p:spTree>
       <p:nvGrpSpPr>
@@ -429,7 +42,7 @@
       </p:grpSpPr>
       <p:sp>
         <p:nvSpPr>
-          <p:cNvPr id="99" name="PlaceHolder 1"/>
+          <p:cNvPr id="72" name="PlaceHolder 1"/>
           <p:cNvSpPr>
             <a:spLocks noGrp="1"/>
           </p:cNvSpPr>
@@ -439,21 +52,205 @@
         </p:nvSpPr>
         <p:spPr>
           <a:xfrm>
-            <a:off x="685800" y="4400640"/>
-            <a:ext cx="5486040" cy="3600000"/>
-          </a:xfrm>
-          <a:prstGeom prst="rect">
-            <a:avLst/>
-          </a:prstGeom>
-        </p:spPr>
-        <p:txBody>
-          <a:bodyPr/>
-          <a:lstStyle/>
+            <a:off x="756000" y="5078520"/>
+            <a:ext cx="6047640" cy="4811040"/>
+          </a:xfrm>
+          <a:prstGeom prst="rect">
+            <a:avLst/>
+          </a:prstGeom>
+        </p:spPr>
+        <p:txBody>
+          <a:bodyPr lIns="0" rIns="0" tIns="0" bIns="0"/>
           <a:p>
             <a:r>
               <a:rPr lang="en-US" sz="2000">
                 <a:latin typeface="Arial"/>
               </a:rPr>
+              <a:t>单击编辑备注格式</a:t>
+            </a:r>
+            <a:endParaRPr/>
+          </a:p>
+        </p:txBody>
+      </p:sp>
+      <p:sp>
+        <p:nvSpPr>
+          <p:cNvPr id="73" name="PlaceHolder 2"/>
+          <p:cNvSpPr>
+            <a:spLocks noGrp="1"/>
+          </p:cNvSpPr>
+          <p:nvPr>
+            <p:ph type="hdr"/>
+          </p:nvPr>
+        </p:nvSpPr>
+        <p:spPr>
+          <a:xfrm>
+            <a:off x="0" y="0"/>
+            <a:ext cx="3280680" cy="534240"/>
+          </a:xfrm>
+          <a:prstGeom prst="rect">
+            <a:avLst/>
+          </a:prstGeom>
+        </p:spPr>
+        <p:txBody>
+          <a:bodyPr lIns="0" rIns="0" tIns="0" bIns="0"/>
+          <a:p>
+            <a:r>
+              <a:rPr lang="en-US" sz="1400">
+                <a:latin typeface="Times New Roman"/>
+              </a:rPr>
+              <a:t>&lt;页眉&gt;</a:t>
+            </a:r>
+            <a:endParaRPr/>
+          </a:p>
+        </p:txBody>
+      </p:sp>
+      <p:sp>
+        <p:nvSpPr>
+          <p:cNvPr id="74" name="PlaceHolder 3"/>
+          <p:cNvSpPr>
+            <a:spLocks noGrp="1"/>
+          </p:cNvSpPr>
+          <p:nvPr>
+            <p:ph type="dt"/>
+          </p:nvPr>
+        </p:nvSpPr>
+        <p:spPr>
+          <a:xfrm>
+            <a:off x="4278960" y="0"/>
+            <a:ext cx="3280680" cy="534240"/>
+          </a:xfrm>
+          <a:prstGeom prst="rect">
+            <a:avLst/>
+          </a:prstGeom>
+        </p:spPr>
+        <p:txBody>
+          <a:bodyPr lIns="0" rIns="0" tIns="0" bIns="0"/>
+          <a:p>
+            <a:pPr algn="r"/>
+            <a:r>
+              <a:rPr lang="en-US" sz="1400">
+                <a:latin typeface="Times New Roman"/>
+              </a:rPr>
+              <a:t>&lt;日期/时间&gt;</a:t>
+            </a:r>
+            <a:endParaRPr/>
+          </a:p>
+        </p:txBody>
+      </p:sp>
+      <p:sp>
+        <p:nvSpPr>
+          <p:cNvPr id="75" name="PlaceHolder 4"/>
+          <p:cNvSpPr>
+            <a:spLocks noGrp="1"/>
+          </p:cNvSpPr>
+          <p:nvPr>
+            <p:ph type="ftr"/>
+          </p:nvPr>
+        </p:nvSpPr>
+        <p:spPr>
+          <a:xfrm>
+            <a:off x="0" y="10157400"/>
+            <a:ext cx="3280680" cy="534240"/>
+          </a:xfrm>
+          <a:prstGeom prst="rect">
+            <a:avLst/>
+          </a:prstGeom>
+        </p:spPr>
+        <p:txBody>
+          <a:bodyPr lIns="0" rIns="0" tIns="0" bIns="0" anchor="b"/>
+          <a:p>
+            <a:r>
+              <a:rPr lang="en-US" sz="1400">
+                <a:latin typeface="Times New Roman"/>
+              </a:rPr>
+              <a:t>&lt;页脚&gt;</a:t>
+            </a:r>
+            <a:endParaRPr/>
+          </a:p>
+        </p:txBody>
+      </p:sp>
+      <p:sp>
+        <p:nvSpPr>
+          <p:cNvPr id="76" name="PlaceHolder 5"/>
+          <p:cNvSpPr>
+            <a:spLocks noGrp="1"/>
+          </p:cNvSpPr>
+          <p:nvPr>
+            <p:ph type="sldNum"/>
+          </p:nvPr>
+        </p:nvSpPr>
+        <p:spPr>
+          <a:xfrm>
+            <a:off x="4278960" y="10157400"/>
+            <a:ext cx="3280680" cy="534240"/>
+          </a:xfrm>
+          <a:prstGeom prst="rect">
+            <a:avLst/>
+          </a:prstGeom>
+        </p:spPr>
+        <p:txBody>
+          <a:bodyPr lIns="0" rIns="0" tIns="0" bIns="0" anchor="b"/>
+          <a:p>
+            <a:pPr algn="r"/>
+            <a:fld id="{6B0A2C6F-5E19-400E-B220-010CEE9F5D4D}" type="slidenum">
+              <a:rPr lang="en-US" sz="1400">
+                <a:latin typeface="Times New Roman"/>
+              </a:rPr>
+              <a:t>&lt;编号&gt;</a:t>
+            </a:fld>
+            <a:endParaRPr/>
+          </a:p>
+        </p:txBody>
+      </p:sp>
+    </p:spTree>
+  </p:cSld>
+  <p:clrMap bg1="lt1" bg2="lt2" tx1="dk1" tx2="dk2" accent1="accent1" accent2="accent2" accent3="accent3" accent4="accent4" accent5="accent5" accent6="accent6" hlink="hlink" folHlink="folHlink"/>
+</p:notesMaster>
+</file>
+
+<file path=ppt/notesSlides/notesSlide6.xml><?xml version="1.0" encoding="utf-8"?>
+<p:notes xmlns:a="http://schemas.openxmlformats.org/drawingml/2006/main" xmlns:p="http://schemas.openxmlformats.org/presentationml/2006/main" xmlns:r="http://schemas.openxmlformats.org/officeDocument/2006/relationships">
+  <p:cSld>
+    <p:spTree>
+      <p:nvGrpSpPr>
+        <p:cNvPr id="1" name=""/>
+        <p:cNvGrpSpPr/>
+        <p:nvPr/>
+      </p:nvGrpSpPr>
+      <p:grpSpPr>
+        <a:xfrm>
+          <a:off x="0" y="0"/>
+          <a:ext cx="0" cy="0"/>
+          <a:chOff x="0" y="0"/>
+          <a:chExt cx="0" cy="0"/>
+        </a:xfrm>
+      </p:grpSpPr>
+      <p:sp>
+        <p:nvSpPr>
+          <p:cNvPr id="93" name="PlaceHolder 1"/>
+          <p:cNvSpPr>
+            <a:spLocks noGrp="1"/>
+          </p:cNvSpPr>
+          <p:nvPr>
+            <p:ph type="body"/>
+          </p:nvPr>
+        </p:nvSpPr>
+        <p:spPr>
+          <a:xfrm>
+            <a:off x="685800" y="4400640"/>
+            <a:ext cx="5485320" cy="3599280"/>
+          </a:xfrm>
+          <a:prstGeom prst="rect">
+            <a:avLst/>
+          </a:prstGeom>
+        </p:spPr>
+        <p:txBody>
+          <a:bodyPr lIns="0" rIns="0" tIns="0" bIns="0"/>
+          <a:p>
+            <a:r>
+              <a:rPr lang="en-US" sz="2000">
+                <a:latin typeface="Arial"/>
+              </a:rPr>
               <a:t>DVFS:</a:t>
             </a:r>
             <a:r>
@@ -464,37 +261,50 @@
                 <a:latin typeface="+mn-lt"/>
                 <a:ea typeface="+mn-ea"/>
               </a:rPr>
-              <a:t>Dynamic voltage and frequency scaling动态电压频率调整</a:t>
-            </a:r>
-            <a:endParaRPr/>
-          </a:p>
-        </p:txBody>
-      </p:sp>
-      <p:sp>
-        <p:nvSpPr>
-          <p:cNvPr id="100" name="TextShape 2"/>
-          <p:cNvSpPr txBox="1"/>
+              <a:t>Dynamic voltage and frequency scaling</a:t>
+            </a:r>
+            <a:r>
+              <a:rPr lang="en-US" sz="1200">
+                <a:solidFill>
+                  <a:srgbClr val="000000"/>
+                </a:solidFill>
+                <a:latin typeface="+mn-lt"/>
+                <a:ea typeface="+mn-ea"/>
+              </a:rPr>
+              <a:t>动态电压频率调整</a:t>
+            </a:r>
+            <a:endParaRPr/>
+          </a:p>
+        </p:txBody>
+      </p:sp>
+      <p:sp>
+        <p:nvSpPr>
+          <p:cNvPr id="94" name="CustomShape 2"/>
+          <p:cNvSpPr/>
           <p:nvPr/>
         </p:nvSpPr>
         <p:spPr>
           <a:xfrm>
             <a:off x="3884760" y="8685360"/>
-            <a:ext cx="2971440" cy="458280"/>
-          </a:xfrm>
-          <a:prstGeom prst="rect">
-            <a:avLst/>
-          </a:prstGeom>
-        </p:spPr>
-        <p:txBody>
-          <a:bodyPr anchor="b"/>
-          <a:lstStyle/>
+            <a:ext cx="2970720" cy="457560"/>
+          </a:xfrm>
+          <a:prstGeom prst="rect">
+            <a:avLst/>
+          </a:prstGeom>
+          <a:noFill/>
+          <a:ln>
+            <a:noFill/>
+          </a:ln>
+        </p:spPr>
+        <p:txBody>
+          <a:bodyPr lIns="90000" rIns="90000" tIns="45000" bIns="45000" anchor="b"/>
           <a:p>
             <a:pPr algn="r">
               <a:lnSpc>
                 <a:spcPct val="100000"/>
               </a:lnSpc>
             </a:pPr>
-            <a:fld id="{AD5DDBB9-FFC1-462E-B959-37B0F7700020}" type="slidenum">
+            <a:fld id="{4E0C1B38-17A5-4308-A7E0-F4EEC55D567B}" type="slidenum">
               <a:rPr lang="en-US" sz="1200">
                 <a:solidFill>
                   <a:srgbClr val="000000"/>
@@ -502,27 +312,19 @@
                 <a:latin typeface="+mn-lt"/>
                 <a:ea typeface="+mn-ea"/>
               </a:rPr>
-              <a:t>6</a:t>
+              <a:t>&lt;编号&gt;</a:t>
             </a:fld>
             <a:endParaRPr/>
           </a:p>
         </p:txBody>
       </p:sp>
     </p:spTree>
-    <p:extLst>
-      <p:ext uri="{BB962C8B-B14F-4D97-AF65-F5344CB8AC3E}">
-        <p14:creationId xmlns:p14="http://schemas.microsoft.com/office/powerpoint/2010/main" val="405520608"/>
-      </p:ext>
-    </p:extLst>
   </p:cSld>
-  <p:clrMapOvr>
-    <a:masterClrMapping/>
-  </p:clrMapOvr>
 </p:notes>
 </file>
 
 <file path=ppt/slideLayouts/slideLayout1.xml><?xml version="1.0" encoding="utf-8"?>
-<p:sldLayout xmlns:a="http://schemas.openxmlformats.org/drawingml/2006/main" xmlns:r="http://schemas.openxmlformats.org/officeDocument/2006/relationships" xmlns:p="http://schemas.openxmlformats.org/presentationml/2006/main" type="blank" preserve="1">
+<p:sldLayout xmlns:a="http://schemas.openxmlformats.org/drawingml/2006/main" xmlns:p="http://schemas.openxmlformats.org/presentationml/2006/main" xmlns:r="http://schemas.openxmlformats.org/officeDocument/2006/relationships" type="blank" preserve="1">
   <p:cSld name="Blank Slide">
     <p:spTree>
       <p:nvGrpSpPr>
@@ -540,14 +342,11 @@
       </p:grpSpPr>
     </p:spTree>
   </p:cSld>
-  <p:clrMapOvr>
-    <a:masterClrMapping/>
-  </p:clrMapOvr>
 </p:sldLayout>
 </file>
 
 <file path=ppt/slideLayouts/slideLayout10.xml><?xml version="1.0" encoding="utf-8"?>
-<p:sldLayout xmlns:a="http://schemas.openxmlformats.org/drawingml/2006/main" xmlns:r="http://schemas.openxmlformats.org/officeDocument/2006/relationships" xmlns:p="http://schemas.openxmlformats.org/presentationml/2006/main" type="objOverTx" preserve="1">
+<p:sldLayout xmlns:a="http://schemas.openxmlformats.org/drawingml/2006/main" xmlns:p="http://schemas.openxmlformats.org/presentationml/2006/main" xmlns:r="http://schemas.openxmlformats.org/officeDocument/2006/relationships" type="objOverTx" preserve="1">
   <p:cSld name="Title, Content over Content">
     <p:spTree>
       <p:nvGrpSpPr>
@@ -565,7 +364,7 @@
       </p:grpSpPr>
       <p:sp>
         <p:nvSpPr>
-          <p:cNvPr id="26" name="PlaceHolder 1"/>
+          <p:cNvPr id="23" name="PlaceHolder 1"/>
           <p:cNvSpPr>
             <a:spLocks noGrp="1"/>
           </p:cNvSpPr>
@@ -575,24 +374,24 @@
         </p:nvSpPr>
         <p:spPr>
           <a:xfrm>
-            <a:off x="838080" y="365040"/>
-            <a:ext cx="10515240" cy="1325520"/>
-          </a:xfrm>
-          <a:prstGeom prst="rect">
-            <a:avLst/>
-          </a:prstGeom>
-        </p:spPr>
-        <p:txBody>
-          <a:bodyPr lIns="0" tIns="0" rIns="0" bIns="0" anchor="ctr"/>
-          <a:lstStyle/>
-          <a:p>
-            <a:endParaRPr/>
-          </a:p>
-        </p:txBody>
-      </p:sp>
-      <p:sp>
-        <p:nvSpPr>
-          <p:cNvPr id="27" name="PlaceHolder 2"/>
+            <a:off x="609480" y="273600"/>
+            <a:ext cx="10972440" cy="1145160"/>
+          </a:xfrm>
+          <a:prstGeom prst="rect">
+            <a:avLst/>
+          </a:prstGeom>
+        </p:spPr>
+        <p:txBody>
+          <a:bodyPr lIns="0" rIns="0" tIns="0" bIns="0" anchor="ctr"/>
+          <a:p>
+            <a:pPr algn="ctr"/>
+            <a:endParaRPr/>
+          </a:p>
+        </p:txBody>
+      </p:sp>
+      <p:sp>
+        <p:nvSpPr>
+          <p:cNvPr id="24" name="PlaceHolder 2"/>
           <p:cNvSpPr>
             <a:spLocks noGrp="1"/>
           </p:cNvSpPr>
@@ -602,24 +401,23 @@
         </p:nvSpPr>
         <p:spPr>
           <a:xfrm>
-            <a:off x="838080" y="1825560"/>
-            <a:ext cx="10515240" cy="2075040"/>
-          </a:xfrm>
-          <a:prstGeom prst="rect">
-            <a:avLst/>
-          </a:prstGeom>
-        </p:spPr>
-        <p:txBody>
-          <a:bodyPr lIns="0" tIns="0" rIns="0" bIns="0"/>
-          <a:lstStyle/>
-          <a:p>
-            <a:endParaRPr/>
-          </a:p>
-        </p:txBody>
-      </p:sp>
-      <p:sp>
-        <p:nvSpPr>
-          <p:cNvPr id="28" name="PlaceHolder 3"/>
+            <a:off x="609480" y="1604520"/>
+            <a:ext cx="10972440" cy="1896840"/>
+          </a:xfrm>
+          <a:prstGeom prst="rect">
+            <a:avLst/>
+          </a:prstGeom>
+        </p:spPr>
+        <p:txBody>
+          <a:bodyPr lIns="0" rIns="0" tIns="0" bIns="0"/>
+          <a:p>
+            <a:endParaRPr/>
+          </a:p>
+        </p:txBody>
+      </p:sp>
+      <p:sp>
+        <p:nvSpPr>
+          <p:cNvPr id="25" name="PlaceHolder 3"/>
           <p:cNvSpPr>
             <a:spLocks noGrp="1"/>
           </p:cNvSpPr>
@@ -629,16 +427,15 @@
         </p:nvSpPr>
         <p:spPr>
           <a:xfrm>
-            <a:off x="838080" y="4098240"/>
-            <a:ext cx="10515240" cy="2075040"/>
-          </a:xfrm>
-          <a:prstGeom prst="rect">
-            <a:avLst/>
-          </a:prstGeom>
-        </p:spPr>
-        <p:txBody>
-          <a:bodyPr lIns="0" tIns="0" rIns="0" bIns="0"/>
-          <a:lstStyle/>
+            <a:off x="609480" y="3682080"/>
+            <a:ext cx="10972440" cy="1896840"/>
+          </a:xfrm>
+          <a:prstGeom prst="rect">
+            <a:avLst/>
+          </a:prstGeom>
+        </p:spPr>
+        <p:txBody>
+          <a:bodyPr lIns="0" rIns="0" tIns="0" bIns="0"/>
           <a:p>
             <a:endParaRPr/>
           </a:p>
@@ -646,14 +443,11 @@
       </p:sp>
     </p:spTree>
   </p:cSld>
-  <p:clrMapOvr>
-    <a:masterClrMapping/>
-  </p:clrMapOvr>
 </p:sldLayout>
 </file>
 
 <file path=ppt/slideLayouts/slideLayout11.xml><?xml version="1.0" encoding="utf-8"?>
-<p:sldLayout xmlns:a="http://schemas.openxmlformats.org/drawingml/2006/main" xmlns:r="http://schemas.openxmlformats.org/officeDocument/2006/relationships" xmlns:p="http://schemas.openxmlformats.org/presentationml/2006/main" type="fourObj" preserve="1">
+<p:sldLayout xmlns:a="http://schemas.openxmlformats.org/drawingml/2006/main" xmlns:p="http://schemas.openxmlformats.org/presentationml/2006/main" xmlns:r="http://schemas.openxmlformats.org/officeDocument/2006/relationships" type="fourObj" preserve="1">
   <p:cSld name="Title, 4 Content">
     <p:spTree>
       <p:nvGrpSpPr>
@@ -671,7 +465,7 @@
       </p:grpSpPr>
       <p:sp>
         <p:nvSpPr>
-          <p:cNvPr id="29" name="PlaceHolder 1"/>
+          <p:cNvPr id="26" name="PlaceHolder 1"/>
           <p:cNvSpPr>
             <a:spLocks noGrp="1"/>
           </p:cNvSpPr>
@@ -681,24 +475,24 @@
         </p:nvSpPr>
         <p:spPr>
           <a:xfrm>
-            <a:off x="838080" y="365040"/>
-            <a:ext cx="10515240" cy="1325520"/>
-          </a:xfrm>
-          <a:prstGeom prst="rect">
-            <a:avLst/>
-          </a:prstGeom>
-        </p:spPr>
-        <p:txBody>
-          <a:bodyPr lIns="0" tIns="0" rIns="0" bIns="0" anchor="ctr"/>
-          <a:lstStyle/>
-          <a:p>
-            <a:endParaRPr/>
-          </a:p>
-        </p:txBody>
-      </p:sp>
-      <p:sp>
-        <p:nvSpPr>
-          <p:cNvPr id="30" name="PlaceHolder 2"/>
+            <a:off x="609480" y="273600"/>
+            <a:ext cx="10972440" cy="1145160"/>
+          </a:xfrm>
+          <a:prstGeom prst="rect">
+            <a:avLst/>
+          </a:prstGeom>
+        </p:spPr>
+        <p:txBody>
+          <a:bodyPr lIns="0" rIns="0" tIns="0" bIns="0" anchor="ctr"/>
+          <a:p>
+            <a:pPr algn="ctr"/>
+            <a:endParaRPr/>
+          </a:p>
+        </p:txBody>
+      </p:sp>
+      <p:sp>
+        <p:nvSpPr>
+          <p:cNvPr id="27" name="PlaceHolder 2"/>
           <p:cNvSpPr>
             <a:spLocks noGrp="1"/>
           </p:cNvSpPr>
@@ -708,24 +502,23 @@
         </p:nvSpPr>
         <p:spPr>
           <a:xfrm>
-            <a:off x="838080" y="1825560"/>
-            <a:ext cx="5131080" cy="2075040"/>
-          </a:xfrm>
-          <a:prstGeom prst="rect">
-            <a:avLst/>
-          </a:prstGeom>
-        </p:spPr>
-        <p:txBody>
-          <a:bodyPr lIns="0" tIns="0" rIns="0" bIns="0"/>
-          <a:lstStyle/>
-          <a:p>
-            <a:endParaRPr/>
-          </a:p>
-        </p:txBody>
-      </p:sp>
-      <p:sp>
-        <p:nvSpPr>
-          <p:cNvPr id="31" name="PlaceHolder 3"/>
+            <a:off x="609480" y="1604520"/>
+            <a:ext cx="5354280" cy="1896840"/>
+          </a:xfrm>
+          <a:prstGeom prst="rect">
+            <a:avLst/>
+          </a:prstGeom>
+        </p:spPr>
+        <p:txBody>
+          <a:bodyPr lIns="0" rIns="0" tIns="0" bIns="0"/>
+          <a:p>
+            <a:endParaRPr/>
+          </a:p>
+        </p:txBody>
+      </p:sp>
+      <p:sp>
+        <p:nvSpPr>
+          <p:cNvPr id="28" name="PlaceHolder 3"/>
           <p:cNvSpPr>
             <a:spLocks noGrp="1"/>
           </p:cNvSpPr>
@@ -735,24 +528,23 @@
         </p:nvSpPr>
         <p:spPr>
           <a:xfrm>
-            <a:off x="6226200" y="1825560"/>
-            <a:ext cx="5131080" cy="2075040"/>
-          </a:xfrm>
-          <a:prstGeom prst="rect">
-            <a:avLst/>
-          </a:prstGeom>
-        </p:spPr>
-        <p:txBody>
-          <a:bodyPr lIns="0" tIns="0" rIns="0" bIns="0"/>
-          <a:lstStyle/>
-          <a:p>
-            <a:endParaRPr/>
-          </a:p>
-        </p:txBody>
-      </p:sp>
-      <p:sp>
-        <p:nvSpPr>
-          <p:cNvPr id="32" name="PlaceHolder 4"/>
+            <a:off x="6231960" y="1604520"/>
+            <a:ext cx="5354280" cy="1896840"/>
+          </a:xfrm>
+          <a:prstGeom prst="rect">
+            <a:avLst/>
+          </a:prstGeom>
+        </p:spPr>
+        <p:txBody>
+          <a:bodyPr lIns="0" rIns="0" tIns="0" bIns="0"/>
+          <a:p>
+            <a:endParaRPr/>
+          </a:p>
+        </p:txBody>
+      </p:sp>
+      <p:sp>
+        <p:nvSpPr>
+          <p:cNvPr id="29" name="PlaceHolder 4"/>
           <p:cNvSpPr>
             <a:spLocks noGrp="1"/>
           </p:cNvSpPr>
@@ -762,24 +554,23 @@
         </p:nvSpPr>
         <p:spPr>
           <a:xfrm>
-            <a:off x="6226200" y="4098240"/>
-            <a:ext cx="5131080" cy="2075040"/>
-          </a:xfrm>
-          <a:prstGeom prst="rect">
-            <a:avLst/>
-          </a:prstGeom>
-        </p:spPr>
-        <p:txBody>
-          <a:bodyPr lIns="0" tIns="0" rIns="0" bIns="0"/>
-          <a:lstStyle/>
-          <a:p>
-            <a:endParaRPr/>
-          </a:p>
-        </p:txBody>
-      </p:sp>
-      <p:sp>
-        <p:nvSpPr>
-          <p:cNvPr id="33" name="PlaceHolder 5"/>
+            <a:off x="6231960" y="3682080"/>
+            <a:ext cx="5354280" cy="1896840"/>
+          </a:xfrm>
+          <a:prstGeom prst="rect">
+            <a:avLst/>
+          </a:prstGeom>
+        </p:spPr>
+        <p:txBody>
+          <a:bodyPr lIns="0" rIns="0" tIns="0" bIns="0"/>
+          <a:p>
+            <a:endParaRPr/>
+          </a:p>
+        </p:txBody>
+      </p:sp>
+      <p:sp>
+        <p:nvSpPr>
+          <p:cNvPr id="30" name="PlaceHolder 5"/>
           <p:cNvSpPr>
             <a:spLocks noGrp="1"/>
           </p:cNvSpPr>
@@ -789,16 +580,15 @@
         </p:nvSpPr>
         <p:spPr>
           <a:xfrm>
-            <a:off x="838080" y="4098240"/>
-            <a:ext cx="5131080" cy="2075040"/>
-          </a:xfrm>
-          <a:prstGeom prst="rect">
-            <a:avLst/>
-          </a:prstGeom>
-        </p:spPr>
-        <p:txBody>
-          <a:bodyPr lIns="0" tIns="0" rIns="0" bIns="0"/>
-          <a:lstStyle/>
+            <a:off x="609480" y="3682080"/>
+            <a:ext cx="5354280" cy="1896840"/>
+          </a:xfrm>
+          <a:prstGeom prst="rect">
+            <a:avLst/>
+          </a:prstGeom>
+        </p:spPr>
+        <p:txBody>
+          <a:bodyPr lIns="0" rIns="0" tIns="0" bIns="0"/>
           <a:p>
             <a:endParaRPr/>
           </a:p>
@@ -806,14 +596,11 @@
       </p:sp>
     </p:spTree>
   </p:cSld>
-  <p:clrMapOvr>
-    <a:masterClrMapping/>
-  </p:clrMapOvr>
 </p:sldLayout>
 </file>
 
 <file path=ppt/slideLayouts/slideLayout12.xml><?xml version="1.0" encoding="utf-8"?>
-<p:sldLayout xmlns:a="http://schemas.openxmlformats.org/drawingml/2006/main" xmlns:r="http://schemas.openxmlformats.org/officeDocument/2006/relationships" xmlns:p="http://schemas.openxmlformats.org/presentationml/2006/main" type="blank" preserve="1">
+<p:sldLayout xmlns:a="http://schemas.openxmlformats.org/drawingml/2006/main" xmlns:p="http://schemas.openxmlformats.org/presentationml/2006/main" xmlns:r="http://schemas.openxmlformats.org/officeDocument/2006/relationships" type="blank" preserve="1">
   <p:cSld name="Title, 6 Content">
     <p:spTree>
       <p:nvGrpSpPr>
@@ -831,7 +618,7 @@
       </p:grpSpPr>
       <p:sp>
         <p:nvSpPr>
-          <p:cNvPr id="34" name="PlaceHolder 1"/>
+          <p:cNvPr id="31" name="PlaceHolder 1"/>
           <p:cNvSpPr>
             <a:spLocks noGrp="1"/>
           </p:cNvSpPr>
@@ -841,24 +628,24 @@
         </p:nvSpPr>
         <p:spPr>
           <a:xfrm>
-            <a:off x="838080" y="365040"/>
-            <a:ext cx="10515240" cy="1325520"/>
-          </a:xfrm>
-          <a:prstGeom prst="rect">
-            <a:avLst/>
-          </a:prstGeom>
-        </p:spPr>
-        <p:txBody>
-          <a:bodyPr lIns="0" tIns="0" rIns="0" bIns="0" anchor="ctr"/>
-          <a:lstStyle/>
-          <a:p>
-            <a:endParaRPr/>
-          </a:p>
-        </p:txBody>
-      </p:sp>
-      <p:sp>
-        <p:nvSpPr>
-          <p:cNvPr id="35" name="PlaceHolder 2"/>
+            <a:off x="609480" y="273600"/>
+            <a:ext cx="10972440" cy="1145160"/>
+          </a:xfrm>
+          <a:prstGeom prst="rect">
+            <a:avLst/>
+          </a:prstGeom>
+        </p:spPr>
+        <p:txBody>
+          <a:bodyPr lIns="0" rIns="0" tIns="0" bIns="0" anchor="ctr"/>
+          <a:p>
+            <a:pPr algn="ctr"/>
+            <a:endParaRPr/>
+          </a:p>
+        </p:txBody>
+      </p:sp>
+      <p:sp>
+        <p:nvSpPr>
+          <p:cNvPr id="32" name="PlaceHolder 2"/>
           <p:cNvSpPr>
             <a:spLocks noGrp="1"/>
           </p:cNvSpPr>
@@ -868,24 +655,23 @@
         </p:nvSpPr>
         <p:spPr>
           <a:xfrm>
-            <a:off x="838080" y="1825560"/>
-            <a:ext cx="10515240" cy="4350960"/>
-          </a:xfrm>
-          <a:prstGeom prst="rect">
-            <a:avLst/>
-          </a:prstGeom>
-        </p:spPr>
-        <p:txBody>
-          <a:bodyPr lIns="0" tIns="0" rIns="0" bIns="0"/>
-          <a:lstStyle/>
-          <a:p>
-            <a:endParaRPr/>
-          </a:p>
-        </p:txBody>
-      </p:sp>
-      <p:sp>
-        <p:nvSpPr>
-          <p:cNvPr id="36" name="PlaceHolder 3"/>
+            <a:off x="609480" y="1604520"/>
+            <a:ext cx="10972440" cy="3977280"/>
+          </a:xfrm>
+          <a:prstGeom prst="rect">
+            <a:avLst/>
+          </a:prstGeom>
+        </p:spPr>
+        <p:txBody>
+          <a:bodyPr lIns="0" rIns="0" tIns="0" bIns="0"/>
+          <a:p>
+            <a:endParaRPr/>
+          </a:p>
+        </p:txBody>
+      </p:sp>
+      <p:sp>
+        <p:nvSpPr>
+          <p:cNvPr id="33" name="PlaceHolder 3"/>
           <p:cNvSpPr>
             <a:spLocks noGrp="1"/>
           </p:cNvSpPr>
@@ -895,16 +681,15 @@
         </p:nvSpPr>
         <p:spPr>
           <a:xfrm>
-            <a:off x="838080" y="1825560"/>
-            <a:ext cx="10515240" cy="4350960"/>
-          </a:xfrm>
-          <a:prstGeom prst="rect">
-            <a:avLst/>
-          </a:prstGeom>
-        </p:spPr>
-        <p:txBody>
-          <a:bodyPr lIns="0" tIns="0" rIns="0" bIns="0"/>
-          <a:lstStyle/>
+            <a:off x="609480" y="1604520"/>
+            <a:ext cx="10972440" cy="3977280"/>
+          </a:xfrm>
+          <a:prstGeom prst="rect">
+            <a:avLst/>
+          </a:prstGeom>
+        </p:spPr>
+        <p:txBody>
+          <a:bodyPr lIns="0" rIns="0" tIns="0" bIns="0"/>
           <a:p>
             <a:endParaRPr/>
           </a:p>
@@ -912,7 +697,7 @@
       </p:sp>
       <p:pic>
         <p:nvPicPr>
-          <p:cNvPr id="37" name="图片 36"/>
+          <p:cNvPr id="34" name="" descr=""/>
           <p:cNvPicPr/>
           <p:nvPr/>
         </p:nvPicPr>
@@ -924,8 +709,8 @@
         </p:blipFill>
         <p:spPr>
           <a:xfrm>
-            <a:off x="3368880" y="1825560"/>
-            <a:ext cx="5452920" cy="4350960"/>
+            <a:off x="3602880" y="1604520"/>
+            <a:ext cx="4984920" cy="3977280"/>
           </a:xfrm>
           <a:prstGeom prst="rect">
             <a:avLst/>
@@ -937,20 +722,20 @@
       </p:pic>
       <p:pic>
         <p:nvPicPr>
-          <p:cNvPr id="38" name="图片 37"/>
+          <p:cNvPr id="35" name="" descr=""/>
           <p:cNvPicPr/>
           <p:nvPr/>
         </p:nvPicPr>
         <p:blipFill>
-          <a:blip r:embed="rId2"/>
+          <a:blip r:embed="rId3"/>
           <a:stretch>
             <a:fillRect/>
           </a:stretch>
         </p:blipFill>
         <p:spPr>
           <a:xfrm>
-            <a:off x="3368880" y="1825560"/>
-            <a:ext cx="5452920" cy="4350960"/>
+            <a:off x="3602880" y="1604520"/>
+            <a:ext cx="4984920" cy="3977280"/>
           </a:xfrm>
           <a:prstGeom prst="rect">
             <a:avLst/>
@@ -962,14 +747,11 @@
       </p:pic>
     </p:spTree>
   </p:cSld>
-  <p:clrMapOvr>
-    <a:masterClrMapping/>
-  </p:clrMapOvr>
 </p:sldLayout>
 </file>
 
 <file path=ppt/slideLayouts/slideLayout13.xml><?xml version="1.0" encoding="utf-8"?>
-<p:sldLayout xmlns:a="http://schemas.openxmlformats.org/drawingml/2006/main" xmlns:r="http://schemas.openxmlformats.org/officeDocument/2006/relationships" xmlns:p="http://schemas.openxmlformats.org/presentationml/2006/main" type="blank" preserve="1">
+<p:sldLayout xmlns:a="http://schemas.openxmlformats.org/drawingml/2006/main" xmlns:p="http://schemas.openxmlformats.org/presentationml/2006/main" xmlns:r="http://schemas.openxmlformats.org/officeDocument/2006/relationships" type="blank" preserve="1">
   <p:cSld name="Blank Slide">
     <p:spTree>
       <p:nvGrpSpPr>
@@ -987,14 +769,11 @@
       </p:grpSpPr>
     </p:spTree>
   </p:cSld>
-  <p:clrMapOvr>
-    <a:masterClrMapping/>
-  </p:clrMapOvr>
 </p:sldLayout>
 </file>
 
 <file path=ppt/slideLayouts/slideLayout14.xml><?xml version="1.0" encoding="utf-8"?>
-<p:sldLayout xmlns:a="http://schemas.openxmlformats.org/drawingml/2006/main" xmlns:r="http://schemas.openxmlformats.org/officeDocument/2006/relationships" xmlns:p="http://schemas.openxmlformats.org/presentationml/2006/main" type="tx" preserve="1">
+<p:sldLayout xmlns:a="http://schemas.openxmlformats.org/drawingml/2006/main" xmlns:p="http://schemas.openxmlformats.org/presentationml/2006/main" xmlns:r="http://schemas.openxmlformats.org/officeDocument/2006/relationships" type="tx" preserve="1">
   <p:cSld name="Title Slide">
     <p:spTree>
       <p:nvGrpSpPr>
@@ -1012,7 +791,7 @@
       </p:grpSpPr>
       <p:sp>
         <p:nvSpPr>
-          <p:cNvPr id="44" name="PlaceHolder 1"/>
+          <p:cNvPr id="38" name="PlaceHolder 1"/>
           <p:cNvSpPr>
             <a:spLocks noGrp="1"/>
           </p:cNvSpPr>
@@ -1022,24 +801,24 @@
         </p:nvSpPr>
         <p:spPr>
           <a:xfrm>
-            <a:off x="838080" y="365040"/>
-            <a:ext cx="10515240" cy="1325520"/>
-          </a:xfrm>
-          <a:prstGeom prst="rect">
-            <a:avLst/>
-          </a:prstGeom>
-        </p:spPr>
-        <p:txBody>
-          <a:bodyPr lIns="0" tIns="0" rIns="0" bIns="0" anchor="ctr"/>
-          <a:lstStyle/>
-          <a:p>
-            <a:endParaRPr/>
-          </a:p>
-        </p:txBody>
-      </p:sp>
-      <p:sp>
-        <p:nvSpPr>
-          <p:cNvPr id="45" name="PlaceHolder 2"/>
+            <a:off x="609480" y="273600"/>
+            <a:ext cx="10972440" cy="1145160"/>
+          </a:xfrm>
+          <a:prstGeom prst="rect">
+            <a:avLst/>
+          </a:prstGeom>
+        </p:spPr>
+        <p:txBody>
+          <a:bodyPr lIns="0" rIns="0" tIns="0" bIns="0" anchor="ctr"/>
+          <a:p>
+            <a:pPr algn="ctr"/>
+            <a:endParaRPr/>
+          </a:p>
+        </p:txBody>
+      </p:sp>
+      <p:sp>
+        <p:nvSpPr>
+          <p:cNvPr id="39" name="PlaceHolder 2"/>
           <p:cNvSpPr>
             <a:spLocks noGrp="1"/>
           </p:cNvSpPr>
@@ -1049,16 +828,15 @@
         </p:nvSpPr>
         <p:spPr>
           <a:xfrm>
-            <a:off x="838080" y="1825560"/>
-            <a:ext cx="10515240" cy="4351320"/>
-          </a:xfrm>
-          <a:prstGeom prst="rect">
-            <a:avLst/>
-          </a:prstGeom>
-        </p:spPr>
-        <p:txBody>
-          <a:bodyPr lIns="0" tIns="0" rIns="0" bIns="0" anchor="ctr"/>
-          <a:lstStyle/>
+            <a:off x="609480" y="1604520"/>
+            <a:ext cx="10972440" cy="3977640"/>
+          </a:xfrm>
+          <a:prstGeom prst="rect">
+            <a:avLst/>
+          </a:prstGeom>
+        </p:spPr>
+        <p:txBody>
+          <a:bodyPr lIns="0" rIns="0" tIns="0" bIns="0" anchor="ctr"/>
           <a:p>
             <a:pPr algn="ctr"/>
             <a:endParaRPr/>
@@ -1067,14 +845,11 @@
       </p:sp>
     </p:spTree>
   </p:cSld>
-  <p:clrMapOvr>
-    <a:masterClrMapping/>
-  </p:clrMapOvr>
 </p:sldLayout>
 </file>
 
 <file path=ppt/slideLayouts/slideLayout15.xml><?xml version="1.0" encoding="utf-8"?>
-<p:sldLayout xmlns:a="http://schemas.openxmlformats.org/drawingml/2006/main" xmlns:r="http://schemas.openxmlformats.org/officeDocument/2006/relationships" xmlns:p="http://schemas.openxmlformats.org/presentationml/2006/main" type="obj" preserve="1">
+<p:sldLayout xmlns:a="http://schemas.openxmlformats.org/drawingml/2006/main" xmlns:p="http://schemas.openxmlformats.org/presentationml/2006/main" xmlns:r="http://schemas.openxmlformats.org/officeDocument/2006/relationships" type="obj" preserve="1">
   <p:cSld name="Title, Content">
     <p:spTree>
       <p:nvGrpSpPr>
@@ -1092,7 +867,7 @@
       </p:grpSpPr>
       <p:sp>
         <p:nvSpPr>
-          <p:cNvPr id="46" name="PlaceHolder 1"/>
+          <p:cNvPr id="40" name="PlaceHolder 1"/>
           <p:cNvSpPr>
             <a:spLocks noGrp="1"/>
           </p:cNvSpPr>
@@ -1102,24 +877,24 @@
         </p:nvSpPr>
         <p:spPr>
           <a:xfrm>
-            <a:off x="838080" y="365040"/>
-            <a:ext cx="10515240" cy="1325520"/>
-          </a:xfrm>
-          <a:prstGeom prst="rect">
-            <a:avLst/>
-          </a:prstGeom>
-        </p:spPr>
-        <p:txBody>
-          <a:bodyPr lIns="0" tIns="0" rIns="0" bIns="0" anchor="ctr"/>
-          <a:lstStyle/>
-          <a:p>
-            <a:endParaRPr/>
-          </a:p>
-        </p:txBody>
-      </p:sp>
-      <p:sp>
-        <p:nvSpPr>
-          <p:cNvPr id="47" name="PlaceHolder 2"/>
+            <a:off x="609480" y="273600"/>
+            <a:ext cx="10972440" cy="1145160"/>
+          </a:xfrm>
+          <a:prstGeom prst="rect">
+            <a:avLst/>
+          </a:prstGeom>
+        </p:spPr>
+        <p:txBody>
+          <a:bodyPr lIns="0" rIns="0" tIns="0" bIns="0" anchor="ctr"/>
+          <a:p>
+            <a:pPr algn="ctr"/>
+            <a:endParaRPr/>
+          </a:p>
+        </p:txBody>
+      </p:sp>
+      <p:sp>
+        <p:nvSpPr>
+          <p:cNvPr id="41" name="PlaceHolder 2"/>
           <p:cNvSpPr>
             <a:spLocks noGrp="1"/>
           </p:cNvSpPr>
@@ -1129,16 +904,15 @@
         </p:nvSpPr>
         <p:spPr>
           <a:xfrm>
-            <a:off x="838080" y="1825560"/>
-            <a:ext cx="10515240" cy="4350960"/>
-          </a:xfrm>
-          <a:prstGeom prst="rect">
-            <a:avLst/>
-          </a:prstGeom>
-        </p:spPr>
-        <p:txBody>
-          <a:bodyPr lIns="0" tIns="0" rIns="0" bIns="0"/>
-          <a:lstStyle/>
+            <a:off x="609480" y="1604520"/>
+            <a:ext cx="10972440" cy="3977280"/>
+          </a:xfrm>
+          <a:prstGeom prst="rect">
+            <a:avLst/>
+          </a:prstGeom>
+        </p:spPr>
+        <p:txBody>
+          <a:bodyPr lIns="0" rIns="0" tIns="0" bIns="0"/>
           <a:p>
             <a:endParaRPr/>
           </a:p>
@@ -1146,14 +920,11 @@
       </p:sp>
     </p:spTree>
   </p:cSld>
-  <p:clrMapOvr>
-    <a:masterClrMapping/>
-  </p:clrMapOvr>
 </p:sldLayout>
 </file>
 
 <file path=ppt/slideLayouts/slideLayout16.xml><?xml version="1.0" encoding="utf-8"?>
-<p:sldLayout xmlns:a="http://schemas.openxmlformats.org/drawingml/2006/main" xmlns:r="http://schemas.openxmlformats.org/officeDocument/2006/relationships" xmlns:p="http://schemas.openxmlformats.org/presentationml/2006/main" type="twoObj" preserve="1">
+<p:sldLayout xmlns:a="http://schemas.openxmlformats.org/drawingml/2006/main" xmlns:p="http://schemas.openxmlformats.org/presentationml/2006/main" xmlns:r="http://schemas.openxmlformats.org/officeDocument/2006/relationships" type="twoObj" preserve="1">
   <p:cSld name="Title, 2 Content">
     <p:spTree>
       <p:nvGrpSpPr>
@@ -1171,7 +942,7 @@
       </p:grpSpPr>
       <p:sp>
         <p:nvSpPr>
-          <p:cNvPr id="48" name="PlaceHolder 1"/>
+          <p:cNvPr id="42" name="PlaceHolder 1"/>
           <p:cNvSpPr>
             <a:spLocks noGrp="1"/>
           </p:cNvSpPr>
@@ -1181,24 +952,24 @@
         </p:nvSpPr>
         <p:spPr>
           <a:xfrm>
-            <a:off x="838080" y="365040"/>
-            <a:ext cx="10515240" cy="1325520"/>
-          </a:xfrm>
-          <a:prstGeom prst="rect">
-            <a:avLst/>
-          </a:prstGeom>
-        </p:spPr>
-        <p:txBody>
-          <a:bodyPr lIns="0" tIns="0" rIns="0" bIns="0" anchor="ctr"/>
-          <a:lstStyle/>
-          <a:p>
-            <a:endParaRPr/>
-          </a:p>
-        </p:txBody>
-      </p:sp>
-      <p:sp>
-        <p:nvSpPr>
-          <p:cNvPr id="49" name="PlaceHolder 2"/>
+            <a:off x="609480" y="273600"/>
+            <a:ext cx="10972440" cy="1145160"/>
+          </a:xfrm>
+          <a:prstGeom prst="rect">
+            <a:avLst/>
+          </a:prstGeom>
+        </p:spPr>
+        <p:txBody>
+          <a:bodyPr lIns="0" rIns="0" tIns="0" bIns="0" anchor="ctr"/>
+          <a:p>
+            <a:pPr algn="ctr"/>
+            <a:endParaRPr/>
+          </a:p>
+        </p:txBody>
+      </p:sp>
+      <p:sp>
+        <p:nvSpPr>
+          <p:cNvPr id="43" name="PlaceHolder 2"/>
           <p:cNvSpPr>
             <a:spLocks noGrp="1"/>
           </p:cNvSpPr>
@@ -1208,24 +979,23 @@
         </p:nvSpPr>
         <p:spPr>
           <a:xfrm>
-            <a:off x="838080" y="1825560"/>
-            <a:ext cx="5131080" cy="4350960"/>
-          </a:xfrm>
-          <a:prstGeom prst="rect">
-            <a:avLst/>
-          </a:prstGeom>
-        </p:spPr>
-        <p:txBody>
-          <a:bodyPr lIns="0" tIns="0" rIns="0" bIns="0"/>
-          <a:lstStyle/>
-          <a:p>
-            <a:endParaRPr/>
-          </a:p>
-        </p:txBody>
-      </p:sp>
-      <p:sp>
-        <p:nvSpPr>
-          <p:cNvPr id="50" name="PlaceHolder 3"/>
+            <a:off x="609480" y="1604520"/>
+            <a:ext cx="5354280" cy="3977280"/>
+          </a:xfrm>
+          <a:prstGeom prst="rect">
+            <a:avLst/>
+          </a:prstGeom>
+        </p:spPr>
+        <p:txBody>
+          <a:bodyPr lIns="0" rIns="0" tIns="0" bIns="0"/>
+          <a:p>
+            <a:endParaRPr/>
+          </a:p>
+        </p:txBody>
+      </p:sp>
+      <p:sp>
+        <p:nvSpPr>
+          <p:cNvPr id="44" name="PlaceHolder 3"/>
           <p:cNvSpPr>
             <a:spLocks noGrp="1"/>
           </p:cNvSpPr>
@@ -1235,16 +1005,15 @@
         </p:nvSpPr>
         <p:spPr>
           <a:xfrm>
-            <a:off x="6226200" y="1825560"/>
-            <a:ext cx="5131080" cy="4350960"/>
-          </a:xfrm>
-          <a:prstGeom prst="rect">
-            <a:avLst/>
-          </a:prstGeom>
-        </p:spPr>
-        <p:txBody>
-          <a:bodyPr lIns="0" tIns="0" rIns="0" bIns="0"/>
-          <a:lstStyle/>
+            <a:off x="6231960" y="1604520"/>
+            <a:ext cx="5354280" cy="3977280"/>
+          </a:xfrm>
+          <a:prstGeom prst="rect">
+            <a:avLst/>
+          </a:prstGeom>
+        </p:spPr>
+        <p:txBody>
+          <a:bodyPr lIns="0" rIns="0" tIns="0" bIns="0"/>
           <a:p>
             <a:endParaRPr/>
           </a:p>
@@ -1252,14 +1021,11 @@
       </p:sp>
     </p:spTree>
   </p:cSld>
-  <p:clrMapOvr>
-    <a:masterClrMapping/>
-  </p:clrMapOvr>
 </p:sldLayout>
 </file>
 
 <file path=ppt/slideLayouts/slideLayout17.xml><?xml version="1.0" encoding="utf-8"?>
-<p:sldLayout xmlns:a="http://schemas.openxmlformats.org/drawingml/2006/main" xmlns:r="http://schemas.openxmlformats.org/officeDocument/2006/relationships" xmlns:p="http://schemas.openxmlformats.org/presentationml/2006/main" type="titleOnly" preserve="1">
+<p:sldLayout xmlns:a="http://schemas.openxmlformats.org/drawingml/2006/main" xmlns:p="http://schemas.openxmlformats.org/presentationml/2006/main" xmlns:r="http://schemas.openxmlformats.org/officeDocument/2006/relationships" type="titleOnly" preserve="1">
   <p:cSld name="Title Only">
     <p:spTree>
       <p:nvGrpSpPr>
@@ -1277,7 +1043,7 @@
       </p:grpSpPr>
       <p:sp>
         <p:nvSpPr>
-          <p:cNvPr id="51" name="PlaceHolder 1"/>
+          <p:cNvPr id="45" name="PlaceHolder 1"/>
           <p:cNvSpPr>
             <a:spLocks noGrp="1"/>
           </p:cNvSpPr>
@@ -1287,31 +1053,28 @@
         </p:nvSpPr>
         <p:spPr>
           <a:xfrm>
-            <a:off x="838080" y="365040"/>
-            <a:ext cx="10515240" cy="1325520"/>
-          </a:xfrm>
-          <a:prstGeom prst="rect">
-            <a:avLst/>
-          </a:prstGeom>
-        </p:spPr>
-        <p:txBody>
-          <a:bodyPr lIns="0" tIns="0" rIns="0" bIns="0" anchor="ctr"/>
-          <a:lstStyle/>
-          <a:p>
+            <a:off x="609480" y="273600"/>
+            <a:ext cx="10972440" cy="1145160"/>
+          </a:xfrm>
+          <a:prstGeom prst="rect">
+            <a:avLst/>
+          </a:prstGeom>
+        </p:spPr>
+        <p:txBody>
+          <a:bodyPr lIns="0" rIns="0" tIns="0" bIns="0" anchor="ctr"/>
+          <a:p>
+            <a:pPr algn="ctr"/>
             <a:endParaRPr/>
           </a:p>
         </p:txBody>
       </p:sp>
     </p:spTree>
   </p:cSld>
-  <p:clrMapOvr>
-    <a:masterClrMapping/>
-  </p:clrMapOvr>
 </p:sldLayout>
 </file>
 
 <file path=ppt/slideLayouts/slideLayout18.xml><?xml version="1.0" encoding="utf-8"?>
-<p:sldLayout xmlns:a="http://schemas.openxmlformats.org/drawingml/2006/main" xmlns:r="http://schemas.openxmlformats.org/officeDocument/2006/relationships" xmlns:p="http://schemas.openxmlformats.org/presentationml/2006/main" type="objOnly" preserve="1">
+<p:sldLayout xmlns:a="http://schemas.openxmlformats.org/drawingml/2006/main" xmlns:p="http://schemas.openxmlformats.org/presentationml/2006/main" xmlns:r="http://schemas.openxmlformats.org/officeDocument/2006/relationships" type="objOnly" preserve="1">
   <p:cSld name="Centered Text">
     <p:spTree>
       <p:nvGrpSpPr>
@@ -1329,7 +1092,7 @@
       </p:grpSpPr>
       <p:sp>
         <p:nvSpPr>
-          <p:cNvPr id="52" name="PlaceHolder 1"/>
+          <p:cNvPr id="46" name="PlaceHolder 1"/>
           <p:cNvSpPr>
             <a:spLocks noGrp="1"/>
           </p:cNvSpPr>
@@ -1339,16 +1102,15 @@
         </p:nvSpPr>
         <p:spPr>
           <a:xfrm>
-            <a:off x="838080" y="365040"/>
-            <a:ext cx="10515240" cy="6144480"/>
-          </a:xfrm>
-          <a:prstGeom prst="rect">
-            <a:avLst/>
-          </a:prstGeom>
-        </p:spPr>
-        <p:txBody>
-          <a:bodyPr lIns="0" tIns="0" rIns="0" bIns="0" anchor="ctr"/>
-          <a:lstStyle/>
+            <a:off x="609480" y="273600"/>
+            <a:ext cx="10972440" cy="5308200"/>
+          </a:xfrm>
+          <a:prstGeom prst="rect">
+            <a:avLst/>
+          </a:prstGeom>
+        </p:spPr>
+        <p:txBody>
+          <a:bodyPr lIns="0" rIns="0" tIns="0" bIns="0" anchor="ctr"/>
           <a:p>
             <a:pPr algn="ctr"/>
             <a:endParaRPr/>
@@ -1357,14 +1119,11 @@
       </p:sp>
     </p:spTree>
   </p:cSld>
-  <p:clrMapOvr>
-    <a:masterClrMapping/>
-  </p:clrMapOvr>
 </p:sldLayout>
 </file>
 
 <file path=ppt/slideLayouts/slideLayout19.xml><?xml version="1.0" encoding="utf-8"?>
-<p:sldLayout xmlns:a="http://schemas.openxmlformats.org/drawingml/2006/main" xmlns:r="http://schemas.openxmlformats.org/officeDocument/2006/relationships" xmlns:p="http://schemas.openxmlformats.org/presentationml/2006/main" type="twoObjAndObj" preserve="1">
+<p:sldLayout xmlns:a="http://schemas.openxmlformats.org/drawingml/2006/main" xmlns:p="http://schemas.openxmlformats.org/presentationml/2006/main" xmlns:r="http://schemas.openxmlformats.org/officeDocument/2006/relationships" type="twoObjAndObj" preserve="1">
   <p:cSld name="Title, 2 Content and Content">
     <p:spTree>
       <p:nvGrpSpPr>
@@ -1382,7 +1141,7 @@
       </p:grpSpPr>
       <p:sp>
         <p:nvSpPr>
-          <p:cNvPr id="53" name="PlaceHolder 1"/>
+          <p:cNvPr id="47" name="PlaceHolder 1"/>
           <p:cNvSpPr>
             <a:spLocks noGrp="1"/>
           </p:cNvSpPr>
@@ -1392,24 +1151,24 @@
         </p:nvSpPr>
         <p:spPr>
           <a:xfrm>
-            <a:off x="838080" y="365040"/>
-            <a:ext cx="10515240" cy="1325520"/>
-          </a:xfrm>
-          <a:prstGeom prst="rect">
-            <a:avLst/>
-          </a:prstGeom>
-        </p:spPr>
-        <p:txBody>
-          <a:bodyPr lIns="0" tIns="0" rIns="0" bIns="0" anchor="ctr"/>
-          <a:lstStyle/>
-          <a:p>
-            <a:endParaRPr/>
-          </a:p>
-        </p:txBody>
-      </p:sp>
-      <p:sp>
-        <p:nvSpPr>
-          <p:cNvPr id="54" name="PlaceHolder 2"/>
+            <a:off x="609480" y="273600"/>
+            <a:ext cx="10972440" cy="1145160"/>
+          </a:xfrm>
+          <a:prstGeom prst="rect">
+            <a:avLst/>
+          </a:prstGeom>
+        </p:spPr>
+        <p:txBody>
+          <a:bodyPr lIns="0" rIns="0" tIns="0" bIns="0" anchor="ctr"/>
+          <a:p>
+            <a:pPr algn="ctr"/>
+            <a:endParaRPr/>
+          </a:p>
+        </p:txBody>
+      </p:sp>
+      <p:sp>
+        <p:nvSpPr>
+          <p:cNvPr id="48" name="PlaceHolder 2"/>
           <p:cNvSpPr>
             <a:spLocks noGrp="1"/>
           </p:cNvSpPr>
@@ -1419,24 +1178,23 @@
         </p:nvSpPr>
         <p:spPr>
           <a:xfrm>
-            <a:off x="838080" y="1825560"/>
-            <a:ext cx="5131080" cy="2075040"/>
-          </a:xfrm>
-          <a:prstGeom prst="rect">
-            <a:avLst/>
-          </a:prstGeom>
-        </p:spPr>
-        <p:txBody>
-          <a:bodyPr lIns="0" tIns="0" rIns="0" bIns="0"/>
-          <a:lstStyle/>
-          <a:p>
-            <a:endParaRPr/>
-          </a:p>
-        </p:txBody>
-      </p:sp>
-      <p:sp>
-        <p:nvSpPr>
-          <p:cNvPr id="55" name="PlaceHolder 3"/>
+            <a:off x="609480" y="1604520"/>
+            <a:ext cx="5354280" cy="1896840"/>
+          </a:xfrm>
+          <a:prstGeom prst="rect">
+            <a:avLst/>
+          </a:prstGeom>
+        </p:spPr>
+        <p:txBody>
+          <a:bodyPr lIns="0" rIns="0" tIns="0" bIns="0"/>
+          <a:p>
+            <a:endParaRPr/>
+          </a:p>
+        </p:txBody>
+      </p:sp>
+      <p:sp>
+        <p:nvSpPr>
+          <p:cNvPr id="49" name="PlaceHolder 3"/>
           <p:cNvSpPr>
             <a:spLocks noGrp="1"/>
           </p:cNvSpPr>
@@ -1446,24 +1204,23 @@
         </p:nvSpPr>
         <p:spPr>
           <a:xfrm>
-            <a:off x="838080" y="4098240"/>
-            <a:ext cx="5131080" cy="2075040"/>
-          </a:xfrm>
-          <a:prstGeom prst="rect">
-            <a:avLst/>
-          </a:prstGeom>
-        </p:spPr>
-        <p:txBody>
-          <a:bodyPr lIns="0" tIns="0" rIns="0" bIns="0"/>
-          <a:lstStyle/>
-          <a:p>
-            <a:endParaRPr/>
-          </a:p>
-        </p:txBody>
-      </p:sp>
-      <p:sp>
-        <p:nvSpPr>
-          <p:cNvPr id="56" name="PlaceHolder 4"/>
+            <a:off x="609480" y="3682080"/>
+            <a:ext cx="5354280" cy="1896840"/>
+          </a:xfrm>
+          <a:prstGeom prst="rect">
+            <a:avLst/>
+          </a:prstGeom>
+        </p:spPr>
+        <p:txBody>
+          <a:bodyPr lIns="0" rIns="0" tIns="0" bIns="0"/>
+          <a:p>
+            <a:endParaRPr/>
+          </a:p>
+        </p:txBody>
+      </p:sp>
+      <p:sp>
+        <p:nvSpPr>
+          <p:cNvPr id="50" name="PlaceHolder 4"/>
           <p:cNvSpPr>
             <a:spLocks noGrp="1"/>
           </p:cNvSpPr>
@@ -1473,16 +1230,15 @@
         </p:nvSpPr>
         <p:spPr>
           <a:xfrm>
-            <a:off x="6226200" y="1825560"/>
-            <a:ext cx="5131080" cy="4350960"/>
-          </a:xfrm>
-          <a:prstGeom prst="rect">
-            <a:avLst/>
-          </a:prstGeom>
-        </p:spPr>
-        <p:txBody>
-          <a:bodyPr lIns="0" tIns="0" rIns="0" bIns="0"/>
-          <a:lstStyle/>
+            <a:off x="6231960" y="1604520"/>
+            <a:ext cx="5354280" cy="3977280"/>
+          </a:xfrm>
+          <a:prstGeom prst="rect">
+            <a:avLst/>
+          </a:prstGeom>
+        </p:spPr>
+        <p:txBody>
+          <a:bodyPr lIns="0" rIns="0" tIns="0" bIns="0"/>
           <a:p>
             <a:endParaRPr/>
           </a:p>
@@ -1490,14 +1246,11 @@
       </p:sp>
     </p:spTree>
   </p:cSld>
-  <p:clrMapOvr>
-    <a:masterClrMapping/>
-  </p:clrMapOvr>
 </p:sldLayout>
 </file>
 
 <file path=ppt/slideLayouts/slideLayout2.xml><?xml version="1.0" encoding="utf-8"?>
-<p:sldLayout xmlns:a="http://schemas.openxmlformats.org/drawingml/2006/main" xmlns:r="http://schemas.openxmlformats.org/officeDocument/2006/relationships" xmlns:p="http://schemas.openxmlformats.org/presentationml/2006/main" type="tx" preserve="1">
+<p:sldLayout xmlns:a="http://schemas.openxmlformats.org/drawingml/2006/main" xmlns:p="http://schemas.openxmlformats.org/presentationml/2006/main" xmlns:r="http://schemas.openxmlformats.org/officeDocument/2006/relationships" type="tx" preserve="1">
   <p:cSld name="Title Slide">
     <p:spTree>
       <p:nvGrpSpPr>
@@ -1515,7 +1268,7 @@
       </p:grpSpPr>
       <p:sp>
         <p:nvSpPr>
-          <p:cNvPr id="5" name="PlaceHolder 1"/>
+          <p:cNvPr id="2" name="PlaceHolder 1"/>
           <p:cNvSpPr>
             <a:spLocks noGrp="1"/>
           </p:cNvSpPr>
@@ -1525,24 +1278,24 @@
         </p:nvSpPr>
         <p:spPr>
           <a:xfrm>
-            <a:off x="838080" y="365040"/>
-            <a:ext cx="10515240" cy="1325520"/>
-          </a:xfrm>
-          <a:prstGeom prst="rect">
-            <a:avLst/>
-          </a:prstGeom>
-        </p:spPr>
-        <p:txBody>
-          <a:bodyPr lIns="0" tIns="0" rIns="0" bIns="0" anchor="ctr"/>
-          <a:lstStyle/>
-          <a:p>
-            <a:endParaRPr/>
-          </a:p>
-        </p:txBody>
-      </p:sp>
-      <p:sp>
-        <p:nvSpPr>
-          <p:cNvPr id="6" name="PlaceHolder 2"/>
+            <a:off x="609480" y="273600"/>
+            <a:ext cx="10972440" cy="1145160"/>
+          </a:xfrm>
+          <a:prstGeom prst="rect">
+            <a:avLst/>
+          </a:prstGeom>
+        </p:spPr>
+        <p:txBody>
+          <a:bodyPr lIns="0" rIns="0" tIns="0" bIns="0" anchor="ctr"/>
+          <a:p>
+            <a:pPr algn="ctr"/>
+            <a:endParaRPr/>
+          </a:p>
+        </p:txBody>
+      </p:sp>
+      <p:sp>
+        <p:nvSpPr>
+          <p:cNvPr id="3" name="PlaceHolder 2"/>
           <p:cNvSpPr>
             <a:spLocks noGrp="1"/>
           </p:cNvSpPr>
@@ -1552,16 +1305,15 @@
         </p:nvSpPr>
         <p:spPr>
           <a:xfrm>
-            <a:off x="838080" y="1825560"/>
-            <a:ext cx="10515240" cy="4351320"/>
-          </a:xfrm>
-          <a:prstGeom prst="rect">
-            <a:avLst/>
-          </a:prstGeom>
-        </p:spPr>
-        <p:txBody>
-          <a:bodyPr lIns="0" tIns="0" rIns="0" bIns="0" anchor="ctr"/>
-          <a:lstStyle/>
+            <a:off x="609480" y="1604520"/>
+            <a:ext cx="10972440" cy="3977640"/>
+          </a:xfrm>
+          <a:prstGeom prst="rect">
+            <a:avLst/>
+          </a:prstGeom>
+        </p:spPr>
+        <p:txBody>
+          <a:bodyPr lIns="0" rIns="0" tIns="0" bIns="0" anchor="ctr"/>
           <a:p>
             <a:pPr algn="ctr"/>
             <a:endParaRPr/>
@@ -1570,14 +1322,11 @@
       </p:sp>
     </p:spTree>
   </p:cSld>
-  <p:clrMapOvr>
-    <a:masterClrMapping/>
-  </p:clrMapOvr>
 </p:sldLayout>
 </file>
 
 <file path=ppt/slideLayouts/slideLayout20.xml><?xml version="1.0" encoding="utf-8"?>
-<p:sldLayout xmlns:a="http://schemas.openxmlformats.org/drawingml/2006/main" xmlns:r="http://schemas.openxmlformats.org/officeDocument/2006/relationships" xmlns:p="http://schemas.openxmlformats.org/presentationml/2006/main" type="objAndTwoObj" preserve="1">
+<p:sldLayout xmlns:a="http://schemas.openxmlformats.org/drawingml/2006/main" xmlns:p="http://schemas.openxmlformats.org/presentationml/2006/main" xmlns:r="http://schemas.openxmlformats.org/officeDocument/2006/relationships" type="objAndTwoObj" preserve="1">
   <p:cSld name="Title Content and 2 Content">
     <p:spTree>
       <p:nvGrpSpPr>
@@ -1595,7 +1344,7 @@
       </p:grpSpPr>
       <p:sp>
         <p:nvSpPr>
-          <p:cNvPr id="57" name="PlaceHolder 1"/>
+          <p:cNvPr id="51" name="PlaceHolder 1"/>
           <p:cNvSpPr>
             <a:spLocks noGrp="1"/>
           </p:cNvSpPr>
@@ -1605,24 +1354,24 @@
         </p:nvSpPr>
         <p:spPr>
           <a:xfrm>
-            <a:off x="838080" y="365040"/>
-            <a:ext cx="10515240" cy="1325520"/>
-          </a:xfrm>
-          <a:prstGeom prst="rect">
-            <a:avLst/>
-          </a:prstGeom>
-        </p:spPr>
-        <p:txBody>
-          <a:bodyPr lIns="0" tIns="0" rIns="0" bIns="0" anchor="ctr"/>
-          <a:lstStyle/>
-          <a:p>
-            <a:endParaRPr/>
-          </a:p>
-        </p:txBody>
-      </p:sp>
-      <p:sp>
-        <p:nvSpPr>
-          <p:cNvPr id="58" name="PlaceHolder 2"/>
+            <a:off x="609480" y="273600"/>
+            <a:ext cx="10972440" cy="1145160"/>
+          </a:xfrm>
+          <a:prstGeom prst="rect">
+            <a:avLst/>
+          </a:prstGeom>
+        </p:spPr>
+        <p:txBody>
+          <a:bodyPr lIns="0" rIns="0" tIns="0" bIns="0" anchor="ctr"/>
+          <a:p>
+            <a:pPr algn="ctr"/>
+            <a:endParaRPr/>
+          </a:p>
+        </p:txBody>
+      </p:sp>
+      <p:sp>
+        <p:nvSpPr>
+          <p:cNvPr id="52" name="PlaceHolder 2"/>
           <p:cNvSpPr>
             <a:spLocks noGrp="1"/>
           </p:cNvSpPr>
@@ -1632,24 +1381,23 @@
         </p:nvSpPr>
         <p:spPr>
           <a:xfrm>
-            <a:off x="838080" y="1825560"/>
-            <a:ext cx="5131080" cy="4350960"/>
-          </a:xfrm>
-          <a:prstGeom prst="rect">
-            <a:avLst/>
-          </a:prstGeom>
-        </p:spPr>
-        <p:txBody>
-          <a:bodyPr lIns="0" tIns="0" rIns="0" bIns="0"/>
-          <a:lstStyle/>
-          <a:p>
-            <a:endParaRPr/>
-          </a:p>
-        </p:txBody>
-      </p:sp>
-      <p:sp>
-        <p:nvSpPr>
-          <p:cNvPr id="59" name="PlaceHolder 3"/>
+            <a:off x="609480" y="1604520"/>
+            <a:ext cx="5354280" cy="3977280"/>
+          </a:xfrm>
+          <a:prstGeom prst="rect">
+            <a:avLst/>
+          </a:prstGeom>
+        </p:spPr>
+        <p:txBody>
+          <a:bodyPr lIns="0" rIns="0" tIns="0" bIns="0"/>
+          <a:p>
+            <a:endParaRPr/>
+          </a:p>
+        </p:txBody>
+      </p:sp>
+      <p:sp>
+        <p:nvSpPr>
+          <p:cNvPr id="53" name="PlaceHolder 3"/>
           <p:cNvSpPr>
             <a:spLocks noGrp="1"/>
           </p:cNvSpPr>
@@ -1659,24 +1407,23 @@
         </p:nvSpPr>
         <p:spPr>
           <a:xfrm>
-            <a:off x="6226200" y="1825560"/>
-            <a:ext cx="5131080" cy="2075040"/>
-          </a:xfrm>
-          <a:prstGeom prst="rect">
-            <a:avLst/>
-          </a:prstGeom>
-        </p:spPr>
-        <p:txBody>
-          <a:bodyPr lIns="0" tIns="0" rIns="0" bIns="0"/>
-          <a:lstStyle/>
-          <a:p>
-            <a:endParaRPr/>
-          </a:p>
-        </p:txBody>
-      </p:sp>
-      <p:sp>
-        <p:nvSpPr>
-          <p:cNvPr id="60" name="PlaceHolder 4"/>
+            <a:off x="6231960" y="1604520"/>
+            <a:ext cx="5354280" cy="1896840"/>
+          </a:xfrm>
+          <a:prstGeom prst="rect">
+            <a:avLst/>
+          </a:prstGeom>
+        </p:spPr>
+        <p:txBody>
+          <a:bodyPr lIns="0" rIns="0" tIns="0" bIns="0"/>
+          <a:p>
+            <a:endParaRPr/>
+          </a:p>
+        </p:txBody>
+      </p:sp>
+      <p:sp>
+        <p:nvSpPr>
+          <p:cNvPr id="54" name="PlaceHolder 4"/>
           <p:cNvSpPr>
             <a:spLocks noGrp="1"/>
           </p:cNvSpPr>
@@ -1686,16 +1433,15 @@
         </p:nvSpPr>
         <p:spPr>
           <a:xfrm>
-            <a:off x="6226200" y="4098240"/>
-            <a:ext cx="5131080" cy="2075040"/>
-          </a:xfrm>
-          <a:prstGeom prst="rect">
-            <a:avLst/>
-          </a:prstGeom>
-        </p:spPr>
-        <p:txBody>
-          <a:bodyPr lIns="0" tIns="0" rIns="0" bIns="0"/>
-          <a:lstStyle/>
+            <a:off x="6231960" y="3682080"/>
+            <a:ext cx="5354280" cy="1896840"/>
+          </a:xfrm>
+          <a:prstGeom prst="rect">
+            <a:avLst/>
+          </a:prstGeom>
+        </p:spPr>
+        <p:txBody>
+          <a:bodyPr lIns="0" rIns="0" tIns="0" bIns="0"/>
           <a:p>
             <a:endParaRPr/>
           </a:p>
@@ -1703,14 +1449,11 @@
       </p:sp>
     </p:spTree>
   </p:cSld>
-  <p:clrMapOvr>
-    <a:masterClrMapping/>
-  </p:clrMapOvr>
 </p:sldLayout>
 </file>
 
 <file path=ppt/slideLayouts/slideLayout21.xml><?xml version="1.0" encoding="utf-8"?>
-<p:sldLayout xmlns:a="http://schemas.openxmlformats.org/drawingml/2006/main" xmlns:r="http://schemas.openxmlformats.org/officeDocument/2006/relationships" xmlns:p="http://schemas.openxmlformats.org/presentationml/2006/main" type="twoObjOverTx" preserve="1">
+<p:sldLayout xmlns:a="http://schemas.openxmlformats.org/drawingml/2006/main" xmlns:p="http://schemas.openxmlformats.org/presentationml/2006/main" xmlns:r="http://schemas.openxmlformats.org/officeDocument/2006/relationships" type="twoObjOverTx" preserve="1">
   <p:cSld name="Title, 2 Content over Content">
     <p:spTree>
       <p:nvGrpSpPr>
@@ -1728,7 +1471,7 @@
       </p:grpSpPr>
       <p:sp>
         <p:nvSpPr>
-          <p:cNvPr id="61" name="PlaceHolder 1"/>
+          <p:cNvPr id="55" name="PlaceHolder 1"/>
           <p:cNvSpPr>
             <a:spLocks noGrp="1"/>
           </p:cNvSpPr>
@@ -1738,24 +1481,24 @@
         </p:nvSpPr>
         <p:spPr>
           <a:xfrm>
-            <a:off x="838080" y="365040"/>
-            <a:ext cx="10515240" cy="1325520"/>
-          </a:xfrm>
-          <a:prstGeom prst="rect">
-            <a:avLst/>
-          </a:prstGeom>
-        </p:spPr>
-        <p:txBody>
-          <a:bodyPr lIns="0" tIns="0" rIns="0" bIns="0" anchor="ctr"/>
-          <a:lstStyle/>
-          <a:p>
-            <a:endParaRPr/>
-          </a:p>
-        </p:txBody>
-      </p:sp>
-      <p:sp>
-        <p:nvSpPr>
-          <p:cNvPr id="62" name="PlaceHolder 2"/>
+            <a:off x="609480" y="273600"/>
+            <a:ext cx="10972440" cy="1145160"/>
+          </a:xfrm>
+          <a:prstGeom prst="rect">
+            <a:avLst/>
+          </a:prstGeom>
+        </p:spPr>
+        <p:txBody>
+          <a:bodyPr lIns="0" rIns="0" tIns="0" bIns="0" anchor="ctr"/>
+          <a:p>
+            <a:pPr algn="ctr"/>
+            <a:endParaRPr/>
+          </a:p>
+        </p:txBody>
+      </p:sp>
+      <p:sp>
+        <p:nvSpPr>
+          <p:cNvPr id="56" name="PlaceHolder 2"/>
           <p:cNvSpPr>
             <a:spLocks noGrp="1"/>
           </p:cNvSpPr>
@@ -1765,24 +1508,23 @@
         </p:nvSpPr>
         <p:spPr>
           <a:xfrm>
-            <a:off x="838080" y="1825560"/>
-            <a:ext cx="5131080" cy="2075040"/>
-          </a:xfrm>
-          <a:prstGeom prst="rect">
-            <a:avLst/>
-          </a:prstGeom>
-        </p:spPr>
-        <p:txBody>
-          <a:bodyPr lIns="0" tIns="0" rIns="0" bIns="0"/>
-          <a:lstStyle/>
-          <a:p>
-            <a:endParaRPr/>
-          </a:p>
-        </p:txBody>
-      </p:sp>
-      <p:sp>
-        <p:nvSpPr>
-          <p:cNvPr id="63" name="PlaceHolder 3"/>
+            <a:off x="609480" y="1604520"/>
+            <a:ext cx="5354280" cy="1896840"/>
+          </a:xfrm>
+          <a:prstGeom prst="rect">
+            <a:avLst/>
+          </a:prstGeom>
+        </p:spPr>
+        <p:txBody>
+          <a:bodyPr lIns="0" rIns="0" tIns="0" bIns="0"/>
+          <a:p>
+            <a:endParaRPr/>
+          </a:p>
+        </p:txBody>
+      </p:sp>
+      <p:sp>
+        <p:nvSpPr>
+          <p:cNvPr id="57" name="PlaceHolder 3"/>
           <p:cNvSpPr>
             <a:spLocks noGrp="1"/>
           </p:cNvSpPr>
@@ -1792,24 +1534,23 @@
         </p:nvSpPr>
         <p:spPr>
           <a:xfrm>
-            <a:off x="6226200" y="1825560"/>
-            <a:ext cx="5131080" cy="2075040"/>
-          </a:xfrm>
-          <a:prstGeom prst="rect">
-            <a:avLst/>
-          </a:prstGeom>
-        </p:spPr>
-        <p:txBody>
-          <a:bodyPr lIns="0" tIns="0" rIns="0" bIns="0"/>
-          <a:lstStyle/>
-          <a:p>
-            <a:endParaRPr/>
-          </a:p>
-        </p:txBody>
-      </p:sp>
-      <p:sp>
-        <p:nvSpPr>
-          <p:cNvPr id="64" name="PlaceHolder 4"/>
+            <a:off x="6231960" y="1604520"/>
+            <a:ext cx="5354280" cy="1896840"/>
+          </a:xfrm>
+          <a:prstGeom prst="rect">
+            <a:avLst/>
+          </a:prstGeom>
+        </p:spPr>
+        <p:txBody>
+          <a:bodyPr lIns="0" rIns="0" tIns="0" bIns="0"/>
+          <a:p>
+            <a:endParaRPr/>
+          </a:p>
+        </p:txBody>
+      </p:sp>
+      <p:sp>
+        <p:nvSpPr>
+          <p:cNvPr id="58" name="PlaceHolder 4"/>
           <p:cNvSpPr>
             <a:spLocks noGrp="1"/>
           </p:cNvSpPr>
@@ -1819,16 +1560,15 @@
         </p:nvSpPr>
         <p:spPr>
           <a:xfrm>
-            <a:off x="838080" y="4098240"/>
-            <a:ext cx="10515240" cy="2075040"/>
-          </a:xfrm>
-          <a:prstGeom prst="rect">
-            <a:avLst/>
-          </a:prstGeom>
-        </p:spPr>
-        <p:txBody>
-          <a:bodyPr lIns="0" tIns="0" rIns="0" bIns="0"/>
-          <a:lstStyle/>
+            <a:off x="609480" y="3682080"/>
+            <a:ext cx="10972440" cy="1896840"/>
+          </a:xfrm>
+          <a:prstGeom prst="rect">
+            <a:avLst/>
+          </a:prstGeom>
+        </p:spPr>
+        <p:txBody>
+          <a:bodyPr lIns="0" rIns="0" tIns="0" bIns="0"/>
           <a:p>
             <a:endParaRPr/>
           </a:p>
@@ -1836,14 +1576,11 @@
       </p:sp>
     </p:spTree>
   </p:cSld>
-  <p:clrMapOvr>
-    <a:masterClrMapping/>
-  </p:clrMapOvr>
 </p:sldLayout>
 </file>
 
 <file path=ppt/slideLayouts/slideLayout22.xml><?xml version="1.0" encoding="utf-8"?>
-<p:sldLayout xmlns:a="http://schemas.openxmlformats.org/drawingml/2006/main" xmlns:r="http://schemas.openxmlformats.org/officeDocument/2006/relationships" xmlns:p="http://schemas.openxmlformats.org/presentationml/2006/main" type="objOverTx" preserve="1">
+<p:sldLayout xmlns:a="http://schemas.openxmlformats.org/drawingml/2006/main" xmlns:p="http://schemas.openxmlformats.org/presentationml/2006/main" xmlns:r="http://schemas.openxmlformats.org/officeDocument/2006/relationships" type="objOverTx" preserve="1">
   <p:cSld name="Title, Content over Content">
     <p:spTree>
       <p:nvGrpSpPr>
@@ -1861,7 +1598,7 @@
       </p:grpSpPr>
       <p:sp>
         <p:nvSpPr>
-          <p:cNvPr id="65" name="PlaceHolder 1"/>
+          <p:cNvPr id="59" name="PlaceHolder 1"/>
           <p:cNvSpPr>
             <a:spLocks noGrp="1"/>
           </p:cNvSpPr>
@@ -1871,24 +1608,24 @@
         </p:nvSpPr>
         <p:spPr>
           <a:xfrm>
-            <a:off x="838080" y="365040"/>
-            <a:ext cx="10515240" cy="1325520"/>
-          </a:xfrm>
-          <a:prstGeom prst="rect">
-            <a:avLst/>
-          </a:prstGeom>
-        </p:spPr>
-        <p:txBody>
-          <a:bodyPr lIns="0" tIns="0" rIns="0" bIns="0" anchor="ctr"/>
-          <a:lstStyle/>
-          <a:p>
-            <a:endParaRPr/>
-          </a:p>
-        </p:txBody>
-      </p:sp>
-      <p:sp>
-        <p:nvSpPr>
-          <p:cNvPr id="66" name="PlaceHolder 2"/>
+            <a:off x="609480" y="273600"/>
+            <a:ext cx="10972440" cy="1145160"/>
+          </a:xfrm>
+          <a:prstGeom prst="rect">
+            <a:avLst/>
+          </a:prstGeom>
+        </p:spPr>
+        <p:txBody>
+          <a:bodyPr lIns="0" rIns="0" tIns="0" bIns="0" anchor="ctr"/>
+          <a:p>
+            <a:pPr algn="ctr"/>
+            <a:endParaRPr/>
+          </a:p>
+        </p:txBody>
+      </p:sp>
+      <p:sp>
+        <p:nvSpPr>
+          <p:cNvPr id="60" name="PlaceHolder 2"/>
           <p:cNvSpPr>
             <a:spLocks noGrp="1"/>
           </p:cNvSpPr>
@@ -1898,24 +1635,23 @@
         </p:nvSpPr>
         <p:spPr>
           <a:xfrm>
-            <a:off x="838080" y="1825560"/>
-            <a:ext cx="10515240" cy="2075040"/>
-          </a:xfrm>
-          <a:prstGeom prst="rect">
-            <a:avLst/>
-          </a:prstGeom>
-        </p:spPr>
-        <p:txBody>
-          <a:bodyPr lIns="0" tIns="0" rIns="0" bIns="0"/>
-          <a:lstStyle/>
-          <a:p>
-            <a:endParaRPr/>
-          </a:p>
-        </p:txBody>
-      </p:sp>
-      <p:sp>
-        <p:nvSpPr>
-          <p:cNvPr id="67" name="PlaceHolder 3"/>
+            <a:off x="609480" y="1604520"/>
+            <a:ext cx="10972440" cy="1896840"/>
+          </a:xfrm>
+          <a:prstGeom prst="rect">
+            <a:avLst/>
+          </a:prstGeom>
+        </p:spPr>
+        <p:txBody>
+          <a:bodyPr lIns="0" rIns="0" tIns="0" bIns="0"/>
+          <a:p>
+            <a:endParaRPr/>
+          </a:p>
+        </p:txBody>
+      </p:sp>
+      <p:sp>
+        <p:nvSpPr>
+          <p:cNvPr id="61" name="PlaceHolder 3"/>
           <p:cNvSpPr>
             <a:spLocks noGrp="1"/>
           </p:cNvSpPr>
@@ -1925,16 +1661,15 @@
         </p:nvSpPr>
         <p:spPr>
           <a:xfrm>
-            <a:off x="838080" y="4098240"/>
-            <a:ext cx="10515240" cy="2075040"/>
-          </a:xfrm>
-          <a:prstGeom prst="rect">
-            <a:avLst/>
-          </a:prstGeom>
-        </p:spPr>
-        <p:txBody>
-          <a:bodyPr lIns="0" tIns="0" rIns="0" bIns="0"/>
-          <a:lstStyle/>
+            <a:off x="609480" y="3682080"/>
+            <a:ext cx="10972440" cy="1896840"/>
+          </a:xfrm>
+          <a:prstGeom prst="rect">
+            <a:avLst/>
+          </a:prstGeom>
+        </p:spPr>
+        <p:txBody>
+          <a:bodyPr lIns="0" rIns="0" tIns="0" bIns="0"/>
           <a:p>
             <a:endParaRPr/>
           </a:p>
@@ -1942,14 +1677,11 @@
       </p:sp>
     </p:spTree>
   </p:cSld>
-  <p:clrMapOvr>
-    <a:masterClrMapping/>
-  </p:clrMapOvr>
 </p:sldLayout>
 </file>
 
 <file path=ppt/slideLayouts/slideLayout23.xml><?xml version="1.0" encoding="utf-8"?>
-<p:sldLayout xmlns:a="http://schemas.openxmlformats.org/drawingml/2006/main" xmlns:r="http://schemas.openxmlformats.org/officeDocument/2006/relationships" xmlns:p="http://schemas.openxmlformats.org/presentationml/2006/main" type="fourObj" preserve="1">
+<p:sldLayout xmlns:a="http://schemas.openxmlformats.org/drawingml/2006/main" xmlns:p="http://schemas.openxmlformats.org/presentationml/2006/main" xmlns:r="http://schemas.openxmlformats.org/officeDocument/2006/relationships" type="fourObj" preserve="1">
   <p:cSld name="Title, 4 Content">
     <p:spTree>
       <p:nvGrpSpPr>
@@ -1967,7 +1699,7 @@
       </p:grpSpPr>
       <p:sp>
         <p:nvSpPr>
-          <p:cNvPr id="68" name="PlaceHolder 1"/>
+          <p:cNvPr id="62" name="PlaceHolder 1"/>
           <p:cNvSpPr>
             <a:spLocks noGrp="1"/>
           </p:cNvSpPr>
@@ -1977,24 +1709,24 @@
         </p:nvSpPr>
         <p:spPr>
           <a:xfrm>
-            <a:off x="838080" y="365040"/>
-            <a:ext cx="10515240" cy="1325520"/>
-          </a:xfrm>
-          <a:prstGeom prst="rect">
-            <a:avLst/>
-          </a:prstGeom>
-        </p:spPr>
-        <p:txBody>
-          <a:bodyPr lIns="0" tIns="0" rIns="0" bIns="0" anchor="ctr"/>
-          <a:lstStyle/>
-          <a:p>
-            <a:endParaRPr/>
-          </a:p>
-        </p:txBody>
-      </p:sp>
-      <p:sp>
-        <p:nvSpPr>
-          <p:cNvPr id="69" name="PlaceHolder 2"/>
+            <a:off x="609480" y="273600"/>
+            <a:ext cx="10972440" cy="1145160"/>
+          </a:xfrm>
+          <a:prstGeom prst="rect">
+            <a:avLst/>
+          </a:prstGeom>
+        </p:spPr>
+        <p:txBody>
+          <a:bodyPr lIns="0" rIns="0" tIns="0" bIns="0" anchor="ctr"/>
+          <a:p>
+            <a:pPr algn="ctr"/>
+            <a:endParaRPr/>
+          </a:p>
+        </p:txBody>
+      </p:sp>
+      <p:sp>
+        <p:nvSpPr>
+          <p:cNvPr id="63" name="PlaceHolder 2"/>
           <p:cNvSpPr>
             <a:spLocks noGrp="1"/>
           </p:cNvSpPr>
@@ -2004,24 +1736,23 @@
         </p:nvSpPr>
         <p:spPr>
           <a:xfrm>
-            <a:off x="838080" y="1825560"/>
-            <a:ext cx="5131080" cy="2075040"/>
-          </a:xfrm>
-          <a:prstGeom prst="rect">
-            <a:avLst/>
-          </a:prstGeom>
-        </p:spPr>
-        <p:txBody>
-          <a:bodyPr lIns="0" tIns="0" rIns="0" bIns="0"/>
-          <a:lstStyle/>
-          <a:p>
-            <a:endParaRPr/>
-          </a:p>
-        </p:txBody>
-      </p:sp>
-      <p:sp>
-        <p:nvSpPr>
-          <p:cNvPr id="70" name="PlaceHolder 3"/>
+            <a:off x="609480" y="1604520"/>
+            <a:ext cx="5354280" cy="1896840"/>
+          </a:xfrm>
+          <a:prstGeom prst="rect">
+            <a:avLst/>
+          </a:prstGeom>
+        </p:spPr>
+        <p:txBody>
+          <a:bodyPr lIns="0" rIns="0" tIns="0" bIns="0"/>
+          <a:p>
+            <a:endParaRPr/>
+          </a:p>
+        </p:txBody>
+      </p:sp>
+      <p:sp>
+        <p:nvSpPr>
+          <p:cNvPr id="64" name="PlaceHolder 3"/>
           <p:cNvSpPr>
             <a:spLocks noGrp="1"/>
           </p:cNvSpPr>
@@ -2031,24 +1762,23 @@
         </p:nvSpPr>
         <p:spPr>
           <a:xfrm>
-            <a:off x="6226200" y="1825560"/>
-            <a:ext cx="5131080" cy="2075040"/>
-          </a:xfrm>
-          <a:prstGeom prst="rect">
-            <a:avLst/>
-          </a:prstGeom>
-        </p:spPr>
-        <p:txBody>
-          <a:bodyPr lIns="0" tIns="0" rIns="0" bIns="0"/>
-          <a:lstStyle/>
-          <a:p>
-            <a:endParaRPr/>
-          </a:p>
-        </p:txBody>
-      </p:sp>
-      <p:sp>
-        <p:nvSpPr>
-          <p:cNvPr id="71" name="PlaceHolder 4"/>
+            <a:off x="6231960" y="1604520"/>
+            <a:ext cx="5354280" cy="1896840"/>
+          </a:xfrm>
+          <a:prstGeom prst="rect">
+            <a:avLst/>
+          </a:prstGeom>
+        </p:spPr>
+        <p:txBody>
+          <a:bodyPr lIns="0" rIns="0" tIns="0" bIns="0"/>
+          <a:p>
+            <a:endParaRPr/>
+          </a:p>
+        </p:txBody>
+      </p:sp>
+      <p:sp>
+        <p:nvSpPr>
+          <p:cNvPr id="65" name="PlaceHolder 4"/>
           <p:cNvSpPr>
             <a:spLocks noGrp="1"/>
           </p:cNvSpPr>
@@ -2058,24 +1788,23 @@
         </p:nvSpPr>
         <p:spPr>
           <a:xfrm>
-            <a:off x="6226200" y="4098240"/>
-            <a:ext cx="5131080" cy="2075040"/>
-          </a:xfrm>
-          <a:prstGeom prst="rect">
-            <a:avLst/>
-          </a:prstGeom>
-        </p:spPr>
-        <p:txBody>
-          <a:bodyPr lIns="0" tIns="0" rIns="0" bIns="0"/>
-          <a:lstStyle/>
-          <a:p>
-            <a:endParaRPr/>
-          </a:p>
-        </p:txBody>
-      </p:sp>
-      <p:sp>
-        <p:nvSpPr>
-          <p:cNvPr id="72" name="PlaceHolder 5"/>
+            <a:off x="6231960" y="3682080"/>
+            <a:ext cx="5354280" cy="1896840"/>
+          </a:xfrm>
+          <a:prstGeom prst="rect">
+            <a:avLst/>
+          </a:prstGeom>
+        </p:spPr>
+        <p:txBody>
+          <a:bodyPr lIns="0" rIns="0" tIns="0" bIns="0"/>
+          <a:p>
+            <a:endParaRPr/>
+          </a:p>
+        </p:txBody>
+      </p:sp>
+      <p:sp>
+        <p:nvSpPr>
+          <p:cNvPr id="66" name="PlaceHolder 5"/>
           <p:cNvSpPr>
             <a:spLocks noGrp="1"/>
           </p:cNvSpPr>
@@ -2085,16 +1814,15 @@
         </p:nvSpPr>
         <p:spPr>
           <a:xfrm>
-            <a:off x="838080" y="4098240"/>
-            <a:ext cx="5131080" cy="2075040"/>
-          </a:xfrm>
-          <a:prstGeom prst="rect">
-            <a:avLst/>
-          </a:prstGeom>
-        </p:spPr>
-        <p:txBody>
-          <a:bodyPr lIns="0" tIns="0" rIns="0" bIns="0"/>
-          <a:lstStyle/>
+            <a:off x="609480" y="3682080"/>
+            <a:ext cx="5354280" cy="1896840"/>
+          </a:xfrm>
+          <a:prstGeom prst="rect">
+            <a:avLst/>
+          </a:prstGeom>
+        </p:spPr>
+        <p:txBody>
+          <a:bodyPr lIns="0" rIns="0" tIns="0" bIns="0"/>
           <a:p>
             <a:endParaRPr/>
           </a:p>
@@ -2102,14 +1830,11 @@
       </p:sp>
     </p:spTree>
   </p:cSld>
-  <p:clrMapOvr>
-    <a:masterClrMapping/>
-  </p:clrMapOvr>
 </p:sldLayout>
 </file>
 
 <file path=ppt/slideLayouts/slideLayout24.xml><?xml version="1.0" encoding="utf-8"?>
-<p:sldLayout xmlns:a="http://schemas.openxmlformats.org/drawingml/2006/main" xmlns:r="http://schemas.openxmlformats.org/officeDocument/2006/relationships" xmlns:p="http://schemas.openxmlformats.org/presentationml/2006/main" type="blank" preserve="1">
+<p:sldLayout xmlns:a="http://schemas.openxmlformats.org/drawingml/2006/main" xmlns:p="http://schemas.openxmlformats.org/presentationml/2006/main" xmlns:r="http://schemas.openxmlformats.org/officeDocument/2006/relationships" type="blank" preserve="1">
   <p:cSld name="Title, 6 Content">
     <p:spTree>
       <p:nvGrpSpPr>
@@ -2127,7 +1852,7 @@
       </p:grpSpPr>
       <p:sp>
         <p:nvSpPr>
-          <p:cNvPr id="73" name="PlaceHolder 1"/>
+          <p:cNvPr id="67" name="PlaceHolder 1"/>
           <p:cNvSpPr>
             <a:spLocks noGrp="1"/>
           </p:cNvSpPr>
@@ -2137,24 +1862,24 @@
         </p:nvSpPr>
         <p:spPr>
           <a:xfrm>
-            <a:off x="838080" y="365040"/>
-            <a:ext cx="10515240" cy="1325520"/>
-          </a:xfrm>
-          <a:prstGeom prst="rect">
-            <a:avLst/>
-          </a:prstGeom>
-        </p:spPr>
-        <p:txBody>
-          <a:bodyPr lIns="0" tIns="0" rIns="0" bIns="0" anchor="ctr"/>
-          <a:lstStyle/>
-          <a:p>
-            <a:endParaRPr/>
-          </a:p>
-        </p:txBody>
-      </p:sp>
-      <p:sp>
-        <p:nvSpPr>
-          <p:cNvPr id="74" name="PlaceHolder 2"/>
+            <a:off x="609480" y="273600"/>
+            <a:ext cx="10972440" cy="1145160"/>
+          </a:xfrm>
+          <a:prstGeom prst="rect">
+            <a:avLst/>
+          </a:prstGeom>
+        </p:spPr>
+        <p:txBody>
+          <a:bodyPr lIns="0" rIns="0" tIns="0" bIns="0" anchor="ctr"/>
+          <a:p>
+            <a:pPr algn="ctr"/>
+            <a:endParaRPr/>
+          </a:p>
+        </p:txBody>
+      </p:sp>
+      <p:sp>
+        <p:nvSpPr>
+          <p:cNvPr id="68" name="PlaceHolder 2"/>
           <p:cNvSpPr>
             <a:spLocks noGrp="1"/>
           </p:cNvSpPr>
@@ -2164,24 +1889,23 @@
         </p:nvSpPr>
         <p:spPr>
           <a:xfrm>
-            <a:off x="838080" y="1825560"/>
-            <a:ext cx="10515240" cy="4350960"/>
-          </a:xfrm>
-          <a:prstGeom prst="rect">
-            <a:avLst/>
-          </a:prstGeom>
-        </p:spPr>
-        <p:txBody>
-          <a:bodyPr lIns="0" tIns="0" rIns="0" bIns="0"/>
-          <a:lstStyle/>
-          <a:p>
-            <a:endParaRPr/>
-          </a:p>
-        </p:txBody>
-      </p:sp>
-      <p:sp>
-        <p:nvSpPr>
-          <p:cNvPr id="75" name="PlaceHolder 3"/>
+            <a:off x="609480" y="1604520"/>
+            <a:ext cx="10972440" cy="3977280"/>
+          </a:xfrm>
+          <a:prstGeom prst="rect">
+            <a:avLst/>
+          </a:prstGeom>
+        </p:spPr>
+        <p:txBody>
+          <a:bodyPr lIns="0" rIns="0" tIns="0" bIns="0"/>
+          <a:p>
+            <a:endParaRPr/>
+          </a:p>
+        </p:txBody>
+      </p:sp>
+      <p:sp>
+        <p:nvSpPr>
+          <p:cNvPr id="69" name="PlaceHolder 3"/>
           <p:cNvSpPr>
             <a:spLocks noGrp="1"/>
           </p:cNvSpPr>
@@ -2191,16 +1915,15 @@
         </p:nvSpPr>
         <p:spPr>
           <a:xfrm>
-            <a:off x="838080" y="1825560"/>
-            <a:ext cx="10515240" cy="4350960"/>
-          </a:xfrm>
-          <a:prstGeom prst="rect">
-            <a:avLst/>
-          </a:prstGeom>
-        </p:spPr>
-        <p:txBody>
-          <a:bodyPr lIns="0" tIns="0" rIns="0" bIns="0"/>
-          <a:lstStyle/>
+            <a:off x="609480" y="1604520"/>
+            <a:ext cx="10972440" cy="3977280"/>
+          </a:xfrm>
+          <a:prstGeom prst="rect">
+            <a:avLst/>
+          </a:prstGeom>
+        </p:spPr>
+        <p:txBody>
+          <a:bodyPr lIns="0" rIns="0" tIns="0" bIns="0"/>
           <a:p>
             <a:endParaRPr/>
           </a:p>
@@ -2208,7 +1931,7 @@
       </p:sp>
       <p:pic>
         <p:nvPicPr>
-          <p:cNvPr id="76" name="图片 75"/>
+          <p:cNvPr id="70" name="" descr=""/>
           <p:cNvPicPr/>
           <p:nvPr/>
         </p:nvPicPr>
@@ -2220,8 +1943,8 @@
         </p:blipFill>
         <p:spPr>
           <a:xfrm>
-            <a:off x="3368880" y="1825560"/>
-            <a:ext cx="5452920" cy="4350960"/>
+            <a:off x="3602880" y="1604520"/>
+            <a:ext cx="4984920" cy="3977280"/>
           </a:xfrm>
           <a:prstGeom prst="rect">
             <a:avLst/>
@@ -2233,20 +1956,20 @@
       </p:pic>
       <p:pic>
         <p:nvPicPr>
-          <p:cNvPr id="77" name="图片 76"/>
+          <p:cNvPr id="71" name="" descr=""/>
           <p:cNvPicPr/>
           <p:nvPr/>
         </p:nvPicPr>
         <p:blipFill>
-          <a:blip r:embed="rId2"/>
+          <a:blip r:embed="rId3"/>
           <a:stretch>
             <a:fillRect/>
           </a:stretch>
         </p:blipFill>
         <p:spPr>
           <a:xfrm>
-            <a:off x="3368880" y="1825560"/>
-            <a:ext cx="5452920" cy="4350960"/>
+            <a:off x="3602880" y="1604520"/>
+            <a:ext cx="4984920" cy="3977280"/>
           </a:xfrm>
           <a:prstGeom prst="rect">
             <a:avLst/>
@@ -2258,14 +1981,11 @@
       </p:pic>
     </p:spTree>
   </p:cSld>
-  <p:clrMapOvr>
-    <a:masterClrMapping/>
-  </p:clrMapOvr>
 </p:sldLayout>
 </file>
 
 <file path=ppt/slideLayouts/slideLayout3.xml><?xml version="1.0" encoding="utf-8"?>
-<p:sldLayout xmlns:a="http://schemas.openxmlformats.org/drawingml/2006/main" xmlns:r="http://schemas.openxmlformats.org/officeDocument/2006/relationships" xmlns:p="http://schemas.openxmlformats.org/presentationml/2006/main" type="obj" preserve="1">
+<p:sldLayout xmlns:a="http://schemas.openxmlformats.org/drawingml/2006/main" xmlns:p="http://schemas.openxmlformats.org/presentationml/2006/main" xmlns:r="http://schemas.openxmlformats.org/officeDocument/2006/relationships" type="obj" preserve="1">
   <p:cSld name="Title, Content">
     <p:spTree>
       <p:nvGrpSpPr>
@@ -2283,7 +2003,7 @@
       </p:grpSpPr>
       <p:sp>
         <p:nvSpPr>
-          <p:cNvPr id="7" name="PlaceHolder 1"/>
+          <p:cNvPr id="4" name="PlaceHolder 1"/>
           <p:cNvSpPr>
             <a:spLocks noGrp="1"/>
           </p:cNvSpPr>
@@ -2293,24 +2013,24 @@
         </p:nvSpPr>
         <p:spPr>
           <a:xfrm>
-            <a:off x="838080" y="365040"/>
-            <a:ext cx="10515240" cy="1325520"/>
-          </a:xfrm>
-          <a:prstGeom prst="rect">
-            <a:avLst/>
-          </a:prstGeom>
-        </p:spPr>
-        <p:txBody>
-          <a:bodyPr lIns="0" tIns="0" rIns="0" bIns="0" anchor="ctr"/>
-          <a:lstStyle/>
-          <a:p>
-            <a:endParaRPr/>
-          </a:p>
-        </p:txBody>
-      </p:sp>
-      <p:sp>
-        <p:nvSpPr>
-          <p:cNvPr id="8" name="PlaceHolder 2"/>
+            <a:off x="609480" y="273600"/>
+            <a:ext cx="10972440" cy="1145160"/>
+          </a:xfrm>
+          <a:prstGeom prst="rect">
+            <a:avLst/>
+          </a:prstGeom>
+        </p:spPr>
+        <p:txBody>
+          <a:bodyPr lIns="0" rIns="0" tIns="0" bIns="0" anchor="ctr"/>
+          <a:p>
+            <a:pPr algn="ctr"/>
+            <a:endParaRPr/>
+          </a:p>
+        </p:txBody>
+      </p:sp>
+      <p:sp>
+        <p:nvSpPr>
+          <p:cNvPr id="5" name="PlaceHolder 2"/>
           <p:cNvSpPr>
             <a:spLocks noGrp="1"/>
           </p:cNvSpPr>
@@ -2320,16 +2040,15 @@
         </p:nvSpPr>
         <p:spPr>
           <a:xfrm>
-            <a:off x="838080" y="1825560"/>
-            <a:ext cx="10515240" cy="4350960"/>
-          </a:xfrm>
-          <a:prstGeom prst="rect">
-            <a:avLst/>
-          </a:prstGeom>
-        </p:spPr>
-        <p:txBody>
-          <a:bodyPr lIns="0" tIns="0" rIns="0" bIns="0"/>
-          <a:lstStyle/>
+            <a:off x="609480" y="1604520"/>
+            <a:ext cx="10972440" cy="3977280"/>
+          </a:xfrm>
+          <a:prstGeom prst="rect">
+            <a:avLst/>
+          </a:prstGeom>
+        </p:spPr>
+        <p:txBody>
+          <a:bodyPr lIns="0" rIns="0" tIns="0" bIns="0"/>
           <a:p>
             <a:endParaRPr/>
           </a:p>
@@ -2337,14 +2056,11 @@
       </p:sp>
     </p:spTree>
   </p:cSld>
-  <p:clrMapOvr>
-    <a:masterClrMapping/>
-  </p:clrMapOvr>
 </p:sldLayout>
 </file>
 
 <file path=ppt/slideLayouts/slideLayout4.xml><?xml version="1.0" encoding="utf-8"?>
-<p:sldLayout xmlns:a="http://schemas.openxmlformats.org/drawingml/2006/main" xmlns:r="http://schemas.openxmlformats.org/officeDocument/2006/relationships" xmlns:p="http://schemas.openxmlformats.org/presentationml/2006/main" type="twoObj" preserve="1">
+<p:sldLayout xmlns:a="http://schemas.openxmlformats.org/drawingml/2006/main" xmlns:p="http://schemas.openxmlformats.org/presentationml/2006/main" xmlns:r="http://schemas.openxmlformats.org/officeDocument/2006/relationships" type="twoObj" preserve="1">
   <p:cSld name="Title, 2 Content">
     <p:spTree>
       <p:nvGrpSpPr>
@@ -2362,7 +2078,7 @@
       </p:grpSpPr>
       <p:sp>
         <p:nvSpPr>
-          <p:cNvPr id="9" name="PlaceHolder 1"/>
+          <p:cNvPr id="6" name="PlaceHolder 1"/>
           <p:cNvSpPr>
             <a:spLocks noGrp="1"/>
           </p:cNvSpPr>
@@ -2372,24 +2088,24 @@
         </p:nvSpPr>
         <p:spPr>
           <a:xfrm>
-            <a:off x="838080" y="365040"/>
-            <a:ext cx="10515240" cy="1325520"/>
-          </a:xfrm>
-          <a:prstGeom prst="rect">
-            <a:avLst/>
-          </a:prstGeom>
-        </p:spPr>
-        <p:txBody>
-          <a:bodyPr lIns="0" tIns="0" rIns="0" bIns="0" anchor="ctr"/>
-          <a:lstStyle/>
-          <a:p>
-            <a:endParaRPr/>
-          </a:p>
-        </p:txBody>
-      </p:sp>
-      <p:sp>
-        <p:nvSpPr>
-          <p:cNvPr id="10" name="PlaceHolder 2"/>
+            <a:off x="609480" y="273600"/>
+            <a:ext cx="10972440" cy="1145160"/>
+          </a:xfrm>
+          <a:prstGeom prst="rect">
+            <a:avLst/>
+          </a:prstGeom>
+        </p:spPr>
+        <p:txBody>
+          <a:bodyPr lIns="0" rIns="0" tIns="0" bIns="0" anchor="ctr"/>
+          <a:p>
+            <a:pPr algn="ctr"/>
+            <a:endParaRPr/>
+          </a:p>
+        </p:txBody>
+      </p:sp>
+      <p:sp>
+        <p:nvSpPr>
+          <p:cNvPr id="7" name="PlaceHolder 2"/>
           <p:cNvSpPr>
             <a:spLocks noGrp="1"/>
           </p:cNvSpPr>
@@ -2399,24 +2115,23 @@
         </p:nvSpPr>
         <p:spPr>
           <a:xfrm>
-            <a:off x="838080" y="1825560"/>
-            <a:ext cx="5131080" cy="4350960"/>
-          </a:xfrm>
-          <a:prstGeom prst="rect">
-            <a:avLst/>
-          </a:prstGeom>
-        </p:spPr>
-        <p:txBody>
-          <a:bodyPr lIns="0" tIns="0" rIns="0" bIns="0"/>
-          <a:lstStyle/>
-          <a:p>
-            <a:endParaRPr/>
-          </a:p>
-        </p:txBody>
-      </p:sp>
-      <p:sp>
-        <p:nvSpPr>
-          <p:cNvPr id="11" name="PlaceHolder 3"/>
+            <a:off x="609480" y="1604520"/>
+            <a:ext cx="5354280" cy="3977280"/>
+          </a:xfrm>
+          <a:prstGeom prst="rect">
+            <a:avLst/>
+          </a:prstGeom>
+        </p:spPr>
+        <p:txBody>
+          <a:bodyPr lIns="0" rIns="0" tIns="0" bIns="0"/>
+          <a:p>
+            <a:endParaRPr/>
+          </a:p>
+        </p:txBody>
+      </p:sp>
+      <p:sp>
+        <p:nvSpPr>
+          <p:cNvPr id="8" name="PlaceHolder 3"/>
           <p:cNvSpPr>
             <a:spLocks noGrp="1"/>
           </p:cNvSpPr>
@@ -2426,16 +2141,15 @@
         </p:nvSpPr>
         <p:spPr>
           <a:xfrm>
-            <a:off x="6226200" y="1825560"/>
-            <a:ext cx="5131080" cy="4350960"/>
-          </a:xfrm>
-          <a:prstGeom prst="rect">
-            <a:avLst/>
-          </a:prstGeom>
-        </p:spPr>
-        <p:txBody>
-          <a:bodyPr lIns="0" tIns="0" rIns="0" bIns="0"/>
-          <a:lstStyle/>
+            <a:off x="6231960" y="1604520"/>
+            <a:ext cx="5354280" cy="3977280"/>
+          </a:xfrm>
+          <a:prstGeom prst="rect">
+            <a:avLst/>
+          </a:prstGeom>
+        </p:spPr>
+        <p:txBody>
+          <a:bodyPr lIns="0" rIns="0" tIns="0" bIns="0"/>
           <a:p>
             <a:endParaRPr/>
           </a:p>
@@ -2443,14 +2157,11 @@
       </p:sp>
     </p:spTree>
   </p:cSld>
-  <p:clrMapOvr>
-    <a:masterClrMapping/>
-  </p:clrMapOvr>
 </p:sldLayout>
 </file>
 
 <file path=ppt/slideLayouts/slideLayout5.xml><?xml version="1.0" encoding="utf-8"?>
-<p:sldLayout xmlns:a="http://schemas.openxmlformats.org/drawingml/2006/main" xmlns:r="http://schemas.openxmlformats.org/officeDocument/2006/relationships" xmlns:p="http://schemas.openxmlformats.org/presentationml/2006/main" type="titleOnly" preserve="1">
+<p:sldLayout xmlns:a="http://schemas.openxmlformats.org/drawingml/2006/main" xmlns:p="http://schemas.openxmlformats.org/presentationml/2006/main" xmlns:r="http://schemas.openxmlformats.org/officeDocument/2006/relationships" type="titleOnly" preserve="1">
   <p:cSld name="Title Only">
     <p:spTree>
       <p:nvGrpSpPr>
@@ -2468,7 +2179,7 @@
       </p:grpSpPr>
       <p:sp>
         <p:nvSpPr>
-          <p:cNvPr id="12" name="PlaceHolder 1"/>
+          <p:cNvPr id="9" name="PlaceHolder 1"/>
           <p:cNvSpPr>
             <a:spLocks noGrp="1"/>
           </p:cNvSpPr>
@@ -2478,31 +2189,28 @@
         </p:nvSpPr>
         <p:spPr>
           <a:xfrm>
-            <a:off x="838080" y="365040"/>
-            <a:ext cx="10515240" cy="1325520"/>
-          </a:xfrm>
-          <a:prstGeom prst="rect">
-            <a:avLst/>
-          </a:prstGeom>
-        </p:spPr>
-        <p:txBody>
-          <a:bodyPr lIns="0" tIns="0" rIns="0" bIns="0" anchor="ctr"/>
-          <a:lstStyle/>
-          <a:p>
+            <a:off x="609480" y="273600"/>
+            <a:ext cx="10972440" cy="1145160"/>
+          </a:xfrm>
+          <a:prstGeom prst="rect">
+            <a:avLst/>
+          </a:prstGeom>
+        </p:spPr>
+        <p:txBody>
+          <a:bodyPr lIns="0" rIns="0" tIns="0" bIns="0" anchor="ctr"/>
+          <a:p>
+            <a:pPr algn="ctr"/>
             <a:endParaRPr/>
           </a:p>
         </p:txBody>
       </p:sp>
     </p:spTree>
   </p:cSld>
-  <p:clrMapOvr>
-    <a:masterClrMapping/>
-  </p:clrMapOvr>
 </p:sldLayout>
 </file>
 
 <file path=ppt/slideLayouts/slideLayout6.xml><?xml version="1.0" encoding="utf-8"?>
-<p:sldLayout xmlns:a="http://schemas.openxmlformats.org/drawingml/2006/main" xmlns:r="http://schemas.openxmlformats.org/officeDocument/2006/relationships" xmlns:p="http://schemas.openxmlformats.org/presentationml/2006/main" type="objOnly" preserve="1">
+<p:sldLayout xmlns:a="http://schemas.openxmlformats.org/drawingml/2006/main" xmlns:p="http://schemas.openxmlformats.org/presentationml/2006/main" xmlns:r="http://schemas.openxmlformats.org/officeDocument/2006/relationships" type="objOnly" preserve="1">
   <p:cSld name="Centered Text">
     <p:spTree>
       <p:nvGrpSpPr>
@@ -2520,7 +2228,7 @@
       </p:grpSpPr>
       <p:sp>
         <p:nvSpPr>
-          <p:cNvPr id="13" name="PlaceHolder 1"/>
+          <p:cNvPr id="10" name="PlaceHolder 1"/>
           <p:cNvSpPr>
             <a:spLocks noGrp="1"/>
           </p:cNvSpPr>
@@ -2530,16 +2238,15 @@
         </p:nvSpPr>
         <p:spPr>
           <a:xfrm>
-            <a:off x="838080" y="365040"/>
-            <a:ext cx="10515240" cy="6144480"/>
-          </a:xfrm>
-          <a:prstGeom prst="rect">
-            <a:avLst/>
-          </a:prstGeom>
-        </p:spPr>
-        <p:txBody>
-          <a:bodyPr lIns="0" tIns="0" rIns="0" bIns="0" anchor="ctr"/>
-          <a:lstStyle/>
+            <a:off x="609480" y="273600"/>
+            <a:ext cx="10972440" cy="5308200"/>
+          </a:xfrm>
+          <a:prstGeom prst="rect">
+            <a:avLst/>
+          </a:prstGeom>
+        </p:spPr>
+        <p:txBody>
+          <a:bodyPr lIns="0" rIns="0" tIns="0" bIns="0" anchor="ctr"/>
           <a:p>
             <a:pPr algn="ctr"/>
             <a:endParaRPr/>
@@ -2548,14 +2255,11 @@
       </p:sp>
     </p:spTree>
   </p:cSld>
-  <p:clrMapOvr>
-    <a:masterClrMapping/>
-  </p:clrMapOvr>
 </p:sldLayout>
 </file>
 
 <file path=ppt/slideLayouts/slideLayout7.xml><?xml version="1.0" encoding="utf-8"?>
-<p:sldLayout xmlns:a="http://schemas.openxmlformats.org/drawingml/2006/main" xmlns:r="http://schemas.openxmlformats.org/officeDocument/2006/relationships" xmlns:p="http://schemas.openxmlformats.org/presentationml/2006/main" type="twoObjAndObj" preserve="1">
+<p:sldLayout xmlns:a="http://schemas.openxmlformats.org/drawingml/2006/main" xmlns:p="http://schemas.openxmlformats.org/presentationml/2006/main" xmlns:r="http://schemas.openxmlformats.org/officeDocument/2006/relationships" type="twoObjAndObj" preserve="1">
   <p:cSld name="Title, 2 Content and Content">
     <p:spTree>
       <p:nvGrpSpPr>
@@ -2573,7 +2277,7 @@
       </p:grpSpPr>
       <p:sp>
         <p:nvSpPr>
-          <p:cNvPr id="14" name="PlaceHolder 1"/>
+          <p:cNvPr id="11" name="PlaceHolder 1"/>
           <p:cNvSpPr>
             <a:spLocks noGrp="1"/>
           </p:cNvSpPr>
@@ -2583,24 +2287,24 @@
         </p:nvSpPr>
         <p:spPr>
           <a:xfrm>
-            <a:off x="838080" y="365040"/>
-            <a:ext cx="10515240" cy="1325520"/>
-          </a:xfrm>
-          <a:prstGeom prst="rect">
-            <a:avLst/>
-          </a:prstGeom>
-        </p:spPr>
-        <p:txBody>
-          <a:bodyPr lIns="0" tIns="0" rIns="0" bIns="0" anchor="ctr"/>
-          <a:lstStyle/>
-          <a:p>
-            <a:endParaRPr/>
-          </a:p>
-        </p:txBody>
-      </p:sp>
-      <p:sp>
-        <p:nvSpPr>
-          <p:cNvPr id="15" name="PlaceHolder 2"/>
+            <a:off x="609480" y="273600"/>
+            <a:ext cx="10972440" cy="1145160"/>
+          </a:xfrm>
+          <a:prstGeom prst="rect">
+            <a:avLst/>
+          </a:prstGeom>
+        </p:spPr>
+        <p:txBody>
+          <a:bodyPr lIns="0" rIns="0" tIns="0" bIns="0" anchor="ctr"/>
+          <a:p>
+            <a:pPr algn="ctr"/>
+            <a:endParaRPr/>
+          </a:p>
+        </p:txBody>
+      </p:sp>
+      <p:sp>
+        <p:nvSpPr>
+          <p:cNvPr id="12" name="PlaceHolder 2"/>
           <p:cNvSpPr>
             <a:spLocks noGrp="1"/>
           </p:cNvSpPr>
@@ -2610,24 +2314,23 @@
         </p:nvSpPr>
         <p:spPr>
           <a:xfrm>
-            <a:off x="838080" y="1825560"/>
-            <a:ext cx="5131080" cy="2075040"/>
-          </a:xfrm>
-          <a:prstGeom prst="rect">
-            <a:avLst/>
-          </a:prstGeom>
-        </p:spPr>
-        <p:txBody>
-          <a:bodyPr lIns="0" tIns="0" rIns="0" bIns="0"/>
-          <a:lstStyle/>
-          <a:p>
-            <a:endParaRPr/>
-          </a:p>
-        </p:txBody>
-      </p:sp>
-      <p:sp>
-        <p:nvSpPr>
-          <p:cNvPr id="16" name="PlaceHolder 3"/>
+            <a:off x="609480" y="1604520"/>
+            <a:ext cx="5354280" cy="1896840"/>
+          </a:xfrm>
+          <a:prstGeom prst="rect">
+            <a:avLst/>
+          </a:prstGeom>
+        </p:spPr>
+        <p:txBody>
+          <a:bodyPr lIns="0" rIns="0" tIns="0" bIns="0"/>
+          <a:p>
+            <a:endParaRPr/>
+          </a:p>
+        </p:txBody>
+      </p:sp>
+      <p:sp>
+        <p:nvSpPr>
+          <p:cNvPr id="13" name="PlaceHolder 3"/>
           <p:cNvSpPr>
             <a:spLocks noGrp="1"/>
           </p:cNvSpPr>
@@ -2637,24 +2340,23 @@
         </p:nvSpPr>
         <p:spPr>
           <a:xfrm>
-            <a:off x="838080" y="4098240"/>
-            <a:ext cx="5131080" cy="2075040"/>
-          </a:xfrm>
-          <a:prstGeom prst="rect">
-            <a:avLst/>
-          </a:prstGeom>
-        </p:spPr>
-        <p:txBody>
-          <a:bodyPr lIns="0" tIns="0" rIns="0" bIns="0"/>
-          <a:lstStyle/>
-          <a:p>
-            <a:endParaRPr/>
-          </a:p>
-        </p:txBody>
-      </p:sp>
-      <p:sp>
-        <p:nvSpPr>
-          <p:cNvPr id="17" name="PlaceHolder 4"/>
+            <a:off x="609480" y="3682080"/>
+            <a:ext cx="5354280" cy="1896840"/>
+          </a:xfrm>
+          <a:prstGeom prst="rect">
+            <a:avLst/>
+          </a:prstGeom>
+        </p:spPr>
+        <p:txBody>
+          <a:bodyPr lIns="0" rIns="0" tIns="0" bIns="0"/>
+          <a:p>
+            <a:endParaRPr/>
+          </a:p>
+        </p:txBody>
+      </p:sp>
+      <p:sp>
+        <p:nvSpPr>
+          <p:cNvPr id="14" name="PlaceHolder 4"/>
           <p:cNvSpPr>
             <a:spLocks noGrp="1"/>
           </p:cNvSpPr>
@@ -2664,16 +2366,15 @@
         </p:nvSpPr>
         <p:spPr>
           <a:xfrm>
-            <a:off x="6226200" y="1825560"/>
-            <a:ext cx="5131080" cy="4350960"/>
-          </a:xfrm>
-          <a:prstGeom prst="rect">
-            <a:avLst/>
-          </a:prstGeom>
-        </p:spPr>
-        <p:txBody>
-          <a:bodyPr lIns="0" tIns="0" rIns="0" bIns="0"/>
-          <a:lstStyle/>
+            <a:off x="6231960" y="1604520"/>
+            <a:ext cx="5354280" cy="3977280"/>
+          </a:xfrm>
+          <a:prstGeom prst="rect">
+            <a:avLst/>
+          </a:prstGeom>
+        </p:spPr>
+        <p:txBody>
+          <a:bodyPr lIns="0" rIns="0" tIns="0" bIns="0"/>
           <a:p>
             <a:endParaRPr/>
           </a:p>
@@ -2681,14 +2382,11 @@
       </p:sp>
     </p:spTree>
   </p:cSld>
-  <p:clrMapOvr>
-    <a:masterClrMapping/>
-  </p:clrMapOvr>
 </p:sldLayout>
 </file>
 
 <file path=ppt/slideLayouts/slideLayout8.xml><?xml version="1.0" encoding="utf-8"?>
-<p:sldLayout xmlns:a="http://schemas.openxmlformats.org/drawingml/2006/main" xmlns:r="http://schemas.openxmlformats.org/officeDocument/2006/relationships" xmlns:p="http://schemas.openxmlformats.org/presentationml/2006/main" type="objAndTwoObj" preserve="1">
+<p:sldLayout xmlns:a="http://schemas.openxmlformats.org/drawingml/2006/main" xmlns:p="http://schemas.openxmlformats.org/presentationml/2006/main" xmlns:r="http://schemas.openxmlformats.org/officeDocument/2006/relationships" type="objAndTwoObj" preserve="1">
   <p:cSld name="Title Content and 2 Content">
     <p:spTree>
       <p:nvGrpSpPr>
@@ -2706,7 +2404,7 @@
       </p:grpSpPr>
       <p:sp>
         <p:nvSpPr>
-          <p:cNvPr id="18" name="PlaceHolder 1"/>
+          <p:cNvPr id="15" name="PlaceHolder 1"/>
           <p:cNvSpPr>
             <a:spLocks noGrp="1"/>
           </p:cNvSpPr>
@@ -2716,24 +2414,24 @@
         </p:nvSpPr>
         <p:spPr>
           <a:xfrm>
-            <a:off x="838080" y="365040"/>
-            <a:ext cx="10515240" cy="1325520"/>
-          </a:xfrm>
-          <a:prstGeom prst="rect">
-            <a:avLst/>
-          </a:prstGeom>
-        </p:spPr>
-        <p:txBody>
-          <a:bodyPr lIns="0" tIns="0" rIns="0" bIns="0" anchor="ctr"/>
-          <a:lstStyle/>
-          <a:p>
-            <a:endParaRPr/>
-          </a:p>
-        </p:txBody>
-      </p:sp>
-      <p:sp>
-        <p:nvSpPr>
-          <p:cNvPr id="19" name="PlaceHolder 2"/>
+            <a:off x="609480" y="273600"/>
+            <a:ext cx="10972440" cy="1145160"/>
+          </a:xfrm>
+          <a:prstGeom prst="rect">
+            <a:avLst/>
+          </a:prstGeom>
+        </p:spPr>
+        <p:txBody>
+          <a:bodyPr lIns="0" rIns="0" tIns="0" bIns="0" anchor="ctr"/>
+          <a:p>
+            <a:pPr algn="ctr"/>
+            <a:endParaRPr/>
+          </a:p>
+        </p:txBody>
+      </p:sp>
+      <p:sp>
+        <p:nvSpPr>
+          <p:cNvPr id="16" name="PlaceHolder 2"/>
           <p:cNvSpPr>
             <a:spLocks noGrp="1"/>
           </p:cNvSpPr>
@@ -2743,24 +2441,23 @@
         </p:nvSpPr>
         <p:spPr>
           <a:xfrm>
-            <a:off x="838080" y="1825560"/>
-            <a:ext cx="5131080" cy="4350960"/>
-          </a:xfrm>
-          <a:prstGeom prst="rect">
-            <a:avLst/>
-          </a:prstGeom>
-        </p:spPr>
-        <p:txBody>
-          <a:bodyPr lIns="0" tIns="0" rIns="0" bIns="0"/>
-          <a:lstStyle/>
-          <a:p>
-            <a:endParaRPr/>
-          </a:p>
-        </p:txBody>
-      </p:sp>
-      <p:sp>
-        <p:nvSpPr>
-          <p:cNvPr id="20" name="PlaceHolder 3"/>
+            <a:off x="609480" y="1604520"/>
+            <a:ext cx="5354280" cy="3977280"/>
+          </a:xfrm>
+          <a:prstGeom prst="rect">
+            <a:avLst/>
+          </a:prstGeom>
+        </p:spPr>
+        <p:txBody>
+          <a:bodyPr lIns="0" rIns="0" tIns="0" bIns="0"/>
+          <a:p>
+            <a:endParaRPr/>
+          </a:p>
+        </p:txBody>
+      </p:sp>
+      <p:sp>
+        <p:nvSpPr>
+          <p:cNvPr id="17" name="PlaceHolder 3"/>
           <p:cNvSpPr>
             <a:spLocks noGrp="1"/>
           </p:cNvSpPr>
@@ -2770,24 +2467,23 @@
         </p:nvSpPr>
         <p:spPr>
           <a:xfrm>
-            <a:off x="6226200" y="1825560"/>
-            <a:ext cx="5131080" cy="2075040"/>
-          </a:xfrm>
-          <a:prstGeom prst="rect">
-            <a:avLst/>
-          </a:prstGeom>
-        </p:spPr>
-        <p:txBody>
-          <a:bodyPr lIns="0" tIns="0" rIns="0" bIns="0"/>
-          <a:lstStyle/>
-          <a:p>
-            <a:endParaRPr/>
-          </a:p>
-        </p:txBody>
-      </p:sp>
-      <p:sp>
-        <p:nvSpPr>
-          <p:cNvPr id="21" name="PlaceHolder 4"/>
+            <a:off x="6231960" y="1604520"/>
+            <a:ext cx="5354280" cy="1896840"/>
+          </a:xfrm>
+          <a:prstGeom prst="rect">
+            <a:avLst/>
+          </a:prstGeom>
+        </p:spPr>
+        <p:txBody>
+          <a:bodyPr lIns="0" rIns="0" tIns="0" bIns="0"/>
+          <a:p>
+            <a:endParaRPr/>
+          </a:p>
+        </p:txBody>
+      </p:sp>
+      <p:sp>
+        <p:nvSpPr>
+          <p:cNvPr id="18" name="PlaceHolder 4"/>
           <p:cNvSpPr>
             <a:spLocks noGrp="1"/>
           </p:cNvSpPr>
@@ -2797,16 +2493,15 @@
         </p:nvSpPr>
         <p:spPr>
           <a:xfrm>
-            <a:off x="6226200" y="4098240"/>
-            <a:ext cx="5131080" cy="2075040"/>
-          </a:xfrm>
-          <a:prstGeom prst="rect">
-            <a:avLst/>
-          </a:prstGeom>
-        </p:spPr>
-        <p:txBody>
-          <a:bodyPr lIns="0" tIns="0" rIns="0" bIns="0"/>
-          <a:lstStyle/>
+            <a:off x="6231960" y="3682080"/>
+            <a:ext cx="5354280" cy="1896840"/>
+          </a:xfrm>
+          <a:prstGeom prst="rect">
+            <a:avLst/>
+          </a:prstGeom>
+        </p:spPr>
+        <p:txBody>
+          <a:bodyPr lIns="0" rIns="0" tIns="0" bIns="0"/>
           <a:p>
             <a:endParaRPr/>
           </a:p>
@@ -2814,14 +2509,11 @@
       </p:sp>
     </p:spTree>
   </p:cSld>
-  <p:clrMapOvr>
-    <a:masterClrMapping/>
-  </p:clrMapOvr>
 </p:sldLayout>
 </file>
 
 <file path=ppt/slideLayouts/slideLayout9.xml><?xml version="1.0" encoding="utf-8"?>
-<p:sldLayout xmlns:a="http://schemas.openxmlformats.org/drawingml/2006/main" xmlns:r="http://schemas.openxmlformats.org/officeDocument/2006/relationships" xmlns:p="http://schemas.openxmlformats.org/presentationml/2006/main" type="twoObjOverTx" preserve="1">
+<p:sldLayout xmlns:a="http://schemas.openxmlformats.org/drawingml/2006/main" xmlns:p="http://schemas.openxmlformats.org/presentationml/2006/main" xmlns:r="http://schemas.openxmlformats.org/officeDocument/2006/relationships" type="twoObjOverTx" preserve="1">
   <p:cSld name="Title, 2 Content over Content">
     <p:spTree>
       <p:nvGrpSpPr>
@@ -2839,7 +2531,7 @@
       </p:grpSpPr>
       <p:sp>
         <p:nvSpPr>
-          <p:cNvPr id="22" name="PlaceHolder 1"/>
+          <p:cNvPr id="19" name="PlaceHolder 1"/>
           <p:cNvSpPr>
             <a:spLocks noGrp="1"/>
           </p:cNvSpPr>
@@ -2849,24 +2541,24 @@
         </p:nvSpPr>
         <p:spPr>
           <a:xfrm>
-            <a:off x="838080" y="365040"/>
-            <a:ext cx="10515240" cy="1325520"/>
-          </a:xfrm>
-          <a:prstGeom prst="rect">
-            <a:avLst/>
-          </a:prstGeom>
-        </p:spPr>
-        <p:txBody>
-          <a:bodyPr lIns="0" tIns="0" rIns="0" bIns="0" anchor="ctr"/>
-          <a:lstStyle/>
-          <a:p>
-            <a:endParaRPr/>
-          </a:p>
-        </p:txBody>
-      </p:sp>
-      <p:sp>
-        <p:nvSpPr>
-          <p:cNvPr id="23" name="PlaceHolder 2"/>
+            <a:off x="609480" y="273600"/>
+            <a:ext cx="10972440" cy="1145160"/>
+          </a:xfrm>
+          <a:prstGeom prst="rect">
+            <a:avLst/>
+          </a:prstGeom>
+        </p:spPr>
+        <p:txBody>
+          <a:bodyPr lIns="0" rIns="0" tIns="0" bIns="0" anchor="ctr"/>
+          <a:p>
+            <a:pPr algn="ctr"/>
+            <a:endParaRPr/>
+          </a:p>
+        </p:txBody>
+      </p:sp>
+      <p:sp>
+        <p:nvSpPr>
+          <p:cNvPr id="20" name="PlaceHolder 2"/>
           <p:cNvSpPr>
             <a:spLocks noGrp="1"/>
           </p:cNvSpPr>
@@ -2876,24 +2568,23 @@
         </p:nvSpPr>
         <p:spPr>
           <a:xfrm>
-            <a:off x="838080" y="1825560"/>
-            <a:ext cx="5131080" cy="2075040"/>
-          </a:xfrm>
-          <a:prstGeom prst="rect">
-            <a:avLst/>
-          </a:prstGeom>
-        </p:spPr>
-        <p:txBody>
-          <a:bodyPr lIns="0" tIns="0" rIns="0" bIns="0"/>
-          <a:lstStyle/>
-          <a:p>
-            <a:endParaRPr/>
-          </a:p>
-        </p:txBody>
-      </p:sp>
-      <p:sp>
-        <p:nvSpPr>
-          <p:cNvPr id="24" name="PlaceHolder 3"/>
+            <a:off x="609480" y="1604520"/>
+            <a:ext cx="5354280" cy="1896840"/>
+          </a:xfrm>
+          <a:prstGeom prst="rect">
+            <a:avLst/>
+          </a:prstGeom>
+        </p:spPr>
+        <p:txBody>
+          <a:bodyPr lIns="0" rIns="0" tIns="0" bIns="0"/>
+          <a:p>
+            <a:endParaRPr/>
+          </a:p>
+        </p:txBody>
+      </p:sp>
+      <p:sp>
+        <p:nvSpPr>
+          <p:cNvPr id="21" name="PlaceHolder 3"/>
           <p:cNvSpPr>
             <a:spLocks noGrp="1"/>
           </p:cNvSpPr>
@@ -2903,24 +2594,23 @@
         </p:nvSpPr>
         <p:spPr>
           <a:xfrm>
-            <a:off x="6226200" y="1825560"/>
-            <a:ext cx="5131080" cy="2075040"/>
-          </a:xfrm>
-          <a:prstGeom prst="rect">
-            <a:avLst/>
-          </a:prstGeom>
-        </p:spPr>
-        <p:txBody>
-          <a:bodyPr lIns="0" tIns="0" rIns="0" bIns="0"/>
-          <a:lstStyle/>
-          <a:p>
-            <a:endParaRPr/>
-          </a:p>
-        </p:txBody>
-      </p:sp>
-      <p:sp>
-        <p:nvSpPr>
-          <p:cNvPr id="25" name="PlaceHolder 4"/>
+            <a:off x="6231960" y="1604520"/>
+            <a:ext cx="5354280" cy="1896840"/>
+          </a:xfrm>
+          <a:prstGeom prst="rect">
+            <a:avLst/>
+          </a:prstGeom>
+        </p:spPr>
+        <p:txBody>
+          <a:bodyPr lIns="0" rIns="0" tIns="0" bIns="0"/>
+          <a:p>
+            <a:endParaRPr/>
+          </a:p>
+        </p:txBody>
+      </p:sp>
+      <p:sp>
+        <p:nvSpPr>
+          <p:cNvPr id="22" name="PlaceHolder 4"/>
           <p:cNvSpPr>
             <a:spLocks noGrp="1"/>
           </p:cNvSpPr>
@@ -2930,16 +2620,15 @@
         </p:nvSpPr>
         <p:spPr>
           <a:xfrm>
-            <a:off x="838080" y="4098240"/>
-            <a:ext cx="10515240" cy="2075040"/>
-          </a:xfrm>
-          <a:prstGeom prst="rect">
-            <a:avLst/>
-          </a:prstGeom>
-        </p:spPr>
-        <p:txBody>
-          <a:bodyPr lIns="0" tIns="0" rIns="0" bIns="0"/>
-          <a:lstStyle/>
+            <a:off x="609480" y="3682080"/>
+            <a:ext cx="10972440" cy="1896840"/>
+          </a:xfrm>
+          <a:prstGeom prst="rect">
+            <a:avLst/>
+          </a:prstGeom>
+        </p:spPr>
+        <p:txBody>
+          <a:bodyPr lIns="0" rIns="0" tIns="0" bIns="0"/>
           <a:p>
             <a:endParaRPr/>
           </a:p>
@@ -2947,21 +2636,17 @@
       </p:sp>
     </p:spTree>
   </p:cSld>
-  <p:clrMapOvr>
-    <a:masterClrMapping/>
-  </p:clrMapOvr>
 </p:sldLayout>
 </file>
 
 <file path=ppt/slideMasters/slideMaster1.xml><?xml version="1.0" encoding="utf-8"?>
-<p:sldMaster xmlns:a="http://schemas.openxmlformats.org/drawingml/2006/main" xmlns:r="http://schemas.openxmlformats.org/officeDocument/2006/relationships" xmlns:p="http://schemas.openxmlformats.org/presentationml/2006/main">
+<p:sldMaster xmlns:a="http://schemas.openxmlformats.org/drawingml/2006/main" xmlns:p="http://schemas.openxmlformats.org/presentationml/2006/main" xmlns:r="http://schemas.openxmlformats.org/officeDocument/2006/relationships">
   <p:cSld>
     <p:bg>
       <p:bgPr>
         <a:solidFill>
-          <a:srgbClr val="FFFFFF"/>
+          <a:srgbClr val="ffffff"/>
         </a:solidFill>
-        <a:effectLst/>
       </p:bgPr>
     </p:bg>
     <p:spTree>
@@ -2980,7 +2665,7 @@
       </p:grpSpPr>
       <p:sp>
         <p:nvSpPr>
-          <p:cNvPr id="5" name="PlaceHolder 1"/>
+          <p:cNvPr id="0" name="PlaceHolder 1"/>
           <p:cNvSpPr>
             <a:spLocks noGrp="1"/>
           </p:cNvSpPr>
@@ -2990,147 +2675,29 @@
         </p:nvSpPr>
         <p:spPr>
           <a:xfrm>
-            <a:off x="1523880" y="1122480"/>
-            <a:ext cx="9143640" cy="2387160"/>
-          </a:xfrm>
-          <a:prstGeom prst="rect">
-            <a:avLst/>
-          </a:prstGeom>
-        </p:spPr>
-        <p:txBody>
-          <a:bodyPr anchor="b"/>
-          <a:lstStyle/>
-          <a:p>
-            <a:pPr algn="ctr">
-              <a:lnSpc>
-                <a:spcPct val="100000"/>
-              </a:lnSpc>
-            </a:pPr>
-            <a:r>
-              <a:rPr lang="zh-CN" sz="6000">
-                <a:solidFill>
-                  <a:srgbClr val="000000"/>
-                </a:solidFill>
-                <a:latin typeface="Calibri Light"/>
-              </a:rPr>
-              <a:t>单击鼠标编辑标题文字格式单击此处编辑母版标题样式</a:t>
-            </a:r>
-            <a:endParaRPr/>
-          </a:p>
-        </p:txBody>
-      </p:sp>
-      <p:sp>
-        <p:nvSpPr>
-          <p:cNvPr id="6" name="PlaceHolder 2"/>
-          <p:cNvSpPr>
-            <a:spLocks noGrp="1"/>
-          </p:cNvSpPr>
-          <p:nvPr>
-            <p:ph type="dt"/>
-          </p:nvPr>
-        </p:nvSpPr>
-        <p:spPr>
-          <a:xfrm>
-            <a:off x="838080" y="6356520"/>
-            <a:ext cx="2742840" cy="364680"/>
-          </a:xfrm>
-          <a:prstGeom prst="rect">
-            <a:avLst/>
-          </a:prstGeom>
-        </p:spPr>
-        <p:txBody>
-          <a:bodyPr anchor="ctr"/>
-          <a:lstStyle/>
-          <a:p>
-            <a:pPr>
-              <a:lnSpc>
-                <a:spcPct val="100000"/>
-              </a:lnSpc>
-            </a:pPr>
-            <a:r>
-              <a:rPr lang="en-US" sz="1200">
-                <a:solidFill>
-                  <a:srgbClr val="8B8B8B"/>
-                </a:solidFill>
-                <a:latin typeface="Calibri"/>
-              </a:rPr>
-              <a:t>5/3/18</a:t>
-            </a:r>
-            <a:endParaRPr/>
-          </a:p>
-        </p:txBody>
-      </p:sp>
-      <p:sp>
-        <p:nvSpPr>
-          <p:cNvPr id="2" name="PlaceHolder 3"/>
-          <p:cNvSpPr>
-            <a:spLocks noGrp="1"/>
-          </p:cNvSpPr>
-          <p:nvPr>
-            <p:ph type="ftr"/>
-          </p:nvPr>
-        </p:nvSpPr>
-        <p:spPr>
-          <a:xfrm>
-            <a:off x="4038480" y="6356520"/>
-            <a:ext cx="4114440" cy="364680"/>
-          </a:xfrm>
-          <a:prstGeom prst="rect">
-            <a:avLst/>
-          </a:prstGeom>
-        </p:spPr>
-        <p:txBody>
-          <a:bodyPr anchor="ctr"/>
-          <a:lstStyle/>
-          <a:p>
-            <a:endParaRPr/>
-          </a:p>
-        </p:txBody>
-      </p:sp>
-      <p:sp>
-        <p:nvSpPr>
-          <p:cNvPr id="3" name="PlaceHolder 4"/>
-          <p:cNvSpPr>
-            <a:spLocks noGrp="1"/>
-          </p:cNvSpPr>
-          <p:nvPr>
-            <p:ph type="sldNum"/>
-          </p:nvPr>
-        </p:nvSpPr>
-        <p:spPr>
-          <a:xfrm>
-            <a:off x="8610480" y="6356520"/>
-            <a:ext cx="2742840" cy="364680"/>
-          </a:xfrm>
-          <a:prstGeom prst="rect">
-            <a:avLst/>
-          </a:prstGeom>
-        </p:spPr>
-        <p:txBody>
-          <a:bodyPr anchor="ctr"/>
-          <a:lstStyle/>
-          <a:p>
-            <a:pPr algn="r">
-              <a:lnSpc>
-                <a:spcPct val="100000"/>
-              </a:lnSpc>
-            </a:pPr>
-            <a:fld id="{E2083C3D-6E38-49D1-B5DD-58CFFC16D312}" type="slidenum">
-              <a:rPr lang="en-US" sz="1200">
-                <a:solidFill>
-                  <a:srgbClr val="8B8B8B"/>
-                </a:solidFill>
-                <a:latin typeface="Calibri"/>
-              </a:rPr>
-              <a:t>‹#›</a:t>
-            </a:fld>
-            <a:endParaRPr/>
-          </a:p>
-        </p:txBody>
-      </p:sp>
-      <p:sp>
-        <p:nvSpPr>
-          <p:cNvPr id="4" name="PlaceHolder 5"/>
+            <a:off x="609480" y="273600"/>
+            <a:ext cx="10972080" cy="1144800"/>
+          </a:xfrm>
+          <a:prstGeom prst="rect">
+            <a:avLst/>
+          </a:prstGeom>
+        </p:spPr>
+        <p:txBody>
+          <a:bodyPr lIns="0" rIns="0" tIns="0" bIns="0" anchor="ctr"/>
+          <a:p>
+            <a:r>
+              <a:rPr lang="en-US">
+                <a:latin typeface="Arial"/>
+              </a:rPr>
+              <a:t>单击鼠标编辑标题文字格式</a:t>
+            </a:r>
+            <a:endParaRPr/>
+          </a:p>
+        </p:txBody>
+      </p:sp>
+      <p:sp>
+        <p:nvSpPr>
+          <p:cNvPr id="1" name="PlaceHolder 2"/>
           <p:cNvSpPr>
             <a:spLocks noGrp="1"/>
           </p:cNvSpPr>
@@ -3141,15 +2708,14 @@
         <p:spPr>
           <a:xfrm>
             <a:off x="609480" y="1604520"/>
-            <a:ext cx="10972440" cy="3977280"/>
-          </a:xfrm>
-          <a:prstGeom prst="rect">
-            <a:avLst/>
-          </a:prstGeom>
-        </p:spPr>
-        <p:txBody>
-          <a:bodyPr lIns="0" tIns="0" rIns="0" bIns="0"/>
-          <a:lstStyle/>
+            <a:ext cx="10972080" cy="3976920"/>
+          </a:xfrm>
+          <a:prstGeom prst="rect">
+            <a:avLst/>
+          </a:prstGeom>
+        </p:spPr>
+        <p:txBody>
+          <a:bodyPr lIns="0" rIns="0" tIns="0" bIns="0"/>
           <a:p>
             <a:pPr>
               <a:buSzPct val="45000"/>
@@ -3157,8 +2723,8 @@
               <a:buChar char=""/>
             </a:pPr>
             <a:r>
-              <a:rPr lang="zh-CN" sz="2800">
-                <a:latin typeface="Calibri"/>
+              <a:rPr lang="en-US">
+                <a:latin typeface="Arial"/>
               </a:rPr>
               <a:t>单击鼠标编辑大纲文字格式</a:t>
             </a:r>
@@ -3171,8 +2737,8 @@
               <a:buChar char=""/>
             </a:pPr>
             <a:r>
-              <a:rPr lang="zh-CN" sz="2000">
-                <a:latin typeface="Calibri"/>
+              <a:rPr lang="en-US">
+                <a:latin typeface="Arial"/>
               </a:rPr>
               <a:t>第二个大纲级</a:t>
             </a:r>
@@ -3185,8 +2751,8 @@
               <a:buChar char=""/>
             </a:pPr>
             <a:r>
-              <a:rPr lang="zh-CN">
-                <a:latin typeface="Calibri"/>
+              <a:rPr lang="en-US">
+                <a:latin typeface="Arial"/>
               </a:rPr>
               <a:t>第三大纲级别</a:t>
             </a:r>
@@ -3199,8 +2765,8 @@
               <a:buChar char=""/>
             </a:pPr>
             <a:r>
-              <a:rPr lang="zh-CN">
-                <a:latin typeface="Calibri"/>
+              <a:rPr lang="en-US">
+                <a:latin typeface="Arial"/>
               </a:rPr>
               <a:t>第四大纲级别</a:t>
             </a:r>
@@ -3213,8 +2779,8 @@
               <a:buChar char=""/>
             </a:pPr>
             <a:r>
-              <a:rPr lang="zh-CN" sz="2000">
-                <a:latin typeface="Calibri"/>
+              <a:rPr lang="en-US">
+                <a:latin typeface="Arial"/>
               </a:rPr>
               <a:t>第五大纲级别</a:t>
             </a:r>
@@ -3227,8 +2793,8 @@
               <a:buChar char=""/>
             </a:pPr>
             <a:r>
-              <a:rPr lang="zh-CN" sz="2000">
-                <a:latin typeface="Calibri"/>
+              <a:rPr lang="en-US">
+                <a:latin typeface="Arial"/>
               </a:rPr>
               <a:t>第六大纲级别</a:t>
             </a:r>
@@ -3241,8 +2807,8 @@
               <a:buChar char=""/>
             </a:pPr>
             <a:r>
-              <a:rPr lang="zh-CN" sz="2000">
-                <a:latin typeface="Calibri"/>
+              <a:rPr lang="en-US">
+                <a:latin typeface="Arial"/>
               </a:rPr>
               <a:t>第七大纲级别</a:t>
             </a:r>
@@ -3252,313 +2818,32 @@
       </p:sp>
     </p:spTree>
   </p:cSld>
-  <p:clrMap bg1="lt1" tx1="dk1" bg2="lt2" tx2="dk2" accent1="accent1" accent2="accent2" accent3="accent3" accent4="accent4" accent5="accent5" accent6="accent6" hlink="hlink" folHlink="folHlink"/>
+  <p:clrMap bg1="lt1" bg2="lt2" tx1="dk1" tx2="dk2" accent1="accent1" accent2="accent2" accent3="accent3" accent4="accent4" accent5="accent5" accent6="accent6" hlink="hlink" folHlink="folHlink"/>
   <p:sldLayoutIdLst>
-    <p:sldLayoutId id="2147483649" r:id="rId1"/>
-    <p:sldLayoutId id="2147483650" r:id="rId2"/>
-    <p:sldLayoutId id="2147483651" r:id="rId3"/>
-    <p:sldLayoutId id="2147483652" r:id="rId4"/>
-    <p:sldLayoutId id="2147483653" r:id="rId5"/>
-    <p:sldLayoutId id="2147483654" r:id="rId6"/>
-    <p:sldLayoutId id="2147483655" r:id="rId7"/>
-    <p:sldLayoutId id="2147483656" r:id="rId8"/>
-    <p:sldLayoutId id="2147483657" r:id="rId9"/>
-    <p:sldLayoutId id="2147483658" r:id="rId10"/>
-    <p:sldLayoutId id="2147483659" r:id="rId11"/>
-    <p:sldLayoutId id="2147483660" r:id="rId12"/>
+    <p:sldLayoutId id="2147483649" r:id="rId2"/>
+    <p:sldLayoutId id="2147483650" r:id="rId3"/>
+    <p:sldLayoutId id="2147483651" r:id="rId4"/>
+    <p:sldLayoutId id="2147483652" r:id="rId5"/>
+    <p:sldLayoutId id="2147483653" r:id="rId6"/>
+    <p:sldLayoutId id="2147483654" r:id="rId7"/>
+    <p:sldLayoutId id="2147483655" r:id="rId8"/>
+    <p:sldLayoutId id="2147483656" r:id="rId9"/>
+    <p:sldLayoutId id="2147483657" r:id="rId10"/>
+    <p:sldLayoutId id="2147483658" r:id="rId11"/>
+    <p:sldLayoutId id="2147483659" r:id="rId12"/>
+    <p:sldLayoutId id="2147483660" r:id="rId13"/>
   </p:sldLayoutIdLst>
-  <p:txStyles>
-    <p:titleStyle>
-      <a:lvl1pPr algn="l" defTabSz="914400" rtl="0" eaLnBrk="1" latinLnBrk="0" hangingPunct="1">
-        <a:lnSpc>
-          <a:spcPct val="90000"/>
-        </a:lnSpc>
-        <a:spcBef>
-          <a:spcPct val="0"/>
-        </a:spcBef>
-        <a:buNone/>
-        <a:defRPr sz="4400" kern="1200">
-          <a:solidFill>
-            <a:schemeClr val="tx1"/>
-          </a:solidFill>
-          <a:latin typeface="+mj-lt"/>
-          <a:ea typeface="+mj-ea"/>
-          <a:cs typeface="+mj-cs"/>
-        </a:defRPr>
-      </a:lvl1pPr>
-    </p:titleStyle>
-    <p:bodyStyle>
-      <a:lvl1pPr marL="228600" indent="-228600" algn="l" defTabSz="914400" rtl="0" eaLnBrk="1" latinLnBrk="0" hangingPunct="1">
-        <a:lnSpc>
-          <a:spcPct val="90000"/>
-        </a:lnSpc>
-        <a:spcBef>
-          <a:spcPts val="1000"/>
-        </a:spcBef>
-        <a:buFont typeface="Arial" panose="020B0604020202020204" pitchFamily="34" charset="0"/>
-        <a:buChar char="•"/>
-        <a:defRPr sz="2800" kern="1200">
-          <a:solidFill>
-            <a:schemeClr val="tx1"/>
-          </a:solidFill>
-          <a:latin typeface="+mn-lt"/>
-          <a:ea typeface="+mn-ea"/>
-          <a:cs typeface="+mn-cs"/>
-        </a:defRPr>
-      </a:lvl1pPr>
-      <a:lvl2pPr marL="685800" indent="-228600" algn="l" defTabSz="914400" rtl="0" eaLnBrk="1" latinLnBrk="0" hangingPunct="1">
-        <a:lnSpc>
-          <a:spcPct val="90000"/>
-        </a:lnSpc>
-        <a:spcBef>
-          <a:spcPts val="500"/>
-        </a:spcBef>
-        <a:buFont typeface="Arial" panose="020B0604020202020204" pitchFamily="34" charset="0"/>
-        <a:buChar char="•"/>
-        <a:defRPr sz="2400" kern="1200">
-          <a:solidFill>
-            <a:schemeClr val="tx1"/>
-          </a:solidFill>
-          <a:latin typeface="+mn-lt"/>
-          <a:ea typeface="+mn-ea"/>
-          <a:cs typeface="+mn-cs"/>
-        </a:defRPr>
-      </a:lvl2pPr>
-      <a:lvl3pPr marL="1143000" indent="-228600" algn="l" defTabSz="914400" rtl="0" eaLnBrk="1" latinLnBrk="0" hangingPunct="1">
-        <a:lnSpc>
-          <a:spcPct val="90000"/>
-        </a:lnSpc>
-        <a:spcBef>
-          <a:spcPts val="500"/>
-        </a:spcBef>
-        <a:buFont typeface="Arial" panose="020B0604020202020204" pitchFamily="34" charset="0"/>
-        <a:buChar char="•"/>
-        <a:defRPr sz="2000" kern="1200">
-          <a:solidFill>
-            <a:schemeClr val="tx1"/>
-          </a:solidFill>
-          <a:latin typeface="+mn-lt"/>
-          <a:ea typeface="+mn-ea"/>
-          <a:cs typeface="+mn-cs"/>
-        </a:defRPr>
-      </a:lvl3pPr>
-      <a:lvl4pPr marL="1600200" indent="-228600" algn="l" defTabSz="914400" rtl="0" eaLnBrk="1" latinLnBrk="0" hangingPunct="1">
-        <a:lnSpc>
-          <a:spcPct val="90000"/>
-        </a:lnSpc>
-        <a:spcBef>
-          <a:spcPts val="500"/>
-        </a:spcBef>
-        <a:buFont typeface="Arial" panose="020B0604020202020204" pitchFamily="34" charset="0"/>
-        <a:buChar char="•"/>
-        <a:defRPr sz="1800" kern="1200">
-          <a:solidFill>
-            <a:schemeClr val="tx1"/>
-          </a:solidFill>
-          <a:latin typeface="+mn-lt"/>
-          <a:ea typeface="+mn-ea"/>
-          <a:cs typeface="+mn-cs"/>
-        </a:defRPr>
-      </a:lvl4pPr>
-      <a:lvl5pPr marL="2057400" indent="-228600" algn="l" defTabSz="914400" rtl="0" eaLnBrk="1" latinLnBrk="0" hangingPunct="1">
-        <a:lnSpc>
-          <a:spcPct val="90000"/>
-        </a:lnSpc>
-        <a:spcBef>
-          <a:spcPts val="500"/>
-        </a:spcBef>
-        <a:buFont typeface="Arial" panose="020B0604020202020204" pitchFamily="34" charset="0"/>
-        <a:buChar char="•"/>
-        <a:defRPr sz="1800" kern="1200">
-          <a:solidFill>
-            <a:schemeClr val="tx1"/>
-          </a:solidFill>
-          <a:latin typeface="+mn-lt"/>
-          <a:ea typeface="+mn-ea"/>
-          <a:cs typeface="+mn-cs"/>
-        </a:defRPr>
-      </a:lvl5pPr>
-      <a:lvl6pPr marL="2514600" indent="-228600" algn="l" defTabSz="914400" rtl="0" eaLnBrk="1" latinLnBrk="0" hangingPunct="1">
-        <a:lnSpc>
-          <a:spcPct val="90000"/>
-        </a:lnSpc>
-        <a:spcBef>
-          <a:spcPts val="500"/>
-        </a:spcBef>
-        <a:buFont typeface="Arial" panose="020B0604020202020204" pitchFamily="34" charset="0"/>
-        <a:buChar char="•"/>
-        <a:defRPr sz="1800" kern="1200">
-          <a:solidFill>
-            <a:schemeClr val="tx1"/>
-          </a:solidFill>
-          <a:latin typeface="+mn-lt"/>
-          <a:ea typeface="+mn-ea"/>
-          <a:cs typeface="+mn-cs"/>
-        </a:defRPr>
-      </a:lvl6pPr>
-      <a:lvl7pPr marL="2971800" indent="-228600" algn="l" defTabSz="914400" rtl="0" eaLnBrk="1" latinLnBrk="0" hangingPunct="1">
-        <a:lnSpc>
-          <a:spcPct val="90000"/>
-        </a:lnSpc>
-        <a:spcBef>
-          <a:spcPts val="500"/>
-        </a:spcBef>
-        <a:buFont typeface="Arial" panose="020B0604020202020204" pitchFamily="34" charset="0"/>
-        <a:buChar char="•"/>
-        <a:defRPr sz="1800" kern="1200">
-          <a:solidFill>
-            <a:schemeClr val="tx1"/>
-          </a:solidFill>
-          <a:latin typeface="+mn-lt"/>
-          <a:ea typeface="+mn-ea"/>
-          <a:cs typeface="+mn-cs"/>
-        </a:defRPr>
-      </a:lvl7pPr>
-      <a:lvl8pPr marL="3429000" indent="-228600" algn="l" defTabSz="914400" rtl="0" eaLnBrk="1" latinLnBrk="0" hangingPunct="1">
-        <a:lnSpc>
-          <a:spcPct val="90000"/>
-        </a:lnSpc>
-        <a:spcBef>
-          <a:spcPts val="500"/>
-        </a:spcBef>
-        <a:buFont typeface="Arial" panose="020B0604020202020204" pitchFamily="34" charset="0"/>
-        <a:buChar char="•"/>
-        <a:defRPr sz="1800" kern="1200">
-          <a:solidFill>
-            <a:schemeClr val="tx1"/>
-          </a:solidFill>
-          <a:latin typeface="+mn-lt"/>
-          <a:ea typeface="+mn-ea"/>
-          <a:cs typeface="+mn-cs"/>
-        </a:defRPr>
-      </a:lvl8pPr>
-      <a:lvl9pPr marL="3886200" indent="-228600" algn="l" defTabSz="914400" rtl="0" eaLnBrk="1" latinLnBrk="0" hangingPunct="1">
-        <a:lnSpc>
-          <a:spcPct val="90000"/>
-        </a:lnSpc>
-        <a:spcBef>
-          <a:spcPts val="500"/>
-        </a:spcBef>
-        <a:buFont typeface="Arial" panose="020B0604020202020204" pitchFamily="34" charset="0"/>
-        <a:buChar char="•"/>
-        <a:defRPr sz="1800" kern="1200">
-          <a:solidFill>
-            <a:schemeClr val="tx1"/>
-          </a:solidFill>
-          <a:latin typeface="+mn-lt"/>
-          <a:ea typeface="+mn-ea"/>
-          <a:cs typeface="+mn-cs"/>
-        </a:defRPr>
-      </a:lvl9pPr>
-    </p:bodyStyle>
-    <p:otherStyle>
-      <a:defPPr>
-        <a:defRPr lang="zh-CN"/>
-      </a:defPPr>
-      <a:lvl1pPr marL="0" algn="l" defTabSz="914400" rtl="0" eaLnBrk="1" latinLnBrk="0" hangingPunct="1">
-        <a:defRPr sz="1800" kern="1200">
-          <a:solidFill>
-            <a:schemeClr val="tx1"/>
-          </a:solidFill>
-          <a:latin typeface="+mn-lt"/>
-          <a:ea typeface="+mn-ea"/>
-          <a:cs typeface="+mn-cs"/>
-        </a:defRPr>
-      </a:lvl1pPr>
-      <a:lvl2pPr marL="457200" algn="l" defTabSz="914400" rtl="0" eaLnBrk="1" latinLnBrk="0" hangingPunct="1">
-        <a:defRPr sz="1800" kern="1200">
-          <a:solidFill>
-            <a:schemeClr val="tx1"/>
-          </a:solidFill>
-          <a:latin typeface="+mn-lt"/>
-          <a:ea typeface="+mn-ea"/>
-          <a:cs typeface="+mn-cs"/>
-        </a:defRPr>
-      </a:lvl2pPr>
-      <a:lvl3pPr marL="914400" algn="l" defTabSz="914400" rtl="0" eaLnBrk="1" latinLnBrk="0" hangingPunct="1">
-        <a:defRPr sz="1800" kern="1200">
-          <a:solidFill>
-            <a:schemeClr val="tx1"/>
-          </a:solidFill>
-          <a:latin typeface="+mn-lt"/>
-          <a:ea typeface="+mn-ea"/>
-          <a:cs typeface="+mn-cs"/>
-        </a:defRPr>
-      </a:lvl3pPr>
-      <a:lvl4pPr marL="1371600" algn="l" defTabSz="914400" rtl="0" eaLnBrk="1" latinLnBrk="0" hangingPunct="1">
-        <a:defRPr sz="1800" kern="1200">
-          <a:solidFill>
-            <a:schemeClr val="tx1"/>
-          </a:solidFill>
-          <a:latin typeface="+mn-lt"/>
-          <a:ea typeface="+mn-ea"/>
-          <a:cs typeface="+mn-cs"/>
-        </a:defRPr>
-      </a:lvl4pPr>
-      <a:lvl5pPr marL="1828800" algn="l" defTabSz="914400" rtl="0" eaLnBrk="1" latinLnBrk="0" hangingPunct="1">
-        <a:defRPr sz="1800" kern="1200">
-          <a:solidFill>
-            <a:schemeClr val="tx1"/>
-          </a:solidFill>
-          <a:latin typeface="+mn-lt"/>
-          <a:ea typeface="+mn-ea"/>
-          <a:cs typeface="+mn-cs"/>
-        </a:defRPr>
-      </a:lvl5pPr>
-      <a:lvl6pPr marL="2286000" algn="l" defTabSz="914400" rtl="0" eaLnBrk="1" latinLnBrk="0" hangingPunct="1">
-        <a:defRPr sz="1800" kern="1200">
-          <a:solidFill>
-            <a:schemeClr val="tx1"/>
-          </a:solidFill>
-          <a:latin typeface="+mn-lt"/>
-          <a:ea typeface="+mn-ea"/>
-          <a:cs typeface="+mn-cs"/>
-        </a:defRPr>
-      </a:lvl6pPr>
-      <a:lvl7pPr marL="2743200" algn="l" defTabSz="914400" rtl="0" eaLnBrk="1" latinLnBrk="0" hangingPunct="1">
-        <a:defRPr sz="1800" kern="1200">
-          <a:solidFill>
-            <a:schemeClr val="tx1"/>
-          </a:solidFill>
-          <a:latin typeface="+mn-lt"/>
-          <a:ea typeface="+mn-ea"/>
-          <a:cs typeface="+mn-cs"/>
-        </a:defRPr>
-      </a:lvl7pPr>
-      <a:lvl8pPr marL="3200400" algn="l" defTabSz="914400" rtl="0" eaLnBrk="1" latinLnBrk="0" hangingPunct="1">
-        <a:defRPr sz="1800" kern="1200">
-          <a:solidFill>
-            <a:schemeClr val="tx1"/>
-          </a:solidFill>
-          <a:latin typeface="+mn-lt"/>
-          <a:ea typeface="+mn-ea"/>
-          <a:cs typeface="+mn-cs"/>
-        </a:defRPr>
-      </a:lvl8pPr>
-      <a:lvl9pPr marL="3657600" algn="l" defTabSz="914400" rtl="0" eaLnBrk="1" latinLnBrk="0" hangingPunct="1">
-        <a:defRPr sz="1800" kern="1200">
-          <a:solidFill>
-            <a:schemeClr val="tx1"/>
-          </a:solidFill>
-          <a:latin typeface="+mn-lt"/>
-          <a:ea typeface="+mn-ea"/>
-          <a:cs typeface="+mn-cs"/>
-        </a:defRPr>
-      </a:lvl9pPr>
-    </p:otherStyle>
-  </p:txStyles>
 </p:sldMaster>
 </file>
 
 <file path=ppt/slideMasters/slideMaster2.xml><?xml version="1.0" encoding="utf-8"?>
-<p:sldMaster xmlns:a="http://schemas.openxmlformats.org/drawingml/2006/main" xmlns:r="http://schemas.openxmlformats.org/officeDocument/2006/relationships" xmlns:p="http://schemas.openxmlformats.org/presentationml/2006/main">
+<p:sldMaster xmlns:a="http://schemas.openxmlformats.org/drawingml/2006/main" xmlns:p="http://schemas.openxmlformats.org/presentationml/2006/main" xmlns:r="http://schemas.openxmlformats.org/officeDocument/2006/relationships">
   <p:cSld>
     <p:bg>
       <p:bgPr>
         <a:solidFill>
-          <a:srgbClr val="FFFFFF"/>
+          <a:srgbClr val="ffffff"/>
         </a:solidFill>
-        <a:effectLst/>
       </p:bgPr>
     </p:bg>
     <p:spTree>
@@ -3577,7 +2862,7 @@
       </p:grpSpPr>
       <p:sp>
         <p:nvSpPr>
-          <p:cNvPr id="39" name="PlaceHolder 1"/>
+          <p:cNvPr id="36" name="PlaceHolder 1"/>
           <p:cNvSpPr>
             <a:spLocks noGrp="1"/>
           </p:cNvSpPr>
@@ -3587,38 +2872,30 @@
         </p:nvSpPr>
         <p:spPr>
           <a:xfrm>
-            <a:off x="838080" y="365040"/>
-            <a:ext cx="10515240" cy="1325160"/>
-          </a:xfrm>
-          <a:prstGeom prst="rect">
-            <a:avLst/>
-          </a:prstGeom>
-        </p:spPr>
-        <p:txBody>
-          <a:bodyPr anchor="ctr"/>
-          <a:lstStyle/>
-          <a:p>
-            <a:pPr>
-              <a:lnSpc>
-                <a:spcPct val="90000"/>
-              </a:lnSpc>
-            </a:pPr>
-            <a:r>
-              <a:rPr lang="zh-CN" sz="4400">
-                <a:solidFill>
-                  <a:srgbClr val="000000"/>
-                </a:solidFill>
-                <a:latin typeface="Calibri Light"/>
-              </a:rPr>
-              <a:t>单击鼠标编辑标题文字格式单击此处编辑母版标题样式</a:t>
-            </a:r>
-            <a:endParaRPr/>
-          </a:p>
-        </p:txBody>
-      </p:sp>
-      <p:sp>
-        <p:nvSpPr>
-          <p:cNvPr id="40" name="PlaceHolder 2"/>
+            <a:off x="609480" y="273600"/>
+            <a:ext cx="10972440" cy="1144800"/>
+          </a:xfrm>
+          <a:prstGeom prst="rect">
+            <a:avLst/>
+          </a:prstGeom>
+        </p:spPr>
+        <p:txBody>
+          <a:bodyPr lIns="0" rIns="0" tIns="0" bIns="0" anchor="ctr"/>
+          <a:p>
+            <a:pPr algn="ctr"/>
+            <a:r>
+              <a:rPr lang="en-US" sz="4400">
+                <a:latin typeface="Arial"/>
+              </a:rPr>
+              <a:t>单击鼠标编辑标题文字格式</a:t>
+            </a:r>
+            <a:endParaRPr/>
+          </a:p>
+        </p:txBody>
+      </p:sp>
+      <p:sp>
+        <p:nvSpPr>
+          <p:cNvPr id="37" name="PlaceHolder 2"/>
           <p:cNvSpPr>
             <a:spLocks noGrp="1"/>
           </p:cNvSpPr>
@@ -3628,16 +2905,15 @@
         </p:nvSpPr>
         <p:spPr>
           <a:xfrm>
-            <a:off x="838080" y="1825560"/>
-            <a:ext cx="10515240" cy="4350960"/>
-          </a:xfrm>
-          <a:prstGeom prst="rect">
-            <a:avLst/>
-          </a:prstGeom>
-        </p:spPr>
-        <p:txBody>
-          <a:bodyPr/>
-          <a:lstStyle/>
+            <a:off x="609480" y="1604520"/>
+            <a:ext cx="10972440" cy="3977280"/>
+          </a:xfrm>
+          <a:prstGeom prst="rect">
+            <a:avLst/>
+          </a:prstGeom>
+        </p:spPr>
+        <p:txBody>
+          <a:bodyPr lIns="0" rIns="0" tIns="0" bIns="0"/>
           <a:p>
             <a:pPr>
               <a:buSzPct val="45000"/>
@@ -3645,11 +2921,8 @@
               <a:buChar char=""/>
             </a:pPr>
             <a:r>
-              <a:rPr lang="zh-CN" sz="2800">
-                <a:solidFill>
-                  <a:srgbClr val="000000"/>
-                </a:solidFill>
-                <a:latin typeface="Calibri"/>
+              <a:rPr lang="en-US" sz="3200">
+                <a:latin typeface="Arial"/>
               </a:rPr>
               <a:t>单击鼠标编辑大纲文字格式</a:t>
             </a:r>
@@ -3662,11 +2935,8 @@
               <a:buChar char=""/>
             </a:pPr>
             <a:r>
-              <a:rPr lang="zh-CN" sz="2800">
-                <a:solidFill>
-                  <a:srgbClr val="000000"/>
-                </a:solidFill>
-                <a:latin typeface="Calibri"/>
+              <a:rPr lang="en-US" sz="2800">
+                <a:latin typeface="Arial"/>
               </a:rPr>
               <a:t>第二个大纲级</a:t>
             </a:r>
@@ -3679,11 +2949,8 @@
               <a:buChar char=""/>
             </a:pPr>
             <a:r>
-              <a:rPr lang="zh-CN" sz="2800">
-                <a:solidFill>
-                  <a:srgbClr val="000000"/>
-                </a:solidFill>
-                <a:latin typeface="Calibri"/>
+              <a:rPr lang="en-US" sz="2400">
+                <a:latin typeface="Arial"/>
               </a:rPr>
               <a:t>第三大纲级别</a:t>
             </a:r>
@@ -3696,11 +2963,8 @@
               <a:buChar char=""/>
             </a:pPr>
             <a:r>
-              <a:rPr lang="zh-CN" sz="2800">
-                <a:solidFill>
-                  <a:srgbClr val="000000"/>
-                </a:solidFill>
-                <a:latin typeface="Calibri"/>
+              <a:rPr lang="en-US" sz="2000">
+                <a:latin typeface="Arial"/>
               </a:rPr>
               <a:t>第四大纲级别</a:t>
             </a:r>
@@ -3713,11 +2977,8 @@
               <a:buChar char=""/>
             </a:pPr>
             <a:r>
-              <a:rPr lang="zh-CN" sz="2800">
-                <a:solidFill>
-                  <a:srgbClr val="000000"/>
-                </a:solidFill>
-                <a:latin typeface="Calibri"/>
+              <a:rPr lang="en-US" sz="2000">
+                <a:latin typeface="Arial"/>
               </a:rPr>
               <a:t>第五大纲级别</a:t>
             </a:r>
@@ -3730,524 +2991,51 @@
               <a:buChar char=""/>
             </a:pPr>
             <a:r>
-              <a:rPr lang="zh-CN" sz="2800">
-                <a:solidFill>
-                  <a:srgbClr val="000000"/>
-                </a:solidFill>
-                <a:latin typeface="Calibri"/>
+              <a:rPr lang="en-US" sz="2000">
+                <a:latin typeface="Arial"/>
               </a:rPr>
               <a:t>第六大纲级别</a:t>
             </a:r>
             <a:endParaRPr/>
           </a:p>
           <a:p>
-            <a:pPr>
-              <a:lnSpc>
-                <a:spcPct val="100000"/>
-              </a:lnSpc>
-              <a:buFont typeface="Arial"/>
-              <a:buChar char="•"/>
-            </a:pPr>
-            <a:r>
-              <a:rPr lang="zh-CN" sz="2800">
-                <a:solidFill>
-                  <a:srgbClr val="000000"/>
-                </a:solidFill>
-                <a:latin typeface="Calibri"/>
-              </a:rPr>
-              <a:t>第七大纲级别单击此处编辑母版文本样式</a:t>
-            </a:r>
-            <a:endParaRPr/>
-          </a:p>
-          <a:p>
-            <a:pPr lvl="1">
-              <a:lnSpc>
-                <a:spcPct val="100000"/>
-              </a:lnSpc>
-              <a:buFont typeface="Arial"/>
-              <a:buChar char="•"/>
-            </a:pPr>
-            <a:r>
-              <a:rPr lang="zh-CN" sz="2400">
-                <a:solidFill>
-                  <a:srgbClr val="000000"/>
-                </a:solidFill>
-                <a:latin typeface="Calibri"/>
-              </a:rPr>
-              <a:t>第二级</a:t>
-            </a:r>
-            <a:endParaRPr/>
-          </a:p>
-          <a:p>
-            <a:pPr lvl="2">
-              <a:lnSpc>
-                <a:spcPct val="100000"/>
-              </a:lnSpc>
-              <a:buFont typeface="Arial"/>
-              <a:buChar char="•"/>
-            </a:pPr>
-            <a:r>
-              <a:rPr lang="zh-CN" sz="2000">
-                <a:solidFill>
-                  <a:srgbClr val="000000"/>
-                </a:solidFill>
-                <a:latin typeface="Calibri"/>
-              </a:rPr>
-              <a:t>第三级</a:t>
-            </a:r>
-            <a:endParaRPr/>
-          </a:p>
-          <a:p>
-            <a:pPr lvl="3">
-              <a:lnSpc>
-                <a:spcPct val="100000"/>
-              </a:lnSpc>
-              <a:buFont typeface="Arial"/>
-              <a:buChar char="•"/>
-            </a:pPr>
-            <a:r>
-              <a:rPr lang="zh-CN">
-                <a:solidFill>
-                  <a:srgbClr val="000000"/>
-                </a:solidFill>
-                <a:latin typeface="Calibri"/>
-              </a:rPr>
-              <a:t>第四级</a:t>
-            </a:r>
-            <a:endParaRPr/>
-          </a:p>
-          <a:p>
-            <a:pPr lvl="4">
-              <a:lnSpc>
-                <a:spcPct val="100000"/>
-              </a:lnSpc>
-              <a:buFont typeface="Arial"/>
-              <a:buChar char="•"/>
-            </a:pPr>
-            <a:r>
-              <a:rPr lang="zh-CN">
-                <a:solidFill>
-                  <a:srgbClr val="000000"/>
-                </a:solidFill>
-                <a:latin typeface="Calibri"/>
-              </a:rPr>
-              <a:t>第五级</a:t>
-            </a:r>
-            <a:endParaRPr/>
-          </a:p>
-        </p:txBody>
-      </p:sp>
-      <p:sp>
-        <p:nvSpPr>
-          <p:cNvPr id="41" name="PlaceHolder 3"/>
-          <p:cNvSpPr>
-            <a:spLocks noGrp="1"/>
-          </p:cNvSpPr>
-          <p:nvPr>
-            <p:ph type="dt"/>
-          </p:nvPr>
-        </p:nvSpPr>
-        <p:spPr>
-          <a:xfrm>
-            <a:off x="838080" y="6356520"/>
-            <a:ext cx="2742840" cy="364680"/>
-          </a:xfrm>
-          <a:prstGeom prst="rect">
-            <a:avLst/>
-          </a:prstGeom>
-        </p:spPr>
-        <p:txBody>
-          <a:bodyPr anchor="ctr"/>
-          <a:lstStyle/>
-          <a:p>
-            <a:pPr>
-              <a:lnSpc>
-                <a:spcPct val="100000"/>
-              </a:lnSpc>
-            </a:pPr>
-            <a:r>
-              <a:rPr lang="en-US" sz="1200">
-                <a:solidFill>
-                  <a:srgbClr val="8B8B8B"/>
-                </a:solidFill>
-                <a:latin typeface="Calibri"/>
-              </a:rPr>
-              <a:t>5/3/18</a:t>
-            </a:r>
-            <a:endParaRPr/>
-          </a:p>
-        </p:txBody>
-      </p:sp>
-      <p:sp>
-        <p:nvSpPr>
-          <p:cNvPr id="42" name="PlaceHolder 4"/>
-          <p:cNvSpPr>
-            <a:spLocks noGrp="1"/>
-          </p:cNvSpPr>
-          <p:nvPr>
-            <p:ph type="ftr"/>
-          </p:nvPr>
-        </p:nvSpPr>
-        <p:spPr>
-          <a:xfrm>
-            <a:off x="4038480" y="6356520"/>
-            <a:ext cx="4114440" cy="364680"/>
-          </a:xfrm>
-          <a:prstGeom prst="rect">
-            <a:avLst/>
-          </a:prstGeom>
-        </p:spPr>
-        <p:txBody>
-          <a:bodyPr anchor="ctr"/>
-          <a:lstStyle/>
-          <a:p>
-            <a:endParaRPr/>
-          </a:p>
-        </p:txBody>
-      </p:sp>
-      <p:sp>
-        <p:nvSpPr>
-          <p:cNvPr id="43" name="PlaceHolder 5"/>
-          <p:cNvSpPr>
-            <a:spLocks noGrp="1"/>
-          </p:cNvSpPr>
-          <p:nvPr>
-            <p:ph type="sldNum"/>
-          </p:nvPr>
-        </p:nvSpPr>
-        <p:spPr>
-          <a:xfrm>
-            <a:off x="8610480" y="6356520"/>
-            <a:ext cx="2742840" cy="364680"/>
-          </a:xfrm>
-          <a:prstGeom prst="rect">
-            <a:avLst/>
-          </a:prstGeom>
-        </p:spPr>
-        <p:txBody>
-          <a:bodyPr anchor="ctr"/>
-          <a:lstStyle/>
-          <a:p>
-            <a:pPr algn="r">
-              <a:lnSpc>
-                <a:spcPct val="100000"/>
-              </a:lnSpc>
-            </a:pPr>
-            <a:fld id="{48A96540-33BF-4429-BAE5-6036059DB375}" type="slidenum">
-              <a:rPr lang="en-US" sz="1200">
-                <a:solidFill>
-                  <a:srgbClr val="8B8B8B"/>
-                </a:solidFill>
-                <a:latin typeface="Calibri"/>
-              </a:rPr>
-              <a:t>‹#›</a:t>
-            </a:fld>
+            <a:pPr lvl="6">
+              <a:buSzPct val="45000"/>
+              <a:buFont typeface="StarSymbol"/>
+              <a:buChar char=""/>
+            </a:pPr>
+            <a:r>
+              <a:rPr lang="en-US" sz="2000">
+                <a:latin typeface="Arial"/>
+              </a:rPr>
+              <a:t>第七大纲级别</a:t>
+            </a:r>
             <a:endParaRPr/>
           </a:p>
         </p:txBody>
       </p:sp>
     </p:spTree>
   </p:cSld>
-  <p:clrMap bg1="lt1" tx1="dk1" bg2="lt2" tx2="dk2" accent1="accent1" accent2="accent2" accent3="accent3" accent4="accent4" accent5="accent5" accent6="accent6" hlink="hlink" folHlink="folHlink"/>
+  <p:clrMap bg1="lt1" bg2="lt2" tx1="dk1" tx2="dk2" accent1="accent1" accent2="accent2" accent3="accent3" accent4="accent4" accent5="accent5" accent6="accent6" hlink="hlink" folHlink="folHlink"/>
   <p:sldLayoutIdLst>
-    <p:sldLayoutId id="2147483662" r:id="rId1"/>
-    <p:sldLayoutId id="2147483663" r:id="rId2"/>
-    <p:sldLayoutId id="2147483664" r:id="rId3"/>
-    <p:sldLayoutId id="2147483665" r:id="rId4"/>
-    <p:sldLayoutId id="2147483666" r:id="rId5"/>
-    <p:sldLayoutId id="2147483667" r:id="rId6"/>
-    <p:sldLayoutId id="2147483668" r:id="rId7"/>
-    <p:sldLayoutId id="2147483669" r:id="rId8"/>
-    <p:sldLayoutId id="2147483670" r:id="rId9"/>
-    <p:sldLayoutId id="2147483671" r:id="rId10"/>
-    <p:sldLayoutId id="2147483672" r:id="rId11"/>
-    <p:sldLayoutId id="2147483673" r:id="rId12"/>
+    <p:sldLayoutId id="2147483662" r:id="rId2"/>
+    <p:sldLayoutId id="2147483663" r:id="rId3"/>
+    <p:sldLayoutId id="2147483664" r:id="rId4"/>
+    <p:sldLayoutId id="2147483665" r:id="rId5"/>
+    <p:sldLayoutId id="2147483666" r:id="rId6"/>
+    <p:sldLayoutId id="2147483667" r:id="rId7"/>
+    <p:sldLayoutId id="2147483668" r:id="rId8"/>
+    <p:sldLayoutId id="2147483669" r:id="rId9"/>
+    <p:sldLayoutId id="2147483670" r:id="rId10"/>
+    <p:sldLayoutId id="2147483671" r:id="rId11"/>
+    <p:sldLayoutId id="2147483672" r:id="rId12"/>
+    <p:sldLayoutId id="2147483673" r:id="rId13"/>
   </p:sldLayoutIdLst>
-  <p:txStyles>
-    <p:titleStyle>
-      <a:lvl1pPr algn="l" defTabSz="914400" rtl="0" eaLnBrk="1" latinLnBrk="0" hangingPunct="1">
-        <a:lnSpc>
-          <a:spcPct val="90000"/>
-        </a:lnSpc>
-        <a:spcBef>
-          <a:spcPct val="0"/>
-        </a:spcBef>
-        <a:buNone/>
-        <a:defRPr sz="4400" kern="1200">
-          <a:solidFill>
-            <a:schemeClr val="tx1"/>
-          </a:solidFill>
-          <a:latin typeface="+mj-lt"/>
-          <a:ea typeface="+mj-ea"/>
-          <a:cs typeface="+mj-cs"/>
-        </a:defRPr>
-      </a:lvl1pPr>
-    </p:titleStyle>
-    <p:bodyStyle>
-      <a:lvl1pPr marL="228600" indent="-228600" algn="l" defTabSz="914400" rtl="0" eaLnBrk="1" latinLnBrk="0" hangingPunct="1">
-        <a:lnSpc>
-          <a:spcPct val="90000"/>
-        </a:lnSpc>
-        <a:spcBef>
-          <a:spcPts val="1000"/>
-        </a:spcBef>
-        <a:buFont typeface="Arial" panose="020B0604020202020204" pitchFamily="34" charset="0"/>
-        <a:buChar char="•"/>
-        <a:defRPr sz="2800" kern="1200">
-          <a:solidFill>
-            <a:schemeClr val="tx1"/>
-          </a:solidFill>
-          <a:latin typeface="+mn-lt"/>
-          <a:ea typeface="+mn-ea"/>
-          <a:cs typeface="+mn-cs"/>
-        </a:defRPr>
-      </a:lvl1pPr>
-      <a:lvl2pPr marL="685800" indent="-228600" algn="l" defTabSz="914400" rtl="0" eaLnBrk="1" latinLnBrk="0" hangingPunct="1">
-        <a:lnSpc>
-          <a:spcPct val="90000"/>
-        </a:lnSpc>
-        <a:spcBef>
-          <a:spcPts val="500"/>
-        </a:spcBef>
-        <a:buFont typeface="Arial" panose="020B0604020202020204" pitchFamily="34" charset="0"/>
-        <a:buChar char="•"/>
-        <a:defRPr sz="2400" kern="1200">
-          <a:solidFill>
-            <a:schemeClr val="tx1"/>
-          </a:solidFill>
-          <a:latin typeface="+mn-lt"/>
-          <a:ea typeface="+mn-ea"/>
-          <a:cs typeface="+mn-cs"/>
-        </a:defRPr>
-      </a:lvl2pPr>
-      <a:lvl3pPr marL="1143000" indent="-228600" algn="l" defTabSz="914400" rtl="0" eaLnBrk="1" latinLnBrk="0" hangingPunct="1">
-        <a:lnSpc>
-          <a:spcPct val="90000"/>
-        </a:lnSpc>
-        <a:spcBef>
-          <a:spcPts val="500"/>
-        </a:spcBef>
-        <a:buFont typeface="Arial" panose="020B0604020202020204" pitchFamily="34" charset="0"/>
-        <a:buChar char="•"/>
-        <a:defRPr sz="2000" kern="1200">
-          <a:solidFill>
-            <a:schemeClr val="tx1"/>
-          </a:solidFill>
-          <a:latin typeface="+mn-lt"/>
-          <a:ea typeface="+mn-ea"/>
-          <a:cs typeface="+mn-cs"/>
-        </a:defRPr>
-      </a:lvl3pPr>
-      <a:lvl4pPr marL="1600200" indent="-228600" algn="l" defTabSz="914400" rtl="0" eaLnBrk="1" latinLnBrk="0" hangingPunct="1">
-        <a:lnSpc>
-          <a:spcPct val="90000"/>
-        </a:lnSpc>
-        <a:spcBef>
-          <a:spcPts val="500"/>
-        </a:spcBef>
-        <a:buFont typeface="Arial" panose="020B0604020202020204" pitchFamily="34" charset="0"/>
-        <a:buChar char="•"/>
-        <a:defRPr sz="1800" kern="1200">
-          <a:solidFill>
-            <a:schemeClr val="tx1"/>
-          </a:solidFill>
-          <a:latin typeface="+mn-lt"/>
-          <a:ea typeface="+mn-ea"/>
-          <a:cs typeface="+mn-cs"/>
-        </a:defRPr>
-      </a:lvl4pPr>
-      <a:lvl5pPr marL="2057400" indent="-228600" algn="l" defTabSz="914400" rtl="0" eaLnBrk="1" latinLnBrk="0" hangingPunct="1">
-        <a:lnSpc>
-          <a:spcPct val="90000"/>
-        </a:lnSpc>
-        <a:spcBef>
-          <a:spcPts val="500"/>
-        </a:spcBef>
-        <a:buFont typeface="Arial" panose="020B0604020202020204" pitchFamily="34" charset="0"/>
-        <a:buChar char="•"/>
-        <a:defRPr sz="1800" kern="1200">
-          <a:solidFill>
-            <a:schemeClr val="tx1"/>
-          </a:solidFill>
-          <a:latin typeface="+mn-lt"/>
-          <a:ea typeface="+mn-ea"/>
-          <a:cs typeface="+mn-cs"/>
-        </a:defRPr>
-      </a:lvl5pPr>
-      <a:lvl6pPr marL="2514600" indent="-228600" algn="l" defTabSz="914400" rtl="0" eaLnBrk="1" latinLnBrk="0" hangingPunct="1">
-        <a:lnSpc>
-          <a:spcPct val="90000"/>
-        </a:lnSpc>
-        <a:spcBef>
-          <a:spcPts val="500"/>
-        </a:spcBef>
-        <a:buFont typeface="Arial" panose="020B0604020202020204" pitchFamily="34" charset="0"/>
-        <a:buChar char="•"/>
-        <a:defRPr sz="1800" kern="1200">
-          <a:solidFill>
-            <a:schemeClr val="tx1"/>
-          </a:solidFill>
-          <a:latin typeface="+mn-lt"/>
-          <a:ea typeface="+mn-ea"/>
-          <a:cs typeface="+mn-cs"/>
-        </a:defRPr>
-      </a:lvl6pPr>
-      <a:lvl7pPr marL="2971800" indent="-228600" algn="l" defTabSz="914400" rtl="0" eaLnBrk="1" latinLnBrk="0" hangingPunct="1">
-        <a:lnSpc>
-          <a:spcPct val="90000"/>
-        </a:lnSpc>
-        <a:spcBef>
-          <a:spcPts val="500"/>
-        </a:spcBef>
-        <a:buFont typeface="Arial" panose="020B0604020202020204" pitchFamily="34" charset="0"/>
-        <a:buChar char="•"/>
-        <a:defRPr sz="1800" kern="1200">
-          <a:solidFill>
-            <a:schemeClr val="tx1"/>
-          </a:solidFill>
-          <a:latin typeface="+mn-lt"/>
-          <a:ea typeface="+mn-ea"/>
-          <a:cs typeface="+mn-cs"/>
-        </a:defRPr>
-      </a:lvl7pPr>
-      <a:lvl8pPr marL="3429000" indent="-228600" algn="l" defTabSz="914400" rtl="0" eaLnBrk="1" latinLnBrk="0" hangingPunct="1">
-        <a:lnSpc>
-          <a:spcPct val="90000"/>
-        </a:lnSpc>
-        <a:spcBef>
-          <a:spcPts val="500"/>
-        </a:spcBef>
-        <a:buFont typeface="Arial" panose="020B0604020202020204" pitchFamily="34" charset="0"/>
-        <a:buChar char="•"/>
-        <a:defRPr sz="1800" kern="1200">
-          <a:solidFill>
-            <a:schemeClr val="tx1"/>
-          </a:solidFill>
-          <a:latin typeface="+mn-lt"/>
-          <a:ea typeface="+mn-ea"/>
-          <a:cs typeface="+mn-cs"/>
-        </a:defRPr>
-      </a:lvl8pPr>
-      <a:lvl9pPr marL="3886200" indent="-228600" algn="l" defTabSz="914400" rtl="0" eaLnBrk="1" latinLnBrk="0" hangingPunct="1">
-        <a:lnSpc>
-          <a:spcPct val="90000"/>
-        </a:lnSpc>
-        <a:spcBef>
-          <a:spcPts val="500"/>
-        </a:spcBef>
-        <a:buFont typeface="Arial" panose="020B0604020202020204" pitchFamily="34" charset="0"/>
-        <a:buChar char="•"/>
-        <a:defRPr sz="1800" kern="1200">
-          <a:solidFill>
-            <a:schemeClr val="tx1"/>
-          </a:solidFill>
-          <a:latin typeface="+mn-lt"/>
-          <a:ea typeface="+mn-ea"/>
-          <a:cs typeface="+mn-cs"/>
-        </a:defRPr>
-      </a:lvl9pPr>
-    </p:bodyStyle>
-    <p:otherStyle>
-      <a:defPPr>
-        <a:defRPr lang="zh-CN"/>
-      </a:defPPr>
-      <a:lvl1pPr marL="0" algn="l" defTabSz="914400" rtl="0" eaLnBrk="1" latinLnBrk="0" hangingPunct="1">
-        <a:defRPr sz="1800" kern="1200">
-          <a:solidFill>
-            <a:schemeClr val="tx1"/>
-          </a:solidFill>
-          <a:latin typeface="+mn-lt"/>
-          <a:ea typeface="+mn-ea"/>
-          <a:cs typeface="+mn-cs"/>
-        </a:defRPr>
-      </a:lvl1pPr>
-      <a:lvl2pPr marL="457200" algn="l" defTabSz="914400" rtl="0" eaLnBrk="1" latinLnBrk="0" hangingPunct="1">
-        <a:defRPr sz="1800" kern="1200">
-          <a:solidFill>
-            <a:schemeClr val="tx1"/>
-          </a:solidFill>
-          <a:latin typeface="+mn-lt"/>
-          <a:ea typeface="+mn-ea"/>
-          <a:cs typeface="+mn-cs"/>
-        </a:defRPr>
-      </a:lvl2pPr>
-      <a:lvl3pPr marL="914400" algn="l" defTabSz="914400" rtl="0" eaLnBrk="1" latinLnBrk="0" hangingPunct="1">
-        <a:defRPr sz="1800" kern="1200">
-          <a:solidFill>
-            <a:schemeClr val="tx1"/>
-          </a:solidFill>
-          <a:latin typeface="+mn-lt"/>
-          <a:ea typeface="+mn-ea"/>
-          <a:cs typeface="+mn-cs"/>
-        </a:defRPr>
-      </a:lvl3pPr>
-      <a:lvl4pPr marL="1371600" algn="l" defTabSz="914400" rtl="0" eaLnBrk="1" latinLnBrk="0" hangingPunct="1">
-        <a:defRPr sz="1800" kern="1200">
-          <a:solidFill>
-            <a:schemeClr val="tx1"/>
-          </a:solidFill>
-          <a:latin typeface="+mn-lt"/>
-          <a:ea typeface="+mn-ea"/>
-          <a:cs typeface="+mn-cs"/>
-        </a:defRPr>
-      </a:lvl4pPr>
-      <a:lvl5pPr marL="1828800" algn="l" defTabSz="914400" rtl="0" eaLnBrk="1" latinLnBrk="0" hangingPunct="1">
-        <a:defRPr sz="1800" kern="1200">
-          <a:solidFill>
-            <a:schemeClr val="tx1"/>
-          </a:solidFill>
-          <a:latin typeface="+mn-lt"/>
-          <a:ea typeface="+mn-ea"/>
-          <a:cs typeface="+mn-cs"/>
-        </a:defRPr>
-      </a:lvl5pPr>
-      <a:lvl6pPr marL="2286000" algn="l" defTabSz="914400" rtl="0" eaLnBrk="1" latinLnBrk="0" hangingPunct="1">
-        <a:defRPr sz="1800" kern="1200">
-          <a:solidFill>
-            <a:schemeClr val="tx1"/>
-          </a:solidFill>
-          <a:latin typeface="+mn-lt"/>
-          <a:ea typeface="+mn-ea"/>
-          <a:cs typeface="+mn-cs"/>
-        </a:defRPr>
-      </a:lvl6pPr>
-      <a:lvl7pPr marL="2743200" algn="l" defTabSz="914400" rtl="0" eaLnBrk="1" latinLnBrk="0" hangingPunct="1">
-        <a:defRPr sz="1800" kern="1200">
-          <a:solidFill>
-            <a:schemeClr val="tx1"/>
-          </a:solidFill>
-          <a:latin typeface="+mn-lt"/>
-          <a:ea typeface="+mn-ea"/>
-          <a:cs typeface="+mn-cs"/>
-        </a:defRPr>
-      </a:lvl7pPr>
-      <a:lvl8pPr marL="3200400" algn="l" defTabSz="914400" rtl="0" eaLnBrk="1" latinLnBrk="0" hangingPunct="1">
-        <a:defRPr sz="1800" kern="1200">
-          <a:solidFill>
-            <a:schemeClr val="tx1"/>
-          </a:solidFill>
-          <a:latin typeface="+mn-lt"/>
-          <a:ea typeface="+mn-ea"/>
-          <a:cs typeface="+mn-cs"/>
-        </a:defRPr>
-      </a:lvl8pPr>
-      <a:lvl9pPr marL="3657600" algn="l" defTabSz="914400" rtl="0" eaLnBrk="1" latinLnBrk="0" hangingPunct="1">
-        <a:defRPr sz="1800" kern="1200">
-          <a:solidFill>
-            <a:schemeClr val="tx1"/>
-          </a:solidFill>
-          <a:latin typeface="+mn-lt"/>
-          <a:ea typeface="+mn-ea"/>
-          <a:cs typeface="+mn-cs"/>
-        </a:defRPr>
-      </a:lvl9pPr>
-    </p:otherStyle>
-  </p:txStyles>
 </p:sldMaster>
 </file>
 
 <file path=ppt/slides/slide1.xml><?xml version="1.0" encoding="utf-8"?>
-<p:sld xmlns:a="http://schemas.openxmlformats.org/drawingml/2006/main" xmlns:r="http://schemas.openxmlformats.org/officeDocument/2006/relationships" xmlns:p="http://schemas.openxmlformats.org/presentationml/2006/main">
+<p:sld xmlns:a="http://schemas.openxmlformats.org/drawingml/2006/main" xmlns:p="http://schemas.openxmlformats.org/presentationml/2006/main" xmlns:r="http://schemas.openxmlformats.org/officeDocument/2006/relationships">
   <p:cSld>
     <p:spTree>
       <p:nvGrpSpPr>
@@ -4265,22 +3053,25 @@
       </p:grpSpPr>
       <p:sp>
         <p:nvSpPr>
-          <p:cNvPr id="83" name="TextShape 1"/>
-          <p:cNvSpPr txBox="1"/>
+          <p:cNvPr id="77" name="CustomShape 1"/>
+          <p:cNvSpPr/>
           <p:nvPr/>
         </p:nvSpPr>
         <p:spPr>
           <a:xfrm>
             <a:off x="1523880" y="1122480"/>
-            <a:ext cx="9143640" cy="2387160"/>
-          </a:xfrm>
-          <a:prstGeom prst="rect">
-            <a:avLst/>
-          </a:prstGeom>
-        </p:spPr>
-        <p:txBody>
-          <a:bodyPr anchor="b"/>
-          <a:lstStyle/>
+            <a:ext cx="9142920" cy="2386440"/>
+          </a:xfrm>
+          <a:prstGeom prst="rect">
+            <a:avLst/>
+          </a:prstGeom>
+          <a:noFill/>
+          <a:ln>
+            <a:noFill/>
+          </a:ln>
+        </p:spPr>
+        <p:txBody>
+          <a:bodyPr lIns="90000" rIns="90000" tIns="45000" bIns="45000" anchor="b"/>
           <a:p>
             <a:pPr algn="ctr">
               <a:lnSpc>
@@ -4288,11 +3079,12 @@
               </a:lnSpc>
             </a:pPr>
             <a:r>
-              <a:rPr lang="zh-CN" sz="6000">
+              <a:rPr lang="en-US" sz="6000">
                 <a:solidFill>
                   <a:srgbClr val="000000"/>
                 </a:solidFill>
                 <a:latin typeface="Calibri Light"/>
+                <a:ea typeface="DejaVu Sans"/>
               </a:rPr>
               <a:t>ICNP2018</a:t>
             </a:r>
@@ -4302,33 +3094,26 @@
       </p:sp>
       <p:sp>
         <p:nvSpPr>
-          <p:cNvPr id="84" name="TextShape 2"/>
-          <p:cNvSpPr txBox="1"/>
+          <p:cNvPr id="78" name="CustomShape 2"/>
+          <p:cNvSpPr/>
           <p:nvPr/>
         </p:nvSpPr>
         <p:spPr>
           <a:xfrm>
             <a:off x="1523880" y="3602160"/>
-            <a:ext cx="9143640" cy="1655280"/>
-          </a:xfrm>
-          <a:prstGeom prst="rect">
-            <a:avLst/>
-          </a:prstGeom>
-        </p:spPr>
-        <p:txBody>
-          <a:bodyPr/>
-          <a:lstStyle/>
-          <a:p>
-            <a:pPr algn="ctr"/>
-            <a:endParaRPr/>
-          </a:p>
-        </p:txBody>
+            <a:ext cx="9142920" cy="1654560"/>
+          </a:xfrm>
+          <a:prstGeom prst="rect">
+            <a:avLst/>
+          </a:prstGeom>
+          <a:noFill/>
+          <a:ln>
+            <a:noFill/>
+          </a:ln>
+        </p:spPr>
       </p:sp>
     </p:spTree>
   </p:cSld>
-  <p:clrMapOvr>
-    <a:masterClrMapping/>
-  </p:clrMapOvr>
   <p:timing>
     <p:tnLst>
       <p:par>
@@ -4337,14 +3122,14 @@
             <p:seq>
               <p:cTn id="2" nodeType="mainSeq"/>
               <p:prevCondLst>
-                <p:cond evt="onPrev" delay="0">
+                <p:cond delay="0" evt="onPrev">
                   <p:tgtEl>
                     <p:sldTgt/>
                   </p:tgtEl>
                 </p:cond>
               </p:prevCondLst>
               <p:nextCondLst>
-                <p:cond evt="onNext" delay="0">
+                <p:cond delay="0" evt="onNext">
                   <p:tgtEl>
                     <p:sldTgt/>
                   </p:tgtEl>
@@ -4360,7 +3145,7 @@
 </file>
 
 <file path=ppt/slides/slide2.xml><?xml version="1.0" encoding="utf-8"?>
-<p:sld xmlns:a="http://schemas.openxmlformats.org/drawingml/2006/main" xmlns:r="http://schemas.openxmlformats.org/officeDocument/2006/relationships" xmlns:p="http://schemas.openxmlformats.org/presentationml/2006/main">
+<p:sld xmlns:a="http://schemas.openxmlformats.org/drawingml/2006/main" xmlns:p="http://schemas.openxmlformats.org/presentationml/2006/main" xmlns:r="http://schemas.openxmlformats.org/officeDocument/2006/relationships">
   <p:cSld>
     <p:spTree>
       <p:nvGrpSpPr>
@@ -4378,22 +3163,25 @@
       </p:grpSpPr>
       <p:sp>
         <p:nvSpPr>
-          <p:cNvPr id="85" name="TextShape 1"/>
-          <p:cNvSpPr txBox="1"/>
+          <p:cNvPr id="79" name="CustomShape 1"/>
+          <p:cNvSpPr/>
           <p:nvPr/>
         </p:nvSpPr>
         <p:spPr>
           <a:xfrm>
             <a:off x="838080" y="365040"/>
-            <a:ext cx="10515240" cy="1325160"/>
-          </a:xfrm>
-          <a:prstGeom prst="rect">
-            <a:avLst/>
-          </a:prstGeom>
-        </p:spPr>
-        <p:txBody>
-          <a:bodyPr anchor="ctr"/>
-          <a:lstStyle/>
+            <a:ext cx="10514520" cy="1324440"/>
+          </a:xfrm>
+          <a:prstGeom prst="rect">
+            <a:avLst/>
+          </a:prstGeom>
+          <a:noFill/>
+          <a:ln>
+            <a:noFill/>
+          </a:ln>
+        </p:spPr>
+        <p:txBody>
+          <a:bodyPr lIns="90000" rIns="90000" tIns="45000" bIns="45000" anchor="ctr"/>
           <a:p>
             <a:pPr>
               <a:lnSpc>
@@ -4401,11 +3189,12 @@
               </a:lnSpc>
             </a:pPr>
             <a:r>
-              <a:rPr lang="zh-CN" sz="4400">
+              <a:rPr lang="en-US" sz="4400">
                 <a:solidFill>
                   <a:srgbClr val="000000"/>
                 </a:solidFill>
                 <a:latin typeface="Calibri Light"/>
+                <a:ea typeface="DejaVu Sans"/>
               </a:rPr>
               <a:t>提纲</a:t>
             </a:r>
@@ -4415,22 +3204,25 @@
       </p:sp>
       <p:sp>
         <p:nvSpPr>
-          <p:cNvPr id="86" name="TextShape 2"/>
-          <p:cNvSpPr txBox="1"/>
+          <p:cNvPr id="80" name="CustomShape 2"/>
+          <p:cNvSpPr/>
           <p:nvPr/>
         </p:nvSpPr>
         <p:spPr>
           <a:xfrm>
             <a:off x="838080" y="1825560"/>
-            <a:ext cx="10515240" cy="4350960"/>
-          </a:xfrm>
-          <a:prstGeom prst="rect">
-            <a:avLst/>
-          </a:prstGeom>
-        </p:spPr>
-        <p:txBody>
-          <a:bodyPr/>
-          <a:lstStyle/>
+            <a:ext cx="10514520" cy="4350240"/>
+          </a:xfrm>
+          <a:prstGeom prst="rect">
+            <a:avLst/>
+          </a:prstGeom>
+          <a:noFill/>
+          <a:ln>
+            <a:noFill/>
+          </a:ln>
+        </p:spPr>
+        <p:txBody>
+          <a:bodyPr lIns="90000" rIns="90000" tIns="45000" bIns="45000"/>
           <a:p>
             <a:pPr>
               <a:lnSpc>
@@ -4440,11 +3232,12 @@
               <a:buChar char="•"/>
             </a:pPr>
             <a:r>
-              <a:rPr lang="zh-CN" sz="2800">
-                <a:solidFill>
-                  <a:srgbClr val="000000"/>
-                </a:solidFill>
-                <a:latin typeface="Calibri"/>
+              <a:rPr lang="en-US" sz="2800">
+                <a:solidFill>
+                  <a:srgbClr val="000000"/>
+                </a:solidFill>
+                <a:latin typeface="Calibri"/>
+                <a:ea typeface="DejaVu Sans"/>
               </a:rPr>
               <a:t>Abstract</a:t>
             </a:r>
@@ -4459,11 +3252,12 @@
               <a:buChar char="•"/>
             </a:pPr>
             <a:r>
-              <a:rPr lang="zh-CN" sz="2800">
-                <a:solidFill>
-                  <a:srgbClr val="000000"/>
-                </a:solidFill>
-                <a:latin typeface="Calibri"/>
+              <a:rPr lang="en-US" sz="2800">
+                <a:solidFill>
+                  <a:srgbClr val="000000"/>
+                </a:solidFill>
+                <a:latin typeface="Calibri"/>
+                <a:ea typeface="DejaVu Sans"/>
               </a:rPr>
               <a:t>Introduction</a:t>
             </a:r>
@@ -4478,11 +3272,12 @@
               <a:buChar char="•"/>
             </a:pPr>
             <a:r>
-              <a:rPr lang="zh-CN" sz="2800">
-                <a:solidFill>
-                  <a:srgbClr val="000000"/>
-                </a:solidFill>
-                <a:latin typeface="Calibri"/>
+              <a:rPr lang="en-US" sz="2800">
+                <a:solidFill>
+                  <a:srgbClr val="000000"/>
+                </a:solidFill>
+                <a:latin typeface="Calibri"/>
+                <a:ea typeface="DejaVu Sans"/>
               </a:rPr>
               <a:t>Measurement (?)</a:t>
             </a:r>
@@ -4497,11 +3292,12 @@
               <a:buChar char="•"/>
             </a:pPr>
             <a:r>
-              <a:rPr lang="zh-CN" sz="2800">
-                <a:solidFill>
-                  <a:srgbClr val="FF0000"/>
-                </a:solidFill>
-                <a:latin typeface="Calibri"/>
+              <a:rPr lang="en-US" sz="2800">
+                <a:solidFill>
+                  <a:srgbClr val="ff0000"/>
+                </a:solidFill>
+                <a:latin typeface="Calibri"/>
+                <a:ea typeface="DejaVu Sans"/>
               </a:rPr>
               <a:t>Architecture</a:t>
             </a:r>
@@ -4516,11 +3312,12 @@
               <a:buChar char="•"/>
             </a:pPr>
             <a:r>
-              <a:rPr lang="zh-CN" sz="2800">
-                <a:solidFill>
-                  <a:srgbClr val="FF0000"/>
-                </a:solidFill>
-                <a:latin typeface="Calibri"/>
+              <a:rPr lang="en-US" sz="2800">
+                <a:solidFill>
+                  <a:srgbClr val="ff0000"/>
+                </a:solidFill>
+                <a:latin typeface="Calibri"/>
+                <a:ea typeface="DejaVu Sans"/>
               </a:rPr>
               <a:t>Algorithm</a:t>
             </a:r>
@@ -4535,11 +3332,12 @@
               <a:buChar char="•"/>
             </a:pPr>
             <a:r>
-              <a:rPr lang="zh-CN" sz="2800">
-                <a:solidFill>
-                  <a:srgbClr val="FF0000"/>
-                </a:solidFill>
-                <a:latin typeface="Calibri"/>
+              <a:rPr lang="en-US" sz="2800">
+                <a:solidFill>
+                  <a:srgbClr val="ff0000"/>
+                </a:solidFill>
+                <a:latin typeface="Calibri"/>
+                <a:ea typeface="DejaVu Sans"/>
               </a:rPr>
               <a:t>Implementation</a:t>
             </a:r>
@@ -4554,11 +3352,12 @@
               <a:buChar char="•"/>
             </a:pPr>
             <a:r>
-              <a:rPr lang="zh-CN" sz="2800">
-                <a:solidFill>
-                  <a:srgbClr val="FF0000"/>
-                </a:solidFill>
-                <a:latin typeface="Calibri"/>
+              <a:rPr lang="en-US" sz="2800">
+                <a:solidFill>
+                  <a:srgbClr val="ff0000"/>
+                </a:solidFill>
+                <a:latin typeface="Calibri"/>
+                <a:ea typeface="DejaVu Sans"/>
               </a:rPr>
               <a:t>Evaluation</a:t>
             </a:r>
@@ -4573,11 +3372,12 @@
               <a:buChar char="•"/>
             </a:pPr>
             <a:r>
-              <a:rPr lang="zh-CN" sz="2800">
-                <a:solidFill>
-                  <a:srgbClr val="000000"/>
-                </a:solidFill>
-                <a:latin typeface="Calibri"/>
+              <a:rPr lang="en-US" sz="2800">
+                <a:solidFill>
+                  <a:srgbClr val="000000"/>
+                </a:solidFill>
+                <a:latin typeface="Calibri"/>
+                <a:ea typeface="DejaVu Sans"/>
               </a:rPr>
               <a:t>Related Work</a:t>
             </a:r>
@@ -4592,11 +3392,12 @@
               <a:buChar char="•"/>
             </a:pPr>
             <a:r>
-              <a:rPr lang="zh-CN" sz="2800">
-                <a:solidFill>
-                  <a:srgbClr val="000000"/>
-                </a:solidFill>
-                <a:latin typeface="Calibri"/>
+              <a:rPr lang="en-US" sz="2800">
+                <a:solidFill>
+                  <a:srgbClr val="000000"/>
+                </a:solidFill>
+                <a:latin typeface="Calibri"/>
+                <a:ea typeface="DejaVu Sans"/>
               </a:rPr>
               <a:t>Conclusion</a:t>
             </a:r>
@@ -4606,25 +3407,22 @@
       </p:sp>
     </p:spTree>
   </p:cSld>
-  <p:clrMapOvr>
-    <a:masterClrMapping/>
-  </p:clrMapOvr>
   <p:timing>
     <p:tnLst>
       <p:par>
-        <p:cTn id="1" dur="indefinite" restart="never" nodeType="tmRoot">
+        <p:cTn id="3" dur="indefinite" restart="never" nodeType="tmRoot">
           <p:childTnLst>
             <p:seq>
-              <p:cTn id="2" nodeType="mainSeq"/>
+              <p:cTn id="4" nodeType="mainSeq"/>
               <p:prevCondLst>
-                <p:cond evt="onPrev" delay="0">
+                <p:cond delay="0" evt="onPrev">
                   <p:tgtEl>
                     <p:sldTgt/>
                   </p:tgtEl>
                 </p:cond>
               </p:prevCondLst>
               <p:nextCondLst>
-                <p:cond evt="onNext" delay="0">
+                <p:cond delay="0" evt="onNext">
                   <p:tgtEl>
                     <p:sldTgt/>
                   </p:tgtEl>
@@ -4640,7 +3438,7 @@
 </file>
 
 <file path=ppt/slides/slide3.xml><?xml version="1.0" encoding="utf-8"?>
-<p:sld xmlns:a="http://schemas.openxmlformats.org/drawingml/2006/main" xmlns:r="http://schemas.openxmlformats.org/officeDocument/2006/relationships" xmlns:p="http://schemas.openxmlformats.org/presentationml/2006/main">
+<p:sld xmlns:a="http://schemas.openxmlformats.org/drawingml/2006/main" xmlns:p="http://schemas.openxmlformats.org/presentationml/2006/main" xmlns:r="http://schemas.openxmlformats.org/officeDocument/2006/relationships">
   <p:cSld>
     <p:spTree>
       <p:nvGrpSpPr>
@@ -4658,22 +3456,25 @@
       </p:grpSpPr>
       <p:sp>
         <p:nvSpPr>
-          <p:cNvPr id="87" name="TextShape 1"/>
-          <p:cNvSpPr txBox="1"/>
+          <p:cNvPr id="81" name="CustomShape 1"/>
+          <p:cNvSpPr/>
           <p:nvPr/>
         </p:nvSpPr>
         <p:spPr>
           <a:xfrm>
             <a:off x="838080" y="365040"/>
-            <a:ext cx="10515240" cy="1325160"/>
-          </a:xfrm>
-          <a:prstGeom prst="rect">
-            <a:avLst/>
-          </a:prstGeom>
-        </p:spPr>
-        <p:txBody>
-          <a:bodyPr anchor="ctr"/>
-          <a:lstStyle/>
+            <a:ext cx="10514520" cy="1324440"/>
+          </a:xfrm>
+          <a:prstGeom prst="rect">
+            <a:avLst/>
+          </a:prstGeom>
+          <a:noFill/>
+          <a:ln>
+            <a:noFill/>
+          </a:ln>
+        </p:spPr>
+        <p:txBody>
+          <a:bodyPr lIns="90000" rIns="90000" tIns="45000" bIns="45000" anchor="ctr"/>
           <a:p>
             <a:pPr>
               <a:lnSpc>
@@ -4681,11 +3482,12 @@
               </a:lnSpc>
             </a:pPr>
             <a:r>
-              <a:rPr lang="zh-CN" sz="4400">
+              <a:rPr lang="en-US" sz="4400">
                 <a:solidFill>
                   <a:srgbClr val="000000"/>
                 </a:solidFill>
                 <a:latin typeface="Calibri Light"/>
+                <a:ea typeface="DejaVu Sans"/>
               </a:rPr>
               <a:t>Architecture</a:t>
             </a:r>
@@ -4695,22 +3497,25 @@
       </p:sp>
       <p:sp>
         <p:nvSpPr>
-          <p:cNvPr id="88" name="TextShape 2"/>
-          <p:cNvSpPr txBox="1"/>
+          <p:cNvPr id="82" name="CustomShape 2"/>
+          <p:cNvSpPr/>
           <p:nvPr/>
         </p:nvSpPr>
         <p:spPr>
           <a:xfrm>
             <a:off x="838080" y="1825560"/>
-            <a:ext cx="10515240" cy="4350960"/>
-          </a:xfrm>
-          <a:prstGeom prst="rect">
-            <a:avLst/>
-          </a:prstGeom>
-        </p:spPr>
-        <p:txBody>
-          <a:bodyPr/>
-          <a:lstStyle/>
+            <a:ext cx="10514520" cy="4350240"/>
+          </a:xfrm>
+          <a:prstGeom prst="rect">
+            <a:avLst/>
+          </a:prstGeom>
+          <a:noFill/>
+          <a:ln>
+            <a:noFill/>
+          </a:ln>
+        </p:spPr>
+        <p:txBody>
+          <a:bodyPr lIns="90000" rIns="90000" tIns="45000" bIns="45000"/>
           <a:p>
             <a:pPr>
               <a:lnSpc>
@@ -4720,11 +3525,12 @@
               <a:buChar char="•"/>
             </a:pPr>
             <a:r>
-              <a:rPr lang="zh-CN" sz="2800">
-                <a:solidFill>
-                  <a:srgbClr val="000000"/>
-                </a:solidFill>
-                <a:latin typeface="Calibri"/>
+              <a:rPr lang="en-US" sz="2800">
+                <a:solidFill>
+                  <a:srgbClr val="000000"/>
+                </a:solidFill>
+                <a:latin typeface="Calibri"/>
+                <a:ea typeface="DejaVu Sans"/>
               </a:rPr>
               <a:t>系统框架</a:t>
             </a:r>
@@ -4739,13 +3545,34 @@
               <a:buChar char="•"/>
             </a:pPr>
             <a:r>
-              <a:rPr lang="zh-CN" sz="2400">
-                <a:solidFill>
-                  <a:srgbClr val="000000"/>
-                </a:solidFill>
-                <a:latin typeface="Calibri"/>
-              </a:rPr>
-              <a:t>架构图（控制/数据分离）</a:t>
+              <a:rPr lang="en-US" sz="2400">
+                <a:solidFill>
+                  <a:srgbClr val="000000"/>
+                </a:solidFill>
+                <a:latin typeface="Calibri"/>
+                <a:ea typeface="DejaVu Sans"/>
+              </a:rPr>
+              <a:t>架构图（控制</a:t>
+            </a:r>
+            <a:r>
+              <a:rPr lang="en-US" sz="2400">
+                <a:solidFill>
+                  <a:srgbClr val="000000"/>
+                </a:solidFill>
+                <a:latin typeface="Calibri"/>
+                <a:ea typeface="DejaVu Sans"/>
+              </a:rPr>
+              <a:t>/</a:t>
+            </a:r>
+            <a:r>
+              <a:rPr lang="en-US" sz="2400">
+                <a:solidFill>
+                  <a:srgbClr val="000000"/>
+                </a:solidFill>
+                <a:latin typeface="Calibri"/>
+                <a:ea typeface="DejaVu Sans"/>
+              </a:rPr>
+              <a:t>数据分离）</a:t>
             </a:r>
             <a:endParaRPr/>
           </a:p>
@@ -4758,11 +3585,12 @@
               <a:buChar char="•"/>
             </a:pPr>
             <a:r>
-              <a:rPr lang="zh-CN" sz="2400">
-                <a:solidFill>
-                  <a:srgbClr val="000000"/>
-                </a:solidFill>
-                <a:latin typeface="Calibri"/>
+              <a:rPr lang="en-US" sz="2400">
+                <a:solidFill>
+                  <a:srgbClr val="000000"/>
+                </a:solidFill>
+                <a:latin typeface="Calibri"/>
+                <a:ea typeface="DejaVu Sans"/>
               </a:rPr>
               <a:t>合并（例子，模型图）</a:t>
             </a:r>
@@ -4777,17 +3605,23 @@
               <a:buChar char="•"/>
             </a:pPr>
             <a:r>
-              <a:rPr lang="zh-CN" sz="2400">
-                <a:solidFill>
-                  <a:srgbClr val="000000"/>
-                </a:solidFill>
-                <a:latin typeface="Calibri"/>
+              <a:rPr lang="en-US" sz="2400">
+                <a:solidFill>
+                  <a:srgbClr val="000000"/>
+                </a:solidFill>
+                <a:latin typeface="Calibri"/>
+                <a:ea typeface="DejaVu Sans"/>
               </a:rPr>
               <a:t>分裂（例子，模型图）</a:t>
             </a:r>
             <a:endParaRPr/>
           </a:p>
           <a:p>
+            <a:pPr>
+              <a:lnSpc>
+                <a:spcPct val="100000"/>
+              </a:lnSpc>
+            </a:pPr>
             <a:endParaRPr/>
           </a:p>
           <a:p>
@@ -4799,20 +3633,22 @@
               <a:buChar char="•"/>
             </a:pPr>
             <a:r>
-              <a:rPr lang="zh-CN" sz="2800">
-                <a:solidFill>
-                  <a:srgbClr val="FF0000"/>
-                </a:solidFill>
-                <a:latin typeface="Calibri"/>
+              <a:rPr lang="en-US" sz="2800">
+                <a:solidFill>
+                  <a:srgbClr val="ff0000"/>
+                </a:solidFill>
+                <a:latin typeface="Calibri"/>
+                <a:ea typeface="DejaVu Sans"/>
               </a:rPr>
               <a:t>控制器端的流程（重新画图）</a:t>
             </a:r>
             <a:r>
-              <a:rPr lang="zh-CN" sz="2800">
-                <a:solidFill>
-                  <a:srgbClr val="000000"/>
-                </a:solidFill>
-                <a:latin typeface="Calibri"/>
+              <a:rPr lang="en-US" sz="2800">
+                <a:solidFill>
+                  <a:srgbClr val="000000"/>
+                </a:solidFill>
+                <a:latin typeface="Calibri"/>
+                <a:ea typeface="DejaVu Sans"/>
               </a:rPr>
               <a:t>完成</a:t>
             </a:r>
@@ -4822,25 +3658,22 @@
       </p:sp>
     </p:spTree>
   </p:cSld>
-  <p:clrMapOvr>
-    <a:masterClrMapping/>
-  </p:clrMapOvr>
   <p:timing>
     <p:tnLst>
       <p:par>
-        <p:cTn id="1" dur="indefinite" restart="never" nodeType="tmRoot">
+        <p:cTn id="5" dur="indefinite" restart="never" nodeType="tmRoot">
           <p:childTnLst>
             <p:seq>
-              <p:cTn id="2" nodeType="mainSeq"/>
+              <p:cTn id="6" nodeType="mainSeq"/>
               <p:prevCondLst>
-                <p:cond evt="onPrev" delay="0">
+                <p:cond delay="0" evt="onPrev">
                   <p:tgtEl>
                     <p:sldTgt/>
                   </p:tgtEl>
                 </p:cond>
               </p:prevCondLst>
               <p:nextCondLst>
-                <p:cond evt="onNext" delay="0">
+                <p:cond delay="0" evt="onNext">
                   <p:tgtEl>
                     <p:sldTgt/>
                   </p:tgtEl>
@@ -4856,7 +3689,7 @@
 </file>
 
 <file path=ppt/slides/slide4.xml><?xml version="1.0" encoding="utf-8"?>
-<p:sld xmlns:a="http://schemas.openxmlformats.org/drawingml/2006/main" xmlns:r="http://schemas.openxmlformats.org/officeDocument/2006/relationships" xmlns:p="http://schemas.openxmlformats.org/presentationml/2006/main">
+<p:sld xmlns:a="http://schemas.openxmlformats.org/drawingml/2006/main" xmlns:p="http://schemas.openxmlformats.org/presentationml/2006/main" xmlns:r="http://schemas.openxmlformats.org/officeDocument/2006/relationships">
   <p:cSld>
     <p:spTree>
       <p:nvGrpSpPr>
@@ -4874,22 +3707,25 @@
       </p:grpSpPr>
       <p:sp>
         <p:nvSpPr>
-          <p:cNvPr id="89" name="TextShape 1"/>
-          <p:cNvSpPr txBox="1"/>
+          <p:cNvPr id="83" name="CustomShape 1"/>
+          <p:cNvSpPr/>
           <p:nvPr/>
         </p:nvSpPr>
         <p:spPr>
           <a:xfrm>
             <a:off x="838080" y="365040"/>
-            <a:ext cx="10515240" cy="1325160"/>
-          </a:xfrm>
-          <a:prstGeom prst="rect">
-            <a:avLst/>
-          </a:prstGeom>
-        </p:spPr>
-        <p:txBody>
-          <a:bodyPr anchor="ctr"/>
-          <a:lstStyle/>
+            <a:ext cx="10514520" cy="1324440"/>
+          </a:xfrm>
+          <a:prstGeom prst="rect">
+            <a:avLst/>
+          </a:prstGeom>
+          <a:noFill/>
+          <a:ln>
+            <a:noFill/>
+          </a:ln>
+        </p:spPr>
+        <p:txBody>
+          <a:bodyPr lIns="90000" rIns="90000" tIns="45000" bIns="45000" anchor="ctr"/>
           <a:p>
             <a:pPr>
               <a:lnSpc>
@@ -4897,11 +3733,12 @@
               </a:lnSpc>
             </a:pPr>
             <a:r>
-              <a:rPr lang="zh-CN" sz="4400">
+              <a:rPr lang="en-US" sz="4400">
                 <a:solidFill>
                   <a:srgbClr val="000000"/>
                 </a:solidFill>
                 <a:latin typeface="Calibri Light"/>
+                <a:ea typeface="DejaVu Sans"/>
               </a:rPr>
               <a:t>Algorithm</a:t>
             </a:r>
@@ -4911,22 +3748,25 @@
       </p:sp>
       <p:sp>
         <p:nvSpPr>
-          <p:cNvPr id="90" name="TextShape 2"/>
-          <p:cNvSpPr txBox="1"/>
+          <p:cNvPr id="84" name="CustomShape 2"/>
+          <p:cNvSpPr/>
           <p:nvPr/>
         </p:nvSpPr>
         <p:spPr>
           <a:xfrm>
             <a:off x="838080" y="1825560"/>
-            <a:ext cx="10515240" cy="4350960"/>
-          </a:xfrm>
-          <a:prstGeom prst="rect">
-            <a:avLst/>
-          </a:prstGeom>
-        </p:spPr>
-        <p:txBody>
-          <a:bodyPr/>
-          <a:lstStyle/>
+            <a:ext cx="10514520" cy="4350240"/>
+          </a:xfrm>
+          <a:prstGeom prst="rect">
+            <a:avLst/>
+          </a:prstGeom>
+          <a:noFill/>
+          <a:ln>
+            <a:noFill/>
+          </a:ln>
+        </p:spPr>
+        <p:txBody>
+          <a:bodyPr lIns="90000" rIns="90000" tIns="45000" bIns="45000"/>
           <a:p>
             <a:pPr>
               <a:lnSpc>
@@ -4936,36 +3776,26 @@
               <a:buChar char="•"/>
             </a:pPr>
             <a:r>
-              <a:rPr lang="zh-CN" sz="2800" dirty="0" smtClean="0">
-                <a:solidFill>
-                  <a:srgbClr val="000000"/>
-                </a:solidFill>
-                <a:latin typeface="Calibri"/>
-              </a:rPr>
-              <a:t>Problem formulation</a:t>
-            </a:r>
-            <a:r>
-              <a:rPr lang="en-US" altLang="zh-CN" sz="2800" smtClean="0">
-                <a:solidFill>
-                  <a:srgbClr val="000000"/>
-                </a:solidFill>
-                <a:latin typeface="Calibri"/>
-              </a:rPr>
-              <a:t> </a:t>
-            </a:r>
-            <a:r>
-              <a:rPr lang="zh-CN" altLang="en-US" sz="2800" smtClean="0"/>
-              <a:t>把</a:t>
-            </a:r>
-            <a:r>
-              <a:rPr lang="zh-CN" altLang="en-US" sz="2800" dirty="0" smtClean="0"/>
-              <a:t>问题抽象成</a:t>
-            </a:r>
-            <a:r>
-              <a:rPr lang="zh-CN" altLang="en-US" sz="2800" smtClean="0"/>
-              <a:t>数学问题</a:t>
-            </a:r>
-            <a:endParaRPr dirty="0" smtClean="0"/>
+              <a:rPr lang="en-US" sz="2800">
+                <a:solidFill>
+                  <a:srgbClr val="000000"/>
+                </a:solidFill>
+                <a:latin typeface="Calibri"/>
+                <a:ea typeface="DejaVu Sans"/>
+              </a:rPr>
+              <a:t>Problem formulation </a:t>
+            </a:r>
+            <a:r>
+              <a:rPr lang="en-US" sz="2800">
+                <a:solidFill>
+                  <a:srgbClr val="000000"/>
+                </a:solidFill>
+                <a:latin typeface="Arial"/>
+                <a:ea typeface="DejaVu Sans"/>
+              </a:rPr>
+              <a:t>把问题抽象成数学问题</a:t>
+            </a:r>
+            <a:endParaRPr/>
           </a:p>
           <a:p>
             <a:pPr>
@@ -4973,7 +3803,7 @@
                 <a:spcPct val="90000"/>
               </a:lnSpc>
             </a:pPr>
-            <a:endParaRPr dirty="0"/>
+            <a:endParaRPr/>
           </a:p>
           <a:p>
             <a:pPr>
@@ -4984,15 +3814,26 @@
               <a:buChar char="•"/>
             </a:pPr>
             <a:r>
-              <a:rPr lang="zh-CN" sz="2800" dirty="0">
-                <a:solidFill>
-                  <a:srgbClr val="FF0000"/>
-                </a:solidFill>
-                <a:latin typeface="Calibri"/>
-              </a:rPr>
-              <a:t>NP-Hardness（宋博）</a:t>
-            </a:r>
-            <a:endParaRPr dirty="0"/>
+              <a:rPr lang="en-US" sz="2800">
+                <a:solidFill>
+                  <a:srgbClr val="ff0000"/>
+                </a:solidFill>
+                <a:latin typeface="Calibri"/>
+                <a:ea typeface="DejaVu Sans"/>
+              </a:rPr>
+              <a:t>NP-Hardness</a:t>
+            </a:r>
+            <a:r>
+              <a:rPr lang="en-US" sz="2800">
+                <a:solidFill>
+                  <a:srgbClr val="ff0000"/>
+                </a:solidFill>
+                <a:latin typeface="Calibri"/>
+                <a:ea typeface="DejaVu Sans"/>
+              </a:rPr>
+              <a:t>（宋博）</a:t>
+            </a:r>
+            <a:endParaRPr/>
           </a:p>
           <a:p>
             <a:pPr>
@@ -5000,7 +3841,7 @@
                 <a:spcPct val="90000"/>
               </a:lnSpc>
             </a:pPr>
-            <a:endParaRPr dirty="0"/>
+            <a:endParaRPr/>
           </a:p>
           <a:p>
             <a:pPr>
@@ -5011,15 +3852,26 @@
               <a:buChar char="•"/>
             </a:pPr>
             <a:r>
-              <a:rPr lang="zh-CN" sz="2800" dirty="0">
-                <a:solidFill>
-                  <a:srgbClr val="000000"/>
-                </a:solidFill>
-                <a:latin typeface="Calibri"/>
-              </a:rPr>
-              <a:t>KL原理</a:t>
-            </a:r>
-            <a:endParaRPr dirty="0"/>
+              <a:rPr lang="en-US" sz="2800">
+                <a:solidFill>
+                  <a:srgbClr val="000000"/>
+                </a:solidFill>
+                <a:latin typeface="Calibri"/>
+                <a:ea typeface="DejaVu Sans"/>
+              </a:rPr>
+              <a:t>KL</a:t>
+            </a:r>
+            <a:r>
+              <a:rPr lang="en-US" sz="2800">
+                <a:solidFill>
+                  <a:srgbClr val="000000"/>
+                </a:solidFill>
+                <a:latin typeface="Calibri"/>
+                <a:ea typeface="DejaVu Sans"/>
+              </a:rPr>
+              <a:t>原理</a:t>
+            </a:r>
+            <a:endParaRPr/>
           </a:p>
           <a:p>
             <a:pPr>
@@ -5027,7 +3879,7 @@
                 <a:spcPct val="90000"/>
               </a:lnSpc>
             </a:pPr>
-            <a:endParaRPr dirty="0"/>
+            <a:endParaRPr/>
           </a:p>
           <a:p>
             <a:pPr>
@@ -5038,39 +3890,37 @@
               <a:buChar char="•"/>
             </a:pPr>
             <a:r>
-              <a:rPr lang="zh-CN" sz="2800" dirty="0">
-                <a:solidFill>
-                  <a:srgbClr val="000000"/>
-                </a:solidFill>
-                <a:latin typeface="Calibri"/>
+              <a:rPr lang="en-US" sz="2800">
+                <a:solidFill>
+                  <a:srgbClr val="000000"/>
+                </a:solidFill>
+                <a:latin typeface="Calibri"/>
+                <a:ea typeface="DejaVu Sans"/>
               </a:rPr>
               <a:t>Extended KL</a:t>
             </a:r>
-            <a:endParaRPr dirty="0"/>
+            <a:endParaRPr/>
           </a:p>
         </p:txBody>
       </p:sp>
     </p:spTree>
   </p:cSld>
-  <p:clrMapOvr>
-    <a:masterClrMapping/>
-  </p:clrMapOvr>
   <p:timing>
     <p:tnLst>
       <p:par>
-        <p:cTn id="1" dur="indefinite" restart="never" nodeType="tmRoot">
+        <p:cTn id="7" dur="indefinite" restart="never" nodeType="tmRoot">
           <p:childTnLst>
             <p:seq>
-              <p:cTn id="2" nodeType="mainSeq"/>
+              <p:cTn id="8" nodeType="mainSeq"/>
               <p:prevCondLst>
-                <p:cond evt="onPrev" delay="0">
+                <p:cond delay="0" evt="onPrev">
                   <p:tgtEl>
                     <p:sldTgt/>
                   </p:tgtEl>
                 </p:cond>
               </p:prevCondLst>
               <p:nextCondLst>
-                <p:cond evt="onNext" delay="0">
+                <p:cond delay="0" evt="onNext">
                   <p:tgtEl>
                     <p:sldTgt/>
                   </p:tgtEl>
@@ -5086,7 +3936,7 @@
 </file>
 
 <file path=ppt/slides/slide5.xml><?xml version="1.0" encoding="utf-8"?>
-<p:sld xmlns:a="http://schemas.openxmlformats.org/drawingml/2006/main" xmlns:r="http://schemas.openxmlformats.org/officeDocument/2006/relationships" xmlns:p="http://schemas.openxmlformats.org/presentationml/2006/main">
+<p:sld xmlns:a="http://schemas.openxmlformats.org/drawingml/2006/main" xmlns:p="http://schemas.openxmlformats.org/presentationml/2006/main" xmlns:r="http://schemas.openxmlformats.org/officeDocument/2006/relationships">
   <p:cSld>
     <p:spTree>
       <p:nvGrpSpPr>
@@ -5104,22 +3954,25 @@
       </p:grpSpPr>
       <p:sp>
         <p:nvSpPr>
-          <p:cNvPr id="91" name="TextShape 1"/>
-          <p:cNvSpPr txBox="1"/>
+          <p:cNvPr id="85" name="CustomShape 1"/>
+          <p:cNvSpPr/>
           <p:nvPr/>
         </p:nvSpPr>
         <p:spPr>
           <a:xfrm>
             <a:off x="838080" y="365040"/>
-            <a:ext cx="10515240" cy="1325160"/>
-          </a:xfrm>
-          <a:prstGeom prst="rect">
-            <a:avLst/>
-          </a:prstGeom>
-        </p:spPr>
-        <p:txBody>
-          <a:bodyPr anchor="ctr"/>
-          <a:lstStyle/>
+            <a:ext cx="10514520" cy="1324440"/>
+          </a:xfrm>
+          <a:prstGeom prst="rect">
+            <a:avLst/>
+          </a:prstGeom>
+          <a:noFill/>
+          <a:ln>
+            <a:noFill/>
+          </a:ln>
+        </p:spPr>
+        <p:txBody>
+          <a:bodyPr lIns="90000" rIns="90000" tIns="45000" bIns="45000" anchor="ctr"/>
           <a:p>
             <a:pPr>
               <a:lnSpc>
@@ -5127,11 +3980,12 @@
               </a:lnSpc>
             </a:pPr>
             <a:r>
-              <a:rPr lang="zh-CN" sz="4400">
+              <a:rPr lang="en-US" sz="4400">
                 <a:solidFill>
                   <a:srgbClr val="000000"/>
                 </a:solidFill>
                 <a:latin typeface="Calibri Light"/>
+                <a:ea typeface="DejaVu Sans"/>
               </a:rPr>
               <a:t>Implementation</a:t>
             </a:r>
@@ -5141,22 +3995,25 @@
       </p:sp>
       <p:sp>
         <p:nvSpPr>
-          <p:cNvPr id="92" name="TextShape 2"/>
-          <p:cNvSpPr txBox="1"/>
+          <p:cNvPr id="86" name="CustomShape 2"/>
+          <p:cNvSpPr/>
           <p:nvPr/>
         </p:nvSpPr>
         <p:spPr>
           <a:xfrm>
             <a:off x="838080" y="1825560"/>
-            <a:ext cx="10515240" cy="4350960"/>
-          </a:xfrm>
-          <a:prstGeom prst="rect">
-            <a:avLst/>
-          </a:prstGeom>
-        </p:spPr>
-        <p:txBody>
-          <a:bodyPr/>
-          <a:lstStyle/>
+            <a:ext cx="10514520" cy="4350240"/>
+          </a:xfrm>
+          <a:prstGeom prst="rect">
+            <a:avLst/>
+          </a:prstGeom>
+          <a:noFill/>
+          <a:ln>
+            <a:noFill/>
+          </a:ln>
+        </p:spPr>
+        <p:txBody>
+          <a:bodyPr lIns="90000" rIns="90000" tIns="45000" bIns="45000"/>
           <a:p>
             <a:pPr>
               <a:lnSpc>
@@ -5166,13 +4023,24 @@
               <a:buChar char="•"/>
             </a:pPr>
             <a:r>
-              <a:rPr lang="zh-CN" sz="2800">
-                <a:solidFill>
-                  <a:srgbClr val="000000"/>
-                </a:solidFill>
-                <a:latin typeface="Calibri"/>
-              </a:rPr>
-              <a:t>A. Process-Based VNF Implementation（杨凡）</a:t>
+              <a:rPr lang="en-US" sz="2800">
+                <a:solidFill>
+                  <a:srgbClr val="000000"/>
+                </a:solidFill>
+                <a:latin typeface="Calibri"/>
+                <a:ea typeface="DejaVu Sans"/>
+              </a:rPr>
+              <a:t>A. Process-Based VNF Implementation</a:t>
+            </a:r>
+            <a:r>
+              <a:rPr lang="en-US" sz="2800">
+                <a:solidFill>
+                  <a:srgbClr val="000000"/>
+                </a:solidFill>
+                <a:latin typeface="Calibri"/>
+                <a:ea typeface="DejaVu Sans"/>
+              </a:rPr>
+              <a:t>（杨凡）</a:t>
             </a:r>
             <a:endParaRPr/>
           </a:p>
@@ -5185,13 +4053,24 @@
               <a:buChar char="•"/>
             </a:pPr>
             <a:r>
-              <a:rPr lang="zh-CN" sz="2800">
-                <a:solidFill>
-                  <a:srgbClr val="000000"/>
-                </a:solidFill>
-                <a:latin typeface="Calibri"/>
-              </a:rPr>
-              <a:t>B. Packet Queue on the Data Path（同步队列，数据平面）</a:t>
+              <a:rPr lang="en-US" sz="2800">
+                <a:solidFill>
+                  <a:srgbClr val="000000"/>
+                </a:solidFill>
+                <a:latin typeface="Calibri"/>
+                <a:ea typeface="DejaVu Sans"/>
+              </a:rPr>
+              <a:t>B. Packet Queue on the Data Path</a:t>
+            </a:r>
+            <a:r>
+              <a:rPr lang="en-US" sz="2800">
+                <a:solidFill>
+                  <a:srgbClr val="000000"/>
+                </a:solidFill>
+                <a:latin typeface="Calibri"/>
+                <a:ea typeface="DejaVu Sans"/>
+              </a:rPr>
+              <a:t>（同步队列，数据平面）</a:t>
             </a:r>
             <a:endParaRPr/>
           </a:p>
@@ -5204,13 +4083,44 @@
               <a:buChar char="•"/>
             </a:pPr>
             <a:r>
-              <a:rPr lang="zh-CN" sz="2800">
-                <a:solidFill>
-                  <a:srgbClr val="000000"/>
-                </a:solidFill>
-                <a:latin typeface="Calibri"/>
-              </a:rPr>
-              <a:t>C. Message Queue Between the Controller and the Data Path（异步队列，控制平面，mq_notify教科书）</a:t>
+              <a:rPr lang="en-US" sz="2800">
+                <a:solidFill>
+                  <a:srgbClr val="000000"/>
+                </a:solidFill>
+                <a:latin typeface="Calibri"/>
+                <a:ea typeface="DejaVu Sans"/>
+              </a:rPr>
+              <a:t>C. Message Queue Between the Controller and the Data Path</a:t>
+            </a:r>
+            <a:r>
+              <a:rPr lang="en-US" sz="2800">
+                <a:solidFill>
+                  <a:srgbClr val="000000"/>
+                </a:solidFill>
+                <a:latin typeface="Calibri"/>
+                <a:ea typeface="DejaVu Sans"/>
+              </a:rPr>
+              <a:t>（异步队列，控制平面，</a:t>
+            </a:r>
+            <a:r>
+              <a:rPr lang="en-US" sz="2800">
+                <a:solidFill>
+                  <a:srgbClr val="000000"/>
+                </a:solidFill>
+                <a:latin typeface="Calibri"/>
+                <a:ea typeface="DejaVu Sans"/>
+              </a:rPr>
+              <a:t>mq_notify</a:t>
+            </a:r>
+            <a:r>
+              <a:rPr lang="en-US" sz="2800">
+                <a:solidFill>
+                  <a:srgbClr val="000000"/>
+                </a:solidFill>
+                <a:latin typeface="Calibri"/>
+                <a:ea typeface="DejaVu Sans"/>
+              </a:rPr>
+              <a:t>教科书）</a:t>
             </a:r>
             <a:endParaRPr/>
           </a:p>
@@ -5223,13 +4133,64 @@
               <a:buChar char="•"/>
             </a:pPr>
             <a:r>
-              <a:rPr lang="zh-CN" sz="2800">
-                <a:solidFill>
-                  <a:srgbClr val="000000"/>
-                </a:solidFill>
-                <a:latin typeface="Calibri"/>
-              </a:rPr>
-              <a:t>D. CPU Core Assignment and Sleeping Mechanism（cpu亲和、poll mode）</a:t>
+              <a:rPr lang="en-US" sz="2800">
+                <a:solidFill>
+                  <a:srgbClr val="000000"/>
+                </a:solidFill>
+                <a:latin typeface="Calibri"/>
+                <a:ea typeface="DejaVu Sans"/>
+              </a:rPr>
+              <a:t>D. CPU Core Assignment and Sleeping Mechanism</a:t>
+            </a:r>
+            <a:r>
+              <a:rPr lang="en-US" sz="2800">
+                <a:solidFill>
+                  <a:srgbClr val="000000"/>
+                </a:solidFill>
+                <a:latin typeface="Calibri"/>
+                <a:ea typeface="DejaVu Sans"/>
+              </a:rPr>
+              <a:t>（</a:t>
+            </a:r>
+            <a:r>
+              <a:rPr lang="en-US" sz="2800">
+                <a:solidFill>
+                  <a:srgbClr val="000000"/>
+                </a:solidFill>
+                <a:latin typeface="Calibri"/>
+                <a:ea typeface="DejaVu Sans"/>
+              </a:rPr>
+              <a:t>cpu</a:t>
+            </a:r>
+            <a:r>
+              <a:rPr lang="en-US" sz="2800">
+                <a:solidFill>
+                  <a:srgbClr val="000000"/>
+                </a:solidFill>
+                <a:latin typeface="Calibri"/>
+                <a:ea typeface="DejaVu Sans"/>
+              </a:rPr>
+              <a:t>亲和、</a:t>
+            </a:r>
+            <a:r>
+              <a:rPr lang="en-US" sz="2800">
+                <a:solidFill>
+                  <a:srgbClr val="000000"/>
+                </a:solidFill>
+                <a:latin typeface="Calibri"/>
+                <a:ea typeface="DejaVu Sans"/>
+              </a:rPr>
+              <a:t>poll mode</a:t>
+            </a:r>
+            <a:r>
+              <a:rPr lang="en-US" sz="2800">
+                <a:solidFill>
+                  <a:srgbClr val="000000"/>
+                </a:solidFill>
+                <a:latin typeface="Calibri"/>
+                <a:ea typeface="DejaVu Sans"/>
+              </a:rPr>
+              <a:t>）</a:t>
             </a:r>
             <a:endParaRPr/>
           </a:p>
@@ -5242,13 +4203,54 @@
               <a:buChar char="•"/>
             </a:pPr>
             <a:r>
-              <a:rPr lang="zh-CN" sz="2800">
-                <a:solidFill>
-                  <a:srgbClr val="000000"/>
-                </a:solidFill>
-                <a:latin typeface="Calibri"/>
-              </a:rPr>
-              <a:t>获取cpu利用率，top命令。。。</a:t>
+              <a:rPr lang="en-US" sz="2800">
+                <a:solidFill>
+                  <a:srgbClr val="000000"/>
+                </a:solidFill>
+                <a:latin typeface="Calibri"/>
+                <a:ea typeface="DejaVu Sans"/>
+              </a:rPr>
+              <a:t>获取</a:t>
+            </a:r>
+            <a:r>
+              <a:rPr lang="en-US" sz="2800">
+                <a:solidFill>
+                  <a:srgbClr val="000000"/>
+                </a:solidFill>
+                <a:latin typeface="Calibri"/>
+                <a:ea typeface="DejaVu Sans"/>
+              </a:rPr>
+              <a:t>cpu</a:t>
+            </a:r>
+            <a:r>
+              <a:rPr lang="en-US" sz="2800">
+                <a:solidFill>
+                  <a:srgbClr val="000000"/>
+                </a:solidFill>
+                <a:latin typeface="Calibri"/>
+                <a:ea typeface="DejaVu Sans"/>
+              </a:rPr>
+              <a:t>利用率，</a:t>
+            </a:r>
+            <a:r>
+              <a:rPr lang="en-US" sz="2800">
+                <a:solidFill>
+                  <a:srgbClr val="000000"/>
+                </a:solidFill>
+                <a:latin typeface="Calibri"/>
+                <a:ea typeface="DejaVu Sans"/>
+              </a:rPr>
+              <a:t>top</a:t>
+            </a:r>
+            <a:r>
+              <a:rPr lang="en-US" sz="2800">
+                <a:solidFill>
+                  <a:srgbClr val="000000"/>
+                </a:solidFill>
+                <a:latin typeface="Calibri"/>
+                <a:ea typeface="DejaVu Sans"/>
+              </a:rPr>
+              <a:t>命令。。。</a:t>
             </a:r>
             <a:endParaRPr/>
           </a:p>
@@ -5261,13 +4263,44 @@
               <a:buChar char="•"/>
             </a:pPr>
             <a:r>
-              <a:rPr lang="zh-CN" sz="2800">
-                <a:solidFill>
-                  <a:srgbClr val="000000"/>
-                </a:solidFill>
-                <a:latin typeface="Calibri"/>
-              </a:rPr>
-              <a:t>E. VNFMotion Controller Implementation（lock-free，不需要加锁）</a:t>
+              <a:rPr lang="en-US" sz="2800">
+                <a:solidFill>
+                  <a:srgbClr val="000000"/>
+                </a:solidFill>
+                <a:latin typeface="Calibri"/>
+                <a:ea typeface="DejaVu Sans"/>
+              </a:rPr>
+              <a:t>E. VNFMotion Controller Implementation</a:t>
+            </a:r>
+            <a:r>
+              <a:rPr lang="en-US" sz="2800">
+                <a:solidFill>
+                  <a:srgbClr val="000000"/>
+                </a:solidFill>
+                <a:latin typeface="Calibri"/>
+                <a:ea typeface="DejaVu Sans"/>
+              </a:rPr>
+              <a:t>（</a:t>
+            </a:r>
+            <a:r>
+              <a:rPr lang="en-US" sz="2800">
+                <a:solidFill>
+                  <a:srgbClr val="000000"/>
+                </a:solidFill>
+                <a:latin typeface="Calibri"/>
+                <a:ea typeface="DejaVu Sans"/>
+              </a:rPr>
+              <a:t>lock-free</a:t>
+            </a:r>
+            <a:r>
+              <a:rPr lang="en-US" sz="2800">
+                <a:solidFill>
+                  <a:srgbClr val="000000"/>
+                </a:solidFill>
+                <a:latin typeface="Calibri"/>
+                <a:ea typeface="DejaVu Sans"/>
+              </a:rPr>
+              <a:t>，不需要加锁）</a:t>
             </a:r>
             <a:endParaRPr/>
           </a:p>
@@ -5280,11 +4313,12 @@
               <a:buChar char="•"/>
             </a:pPr>
             <a:r>
-              <a:rPr lang="zh-CN" sz="2800">
-                <a:solidFill>
-                  <a:srgbClr val="000000"/>
-                </a:solidFill>
-                <a:latin typeface="Calibri"/>
+              <a:rPr lang="en-US" sz="2800">
+                <a:solidFill>
+                  <a:srgbClr val="000000"/>
+                </a:solidFill>
+                <a:latin typeface="Calibri"/>
+                <a:ea typeface="DejaVu Sans"/>
               </a:rPr>
               <a:t>（讨论到以上细节）</a:t>
             </a:r>
@@ -5310,25 +4344,22 @@
       </p:sp>
     </p:spTree>
   </p:cSld>
-  <p:clrMapOvr>
-    <a:masterClrMapping/>
-  </p:clrMapOvr>
   <p:timing>
     <p:tnLst>
       <p:par>
-        <p:cTn id="1" dur="indefinite" restart="never" nodeType="tmRoot">
+        <p:cTn id="9" dur="indefinite" restart="never" nodeType="tmRoot">
           <p:childTnLst>
             <p:seq>
-              <p:cTn id="2" nodeType="mainSeq"/>
+              <p:cTn id="10" nodeType="mainSeq"/>
               <p:prevCondLst>
-                <p:cond evt="onPrev" delay="0">
+                <p:cond delay="0" evt="onPrev">
                   <p:tgtEl>
                     <p:sldTgt/>
                   </p:tgtEl>
                 </p:cond>
               </p:prevCondLst>
               <p:nextCondLst>
-                <p:cond evt="onNext" delay="0">
+                <p:cond delay="0" evt="onNext">
                   <p:tgtEl>
                     <p:sldTgt/>
                   </p:tgtEl>
@@ -5344,7 +4375,7 @@
 </file>
 
 <file path=ppt/slides/slide6.xml><?xml version="1.0" encoding="utf-8"?>
-<p:sld xmlns:a="http://schemas.openxmlformats.org/drawingml/2006/main" xmlns:r="http://schemas.openxmlformats.org/officeDocument/2006/relationships" xmlns:p="http://schemas.openxmlformats.org/presentationml/2006/main">
+<p:sld xmlns:a="http://schemas.openxmlformats.org/drawingml/2006/main" xmlns:p="http://schemas.openxmlformats.org/presentationml/2006/main" xmlns:r="http://schemas.openxmlformats.org/officeDocument/2006/relationships">
   <p:cSld>
     <p:spTree>
       <p:nvGrpSpPr>
@@ -5362,22 +4393,25 @@
       </p:grpSpPr>
       <p:sp>
         <p:nvSpPr>
-          <p:cNvPr id="93" name="TextShape 1"/>
-          <p:cNvSpPr txBox="1"/>
+          <p:cNvPr id="87" name="CustomShape 1"/>
+          <p:cNvSpPr/>
           <p:nvPr/>
         </p:nvSpPr>
         <p:spPr>
           <a:xfrm>
-            <a:off x="838080" y="365040"/>
-            <a:ext cx="10515240" cy="1325160"/>
-          </a:xfrm>
-          <a:prstGeom prst="rect">
-            <a:avLst/>
-          </a:prstGeom>
-        </p:spPr>
-        <p:txBody>
-          <a:bodyPr anchor="ctr"/>
-          <a:lstStyle/>
+            <a:off x="789480" y="-28440"/>
+            <a:ext cx="10514520" cy="1324440"/>
+          </a:xfrm>
+          <a:prstGeom prst="rect">
+            <a:avLst/>
+          </a:prstGeom>
+          <a:noFill/>
+          <a:ln>
+            <a:noFill/>
+          </a:ln>
+        </p:spPr>
+        <p:txBody>
+          <a:bodyPr lIns="90000" rIns="90000" tIns="45000" bIns="45000" anchor="ctr"/>
           <a:p>
             <a:pPr>
               <a:lnSpc>
@@ -5385,36 +4419,50 @@
               </a:lnSpc>
             </a:pPr>
             <a:r>
-              <a:rPr lang="zh-CN" sz="4400">
+              <a:rPr lang="en-US" sz="4400">
                 <a:solidFill>
                   <a:srgbClr val="000000"/>
                 </a:solidFill>
                 <a:latin typeface="Calibri Light"/>
-              </a:rPr>
-              <a:t>measurement 都在服务器上测一遍还是在我台式机上测就行？</a:t>
-            </a:r>
-            <a:endParaRPr/>
-          </a:p>
-        </p:txBody>
-      </p:sp>
-      <p:sp>
-        <p:nvSpPr>
-          <p:cNvPr id="94" name="TextShape 2"/>
-          <p:cNvSpPr txBox="1"/>
+                <a:ea typeface="DejaVu Sans"/>
+              </a:rPr>
+              <a:t>measurement </a:t>
+            </a:r>
+            <a:r>
+              <a:rPr lang="en-US" sz="4400">
+                <a:solidFill>
+                  <a:srgbClr val="000000"/>
+                </a:solidFill>
+                <a:latin typeface="Calibri Light"/>
+                <a:ea typeface="DejaVu Sans"/>
+              </a:rPr>
+              <a:t>都在服务器上测</a:t>
+            </a:r>
+            <a:endParaRPr/>
+          </a:p>
+        </p:txBody>
+      </p:sp>
+      <p:sp>
+        <p:nvSpPr>
+          <p:cNvPr id="88" name="CustomShape 2"/>
+          <p:cNvSpPr/>
           <p:nvPr/>
         </p:nvSpPr>
         <p:spPr>
           <a:xfrm>
-            <a:off x="838080" y="1558800"/>
-            <a:ext cx="10515240" cy="5198760"/>
-          </a:xfrm>
-          <a:prstGeom prst="rect">
-            <a:avLst/>
-          </a:prstGeom>
-        </p:spPr>
-        <p:txBody>
-          <a:bodyPr/>
-          <a:lstStyle/>
+            <a:off x="788400" y="1334880"/>
+            <a:ext cx="10514520" cy="5198040"/>
+          </a:xfrm>
+          <a:prstGeom prst="rect">
+            <a:avLst/>
+          </a:prstGeom>
+          <a:noFill/>
+          <a:ln>
+            <a:noFill/>
+          </a:ln>
+        </p:spPr>
+        <p:txBody>
+          <a:bodyPr lIns="90000" rIns="90000" tIns="45000" bIns="45000"/>
           <a:p>
             <a:pPr>
               <a:lnSpc>
@@ -5424,22 +4472,134 @@
               <a:buChar char="•"/>
             </a:pPr>
             <a:r>
-              <a:rPr lang="zh-CN" sz="2800">
-                <a:solidFill>
-                  <a:srgbClr val="FF0000"/>
-                </a:solidFill>
-                <a:latin typeface="Calibri"/>
-              </a:rPr>
-              <a:t>Cpu state 1.C-state 2.P-state 3.sys/system/cpu/cpu_id/online=&gt; CPU不同的省电方法及其效果=&gt;</a:t>
-            </a:r>
-            <a:r>
-              <a:rPr lang="zh-CN" sz="2800">
-                <a:solidFill>
-                  <a:srgbClr val="000000"/>
-                </a:solidFill>
-                <a:latin typeface="Calibri"/>
-              </a:rPr>
-              <a:t>每种方法都有不同程度的省电效果，但是2的问题出在blabla（下一条） 关于这一种的测试，具体测量时要跑什么代码么？还是什么都不跑？还是跑循环跑满CPU？</a:t>
+              <a:rPr lang="en-US" sz="2400">
+                <a:solidFill>
+                  <a:srgbClr val="ff0000"/>
+                </a:solidFill>
+                <a:latin typeface="Calibri"/>
+                <a:ea typeface="DejaVu Sans"/>
+              </a:rPr>
+              <a:t>Cpu state 1.C-state 2.P-state 3.sys/system/cpu/cpu_id/online=&gt; CPU</a:t>
+            </a:r>
+            <a:r>
+              <a:rPr lang="en-US" sz="2400">
+                <a:solidFill>
+                  <a:srgbClr val="ff0000"/>
+                </a:solidFill>
+                <a:latin typeface="Calibri"/>
+                <a:ea typeface="DejaVu Sans"/>
+              </a:rPr>
+              <a:t>不同的省电方法及其效果</a:t>
+            </a:r>
+            <a:r>
+              <a:rPr lang="en-US" sz="2400">
+                <a:solidFill>
+                  <a:srgbClr val="ff0000"/>
+                </a:solidFill>
+                <a:latin typeface="Calibri"/>
+                <a:ea typeface="DejaVu Sans"/>
+              </a:rPr>
+              <a:t>=&gt;</a:t>
+            </a:r>
+            <a:r>
+              <a:rPr lang="en-US" sz="2400">
+                <a:solidFill>
+                  <a:srgbClr val="000000"/>
+                </a:solidFill>
+                <a:latin typeface="Calibri"/>
+                <a:ea typeface="DejaVu Sans"/>
+              </a:rPr>
+              <a:t>每种方法都有不同程度的省电效果，但是</a:t>
+            </a:r>
+            <a:r>
+              <a:rPr lang="en-US" sz="2400">
+                <a:solidFill>
+                  <a:srgbClr val="000000"/>
+                </a:solidFill>
+                <a:latin typeface="Calibri"/>
+                <a:ea typeface="DejaVu Sans"/>
+              </a:rPr>
+              <a:t>C-state/P-state</a:t>
+            </a:r>
+            <a:r>
+              <a:rPr lang="en-US" sz="2400">
+                <a:solidFill>
+                  <a:srgbClr val="000000"/>
+                </a:solidFill>
+                <a:latin typeface="Calibri"/>
+                <a:ea typeface="DejaVu Sans"/>
+              </a:rPr>
+              <a:t>的问题出在</a:t>
+            </a:r>
+            <a:r>
+              <a:rPr lang="en-US" sz="2400">
+                <a:solidFill>
+                  <a:srgbClr val="000000"/>
+                </a:solidFill>
+                <a:latin typeface="Calibri"/>
+                <a:ea typeface="DejaVu Sans"/>
+              </a:rPr>
+              <a:t>blabla</a:t>
+            </a:r>
+            <a:r>
+              <a:rPr lang="en-US" sz="2400">
+                <a:solidFill>
+                  <a:srgbClr val="000000"/>
+                </a:solidFill>
+                <a:latin typeface="Calibri"/>
+                <a:ea typeface="DejaVu Sans"/>
+              </a:rPr>
+              <a:t>（下一条解释）。空跑</a:t>
+            </a:r>
+            <a:r>
+              <a:rPr lang="en-US" sz="2400">
+                <a:solidFill>
+                  <a:srgbClr val="000000"/>
+                </a:solidFill>
+                <a:latin typeface="Calibri"/>
+                <a:ea typeface="DejaVu Sans"/>
+              </a:rPr>
+              <a:t>/</a:t>
+            </a:r>
+            <a:r>
+              <a:rPr lang="en-US" sz="2400">
+                <a:solidFill>
+                  <a:srgbClr val="000000"/>
+                </a:solidFill>
+                <a:latin typeface="Calibri"/>
+                <a:ea typeface="DejaVu Sans"/>
+              </a:rPr>
+              <a:t>跑一般</a:t>
+            </a:r>
+            <a:r>
+              <a:rPr lang="en-US" sz="2400">
+                <a:solidFill>
+                  <a:srgbClr val="000000"/>
+                </a:solidFill>
+                <a:latin typeface="Calibri"/>
+                <a:ea typeface="DejaVu Sans"/>
+              </a:rPr>
+              <a:t>CPU/</a:t>
+            </a:r>
+            <a:r>
+              <a:rPr lang="en-US" sz="2400">
+                <a:solidFill>
+                  <a:srgbClr val="000000"/>
+                </a:solidFill>
+                <a:latin typeface="Calibri"/>
+                <a:ea typeface="DejaVu Sans"/>
+              </a:rPr>
+              <a:t>跑满</a:t>
+            </a:r>
+            <a:r>
+              <a:rPr lang="en-US" sz="2400">
+                <a:solidFill>
+                  <a:srgbClr val="000000"/>
+                </a:solidFill>
+                <a:latin typeface="Calibri"/>
+                <a:ea typeface="DejaVu Sans"/>
+              </a:rPr>
+              <a:t>CPU</a:t>
             </a:r>
             <a:endParaRPr/>
           </a:p>
@@ -5452,22 +4612,174 @@
               <a:buChar char="•"/>
             </a:pPr>
             <a:r>
-              <a:rPr lang="zh-CN" sz="2800">
-                <a:solidFill>
-                  <a:srgbClr val="FF0000"/>
-                </a:solidFill>
-                <a:latin typeface="Calibri"/>
-              </a:rPr>
-              <a:t>Cpu 时延大 如果 dvfs （1. poll-performance 2. cpu自发降频省电；随着包间隔不同，效果可能不一样；包间隔较小没有区别）=&gt; 在高速nfv处理中，不能采用cpu自身的dvfs机制来省电，将增加包延时</a:t>
-            </a:r>
-            <a:r>
-              <a:rPr lang="zh-CN" sz="2800">
-                <a:solidFill>
-                  <a:srgbClr val="000000"/>
-                </a:solidFill>
-                <a:latin typeface="Calibri"/>
-              </a:rPr>
-              <a:t>这个实验是在不同的P-state下，测试不同的发包间隔（一发一转发一收），报文到达的时延是多少</a:t>
+              <a:rPr lang="en-US" sz="2400">
+                <a:solidFill>
+                  <a:srgbClr val="ff0000"/>
+                </a:solidFill>
+                <a:latin typeface="Calibri"/>
+                <a:ea typeface="DejaVu Sans"/>
+              </a:rPr>
+              <a:t>Cpu </a:t>
+            </a:r>
+            <a:r>
+              <a:rPr lang="en-US" sz="2400">
+                <a:solidFill>
+                  <a:srgbClr val="ff0000"/>
+                </a:solidFill>
+                <a:latin typeface="Calibri"/>
+                <a:ea typeface="DejaVu Sans"/>
+              </a:rPr>
+              <a:t>时延大 如果 </a:t>
+            </a:r>
+            <a:r>
+              <a:rPr lang="en-US" sz="2400">
+                <a:solidFill>
+                  <a:srgbClr val="ff0000"/>
+                </a:solidFill>
+                <a:latin typeface="Calibri"/>
+                <a:ea typeface="DejaVu Sans"/>
+              </a:rPr>
+              <a:t>dvfs </a:t>
+            </a:r>
+            <a:r>
+              <a:rPr lang="en-US" sz="2400">
+                <a:solidFill>
+                  <a:srgbClr val="ff0000"/>
+                </a:solidFill>
+                <a:latin typeface="Calibri"/>
+                <a:ea typeface="DejaVu Sans"/>
+              </a:rPr>
+              <a:t>（</a:t>
+            </a:r>
+            <a:r>
+              <a:rPr lang="en-US" sz="2400">
+                <a:solidFill>
+                  <a:srgbClr val="ff0000"/>
+                </a:solidFill>
+                <a:latin typeface="Calibri"/>
+                <a:ea typeface="DejaVu Sans"/>
+              </a:rPr>
+              <a:t>1. poll-performance 2. cpu</a:t>
+            </a:r>
+            <a:r>
+              <a:rPr lang="en-US" sz="2400">
+                <a:solidFill>
+                  <a:srgbClr val="ff0000"/>
+                </a:solidFill>
+                <a:latin typeface="Calibri"/>
+                <a:ea typeface="DejaVu Sans"/>
+              </a:rPr>
+              <a:t>自发降频省电；随着包间隔不同，效果可能不一样；包间隔较小没有区别）</a:t>
+            </a:r>
+            <a:r>
+              <a:rPr lang="en-US" sz="2400">
+                <a:solidFill>
+                  <a:srgbClr val="ff0000"/>
+                </a:solidFill>
+                <a:latin typeface="Calibri"/>
+                <a:ea typeface="DejaVu Sans"/>
+              </a:rPr>
+              <a:t>=&gt; </a:t>
+            </a:r>
+            <a:r>
+              <a:rPr lang="en-US" sz="2400">
+                <a:solidFill>
+                  <a:srgbClr val="ff0000"/>
+                </a:solidFill>
+                <a:latin typeface="Calibri"/>
+                <a:ea typeface="DejaVu Sans"/>
+              </a:rPr>
+              <a:t>在高速</a:t>
+            </a:r>
+            <a:r>
+              <a:rPr lang="en-US" sz="2400">
+                <a:solidFill>
+                  <a:srgbClr val="ff0000"/>
+                </a:solidFill>
+                <a:latin typeface="Calibri"/>
+                <a:ea typeface="DejaVu Sans"/>
+              </a:rPr>
+              <a:t>nfv</a:t>
+            </a:r>
+            <a:r>
+              <a:rPr lang="en-US" sz="2400">
+                <a:solidFill>
+                  <a:srgbClr val="ff0000"/>
+                </a:solidFill>
+                <a:latin typeface="Calibri"/>
+                <a:ea typeface="DejaVu Sans"/>
+              </a:rPr>
+              <a:t>处理中，不能采用</a:t>
+            </a:r>
+            <a:r>
+              <a:rPr lang="en-US" sz="2400">
+                <a:solidFill>
+                  <a:srgbClr val="ff0000"/>
+                </a:solidFill>
+                <a:latin typeface="Calibri"/>
+                <a:ea typeface="DejaVu Sans"/>
+              </a:rPr>
+              <a:t>cpu</a:t>
+            </a:r>
+            <a:r>
+              <a:rPr lang="en-US" sz="2400">
+                <a:solidFill>
+                  <a:srgbClr val="ff0000"/>
+                </a:solidFill>
+                <a:latin typeface="Calibri"/>
+                <a:ea typeface="DejaVu Sans"/>
+              </a:rPr>
+              <a:t>自身的</a:t>
+            </a:r>
+            <a:r>
+              <a:rPr lang="en-US" sz="2400">
+                <a:solidFill>
+                  <a:srgbClr val="ff0000"/>
+                </a:solidFill>
+                <a:latin typeface="Calibri"/>
+                <a:ea typeface="DejaVu Sans"/>
+              </a:rPr>
+              <a:t>dvfs</a:t>
+            </a:r>
+            <a:r>
+              <a:rPr lang="en-US" sz="2400">
+                <a:solidFill>
+                  <a:srgbClr val="ff0000"/>
+                </a:solidFill>
+                <a:latin typeface="Calibri"/>
+                <a:ea typeface="DejaVu Sans"/>
+              </a:rPr>
+              <a:t>机制来省电，将增加包延时</a:t>
+            </a:r>
+            <a:r>
+              <a:rPr lang="en-US" sz="2400">
+                <a:solidFill>
+                  <a:srgbClr val="000000"/>
+                </a:solidFill>
+                <a:latin typeface="Calibri"/>
+                <a:ea typeface="DejaVu Sans"/>
+              </a:rPr>
+              <a:t>这个实验是在不同的</a:t>
+            </a:r>
+            <a:r>
+              <a:rPr lang="en-US" sz="2400">
+                <a:solidFill>
+                  <a:srgbClr val="000000"/>
+                </a:solidFill>
+                <a:latin typeface="Calibri"/>
+                <a:ea typeface="DejaVu Sans"/>
+              </a:rPr>
+              <a:t>P-state</a:t>
+            </a:r>
+            <a:r>
+              <a:rPr lang="en-US" sz="2400">
+                <a:solidFill>
+                  <a:srgbClr val="000000"/>
+                </a:solidFill>
+                <a:latin typeface="Calibri"/>
+                <a:ea typeface="DejaVu Sans"/>
+              </a:rPr>
+              <a:t>下，测试不同的发包间隔（一发一转发一收），报文到达的时延是多少</a:t>
             </a:r>
             <a:endParaRPr/>
           </a:p>
@@ -5480,22 +4792,214 @@
               <a:buChar char="•"/>
             </a:pPr>
             <a:r>
-              <a:rPr lang="zh-CN" sz="2800">
-                <a:solidFill>
-                  <a:srgbClr val="FF0000"/>
-                </a:solidFill>
-                <a:latin typeface="Calibri"/>
-              </a:rPr>
-              <a:t>核间 同一个物理核心/物理核心之间（同一个cpu）/不同cpu间 （performance， poll-mode）=&gt;  考虑边权重，尽量让协作多的任务放到同一个cpu或同一个核上</a:t>
-            </a:r>
-            <a:r>
-              <a:rPr lang="zh-CN" sz="2800">
-                <a:solidFill>
-                  <a:srgbClr val="000000"/>
-                </a:solidFill>
-                <a:latin typeface="Calibri"/>
-              </a:rPr>
-              <a:t>这个实验是一发一收，setcpu在不同的核上就行了，注意这里的核仅仅是物理核，还得是逻辑核，物理核，packet</a:t>
+              <a:rPr lang="en-US" sz="2400">
+                <a:solidFill>
+                  <a:srgbClr val="ff0000"/>
+                </a:solidFill>
+                <a:latin typeface="Calibri"/>
+                <a:ea typeface="DejaVu Sans"/>
+              </a:rPr>
+              <a:t>核间 同一个物理核心</a:t>
+            </a:r>
+            <a:r>
+              <a:rPr lang="en-US" sz="2400">
+                <a:solidFill>
+                  <a:srgbClr val="ff0000"/>
+                </a:solidFill>
+                <a:latin typeface="Calibri"/>
+                <a:ea typeface="DejaVu Sans"/>
+              </a:rPr>
+              <a:t>/</a:t>
+            </a:r>
+            <a:r>
+              <a:rPr lang="en-US" sz="2400">
+                <a:solidFill>
+                  <a:srgbClr val="ff0000"/>
+                </a:solidFill>
+                <a:latin typeface="Calibri"/>
+                <a:ea typeface="DejaVu Sans"/>
+              </a:rPr>
+              <a:t>物理核心之间（同一个</a:t>
+            </a:r>
+            <a:r>
+              <a:rPr lang="en-US" sz="2400">
+                <a:solidFill>
+                  <a:srgbClr val="ff0000"/>
+                </a:solidFill>
+                <a:latin typeface="Calibri"/>
+                <a:ea typeface="DejaVu Sans"/>
+              </a:rPr>
+              <a:t>cpu</a:t>
+            </a:r>
+            <a:r>
+              <a:rPr lang="en-US" sz="2400">
+                <a:solidFill>
+                  <a:srgbClr val="ff0000"/>
+                </a:solidFill>
+                <a:latin typeface="Calibri"/>
+                <a:ea typeface="DejaVu Sans"/>
+              </a:rPr>
+              <a:t>）</a:t>
+            </a:r>
+            <a:r>
+              <a:rPr lang="en-US" sz="2400">
+                <a:solidFill>
+                  <a:srgbClr val="ff0000"/>
+                </a:solidFill>
+                <a:latin typeface="Calibri"/>
+                <a:ea typeface="DejaVu Sans"/>
+              </a:rPr>
+              <a:t>/</a:t>
+            </a:r>
+            <a:r>
+              <a:rPr lang="en-US" sz="2400">
+                <a:solidFill>
+                  <a:srgbClr val="ff0000"/>
+                </a:solidFill>
+                <a:latin typeface="Calibri"/>
+                <a:ea typeface="DejaVu Sans"/>
+              </a:rPr>
+              <a:t>不同</a:t>
+            </a:r>
+            <a:r>
+              <a:rPr lang="en-US" sz="2400">
+                <a:solidFill>
+                  <a:srgbClr val="ff0000"/>
+                </a:solidFill>
+                <a:latin typeface="Calibri"/>
+                <a:ea typeface="DejaVu Sans"/>
+              </a:rPr>
+              <a:t>cpu</a:t>
+            </a:r>
+            <a:r>
+              <a:rPr lang="en-US" sz="2400">
+                <a:solidFill>
+                  <a:srgbClr val="ff0000"/>
+                </a:solidFill>
+                <a:latin typeface="Calibri"/>
+                <a:ea typeface="DejaVu Sans"/>
+              </a:rPr>
+              <a:t>间 （</a:t>
+            </a:r>
+            <a:r>
+              <a:rPr lang="en-US" sz="2400">
+                <a:solidFill>
+                  <a:srgbClr val="ff0000"/>
+                </a:solidFill>
+                <a:latin typeface="Calibri"/>
+                <a:ea typeface="DejaVu Sans"/>
+              </a:rPr>
+              <a:t>performance</a:t>
+            </a:r>
+            <a:r>
+              <a:rPr lang="en-US" sz="2400">
+                <a:solidFill>
+                  <a:srgbClr val="ff0000"/>
+                </a:solidFill>
+                <a:latin typeface="Calibri"/>
+                <a:ea typeface="DejaVu Sans"/>
+              </a:rPr>
+              <a:t>， </a:t>
+            </a:r>
+            <a:r>
+              <a:rPr lang="en-US" sz="2400">
+                <a:solidFill>
+                  <a:srgbClr val="ff0000"/>
+                </a:solidFill>
+                <a:latin typeface="Calibri"/>
+                <a:ea typeface="DejaVu Sans"/>
+              </a:rPr>
+              <a:t>poll-mode</a:t>
+            </a:r>
+            <a:r>
+              <a:rPr lang="en-US" sz="2400">
+                <a:solidFill>
+                  <a:srgbClr val="ff0000"/>
+                </a:solidFill>
+                <a:latin typeface="Calibri"/>
+                <a:ea typeface="DejaVu Sans"/>
+              </a:rPr>
+              <a:t>）</a:t>
+            </a:r>
+            <a:r>
+              <a:rPr lang="en-US" sz="2400">
+                <a:solidFill>
+                  <a:srgbClr val="ff0000"/>
+                </a:solidFill>
+                <a:latin typeface="Calibri"/>
+                <a:ea typeface="DejaVu Sans"/>
+              </a:rPr>
+              <a:t>=&gt;  </a:t>
+            </a:r>
+            <a:r>
+              <a:rPr lang="en-US" sz="2400">
+                <a:solidFill>
+                  <a:srgbClr val="ff0000"/>
+                </a:solidFill>
+                <a:latin typeface="Calibri"/>
+                <a:ea typeface="DejaVu Sans"/>
+              </a:rPr>
+              <a:t>考虑边权重，尽量让协作多的任务放到同一个</a:t>
+            </a:r>
+            <a:r>
+              <a:rPr lang="en-US" sz="2400">
+                <a:solidFill>
+                  <a:srgbClr val="ff0000"/>
+                </a:solidFill>
+                <a:latin typeface="Calibri"/>
+                <a:ea typeface="DejaVu Sans"/>
+              </a:rPr>
+              <a:t>cpu</a:t>
+            </a:r>
+            <a:r>
+              <a:rPr lang="en-US" sz="2400">
+                <a:solidFill>
+                  <a:srgbClr val="ff0000"/>
+                </a:solidFill>
+                <a:latin typeface="Calibri"/>
+                <a:ea typeface="DejaVu Sans"/>
+              </a:rPr>
+              <a:t>或同一个核上</a:t>
+            </a:r>
+            <a:r>
+              <a:rPr lang="en-US" sz="2400">
+                <a:solidFill>
+                  <a:srgbClr val="000000"/>
+                </a:solidFill>
+                <a:latin typeface="Calibri"/>
+                <a:ea typeface="DejaVu Sans"/>
+              </a:rPr>
+              <a:t>这个实验是一发一收，</a:t>
+            </a:r>
+            <a:r>
+              <a:rPr lang="en-US" sz="2400">
+                <a:solidFill>
+                  <a:srgbClr val="000000"/>
+                </a:solidFill>
+                <a:latin typeface="Calibri"/>
+                <a:ea typeface="DejaVu Sans"/>
+              </a:rPr>
+              <a:t>setcpu</a:t>
+            </a:r>
+            <a:r>
+              <a:rPr lang="en-US" sz="2400">
+                <a:solidFill>
+                  <a:srgbClr val="000000"/>
+                </a:solidFill>
+                <a:latin typeface="Calibri"/>
+                <a:ea typeface="DejaVu Sans"/>
+              </a:rPr>
+              <a:t>在不同的核上就行了，注意这里的核仅仅是物理核，还得是逻辑核，物理核，</a:t>
+            </a:r>
+            <a:r>
+              <a:rPr lang="en-US" sz="2400">
+                <a:solidFill>
+                  <a:srgbClr val="000000"/>
+                </a:solidFill>
+                <a:latin typeface="Calibri"/>
+                <a:ea typeface="DejaVu Sans"/>
+              </a:rPr>
+              <a:t>packet</a:t>
             </a:r>
             <a:endParaRPr/>
           </a:p>
@@ -5511,25 +5015,22 @@
       </p:sp>
     </p:spTree>
   </p:cSld>
-  <p:clrMapOvr>
-    <a:masterClrMapping/>
-  </p:clrMapOvr>
   <p:timing>
     <p:tnLst>
       <p:par>
-        <p:cTn id="1" dur="indefinite" restart="never" nodeType="tmRoot">
+        <p:cTn id="11" dur="indefinite" restart="never" nodeType="tmRoot">
           <p:childTnLst>
             <p:seq>
-              <p:cTn id="2" nodeType="mainSeq"/>
+              <p:cTn id="12" nodeType="mainSeq"/>
               <p:prevCondLst>
-                <p:cond evt="onPrev" delay="0">
+                <p:cond delay="0" evt="onPrev">
                   <p:tgtEl>
                     <p:sldTgt/>
                   </p:tgtEl>
                 </p:cond>
               </p:prevCondLst>
               <p:nextCondLst>
-                <p:cond evt="onNext" delay="0">
+                <p:cond delay="0" evt="onNext">
                   <p:tgtEl>
                     <p:sldTgt/>
                   </p:tgtEl>
@@ -5545,7 +5046,7 @@
 </file>
 
 <file path=ppt/slides/slide7.xml><?xml version="1.0" encoding="utf-8"?>
-<p:sld xmlns:a="http://schemas.openxmlformats.org/drawingml/2006/main" xmlns:r="http://schemas.openxmlformats.org/officeDocument/2006/relationships" xmlns:p="http://schemas.openxmlformats.org/presentationml/2006/main">
+<p:sld xmlns:a="http://schemas.openxmlformats.org/drawingml/2006/main" xmlns:p="http://schemas.openxmlformats.org/presentationml/2006/main" xmlns:r="http://schemas.openxmlformats.org/officeDocument/2006/relationships">
   <p:cSld>
     <p:spTree>
       <p:nvGrpSpPr>
@@ -5563,22 +5064,25 @@
       </p:grpSpPr>
       <p:sp>
         <p:nvSpPr>
-          <p:cNvPr id="95" name="TextShape 1"/>
-          <p:cNvSpPr txBox="1"/>
+          <p:cNvPr id="89" name="CustomShape 1"/>
+          <p:cNvSpPr/>
           <p:nvPr/>
         </p:nvSpPr>
         <p:spPr>
           <a:xfrm>
             <a:off x="838080" y="365040"/>
-            <a:ext cx="10515240" cy="1325160"/>
-          </a:xfrm>
-          <a:prstGeom prst="rect">
-            <a:avLst/>
-          </a:prstGeom>
-        </p:spPr>
-        <p:txBody>
-          <a:bodyPr anchor="ctr"/>
-          <a:lstStyle/>
+            <a:ext cx="10514520" cy="1324440"/>
+          </a:xfrm>
+          <a:prstGeom prst="rect">
+            <a:avLst/>
+          </a:prstGeom>
+          <a:noFill/>
+          <a:ln>
+            <a:noFill/>
+          </a:ln>
+        </p:spPr>
+        <p:txBody>
+          <a:bodyPr lIns="90000" rIns="90000" tIns="45000" bIns="45000" anchor="ctr"/>
           <a:p>
             <a:pPr>
               <a:lnSpc>
@@ -5586,11 +5090,12 @@
               </a:lnSpc>
             </a:pPr>
             <a:r>
-              <a:rPr lang="zh-CN" sz="4400">
+              <a:rPr lang="en-US" sz="4400">
                 <a:solidFill>
                   <a:srgbClr val="000000"/>
                 </a:solidFill>
                 <a:latin typeface="Calibri Light"/>
+                <a:ea typeface="DejaVu Sans"/>
               </a:rPr>
               <a:t>evaluation</a:t>
             </a:r>
@@ -5600,22 +5105,25 @@
       </p:sp>
       <p:sp>
         <p:nvSpPr>
-          <p:cNvPr id="96" name="TextShape 2"/>
-          <p:cNvSpPr txBox="1"/>
+          <p:cNvPr id="90" name="CustomShape 2"/>
+          <p:cNvSpPr/>
           <p:nvPr/>
         </p:nvSpPr>
         <p:spPr>
           <a:xfrm>
             <a:off x="838080" y="1825560"/>
-            <a:ext cx="10515240" cy="4350960"/>
-          </a:xfrm>
-          <a:prstGeom prst="rect">
-            <a:avLst/>
-          </a:prstGeom>
-        </p:spPr>
-        <p:txBody>
-          <a:bodyPr/>
-          <a:lstStyle/>
+            <a:ext cx="10514520" cy="4350240"/>
+          </a:xfrm>
+          <a:prstGeom prst="rect">
+            <a:avLst/>
+          </a:prstGeom>
+          <a:noFill/>
+          <a:ln>
+            <a:noFill/>
+          </a:ln>
+        </p:spPr>
+        <p:txBody>
+          <a:bodyPr lIns="90000" rIns="90000" tIns="45000" bIns="45000"/>
           <a:p>
             <a:pPr>
               <a:lnSpc>
@@ -5625,11 +5133,12 @@
               <a:buChar char="•"/>
             </a:pPr>
             <a:r>
-              <a:rPr lang="zh-CN" sz="2800">
-                <a:solidFill>
-                  <a:srgbClr val="000000"/>
-                </a:solidFill>
-                <a:latin typeface="Calibri"/>
+              <a:rPr lang="en-US" sz="2800">
+                <a:solidFill>
+                  <a:srgbClr val="000000"/>
+                </a:solidFill>
+                <a:latin typeface="Calibri"/>
+                <a:ea typeface="DejaVu Sans"/>
               </a:rPr>
               <a:t>算法评估</a:t>
             </a:r>
@@ -5642,13 +5151,24 @@
               </a:lnSpc>
             </a:pPr>
             <a:r>
-              <a:rPr lang="zh-CN" sz="2800">
-                <a:solidFill>
-                  <a:srgbClr val="000000"/>
-                </a:solidFill>
-                <a:latin typeface="Calibri"/>
-              </a:rPr>
-              <a:t>	拓扑从小到大，我们的算法产生的结果在所有可能里的排名</a:t>
+              <a:rPr lang="en-US" sz="2800">
+                <a:solidFill>
+                  <a:srgbClr val="000000"/>
+                </a:solidFill>
+                <a:latin typeface="Calibri"/>
+                <a:ea typeface="DejaVu Sans"/>
+              </a:rPr>
+              <a:t>	</a:t>
+            </a:r>
+            <a:r>
+              <a:rPr lang="en-US" sz="2800">
+                <a:solidFill>
+                  <a:srgbClr val="000000"/>
+                </a:solidFill>
+                <a:latin typeface="Calibri"/>
+                <a:ea typeface="DejaVu Sans"/>
+              </a:rPr>
+              <a:t>拓扑从小到大，我们的算法产生的结果在所有可能里的排名</a:t>
             </a:r>
             <a:endParaRPr/>
           </a:p>
@@ -5659,13 +5179,24 @@
               </a:lnSpc>
             </a:pPr>
             <a:r>
-              <a:rPr lang="zh-CN" sz="2800">
-                <a:solidFill>
-                  <a:srgbClr val="000000"/>
-                </a:solidFill>
-                <a:latin typeface="Calibri"/>
-              </a:rPr>
-              <a:t>	拓扑从小到大，算法耗时</a:t>
+              <a:rPr lang="en-US" sz="2800">
+                <a:solidFill>
+                  <a:srgbClr val="000000"/>
+                </a:solidFill>
+                <a:latin typeface="Calibri"/>
+                <a:ea typeface="DejaVu Sans"/>
+              </a:rPr>
+              <a:t>	</a:t>
+            </a:r>
+            <a:r>
+              <a:rPr lang="en-US" sz="2800">
+                <a:solidFill>
+                  <a:srgbClr val="000000"/>
+                </a:solidFill>
+                <a:latin typeface="Calibri"/>
+                <a:ea typeface="DejaVu Sans"/>
+              </a:rPr>
+              <a:t>拓扑从小到大，算法耗时</a:t>
             </a:r>
             <a:endParaRPr/>
           </a:p>
@@ -5676,13 +5207,24 @@
               </a:lnSpc>
             </a:pPr>
             <a:r>
-              <a:rPr lang="zh-CN" sz="2800">
-                <a:solidFill>
-                  <a:srgbClr val="000000"/>
-                </a:solidFill>
-                <a:latin typeface="Calibri"/>
-              </a:rPr>
-              <a:t>	拓扑从小到大，需要交换的实际次数（平均）</a:t>
+              <a:rPr lang="en-US" sz="2800">
+                <a:solidFill>
+                  <a:srgbClr val="000000"/>
+                </a:solidFill>
+                <a:latin typeface="Calibri"/>
+                <a:ea typeface="DejaVu Sans"/>
+              </a:rPr>
+              <a:t>	</a:t>
+            </a:r>
+            <a:r>
+              <a:rPr lang="en-US" sz="2800">
+                <a:solidFill>
+                  <a:srgbClr val="000000"/>
+                </a:solidFill>
+                <a:latin typeface="Calibri"/>
+                <a:ea typeface="DejaVu Sans"/>
+              </a:rPr>
+              <a:t>拓扑从小到大，需要交换的实际次数（平均）</a:t>
             </a:r>
             <a:endParaRPr/>
           </a:p>
@@ -5693,13 +5235,24 @@
               </a:lnSpc>
             </a:pPr>
             <a:r>
-              <a:rPr lang="zh-CN" sz="2800">
-                <a:solidFill>
-                  <a:srgbClr val="000000"/>
-                </a:solidFill>
-                <a:latin typeface="Calibri"/>
-              </a:rPr>
-              <a:t>	拓扑从小到大，限制交换次数时（实际进行的交换次数）</a:t>
+              <a:rPr lang="en-US" sz="2800">
+                <a:solidFill>
+                  <a:srgbClr val="000000"/>
+                </a:solidFill>
+                <a:latin typeface="Calibri"/>
+                <a:ea typeface="DejaVu Sans"/>
+              </a:rPr>
+              <a:t>	</a:t>
+            </a:r>
+            <a:r>
+              <a:rPr lang="en-US" sz="2800">
+                <a:solidFill>
+                  <a:srgbClr val="000000"/>
+                </a:solidFill>
+                <a:latin typeface="Calibri"/>
+                <a:ea typeface="DejaVu Sans"/>
+              </a:rPr>
+              <a:t>拓扑从小到大，限制交换次数时（实际进行的交换次数）</a:t>
             </a:r>
             <a:endParaRPr/>
           </a:p>
@@ -5710,11 +5263,12 @@
               </a:lnSpc>
             </a:pPr>
             <a:r>
-              <a:rPr lang="zh-CN" sz="2800">
-                <a:solidFill>
-                  <a:srgbClr val="000000"/>
-                </a:solidFill>
-                <a:latin typeface="Calibri"/>
+              <a:rPr lang="en-US" sz="2800">
+                <a:solidFill>
+                  <a:srgbClr val="000000"/>
+                </a:solidFill>
+                <a:latin typeface="Calibri"/>
+                <a:ea typeface="DejaVu Sans"/>
               </a:rPr>
               <a:t>	</a:t>
             </a:r>
@@ -5724,25 +5278,22 @@
       </p:sp>
     </p:spTree>
   </p:cSld>
-  <p:clrMapOvr>
-    <a:masterClrMapping/>
-  </p:clrMapOvr>
   <p:timing>
     <p:tnLst>
       <p:par>
-        <p:cTn id="1" dur="indefinite" restart="never" nodeType="tmRoot">
+        <p:cTn id="13" dur="indefinite" restart="never" nodeType="tmRoot">
           <p:childTnLst>
             <p:seq>
-              <p:cTn id="2" nodeType="mainSeq"/>
+              <p:cTn id="14" nodeType="mainSeq"/>
               <p:prevCondLst>
-                <p:cond evt="onPrev" delay="0">
+                <p:cond delay="0" evt="onPrev">
                   <p:tgtEl>
                     <p:sldTgt/>
                   </p:tgtEl>
                 </p:cond>
               </p:prevCondLst>
               <p:nextCondLst>
-                <p:cond evt="onNext" delay="0">
+                <p:cond delay="0" evt="onNext">
                   <p:tgtEl>
                     <p:sldTgt/>
                   </p:tgtEl>
@@ -5758,7 +5309,7 @@
 </file>
 
 <file path=ppt/slides/slide8.xml><?xml version="1.0" encoding="utf-8"?>
-<p:sld xmlns:a="http://schemas.openxmlformats.org/drawingml/2006/main" xmlns:r="http://schemas.openxmlformats.org/officeDocument/2006/relationships" xmlns:p="http://schemas.openxmlformats.org/presentationml/2006/main">
+<p:sld xmlns:a="http://schemas.openxmlformats.org/drawingml/2006/main" xmlns:p="http://schemas.openxmlformats.org/presentationml/2006/main" xmlns:r="http://schemas.openxmlformats.org/officeDocument/2006/relationships">
   <p:cSld>
     <p:spTree>
       <p:nvGrpSpPr>
@@ -5776,22 +5327,25 @@
       </p:grpSpPr>
       <p:sp>
         <p:nvSpPr>
-          <p:cNvPr id="97" name="TextShape 1"/>
-          <p:cNvSpPr txBox="1"/>
+          <p:cNvPr id="91" name="CustomShape 1"/>
+          <p:cNvSpPr/>
           <p:nvPr/>
         </p:nvSpPr>
         <p:spPr>
           <a:xfrm>
             <a:off x="838080" y="365040"/>
-            <a:ext cx="10515240" cy="1325160"/>
-          </a:xfrm>
-          <a:prstGeom prst="rect">
-            <a:avLst/>
-          </a:prstGeom>
-        </p:spPr>
-        <p:txBody>
-          <a:bodyPr anchor="ctr"/>
-          <a:lstStyle/>
+            <a:ext cx="10514520" cy="1324440"/>
+          </a:xfrm>
+          <a:prstGeom prst="rect">
+            <a:avLst/>
+          </a:prstGeom>
+          <a:noFill/>
+          <a:ln>
+            <a:noFill/>
+          </a:ln>
+        </p:spPr>
+        <p:txBody>
+          <a:bodyPr lIns="90000" rIns="90000" tIns="45000" bIns="45000" anchor="ctr"/>
           <a:p>
             <a:pPr>
               <a:lnSpc>
@@ -5799,11 +5353,12 @@
               </a:lnSpc>
             </a:pPr>
             <a:r>
-              <a:rPr lang="zh-CN" sz="4400">
+              <a:rPr lang="en-US" sz="4400">
                 <a:solidFill>
                   <a:srgbClr val="000000"/>
                 </a:solidFill>
                 <a:latin typeface="Calibri Light"/>
+                <a:ea typeface="DejaVu Sans"/>
               </a:rPr>
               <a:t>evaluation</a:t>
             </a:r>
@@ -5813,22 +5368,25 @@
       </p:sp>
       <p:sp>
         <p:nvSpPr>
-          <p:cNvPr id="98" name="TextShape 2"/>
-          <p:cNvSpPr txBox="1"/>
+          <p:cNvPr id="92" name="CustomShape 2"/>
+          <p:cNvSpPr/>
           <p:nvPr/>
         </p:nvSpPr>
         <p:spPr>
           <a:xfrm>
             <a:off x="838080" y="1825560"/>
-            <a:ext cx="10515240" cy="4350960"/>
-          </a:xfrm>
-          <a:prstGeom prst="rect">
-            <a:avLst/>
-          </a:prstGeom>
-        </p:spPr>
-        <p:txBody>
-          <a:bodyPr/>
-          <a:lstStyle/>
+            <a:ext cx="10514520" cy="4350240"/>
+          </a:xfrm>
+          <a:prstGeom prst="rect">
+            <a:avLst/>
+          </a:prstGeom>
+          <a:noFill/>
+          <a:ln>
+            <a:noFill/>
+          </a:ln>
+        </p:spPr>
+        <p:txBody>
+          <a:bodyPr lIns="90000" rIns="90000" tIns="45000" bIns="45000"/>
           <a:p>
             <a:pPr>
               <a:lnSpc>
@@ -5838,11 +5396,12 @@
               <a:buChar char="•"/>
             </a:pPr>
             <a:r>
-              <a:rPr lang="zh-CN" sz="2800">
-                <a:solidFill>
-                  <a:srgbClr val="000000"/>
-                </a:solidFill>
-                <a:latin typeface="Calibri"/>
+              <a:rPr lang="en-US" sz="2800">
+                <a:solidFill>
+                  <a:srgbClr val="000000"/>
+                </a:solidFill>
+                <a:latin typeface="Calibri"/>
+                <a:ea typeface="DejaVu Sans"/>
               </a:rPr>
               <a:t>省电效果</a:t>
             </a:r>
@@ -5855,13 +5414,54 @@
               </a:lnSpc>
             </a:pPr>
             <a:r>
-              <a:rPr lang="zh-CN" sz="2800">
-                <a:solidFill>
-                  <a:srgbClr val="000000"/>
-                </a:solidFill>
-                <a:latin typeface="Calibri"/>
-              </a:rPr>
-              <a:t>	cpu合并图（那么需不需要cpu分裂的图呢？）</a:t>
+              <a:rPr lang="en-US" sz="2800">
+                <a:solidFill>
+                  <a:srgbClr val="000000"/>
+                </a:solidFill>
+                <a:latin typeface="Calibri"/>
+                <a:ea typeface="DejaVu Sans"/>
+              </a:rPr>
+              <a:t>	</a:t>
+            </a:r>
+            <a:r>
+              <a:rPr lang="en-US" sz="2800">
+                <a:solidFill>
+                  <a:srgbClr val="000000"/>
+                </a:solidFill>
+                <a:latin typeface="Calibri"/>
+                <a:ea typeface="DejaVu Sans"/>
+              </a:rPr>
+              <a:t>cpu</a:t>
+            </a:r>
+            <a:r>
+              <a:rPr lang="en-US" sz="2800">
+                <a:solidFill>
+                  <a:srgbClr val="000000"/>
+                </a:solidFill>
+                <a:latin typeface="Calibri"/>
+                <a:ea typeface="DejaVu Sans"/>
+              </a:rPr>
+              <a:t>合并图（那么需不需要</a:t>
+            </a:r>
+            <a:r>
+              <a:rPr lang="en-US" sz="2800">
+                <a:solidFill>
+                  <a:srgbClr val="000000"/>
+                </a:solidFill>
+                <a:latin typeface="Calibri"/>
+                <a:ea typeface="DejaVu Sans"/>
+              </a:rPr>
+              <a:t>cpu</a:t>
+            </a:r>
+            <a:r>
+              <a:rPr lang="en-US" sz="2800">
+                <a:solidFill>
+                  <a:srgbClr val="000000"/>
+                </a:solidFill>
+                <a:latin typeface="Calibri"/>
+                <a:ea typeface="DejaVu Sans"/>
+              </a:rPr>
+              <a:t>分裂的图呢？）</a:t>
             </a:r>
             <a:endParaRPr/>
           </a:p>
@@ -5872,13 +5472,34 @@
               </a:lnSpc>
             </a:pPr>
             <a:r>
-              <a:rPr lang="zh-CN" sz="2800">
-                <a:solidFill>
-                  <a:srgbClr val="000000"/>
-                </a:solidFill>
-                <a:latin typeface="Calibri"/>
-              </a:rPr>
-              <a:t>	cpu的个数随着发包速率的变化而变化 图（这个可能可以更新一下）</a:t>
+              <a:rPr lang="en-US" sz="2800">
+                <a:solidFill>
+                  <a:srgbClr val="000000"/>
+                </a:solidFill>
+                <a:latin typeface="Calibri"/>
+                <a:ea typeface="DejaVu Sans"/>
+              </a:rPr>
+              <a:t>	</a:t>
+            </a:r>
+            <a:r>
+              <a:rPr lang="en-US" sz="2800">
+                <a:solidFill>
+                  <a:srgbClr val="000000"/>
+                </a:solidFill>
+                <a:latin typeface="Calibri"/>
+                <a:ea typeface="DejaVu Sans"/>
+              </a:rPr>
+              <a:t>cpu</a:t>
+            </a:r>
+            <a:r>
+              <a:rPr lang="en-US" sz="2800">
+                <a:solidFill>
+                  <a:srgbClr val="000000"/>
+                </a:solidFill>
+                <a:latin typeface="Calibri"/>
+                <a:ea typeface="DejaVu Sans"/>
+              </a:rPr>
+              <a:t>的个数随着发包速率的变化而变化 图（这个可能可以更新一下）</a:t>
             </a:r>
             <a:endParaRPr/>
           </a:p>
@@ -5889,13 +5510,24 @@
               </a:lnSpc>
             </a:pPr>
             <a:r>
-              <a:rPr lang="zh-CN" sz="2800">
-                <a:solidFill>
-                  <a:srgbClr val="000000"/>
-                </a:solidFill>
-                <a:latin typeface="Calibri"/>
-              </a:rPr>
-              <a:t>	我们的算法与原始不做处理的进行对比，节能效果</a:t>
+              <a:rPr lang="en-US" sz="2800">
+                <a:solidFill>
+                  <a:srgbClr val="000000"/>
+                </a:solidFill>
+                <a:latin typeface="Calibri"/>
+                <a:ea typeface="DejaVu Sans"/>
+              </a:rPr>
+              <a:t>	</a:t>
+            </a:r>
+            <a:r>
+              <a:rPr lang="en-US" sz="2800">
+                <a:solidFill>
+                  <a:srgbClr val="000000"/>
+                </a:solidFill>
+                <a:latin typeface="Calibri"/>
+                <a:ea typeface="DejaVu Sans"/>
+              </a:rPr>
+              <a:t>我们的算法与原始不做处理的进行对比，节能效果</a:t>
             </a:r>
             <a:endParaRPr/>
           </a:p>
@@ -5906,13 +5538,24 @@
               </a:lnSpc>
             </a:pPr>
             <a:r>
-              <a:rPr lang="zh-CN" sz="2800">
-                <a:solidFill>
-                  <a:srgbClr val="000000"/>
-                </a:solidFill>
-                <a:latin typeface="Calibri"/>
-              </a:rPr>
-              <a:t>	我们的算法与原始不做处理的进行对比，性能效果</a:t>
+              <a:rPr lang="en-US" sz="2800">
+                <a:solidFill>
+                  <a:srgbClr val="000000"/>
+                </a:solidFill>
+                <a:latin typeface="Calibri"/>
+                <a:ea typeface="DejaVu Sans"/>
+              </a:rPr>
+              <a:t>	</a:t>
+            </a:r>
+            <a:r>
+              <a:rPr lang="en-US" sz="2800">
+                <a:solidFill>
+                  <a:srgbClr val="000000"/>
+                </a:solidFill>
+                <a:latin typeface="Calibri"/>
+                <a:ea typeface="DejaVu Sans"/>
+              </a:rPr>
+              <a:t>我们的算法与原始不做处理的进行对比，性能效果</a:t>
             </a:r>
             <a:endParaRPr/>
           </a:p>
@@ -5920,25 +5563,22 @@
       </p:sp>
     </p:spTree>
   </p:cSld>
-  <p:clrMapOvr>
-    <a:masterClrMapping/>
-  </p:clrMapOvr>
   <p:timing>
     <p:tnLst>
       <p:par>
-        <p:cTn id="1" dur="indefinite" restart="never" nodeType="tmRoot">
+        <p:cTn id="15" dur="indefinite" restart="never" nodeType="tmRoot">
           <p:childTnLst>
             <p:seq>
-              <p:cTn id="2" nodeType="mainSeq"/>
+              <p:cTn id="16" nodeType="mainSeq"/>
               <p:prevCondLst>
-                <p:cond evt="onPrev" delay="0">
+                <p:cond delay="0" evt="onPrev">
                   <p:tgtEl>
                     <p:sldTgt/>
                   </p:tgtEl>
                 </p:cond>
               </p:prevCondLst>
               <p:nextCondLst>
-                <p:cond evt="onNext" delay="0">
+                <p:cond delay="0" evt="onNext">
                   <p:tgtEl>
                     <p:sldTgt/>
                   </p:tgtEl>
@@ -6173,8 +5813,6 @@
       </a:bgFillStyleLst>
     </a:fmtScheme>
   </a:themeElements>
-  <a:objectDefaults/>
-  <a:extraClrSchemeLst/>
 </a:theme>
 </file>
 
@@ -6398,8 +6036,6 @@
       </a:bgFillStyleLst>
     </a:fmtScheme>
   </a:themeElements>
-  <a:objectDefaults/>
-  <a:extraClrSchemeLst/>
 </a:theme>
 </file>
 
@@ -6623,7 +6259,5 @@
       </a:bgFillStyleLst>
     </a:fmtScheme>
   </a:themeElements>
-  <a:objectDefaults/>
-  <a:extraClrSchemeLst/>
 </a:theme>
 </file>